--- a/110雲端運算研一k8s體驗.pptx
+++ b/110雲端運算研一k8s體驗.pptx
@@ -18,25 +18,15 @@
     <p:sldId id="284" r:id="rId12"/>
     <p:sldId id="266" r:id="rId13"/>
     <p:sldId id="267" r:id="rId14"/>
-    <p:sldId id="264" r:id="rId15"/>
-    <p:sldId id="265" r:id="rId16"/>
-    <p:sldId id="258" r:id="rId17"/>
-    <p:sldId id="285" r:id="rId18"/>
-    <p:sldId id="294" r:id="rId19"/>
-    <p:sldId id="296" r:id="rId20"/>
-    <p:sldId id="293" r:id="rId21"/>
-    <p:sldId id="286" r:id="rId22"/>
-    <p:sldId id="287" r:id="rId23"/>
-    <p:sldId id="259" r:id="rId24"/>
-    <p:sldId id="276" r:id="rId25"/>
-    <p:sldId id="260" r:id="rId26"/>
-    <p:sldId id="275" r:id="rId27"/>
-    <p:sldId id="261" r:id="rId28"/>
-    <p:sldId id="274" r:id="rId29"/>
-    <p:sldId id="262" r:id="rId30"/>
-    <p:sldId id="277" r:id="rId31"/>
-    <p:sldId id="278" r:id="rId32"/>
-    <p:sldId id="288" r:id="rId33"/>
+    <p:sldId id="258" r:id="rId15"/>
+    <p:sldId id="285" r:id="rId16"/>
+    <p:sldId id="294" r:id="rId17"/>
+    <p:sldId id="296" r:id="rId18"/>
+    <p:sldId id="293" r:id="rId19"/>
+    <p:sldId id="286" r:id="rId20"/>
+    <p:sldId id="297" r:id="rId21"/>
+    <p:sldId id="287" r:id="rId22"/>
+    <p:sldId id="261" r:id="rId23"/>
   </p:sldIdLst>
   <p:sldSz cx="12192000" cy="6858000"/>
   <p:notesSz cx="6858000" cy="9144000"/>
@@ -141,3017 +131,6 @@
     </p:ext>
   </p:extLst>
 </p:presentation>
-</file>
-
-<file path=ppt/diagrams/colors1.xml><?xml version="1.0" encoding="utf-8"?>
-<dgm:colorsDef xmlns:dgm="http://schemas.openxmlformats.org/drawingml/2006/diagram" xmlns:a="http://schemas.openxmlformats.org/drawingml/2006/main" uniqueId="urn:microsoft.com/office/officeart/2005/8/colors/colorful4">
-  <dgm:title val=""/>
-  <dgm:desc val=""/>
-  <dgm:catLst>
-    <dgm:cat type="colorful" pri="10400"/>
-  </dgm:catLst>
-  <dgm:styleLbl name="node0">
-    <dgm:fillClrLst meth="repeat">
-      <a:schemeClr val="accent3"/>
-    </dgm:fillClrLst>
-    <dgm:linClrLst meth="repeat">
-      <a:schemeClr val="lt1"/>
-    </dgm:linClrLst>
-    <dgm:effectClrLst/>
-    <dgm:txLinClrLst/>
-    <dgm:txFillClrLst/>
-    <dgm:txEffectClrLst/>
-  </dgm:styleLbl>
-  <dgm:styleLbl name="node1">
-    <dgm:fillClrLst>
-      <a:schemeClr val="accent4"/>
-      <a:schemeClr val="accent5"/>
-    </dgm:fillClrLst>
-    <dgm:linClrLst meth="repeat">
-      <a:schemeClr val="lt1"/>
-    </dgm:linClrLst>
-    <dgm:effectClrLst/>
-    <dgm:txLinClrLst/>
-    <dgm:txFillClrLst/>
-    <dgm:txEffectClrLst/>
-  </dgm:styleLbl>
-  <dgm:styleLbl name="alignNode1">
-    <dgm:fillClrLst>
-      <a:schemeClr val="accent4"/>
-      <a:schemeClr val="accent5"/>
-    </dgm:fillClrLst>
-    <dgm:linClrLst>
-      <a:schemeClr val="accent4"/>
-      <a:schemeClr val="accent5"/>
-    </dgm:linClrLst>
-    <dgm:effectClrLst/>
-    <dgm:txLinClrLst/>
-    <dgm:txFillClrLst/>
-    <dgm:txEffectClrLst/>
-  </dgm:styleLbl>
-  <dgm:styleLbl name="lnNode1">
-    <dgm:fillClrLst>
-      <a:schemeClr val="accent4"/>
-      <a:schemeClr val="accent5"/>
-    </dgm:fillClrLst>
-    <dgm:linClrLst meth="repeat">
-      <a:schemeClr val="lt1"/>
-    </dgm:linClrLst>
-    <dgm:effectClrLst/>
-    <dgm:txLinClrLst/>
-    <dgm:txFillClrLst/>
-    <dgm:txEffectClrLst/>
-  </dgm:styleLbl>
-  <dgm:styleLbl name="vennNode1">
-    <dgm:fillClrLst>
-      <a:schemeClr val="accent4">
-        <a:alpha val="50000"/>
-      </a:schemeClr>
-      <a:schemeClr val="accent5">
-        <a:alpha val="50000"/>
-      </a:schemeClr>
-    </dgm:fillClrLst>
-    <dgm:linClrLst meth="repeat">
-      <a:schemeClr val="lt1"/>
-    </dgm:linClrLst>
-    <dgm:effectClrLst/>
-    <dgm:txLinClrLst/>
-    <dgm:txFillClrLst/>
-    <dgm:txEffectClrLst/>
-  </dgm:styleLbl>
-  <dgm:styleLbl name="node2">
-    <dgm:fillClrLst>
-      <a:schemeClr val="accent5"/>
-    </dgm:fillClrLst>
-    <dgm:linClrLst meth="repeat">
-      <a:schemeClr val="lt1"/>
-    </dgm:linClrLst>
-    <dgm:effectClrLst/>
-    <dgm:txLinClrLst/>
-    <dgm:txFillClrLst/>
-    <dgm:txEffectClrLst/>
-  </dgm:styleLbl>
-  <dgm:styleLbl name="node3">
-    <dgm:fillClrLst>
-      <a:schemeClr val="accent6"/>
-    </dgm:fillClrLst>
-    <dgm:linClrLst meth="repeat">
-      <a:schemeClr val="lt1"/>
-    </dgm:linClrLst>
-    <dgm:effectClrLst/>
-    <dgm:txLinClrLst/>
-    <dgm:txFillClrLst/>
-    <dgm:txEffectClrLst/>
-  </dgm:styleLbl>
-  <dgm:styleLbl name="node4">
-    <dgm:fillClrLst>
-      <a:schemeClr val="accent1"/>
-    </dgm:fillClrLst>
-    <dgm:linClrLst meth="repeat">
-      <a:schemeClr val="lt1"/>
-    </dgm:linClrLst>
-    <dgm:effectClrLst/>
-    <dgm:txLinClrLst/>
-    <dgm:txFillClrLst/>
-    <dgm:txEffectClrLst/>
-  </dgm:styleLbl>
-  <dgm:styleLbl name="fgImgPlace1">
-    <dgm:fillClrLst>
-      <a:schemeClr val="accent4">
-        <a:tint val="50000"/>
-      </a:schemeClr>
-      <a:schemeClr val="accent5">
-        <a:tint val="50000"/>
-      </a:schemeClr>
-    </dgm:fillClrLst>
-    <dgm:linClrLst meth="repeat">
-      <a:schemeClr val="lt1"/>
-    </dgm:linClrLst>
-    <dgm:effectClrLst/>
-    <dgm:txLinClrLst/>
-    <dgm:txFillClrLst meth="repeat">
-      <a:schemeClr val="lt1"/>
-    </dgm:txFillClrLst>
-    <dgm:txEffectClrLst/>
-  </dgm:styleLbl>
-  <dgm:styleLbl name="alignImgPlace1">
-    <dgm:fillClrLst>
-      <a:schemeClr val="accent4">
-        <a:tint val="50000"/>
-      </a:schemeClr>
-      <a:schemeClr val="accent5">
-        <a:tint val="20000"/>
-      </a:schemeClr>
-    </dgm:fillClrLst>
-    <dgm:linClrLst meth="repeat">
-      <a:schemeClr val="lt1"/>
-    </dgm:linClrLst>
-    <dgm:effectClrLst/>
-    <dgm:txLinClrLst/>
-    <dgm:txFillClrLst meth="repeat">
-      <a:schemeClr val="lt1"/>
-    </dgm:txFillClrLst>
-    <dgm:txEffectClrLst/>
-  </dgm:styleLbl>
-  <dgm:styleLbl name="bgImgPlace1">
-    <dgm:fillClrLst>
-      <a:schemeClr val="accent4">
-        <a:tint val="50000"/>
-      </a:schemeClr>
-      <a:schemeClr val="accent5">
-        <a:tint val="20000"/>
-      </a:schemeClr>
-    </dgm:fillClrLst>
-    <dgm:linClrLst meth="repeat">
-      <a:schemeClr val="lt1"/>
-    </dgm:linClrLst>
-    <dgm:effectClrLst/>
-    <dgm:txLinClrLst/>
-    <dgm:txFillClrLst meth="repeat">
-      <a:schemeClr val="lt1"/>
-    </dgm:txFillClrLst>
-    <dgm:txEffectClrLst/>
-  </dgm:styleLbl>
-  <dgm:styleLbl name="sibTrans2D1">
-    <dgm:fillClrLst>
-      <a:schemeClr val="accent4"/>
-      <a:schemeClr val="accent5"/>
-    </dgm:fillClrLst>
-    <dgm:linClrLst meth="repeat">
-      <a:schemeClr val="lt1"/>
-    </dgm:linClrLst>
-    <dgm:effectClrLst/>
-    <dgm:txLinClrLst/>
-    <dgm:txFillClrLst/>
-    <dgm:txEffectClrLst/>
-  </dgm:styleLbl>
-  <dgm:styleLbl name="fgSibTrans2D1">
-    <dgm:fillClrLst>
-      <a:schemeClr val="accent4"/>
-      <a:schemeClr val="accent5"/>
-    </dgm:fillClrLst>
-    <dgm:linClrLst meth="repeat">
-      <a:schemeClr val="lt1"/>
-    </dgm:linClrLst>
-    <dgm:effectClrLst/>
-    <dgm:txLinClrLst/>
-    <dgm:txFillClrLst meth="repeat">
-      <a:schemeClr val="lt1"/>
-    </dgm:txFillClrLst>
-    <dgm:txEffectClrLst/>
-  </dgm:styleLbl>
-  <dgm:styleLbl name="bgSibTrans2D1">
-    <dgm:fillClrLst>
-      <a:schemeClr val="accent4"/>
-      <a:schemeClr val="accent5"/>
-    </dgm:fillClrLst>
-    <dgm:linClrLst meth="repeat">
-      <a:schemeClr val="lt1"/>
-    </dgm:linClrLst>
-    <dgm:effectClrLst/>
-    <dgm:txLinClrLst/>
-    <dgm:txFillClrLst meth="repeat">
-      <a:schemeClr val="lt1"/>
-    </dgm:txFillClrLst>
-    <dgm:txEffectClrLst/>
-  </dgm:styleLbl>
-  <dgm:styleLbl name="sibTrans1D1">
-    <dgm:fillClrLst/>
-    <dgm:linClrLst>
-      <a:schemeClr val="accent4"/>
-      <a:schemeClr val="accent5"/>
-    </dgm:linClrLst>
-    <dgm:effectClrLst/>
-    <dgm:txLinClrLst/>
-    <dgm:txFillClrLst meth="repeat">
-      <a:schemeClr val="tx1"/>
-    </dgm:txFillClrLst>
-    <dgm:txEffectClrLst/>
-  </dgm:styleLbl>
-  <dgm:styleLbl name="callout">
-    <dgm:fillClrLst meth="repeat">
-      <a:schemeClr val="accent4"/>
-    </dgm:fillClrLst>
-    <dgm:linClrLst meth="repeat">
-      <a:schemeClr val="accent4">
-        <a:tint val="50000"/>
-      </a:schemeClr>
-    </dgm:linClrLst>
-    <dgm:effectClrLst/>
-    <dgm:txLinClrLst/>
-    <dgm:txFillClrLst meth="repeat">
-      <a:schemeClr val="tx1"/>
-    </dgm:txFillClrLst>
-    <dgm:txEffectClrLst/>
-  </dgm:styleLbl>
-  <dgm:styleLbl name="asst0">
-    <dgm:fillClrLst meth="repeat">
-      <a:schemeClr val="accent4"/>
-    </dgm:fillClrLst>
-    <dgm:linClrLst meth="repeat">
-      <a:schemeClr val="lt1">
-        <a:shade val="80000"/>
-      </a:schemeClr>
-    </dgm:linClrLst>
-    <dgm:effectClrLst/>
-    <dgm:txLinClrLst/>
-    <dgm:txFillClrLst/>
-    <dgm:txEffectClrLst/>
-  </dgm:styleLbl>
-  <dgm:styleLbl name="asst1">
-    <dgm:fillClrLst meth="repeat">
-      <a:schemeClr val="accent5"/>
-    </dgm:fillClrLst>
-    <dgm:linClrLst meth="repeat">
-      <a:schemeClr val="lt1">
-        <a:shade val="80000"/>
-      </a:schemeClr>
-    </dgm:linClrLst>
-    <dgm:effectClrLst/>
-    <dgm:txLinClrLst/>
-    <dgm:txFillClrLst/>
-    <dgm:txEffectClrLst/>
-  </dgm:styleLbl>
-  <dgm:styleLbl name="asst2">
-    <dgm:fillClrLst>
-      <a:schemeClr val="accent6"/>
-    </dgm:fillClrLst>
-    <dgm:linClrLst meth="repeat">
-      <a:schemeClr val="lt1"/>
-    </dgm:linClrLst>
-    <dgm:effectClrLst/>
-    <dgm:txLinClrLst/>
-    <dgm:txFillClrLst/>
-    <dgm:txEffectClrLst/>
-  </dgm:styleLbl>
-  <dgm:styleLbl name="asst3">
-    <dgm:fillClrLst>
-      <a:schemeClr val="accent1"/>
-    </dgm:fillClrLst>
-    <dgm:linClrLst meth="repeat">
-      <a:schemeClr val="lt1"/>
-    </dgm:linClrLst>
-    <dgm:effectClrLst/>
-    <dgm:txLinClrLst/>
-    <dgm:txFillClrLst/>
-    <dgm:txEffectClrLst/>
-  </dgm:styleLbl>
-  <dgm:styleLbl name="asst4">
-    <dgm:fillClrLst>
-      <a:schemeClr val="accent2"/>
-    </dgm:fillClrLst>
-    <dgm:linClrLst meth="repeat">
-      <a:schemeClr val="lt1"/>
-    </dgm:linClrLst>
-    <dgm:effectClrLst/>
-    <dgm:txLinClrLst/>
-    <dgm:txFillClrLst/>
-    <dgm:txEffectClrLst/>
-  </dgm:styleLbl>
-  <dgm:styleLbl name="parChTrans2D1">
-    <dgm:fillClrLst meth="repeat">
-      <a:schemeClr val="accent4"/>
-    </dgm:fillClrLst>
-    <dgm:linClrLst meth="repeat">
-      <a:schemeClr val="lt1"/>
-    </dgm:linClrLst>
-    <dgm:effectClrLst/>
-    <dgm:txLinClrLst/>
-    <dgm:txFillClrLst meth="repeat">
-      <a:schemeClr val="lt1"/>
-    </dgm:txFillClrLst>
-    <dgm:txEffectClrLst/>
-  </dgm:styleLbl>
-  <dgm:styleLbl name="parChTrans2D2">
-    <dgm:fillClrLst meth="repeat">
-      <a:schemeClr val="accent5"/>
-    </dgm:fillClrLst>
-    <dgm:linClrLst meth="repeat">
-      <a:schemeClr val="lt1"/>
-    </dgm:linClrLst>
-    <dgm:effectClrLst/>
-    <dgm:txLinClrLst/>
-    <dgm:txFillClrLst/>
-    <dgm:txEffectClrLst/>
-  </dgm:styleLbl>
-  <dgm:styleLbl name="parChTrans2D3">
-    <dgm:fillClrLst meth="repeat">
-      <a:schemeClr val="accent5"/>
-    </dgm:fillClrLst>
-    <dgm:linClrLst meth="repeat">
-      <a:schemeClr val="lt1"/>
-    </dgm:linClrLst>
-    <dgm:effectClrLst/>
-    <dgm:txLinClrLst/>
-    <dgm:txFillClrLst/>
-    <dgm:txEffectClrLst/>
-  </dgm:styleLbl>
-  <dgm:styleLbl name="parChTrans2D4">
-    <dgm:fillClrLst meth="repeat">
-      <a:schemeClr val="accent6"/>
-    </dgm:fillClrLst>
-    <dgm:linClrLst meth="repeat">
-      <a:schemeClr val="lt1"/>
-    </dgm:linClrLst>
-    <dgm:effectClrLst/>
-    <dgm:txLinClrLst/>
-    <dgm:txFillClrLst meth="repeat">
-      <a:schemeClr val="lt1"/>
-    </dgm:txFillClrLst>
-    <dgm:txEffectClrLst/>
-  </dgm:styleLbl>
-  <dgm:styleLbl name="parChTrans1D1">
-    <dgm:fillClrLst meth="repeat">
-      <a:schemeClr val="accent4"/>
-    </dgm:fillClrLst>
-    <dgm:linClrLst meth="repeat">
-      <a:schemeClr val="accent4"/>
-    </dgm:linClrLst>
-    <dgm:effectClrLst/>
-    <dgm:txLinClrLst/>
-    <dgm:txFillClrLst meth="repeat">
-      <a:schemeClr val="tx1"/>
-    </dgm:txFillClrLst>
-    <dgm:txEffectClrLst/>
-  </dgm:styleLbl>
-  <dgm:styleLbl name="parChTrans1D2">
-    <dgm:fillClrLst meth="repeat">
-      <a:schemeClr val="accent4">
-        <a:tint val="90000"/>
-      </a:schemeClr>
-    </dgm:fillClrLst>
-    <dgm:linClrLst meth="repeat">
-      <a:schemeClr val="accent5"/>
-    </dgm:linClrLst>
-    <dgm:effectClrLst/>
-    <dgm:txLinClrLst/>
-    <dgm:txFillClrLst meth="repeat">
-      <a:schemeClr val="tx1"/>
-    </dgm:txFillClrLst>
-    <dgm:txEffectClrLst/>
-  </dgm:styleLbl>
-  <dgm:styleLbl name="parChTrans1D3">
-    <dgm:fillClrLst meth="repeat">
-      <a:schemeClr val="accent4">
-        <a:tint val="70000"/>
-      </a:schemeClr>
-    </dgm:fillClrLst>
-    <dgm:linClrLst meth="repeat">
-      <a:schemeClr val="accent6"/>
-    </dgm:linClrLst>
-    <dgm:effectClrLst/>
-    <dgm:txLinClrLst/>
-    <dgm:txFillClrLst meth="repeat">
-      <a:schemeClr val="tx1"/>
-    </dgm:txFillClrLst>
-    <dgm:txEffectClrLst/>
-  </dgm:styleLbl>
-  <dgm:styleLbl name="parChTrans1D4">
-    <dgm:fillClrLst meth="repeat">
-      <a:schemeClr val="accent4">
-        <a:tint val="50000"/>
-      </a:schemeClr>
-    </dgm:fillClrLst>
-    <dgm:linClrLst meth="repeat">
-      <a:schemeClr val="accent1"/>
-    </dgm:linClrLst>
-    <dgm:effectClrLst/>
-    <dgm:txLinClrLst/>
-    <dgm:txFillClrLst meth="repeat">
-      <a:schemeClr val="tx1"/>
-    </dgm:txFillClrLst>
-    <dgm:txEffectClrLst/>
-  </dgm:styleLbl>
-  <dgm:styleLbl name="fgAcc1">
-    <dgm:fillClrLst meth="repeat">
-      <a:schemeClr val="lt1">
-        <a:alpha val="90000"/>
-      </a:schemeClr>
-    </dgm:fillClrLst>
-    <dgm:linClrLst>
-      <a:schemeClr val="accent4"/>
-      <a:schemeClr val="accent5"/>
-    </dgm:linClrLst>
-    <dgm:effectClrLst/>
-    <dgm:txLinClrLst/>
-    <dgm:txFillClrLst meth="repeat">
-      <a:schemeClr val="dk1"/>
-    </dgm:txFillClrLst>
-    <dgm:txEffectClrLst/>
-  </dgm:styleLbl>
-  <dgm:styleLbl name="conFgAcc1">
-    <dgm:fillClrLst meth="repeat">
-      <a:schemeClr val="lt1">
-        <a:alpha val="90000"/>
-      </a:schemeClr>
-    </dgm:fillClrLst>
-    <dgm:linClrLst>
-      <a:schemeClr val="accent4"/>
-      <a:schemeClr val="accent5"/>
-    </dgm:linClrLst>
-    <dgm:effectClrLst/>
-    <dgm:txLinClrLst/>
-    <dgm:txFillClrLst meth="repeat">
-      <a:schemeClr val="dk1"/>
-    </dgm:txFillClrLst>
-    <dgm:txEffectClrLst/>
-  </dgm:styleLbl>
-  <dgm:styleLbl name="alignAcc1">
-    <dgm:fillClrLst meth="repeat">
-      <a:schemeClr val="lt1">
-        <a:alpha val="90000"/>
-      </a:schemeClr>
-    </dgm:fillClrLst>
-    <dgm:linClrLst>
-      <a:schemeClr val="accent4"/>
-      <a:schemeClr val="accent5"/>
-    </dgm:linClrLst>
-    <dgm:effectClrLst/>
-    <dgm:txLinClrLst/>
-    <dgm:txFillClrLst meth="repeat">
-      <a:schemeClr val="dk1"/>
-    </dgm:txFillClrLst>
-    <dgm:txEffectClrLst/>
-  </dgm:styleLbl>
-  <dgm:styleLbl name="trAlignAcc1">
-    <dgm:fillClrLst meth="repeat">
-      <a:schemeClr val="lt1">
-        <a:alpha val="40000"/>
-      </a:schemeClr>
-    </dgm:fillClrLst>
-    <dgm:linClrLst meth="repeat">
-      <a:schemeClr val="accent4"/>
-    </dgm:linClrLst>
-    <dgm:effectClrLst/>
-    <dgm:txLinClrLst/>
-    <dgm:txFillClrLst meth="repeat">
-      <a:schemeClr val="dk1"/>
-    </dgm:txFillClrLst>
-    <dgm:txEffectClrLst/>
-  </dgm:styleLbl>
-  <dgm:styleLbl name="bgAcc1">
-    <dgm:fillClrLst meth="repeat">
-      <a:schemeClr val="lt1">
-        <a:alpha val="90000"/>
-      </a:schemeClr>
-    </dgm:fillClrLst>
-    <dgm:linClrLst>
-      <a:schemeClr val="accent4"/>
-      <a:schemeClr val="accent5"/>
-    </dgm:linClrLst>
-    <dgm:effectClrLst/>
-    <dgm:txLinClrLst/>
-    <dgm:txFillClrLst meth="repeat">
-      <a:schemeClr val="dk1"/>
-    </dgm:txFillClrLst>
-    <dgm:txEffectClrLst/>
-  </dgm:styleLbl>
-  <dgm:styleLbl name="solidFgAcc1">
-    <dgm:fillClrLst meth="repeat">
-      <a:schemeClr val="lt1"/>
-    </dgm:fillClrLst>
-    <dgm:linClrLst>
-      <a:schemeClr val="accent4"/>
-      <a:schemeClr val="accent5"/>
-    </dgm:linClrLst>
-    <dgm:effectClrLst/>
-    <dgm:txLinClrLst/>
-    <dgm:txFillClrLst meth="repeat">
-      <a:schemeClr val="dk1"/>
-    </dgm:txFillClrLst>
-    <dgm:txEffectClrLst/>
-  </dgm:styleLbl>
-  <dgm:styleLbl name="solidAlignAcc1">
-    <dgm:fillClrLst meth="repeat">
-      <a:schemeClr val="lt1"/>
-    </dgm:fillClrLst>
-    <dgm:linClrLst>
-      <a:schemeClr val="accent4"/>
-      <a:schemeClr val="accent5"/>
-    </dgm:linClrLst>
-    <dgm:effectClrLst/>
-    <dgm:txLinClrLst/>
-    <dgm:txFillClrLst meth="repeat">
-      <a:schemeClr val="dk1"/>
-    </dgm:txFillClrLst>
-    <dgm:txEffectClrLst/>
-  </dgm:styleLbl>
-  <dgm:styleLbl name="solidBgAcc1">
-    <dgm:fillClrLst meth="repeat">
-      <a:schemeClr val="lt1"/>
-    </dgm:fillClrLst>
-    <dgm:linClrLst>
-      <a:schemeClr val="accent4"/>
-      <a:schemeClr val="accent5"/>
-    </dgm:linClrLst>
-    <dgm:effectClrLst/>
-    <dgm:txLinClrLst/>
-    <dgm:txFillClrLst meth="repeat">
-      <a:schemeClr val="dk1"/>
-    </dgm:txFillClrLst>
-    <dgm:txEffectClrLst/>
-  </dgm:styleLbl>
-  <dgm:styleLbl name="fgAccFollowNode1">
-    <dgm:fillClrLst>
-      <a:schemeClr val="accent4">
-        <a:tint val="40000"/>
-        <a:alpha val="90000"/>
-      </a:schemeClr>
-      <a:schemeClr val="accent5">
-        <a:tint val="40000"/>
-        <a:alpha val="90000"/>
-      </a:schemeClr>
-    </dgm:fillClrLst>
-    <dgm:linClrLst>
-      <a:schemeClr val="accent4">
-        <a:tint val="40000"/>
-        <a:alpha val="90000"/>
-      </a:schemeClr>
-      <a:schemeClr val="accent5">
-        <a:tint val="40000"/>
-        <a:alpha val="90000"/>
-      </a:schemeClr>
-    </dgm:linClrLst>
-    <dgm:effectClrLst/>
-    <dgm:txLinClrLst/>
-    <dgm:txFillClrLst meth="repeat">
-      <a:schemeClr val="dk1"/>
-    </dgm:txFillClrLst>
-    <dgm:txEffectClrLst/>
-  </dgm:styleLbl>
-  <dgm:styleLbl name="alignAccFollowNode1">
-    <dgm:fillClrLst>
-      <a:schemeClr val="accent4">
-        <a:tint val="40000"/>
-        <a:alpha val="90000"/>
-      </a:schemeClr>
-      <a:schemeClr val="accent5">
-        <a:tint val="40000"/>
-        <a:alpha val="90000"/>
-      </a:schemeClr>
-    </dgm:fillClrLst>
-    <dgm:linClrLst>
-      <a:schemeClr val="accent4">
-        <a:tint val="40000"/>
-        <a:alpha val="90000"/>
-      </a:schemeClr>
-      <a:schemeClr val="accent5">
-        <a:tint val="40000"/>
-        <a:alpha val="90000"/>
-      </a:schemeClr>
-    </dgm:linClrLst>
-    <dgm:effectClrLst/>
-    <dgm:txLinClrLst/>
-    <dgm:txFillClrLst meth="repeat">
-      <a:schemeClr val="dk1"/>
-    </dgm:txFillClrLst>
-    <dgm:txEffectClrLst/>
-  </dgm:styleLbl>
-  <dgm:styleLbl name="bgAccFollowNode1">
-    <dgm:fillClrLst>
-      <a:schemeClr val="accent4">
-        <a:tint val="40000"/>
-        <a:alpha val="90000"/>
-      </a:schemeClr>
-      <a:schemeClr val="accent5">
-        <a:tint val="40000"/>
-        <a:alpha val="90000"/>
-      </a:schemeClr>
-    </dgm:fillClrLst>
-    <dgm:linClrLst>
-      <a:schemeClr val="accent4">
-        <a:tint val="40000"/>
-        <a:alpha val="90000"/>
-      </a:schemeClr>
-      <a:schemeClr val="accent5">
-        <a:tint val="40000"/>
-        <a:alpha val="90000"/>
-      </a:schemeClr>
-    </dgm:linClrLst>
-    <dgm:effectClrLst/>
-    <dgm:txLinClrLst/>
-    <dgm:txFillClrLst meth="repeat">
-      <a:schemeClr val="dk1"/>
-    </dgm:txFillClrLst>
-    <dgm:txEffectClrLst/>
-  </dgm:styleLbl>
-  <dgm:styleLbl name="fgAcc0">
-    <dgm:fillClrLst meth="repeat">
-      <a:schemeClr val="lt1">
-        <a:alpha val="90000"/>
-      </a:schemeClr>
-    </dgm:fillClrLst>
-    <dgm:linClrLst>
-      <a:schemeClr val="accent3"/>
-    </dgm:linClrLst>
-    <dgm:effectClrLst/>
-    <dgm:txLinClrLst/>
-    <dgm:txFillClrLst meth="repeat">
-      <a:schemeClr val="dk1"/>
-    </dgm:txFillClrLst>
-    <dgm:txEffectClrLst/>
-  </dgm:styleLbl>
-  <dgm:styleLbl name="fgAcc2">
-    <dgm:fillClrLst meth="repeat">
-      <a:schemeClr val="lt1">
-        <a:alpha val="90000"/>
-      </a:schemeClr>
-    </dgm:fillClrLst>
-    <dgm:linClrLst>
-      <a:schemeClr val="accent5"/>
-    </dgm:linClrLst>
-    <dgm:effectClrLst/>
-    <dgm:txLinClrLst/>
-    <dgm:txFillClrLst meth="repeat">
-      <a:schemeClr val="dk1"/>
-    </dgm:txFillClrLst>
-    <dgm:txEffectClrLst/>
-  </dgm:styleLbl>
-  <dgm:styleLbl name="fgAcc3">
-    <dgm:fillClrLst meth="repeat">
-      <a:schemeClr val="lt1">
-        <a:alpha val="90000"/>
-      </a:schemeClr>
-    </dgm:fillClrLst>
-    <dgm:linClrLst>
-      <a:schemeClr val="accent6"/>
-    </dgm:linClrLst>
-    <dgm:effectClrLst/>
-    <dgm:txLinClrLst/>
-    <dgm:txFillClrLst meth="repeat">
-      <a:schemeClr val="dk1"/>
-    </dgm:txFillClrLst>
-    <dgm:txEffectClrLst/>
-  </dgm:styleLbl>
-  <dgm:styleLbl name="fgAcc4">
-    <dgm:fillClrLst meth="repeat">
-      <a:schemeClr val="lt1">
-        <a:alpha val="90000"/>
-      </a:schemeClr>
-    </dgm:fillClrLst>
-    <dgm:linClrLst>
-      <a:schemeClr val="accent1"/>
-    </dgm:linClrLst>
-    <dgm:effectClrLst/>
-    <dgm:txLinClrLst/>
-    <dgm:txFillClrLst meth="repeat">
-      <a:schemeClr val="dk1"/>
-    </dgm:txFillClrLst>
-    <dgm:txEffectClrLst/>
-  </dgm:styleLbl>
-  <dgm:styleLbl name="bgShp">
-    <dgm:fillClrLst meth="repeat">
-      <a:schemeClr val="accent4">
-        <a:tint val="40000"/>
-      </a:schemeClr>
-    </dgm:fillClrLst>
-    <dgm:linClrLst meth="repeat">
-      <a:schemeClr val="dk1"/>
-    </dgm:linClrLst>
-    <dgm:effectClrLst/>
-    <dgm:txLinClrLst/>
-    <dgm:txFillClrLst meth="repeat">
-      <a:schemeClr val="dk1"/>
-    </dgm:txFillClrLst>
-    <dgm:txEffectClrLst/>
-  </dgm:styleLbl>
-  <dgm:styleLbl name="dkBgShp">
-    <dgm:fillClrLst meth="repeat">
-      <a:schemeClr val="accent4">
-        <a:shade val="90000"/>
-      </a:schemeClr>
-    </dgm:fillClrLst>
-    <dgm:linClrLst meth="repeat">
-      <a:schemeClr val="dk1"/>
-    </dgm:linClrLst>
-    <dgm:effectClrLst/>
-    <dgm:txLinClrLst/>
-    <dgm:txFillClrLst meth="repeat">
-      <a:schemeClr val="lt1"/>
-    </dgm:txFillClrLst>
-    <dgm:txEffectClrLst/>
-  </dgm:styleLbl>
-  <dgm:styleLbl name="trBgShp">
-    <dgm:fillClrLst meth="repeat">
-      <a:schemeClr val="accent4">
-        <a:tint val="50000"/>
-        <a:alpha val="40000"/>
-      </a:schemeClr>
-    </dgm:fillClrLst>
-    <dgm:linClrLst meth="repeat">
-      <a:schemeClr val="accent4"/>
-    </dgm:linClrLst>
-    <dgm:effectClrLst/>
-    <dgm:txLinClrLst/>
-    <dgm:txFillClrLst meth="repeat">
-      <a:schemeClr val="lt1"/>
-    </dgm:txFillClrLst>
-    <dgm:txEffectClrLst/>
-  </dgm:styleLbl>
-  <dgm:styleLbl name="fgShp">
-    <dgm:fillClrLst meth="repeat">
-      <a:schemeClr val="accent4">
-        <a:tint val="40000"/>
-      </a:schemeClr>
-    </dgm:fillClrLst>
-    <dgm:linClrLst meth="repeat">
-      <a:schemeClr val="lt1"/>
-    </dgm:linClrLst>
-    <dgm:effectClrLst/>
-    <dgm:txLinClrLst/>
-    <dgm:txFillClrLst meth="repeat">
-      <a:schemeClr val="dk1"/>
-    </dgm:txFillClrLst>
-    <dgm:txEffectClrLst/>
-  </dgm:styleLbl>
-  <dgm:styleLbl name="revTx">
-    <dgm:fillClrLst meth="repeat">
-      <a:schemeClr val="lt1">
-        <a:alpha val="0"/>
-      </a:schemeClr>
-    </dgm:fillClrLst>
-    <dgm:linClrLst meth="repeat">
-      <a:schemeClr val="dk1">
-        <a:alpha val="0"/>
-      </a:schemeClr>
-    </dgm:linClrLst>
-    <dgm:effectClrLst/>
-    <dgm:txLinClrLst/>
-    <dgm:txFillClrLst meth="repeat">
-      <a:schemeClr val="tx1"/>
-    </dgm:txFillClrLst>
-    <dgm:txEffectClrLst/>
-  </dgm:styleLbl>
-</dgm:colorsDef>
-</file>
-
-<file path=ppt/diagrams/data1.xml><?xml version="1.0" encoding="utf-8"?>
-<dgm:dataModel xmlns:dgm="http://schemas.openxmlformats.org/drawingml/2006/diagram" xmlns:a="http://schemas.openxmlformats.org/drawingml/2006/main">
-  <dgm:ptLst>
-    <dgm:pt modelId="{17E1049F-B568-4272-845C-6F87C868D67E}" type="doc">
-      <dgm:prSet loTypeId="urn:microsoft.com/office/officeart/2005/8/layout/process1" loCatId="process" qsTypeId="urn:microsoft.com/office/officeart/2005/8/quickstyle/simple1" qsCatId="simple" csTypeId="urn:microsoft.com/office/officeart/2005/8/colors/colorful4" csCatId="colorful" phldr="1"/>
-      <dgm:spPr/>
-    </dgm:pt>
-    <dgm:pt modelId="{8E79271E-5EBF-4A50-BDEE-7FF4109C2D49}">
-      <dgm:prSet phldrT="[文字]"/>
-      <dgm:spPr/>
-      <dgm:t>
-        <a:bodyPr/>
-        <a:lstStyle/>
-        <a:p>
-          <a:r>
-            <a:rPr lang="zh-TW" altLang="en-US" dirty="0"/>
-            <a:t>建立</a:t>
-          </a:r>
-          <a:r>
-            <a:rPr lang="en-US" altLang="zh-TW" dirty="0"/>
-            <a:t>cluster</a:t>
-          </a:r>
-          <a:endParaRPr lang="zh-TW" altLang="en-US" dirty="0"/>
-        </a:p>
-      </dgm:t>
-    </dgm:pt>
-    <dgm:pt modelId="{F3860E3F-4BD8-40E8-826C-B264BC17179E}" type="parTrans" cxnId="{BA22FD93-8A11-47EC-89DB-7A984532D606}">
-      <dgm:prSet/>
-      <dgm:spPr/>
-      <dgm:t>
-        <a:bodyPr/>
-        <a:lstStyle/>
-        <a:p>
-          <a:endParaRPr lang="zh-TW" altLang="en-US"/>
-        </a:p>
-      </dgm:t>
-    </dgm:pt>
-    <dgm:pt modelId="{E3D2AE3F-37C4-4063-A713-EC402065D612}" type="sibTrans" cxnId="{BA22FD93-8A11-47EC-89DB-7A984532D606}">
-      <dgm:prSet/>
-      <dgm:spPr/>
-      <dgm:t>
-        <a:bodyPr/>
-        <a:lstStyle/>
-        <a:p>
-          <a:endParaRPr lang="zh-TW" altLang="en-US"/>
-        </a:p>
-      </dgm:t>
-    </dgm:pt>
-    <dgm:pt modelId="{1A967107-8BA6-4ED6-873A-3BA1BA8212A9}">
-      <dgm:prSet phldrT="[文字]"/>
-      <dgm:spPr/>
-      <dgm:t>
-        <a:bodyPr/>
-        <a:lstStyle/>
-        <a:p>
-          <a:r>
-            <a:rPr lang="zh-TW" altLang="en-US" dirty="0"/>
-            <a:t>部屬</a:t>
-          </a:r>
-          <a:r>
-            <a:rPr lang="en-US" altLang="zh-TW" dirty="0" err="1"/>
-            <a:t>metallb</a:t>
-          </a:r>
-          <a:endParaRPr lang="zh-TW" altLang="en-US" dirty="0"/>
-        </a:p>
-      </dgm:t>
-    </dgm:pt>
-    <dgm:pt modelId="{60E5CCBC-1D14-4B5D-8132-FED800E42A77}" type="parTrans" cxnId="{8DA0F591-7A51-4533-A96F-330DEB063326}">
-      <dgm:prSet/>
-      <dgm:spPr/>
-      <dgm:t>
-        <a:bodyPr/>
-        <a:lstStyle/>
-        <a:p>
-          <a:endParaRPr lang="zh-TW" altLang="en-US"/>
-        </a:p>
-      </dgm:t>
-    </dgm:pt>
-    <dgm:pt modelId="{E8116BAC-2FC6-4414-B2BB-99660C490D14}" type="sibTrans" cxnId="{8DA0F591-7A51-4533-A96F-330DEB063326}">
-      <dgm:prSet/>
-      <dgm:spPr/>
-      <dgm:t>
-        <a:bodyPr/>
-        <a:lstStyle/>
-        <a:p>
-          <a:endParaRPr lang="zh-TW" altLang="en-US"/>
-        </a:p>
-      </dgm:t>
-    </dgm:pt>
-    <dgm:pt modelId="{4D2AE5E7-1135-429B-A534-FFAD2A907AE7}">
-      <dgm:prSet phldrT="[文字]"/>
-      <dgm:spPr/>
-      <dgm:t>
-        <a:bodyPr/>
-        <a:lstStyle/>
-        <a:p>
-          <a:r>
-            <a:rPr lang="zh-TW" altLang="en-US" dirty="0"/>
-            <a:t>部屬</a:t>
-          </a:r>
-          <a:r>
-            <a:rPr lang="en-US" altLang="zh-TW" dirty="0" err="1"/>
-            <a:t>nginx</a:t>
-          </a:r>
-          <a:endParaRPr lang="zh-TW" altLang="en-US" dirty="0"/>
-        </a:p>
-      </dgm:t>
-    </dgm:pt>
-    <dgm:pt modelId="{0B447640-2FDF-408D-894D-ACE002445891}" type="parTrans" cxnId="{57C4EC48-25E5-4516-BEB9-A870A63F6FA2}">
-      <dgm:prSet/>
-      <dgm:spPr/>
-      <dgm:t>
-        <a:bodyPr/>
-        <a:lstStyle/>
-        <a:p>
-          <a:endParaRPr lang="zh-TW" altLang="en-US"/>
-        </a:p>
-      </dgm:t>
-    </dgm:pt>
-    <dgm:pt modelId="{8CA6E142-415B-409E-8FDE-363ABC856656}" type="sibTrans" cxnId="{57C4EC48-25E5-4516-BEB9-A870A63F6FA2}">
-      <dgm:prSet/>
-      <dgm:spPr/>
-      <dgm:t>
-        <a:bodyPr/>
-        <a:lstStyle/>
-        <a:p>
-          <a:endParaRPr lang="zh-TW" altLang="en-US"/>
-        </a:p>
-      </dgm:t>
-    </dgm:pt>
-    <dgm:pt modelId="{7472FF0E-AC8D-43FE-9AB5-2D2924B43CAA}">
-      <dgm:prSet phldrT="[文字]"/>
-      <dgm:spPr/>
-      <dgm:t>
-        <a:bodyPr/>
-        <a:lstStyle/>
-        <a:p>
-          <a:r>
-            <a:rPr lang="zh-TW" altLang="en-US" dirty="0"/>
-            <a:t>確認網站服務</a:t>
-          </a:r>
-        </a:p>
-      </dgm:t>
-    </dgm:pt>
-    <dgm:pt modelId="{7177C293-B4E5-4647-9C65-F1C91A081E6A}" type="parTrans" cxnId="{4C134779-083B-424F-AD10-3606C33E5DF3}">
-      <dgm:prSet/>
-      <dgm:spPr/>
-      <dgm:t>
-        <a:bodyPr/>
-        <a:lstStyle/>
-        <a:p>
-          <a:endParaRPr lang="zh-TW" altLang="en-US"/>
-        </a:p>
-      </dgm:t>
-    </dgm:pt>
-    <dgm:pt modelId="{03FD11A9-5EDC-453D-B8AD-8963884B9511}" type="sibTrans" cxnId="{4C134779-083B-424F-AD10-3606C33E5DF3}">
-      <dgm:prSet/>
-      <dgm:spPr/>
-      <dgm:t>
-        <a:bodyPr/>
-        <a:lstStyle/>
-        <a:p>
-          <a:endParaRPr lang="zh-TW" altLang="en-US"/>
-        </a:p>
-      </dgm:t>
-    </dgm:pt>
-    <dgm:pt modelId="{8A6183B5-E95A-4CFC-8935-CEA31F5EF46E}">
-      <dgm:prSet phldrT="[文字]"/>
-      <dgm:spPr/>
-      <dgm:t>
-        <a:bodyPr/>
-        <a:lstStyle/>
-        <a:p>
-          <a:r>
-            <a:rPr lang="zh-TW" altLang="en-US" dirty="0"/>
-            <a:t>設定</a:t>
-          </a:r>
-          <a:r>
-            <a:rPr lang="en-US" altLang="zh-TW" dirty="0" err="1"/>
-            <a:t>ip</a:t>
-          </a:r>
-          <a:r>
-            <a:rPr lang="en-US" altLang="zh-TW" dirty="0"/>
-            <a:t> pool</a:t>
-          </a:r>
-          <a:endParaRPr lang="zh-TW" altLang="en-US" dirty="0"/>
-        </a:p>
-      </dgm:t>
-    </dgm:pt>
-    <dgm:pt modelId="{5C362E95-5BB2-4505-8C44-99C798A033D4}" type="parTrans" cxnId="{37996DFA-7D77-40F4-A18C-BB9CCC744D6A}">
-      <dgm:prSet/>
-      <dgm:spPr/>
-      <dgm:t>
-        <a:bodyPr/>
-        <a:lstStyle/>
-        <a:p>
-          <a:endParaRPr lang="zh-TW" altLang="en-US"/>
-        </a:p>
-      </dgm:t>
-    </dgm:pt>
-    <dgm:pt modelId="{1391E7C5-F0D9-4AFA-B291-39A30E97823F}" type="sibTrans" cxnId="{37996DFA-7D77-40F4-A18C-BB9CCC744D6A}">
-      <dgm:prSet/>
-      <dgm:spPr/>
-      <dgm:t>
-        <a:bodyPr/>
-        <a:lstStyle/>
-        <a:p>
-          <a:endParaRPr lang="zh-TW" altLang="en-US"/>
-        </a:p>
-      </dgm:t>
-    </dgm:pt>
-    <dgm:pt modelId="{DC5024D0-0C98-4964-B839-DAED22DEA2EE}" type="pres">
-      <dgm:prSet presAssocID="{17E1049F-B568-4272-845C-6F87C868D67E}" presName="Name0" presStyleCnt="0">
-        <dgm:presLayoutVars>
-          <dgm:dir/>
-          <dgm:resizeHandles val="exact"/>
-        </dgm:presLayoutVars>
-      </dgm:prSet>
-      <dgm:spPr/>
-    </dgm:pt>
-    <dgm:pt modelId="{4BF3554C-A7BF-43EA-A113-F8DE71B5AA8C}" type="pres">
-      <dgm:prSet presAssocID="{8E79271E-5EBF-4A50-BDEE-7FF4109C2D49}" presName="node" presStyleLbl="node1" presStyleIdx="0" presStyleCnt="5">
-        <dgm:presLayoutVars>
-          <dgm:bulletEnabled val="1"/>
-        </dgm:presLayoutVars>
-      </dgm:prSet>
-      <dgm:spPr/>
-    </dgm:pt>
-    <dgm:pt modelId="{F8CCA065-D043-4386-9101-73A7AE86CB2C}" type="pres">
-      <dgm:prSet presAssocID="{E3D2AE3F-37C4-4063-A713-EC402065D612}" presName="sibTrans" presStyleLbl="sibTrans2D1" presStyleIdx="0" presStyleCnt="4"/>
-      <dgm:spPr/>
-    </dgm:pt>
-    <dgm:pt modelId="{C91AF0E1-7399-44DB-B887-60E34C597934}" type="pres">
-      <dgm:prSet presAssocID="{E3D2AE3F-37C4-4063-A713-EC402065D612}" presName="connectorText" presStyleLbl="sibTrans2D1" presStyleIdx="0" presStyleCnt="4"/>
-      <dgm:spPr/>
-    </dgm:pt>
-    <dgm:pt modelId="{20387292-86B7-41F4-BCAB-C908D77B5B68}" type="pres">
-      <dgm:prSet presAssocID="{1A967107-8BA6-4ED6-873A-3BA1BA8212A9}" presName="node" presStyleLbl="node1" presStyleIdx="1" presStyleCnt="5">
-        <dgm:presLayoutVars>
-          <dgm:bulletEnabled val="1"/>
-        </dgm:presLayoutVars>
-      </dgm:prSet>
-      <dgm:spPr/>
-    </dgm:pt>
-    <dgm:pt modelId="{92003EF0-8B5D-49AD-AD18-3EAE3109889E}" type="pres">
-      <dgm:prSet presAssocID="{E8116BAC-2FC6-4414-B2BB-99660C490D14}" presName="sibTrans" presStyleLbl="sibTrans2D1" presStyleIdx="1" presStyleCnt="4"/>
-      <dgm:spPr/>
-    </dgm:pt>
-    <dgm:pt modelId="{28E146E2-93F7-4852-BA90-D2576738CF0F}" type="pres">
-      <dgm:prSet presAssocID="{E8116BAC-2FC6-4414-B2BB-99660C490D14}" presName="connectorText" presStyleLbl="sibTrans2D1" presStyleIdx="1" presStyleCnt="4"/>
-      <dgm:spPr/>
-    </dgm:pt>
-    <dgm:pt modelId="{307B6605-CB29-43A0-8571-F7D9A5E57964}" type="pres">
-      <dgm:prSet presAssocID="{8A6183B5-E95A-4CFC-8935-CEA31F5EF46E}" presName="node" presStyleLbl="node1" presStyleIdx="2" presStyleCnt="5" custScaleX="127675" custScaleY="97689">
-        <dgm:presLayoutVars>
-          <dgm:bulletEnabled val="1"/>
-        </dgm:presLayoutVars>
-      </dgm:prSet>
-      <dgm:spPr/>
-    </dgm:pt>
-    <dgm:pt modelId="{B5D489C4-F954-45A1-AB8F-86DC561EEF2E}" type="pres">
-      <dgm:prSet presAssocID="{1391E7C5-F0D9-4AFA-B291-39A30E97823F}" presName="sibTrans" presStyleLbl="sibTrans2D1" presStyleIdx="2" presStyleCnt="4"/>
-      <dgm:spPr/>
-    </dgm:pt>
-    <dgm:pt modelId="{773D8348-3452-4132-9D3F-60E6827E1106}" type="pres">
-      <dgm:prSet presAssocID="{1391E7C5-F0D9-4AFA-B291-39A30E97823F}" presName="connectorText" presStyleLbl="sibTrans2D1" presStyleIdx="2" presStyleCnt="4"/>
-      <dgm:spPr/>
-    </dgm:pt>
-    <dgm:pt modelId="{5B371013-4665-4E2F-B837-740EECF10ECB}" type="pres">
-      <dgm:prSet presAssocID="{4D2AE5E7-1135-429B-A534-FFAD2A907AE7}" presName="node" presStyleLbl="node1" presStyleIdx="3" presStyleCnt="5">
-        <dgm:presLayoutVars>
-          <dgm:bulletEnabled val="1"/>
-        </dgm:presLayoutVars>
-      </dgm:prSet>
-      <dgm:spPr/>
-    </dgm:pt>
-    <dgm:pt modelId="{D4B75943-7AAC-4659-BD42-D428AEACABF7}" type="pres">
-      <dgm:prSet presAssocID="{8CA6E142-415B-409E-8FDE-363ABC856656}" presName="sibTrans" presStyleLbl="sibTrans2D1" presStyleIdx="3" presStyleCnt="4"/>
-      <dgm:spPr/>
-    </dgm:pt>
-    <dgm:pt modelId="{1B949BB2-0641-4578-B994-665BC3FFC176}" type="pres">
-      <dgm:prSet presAssocID="{8CA6E142-415B-409E-8FDE-363ABC856656}" presName="connectorText" presStyleLbl="sibTrans2D1" presStyleIdx="3" presStyleCnt="4"/>
-      <dgm:spPr/>
-    </dgm:pt>
-    <dgm:pt modelId="{03CE0FCF-95FD-48EF-9ED7-50DFCD349C33}" type="pres">
-      <dgm:prSet presAssocID="{7472FF0E-AC8D-43FE-9AB5-2D2924B43CAA}" presName="node" presStyleLbl="node1" presStyleIdx="4" presStyleCnt="5">
-        <dgm:presLayoutVars>
-          <dgm:bulletEnabled val="1"/>
-        </dgm:presLayoutVars>
-      </dgm:prSet>
-      <dgm:spPr/>
-    </dgm:pt>
-  </dgm:ptLst>
-  <dgm:cxnLst>
-    <dgm:cxn modelId="{D8183020-E829-4555-880E-7981C81A0C74}" type="presOf" srcId="{8CA6E142-415B-409E-8FDE-363ABC856656}" destId="{D4B75943-7AAC-4659-BD42-D428AEACABF7}" srcOrd="0" destOrd="0" presId="urn:microsoft.com/office/officeart/2005/8/layout/process1"/>
-    <dgm:cxn modelId="{81F54332-362C-4A03-986A-922BBDFE217D}" type="presOf" srcId="{E8116BAC-2FC6-4414-B2BB-99660C490D14}" destId="{28E146E2-93F7-4852-BA90-D2576738CF0F}" srcOrd="1" destOrd="0" presId="urn:microsoft.com/office/officeart/2005/8/layout/process1"/>
-    <dgm:cxn modelId="{1C764239-12EC-49B8-A534-A6A4E03D8781}" type="presOf" srcId="{E3D2AE3F-37C4-4063-A713-EC402065D612}" destId="{C91AF0E1-7399-44DB-B887-60E34C597934}" srcOrd="1" destOrd="0" presId="urn:microsoft.com/office/officeart/2005/8/layout/process1"/>
-    <dgm:cxn modelId="{57C4EC48-25E5-4516-BEB9-A870A63F6FA2}" srcId="{17E1049F-B568-4272-845C-6F87C868D67E}" destId="{4D2AE5E7-1135-429B-A534-FFAD2A907AE7}" srcOrd="3" destOrd="0" parTransId="{0B447640-2FDF-408D-894D-ACE002445891}" sibTransId="{8CA6E142-415B-409E-8FDE-363ABC856656}"/>
-    <dgm:cxn modelId="{6539E849-5A6D-4A19-BB78-B86E4BCA7064}" type="presOf" srcId="{8A6183B5-E95A-4CFC-8935-CEA31F5EF46E}" destId="{307B6605-CB29-43A0-8571-F7D9A5E57964}" srcOrd="0" destOrd="0" presId="urn:microsoft.com/office/officeart/2005/8/layout/process1"/>
-    <dgm:cxn modelId="{4C134779-083B-424F-AD10-3606C33E5DF3}" srcId="{17E1049F-B568-4272-845C-6F87C868D67E}" destId="{7472FF0E-AC8D-43FE-9AB5-2D2924B43CAA}" srcOrd="4" destOrd="0" parTransId="{7177C293-B4E5-4647-9C65-F1C91A081E6A}" sibTransId="{03FD11A9-5EDC-453D-B8AD-8963884B9511}"/>
-    <dgm:cxn modelId="{FAE49B79-6DC4-436C-B389-5775A3E7FACB}" type="presOf" srcId="{E8116BAC-2FC6-4414-B2BB-99660C490D14}" destId="{92003EF0-8B5D-49AD-AD18-3EAE3109889E}" srcOrd="0" destOrd="0" presId="urn:microsoft.com/office/officeart/2005/8/layout/process1"/>
-    <dgm:cxn modelId="{D6730B8F-ACF1-4F91-87DC-B2A17FE58293}" type="presOf" srcId="{1391E7C5-F0D9-4AFA-B291-39A30E97823F}" destId="{773D8348-3452-4132-9D3F-60E6827E1106}" srcOrd="1" destOrd="0" presId="urn:microsoft.com/office/officeart/2005/8/layout/process1"/>
-    <dgm:cxn modelId="{8DA0F591-7A51-4533-A96F-330DEB063326}" srcId="{17E1049F-B568-4272-845C-6F87C868D67E}" destId="{1A967107-8BA6-4ED6-873A-3BA1BA8212A9}" srcOrd="1" destOrd="0" parTransId="{60E5CCBC-1D14-4B5D-8132-FED800E42A77}" sibTransId="{E8116BAC-2FC6-4414-B2BB-99660C490D14}"/>
-    <dgm:cxn modelId="{BA22FD93-8A11-47EC-89DB-7A984532D606}" srcId="{17E1049F-B568-4272-845C-6F87C868D67E}" destId="{8E79271E-5EBF-4A50-BDEE-7FF4109C2D49}" srcOrd="0" destOrd="0" parTransId="{F3860E3F-4BD8-40E8-826C-B264BC17179E}" sibTransId="{E3D2AE3F-37C4-4063-A713-EC402065D612}"/>
-    <dgm:cxn modelId="{AB2A0296-4266-4E4C-A716-4A78BAADD1FC}" type="presOf" srcId="{4D2AE5E7-1135-429B-A534-FFAD2A907AE7}" destId="{5B371013-4665-4E2F-B837-740EECF10ECB}" srcOrd="0" destOrd="0" presId="urn:microsoft.com/office/officeart/2005/8/layout/process1"/>
-    <dgm:cxn modelId="{CE06B297-8347-4DBB-B3E7-73BC57B75541}" type="presOf" srcId="{8CA6E142-415B-409E-8FDE-363ABC856656}" destId="{1B949BB2-0641-4578-B994-665BC3FFC176}" srcOrd="1" destOrd="0" presId="urn:microsoft.com/office/officeart/2005/8/layout/process1"/>
-    <dgm:cxn modelId="{B44E27B6-B6CC-4760-9413-E5563E8702AB}" type="presOf" srcId="{1A967107-8BA6-4ED6-873A-3BA1BA8212A9}" destId="{20387292-86B7-41F4-BCAB-C908D77B5B68}" srcOrd="0" destOrd="0" presId="urn:microsoft.com/office/officeart/2005/8/layout/process1"/>
-    <dgm:cxn modelId="{5B8119BD-BEE2-4C84-A5D1-18F5D16A3646}" type="presOf" srcId="{1391E7C5-F0D9-4AFA-B291-39A30E97823F}" destId="{B5D489C4-F954-45A1-AB8F-86DC561EEF2E}" srcOrd="0" destOrd="0" presId="urn:microsoft.com/office/officeart/2005/8/layout/process1"/>
-    <dgm:cxn modelId="{33D7B1C6-DE7F-4E8B-9CC0-1DFCA00BFB10}" type="presOf" srcId="{17E1049F-B568-4272-845C-6F87C868D67E}" destId="{DC5024D0-0C98-4964-B839-DAED22DEA2EE}" srcOrd="0" destOrd="0" presId="urn:microsoft.com/office/officeart/2005/8/layout/process1"/>
-    <dgm:cxn modelId="{8E4900E3-B11A-4240-8703-D81183ECDC1F}" type="presOf" srcId="{E3D2AE3F-37C4-4063-A713-EC402065D612}" destId="{F8CCA065-D043-4386-9101-73A7AE86CB2C}" srcOrd="0" destOrd="0" presId="urn:microsoft.com/office/officeart/2005/8/layout/process1"/>
-    <dgm:cxn modelId="{E21EC0F3-FB2D-47E2-8200-D1B6000FCBBE}" type="presOf" srcId="{7472FF0E-AC8D-43FE-9AB5-2D2924B43CAA}" destId="{03CE0FCF-95FD-48EF-9ED7-50DFCD349C33}" srcOrd="0" destOrd="0" presId="urn:microsoft.com/office/officeart/2005/8/layout/process1"/>
-    <dgm:cxn modelId="{37996DFA-7D77-40F4-A18C-BB9CCC744D6A}" srcId="{17E1049F-B568-4272-845C-6F87C868D67E}" destId="{8A6183B5-E95A-4CFC-8935-CEA31F5EF46E}" srcOrd="2" destOrd="0" parTransId="{5C362E95-5BB2-4505-8C44-99C798A033D4}" sibTransId="{1391E7C5-F0D9-4AFA-B291-39A30E97823F}"/>
-    <dgm:cxn modelId="{FB7881FF-E7D8-4BC9-A6E4-0D4F70F7274C}" type="presOf" srcId="{8E79271E-5EBF-4A50-BDEE-7FF4109C2D49}" destId="{4BF3554C-A7BF-43EA-A113-F8DE71B5AA8C}" srcOrd="0" destOrd="0" presId="urn:microsoft.com/office/officeart/2005/8/layout/process1"/>
-    <dgm:cxn modelId="{24296C1A-DF9D-48CB-A6D5-A9C2FF094AC2}" type="presParOf" srcId="{DC5024D0-0C98-4964-B839-DAED22DEA2EE}" destId="{4BF3554C-A7BF-43EA-A113-F8DE71B5AA8C}" srcOrd="0" destOrd="0" presId="urn:microsoft.com/office/officeart/2005/8/layout/process1"/>
-    <dgm:cxn modelId="{93122AED-7024-4770-BCBB-C74C328F9601}" type="presParOf" srcId="{DC5024D0-0C98-4964-B839-DAED22DEA2EE}" destId="{F8CCA065-D043-4386-9101-73A7AE86CB2C}" srcOrd="1" destOrd="0" presId="urn:microsoft.com/office/officeart/2005/8/layout/process1"/>
-    <dgm:cxn modelId="{1B9502AA-58F7-4620-AB6F-F87A948422DD}" type="presParOf" srcId="{F8CCA065-D043-4386-9101-73A7AE86CB2C}" destId="{C91AF0E1-7399-44DB-B887-60E34C597934}" srcOrd="0" destOrd="0" presId="urn:microsoft.com/office/officeart/2005/8/layout/process1"/>
-    <dgm:cxn modelId="{8AC2813B-2A91-482E-9BF9-3022194C986D}" type="presParOf" srcId="{DC5024D0-0C98-4964-B839-DAED22DEA2EE}" destId="{20387292-86B7-41F4-BCAB-C908D77B5B68}" srcOrd="2" destOrd="0" presId="urn:microsoft.com/office/officeart/2005/8/layout/process1"/>
-    <dgm:cxn modelId="{4D49C00D-831A-4862-B00A-7A58C9EF6053}" type="presParOf" srcId="{DC5024D0-0C98-4964-B839-DAED22DEA2EE}" destId="{92003EF0-8B5D-49AD-AD18-3EAE3109889E}" srcOrd="3" destOrd="0" presId="urn:microsoft.com/office/officeart/2005/8/layout/process1"/>
-    <dgm:cxn modelId="{A1B784E4-61D7-40AD-8D42-9C2998AE0D8C}" type="presParOf" srcId="{92003EF0-8B5D-49AD-AD18-3EAE3109889E}" destId="{28E146E2-93F7-4852-BA90-D2576738CF0F}" srcOrd="0" destOrd="0" presId="urn:microsoft.com/office/officeart/2005/8/layout/process1"/>
-    <dgm:cxn modelId="{5D561CBE-2DC8-43A3-9769-02A9D7567EF6}" type="presParOf" srcId="{DC5024D0-0C98-4964-B839-DAED22DEA2EE}" destId="{307B6605-CB29-43A0-8571-F7D9A5E57964}" srcOrd="4" destOrd="0" presId="urn:microsoft.com/office/officeart/2005/8/layout/process1"/>
-    <dgm:cxn modelId="{DA48FF29-5DE6-49FC-9417-B3CE1DF662A0}" type="presParOf" srcId="{DC5024D0-0C98-4964-B839-DAED22DEA2EE}" destId="{B5D489C4-F954-45A1-AB8F-86DC561EEF2E}" srcOrd="5" destOrd="0" presId="urn:microsoft.com/office/officeart/2005/8/layout/process1"/>
-    <dgm:cxn modelId="{6D2322C9-4010-42C1-BADF-3C637C71A710}" type="presParOf" srcId="{B5D489C4-F954-45A1-AB8F-86DC561EEF2E}" destId="{773D8348-3452-4132-9D3F-60E6827E1106}" srcOrd="0" destOrd="0" presId="urn:microsoft.com/office/officeart/2005/8/layout/process1"/>
-    <dgm:cxn modelId="{7B29EFDA-5583-4FDB-8B88-D3F8DE1B78B1}" type="presParOf" srcId="{DC5024D0-0C98-4964-B839-DAED22DEA2EE}" destId="{5B371013-4665-4E2F-B837-740EECF10ECB}" srcOrd="6" destOrd="0" presId="urn:microsoft.com/office/officeart/2005/8/layout/process1"/>
-    <dgm:cxn modelId="{C6DC1C4F-F9DB-47A3-8A6A-C5A7750748EC}" type="presParOf" srcId="{DC5024D0-0C98-4964-B839-DAED22DEA2EE}" destId="{D4B75943-7AAC-4659-BD42-D428AEACABF7}" srcOrd="7" destOrd="0" presId="urn:microsoft.com/office/officeart/2005/8/layout/process1"/>
-    <dgm:cxn modelId="{87D04334-7C0F-4C97-8B19-2BB4FD9B2FEB}" type="presParOf" srcId="{D4B75943-7AAC-4659-BD42-D428AEACABF7}" destId="{1B949BB2-0641-4578-B994-665BC3FFC176}" srcOrd="0" destOrd="0" presId="urn:microsoft.com/office/officeart/2005/8/layout/process1"/>
-    <dgm:cxn modelId="{1FD28CB1-DFC5-42BF-B9C4-99CFD20DF834}" type="presParOf" srcId="{DC5024D0-0C98-4964-B839-DAED22DEA2EE}" destId="{03CE0FCF-95FD-48EF-9ED7-50DFCD349C33}" srcOrd="8" destOrd="0" presId="urn:microsoft.com/office/officeart/2005/8/layout/process1"/>
-  </dgm:cxnLst>
-  <dgm:bg/>
-  <dgm:whole/>
-  <dgm:extLst>
-    <a:ext uri="http://schemas.microsoft.com/office/drawing/2008/diagram">
-      <dsp:dataModelExt xmlns:dsp="http://schemas.microsoft.com/office/drawing/2008/diagram" relId="rId6" minVer="http://schemas.openxmlformats.org/drawingml/2006/diagram"/>
-    </a:ext>
-  </dgm:extLst>
-</dgm:dataModel>
-</file>
-
-<file path=ppt/diagrams/drawing1.xml><?xml version="1.0" encoding="utf-8"?>
-<dsp:drawing xmlns:dgm="http://schemas.openxmlformats.org/drawingml/2006/diagram" xmlns:dsp="http://schemas.microsoft.com/office/drawing/2008/diagram" xmlns:a="http://schemas.openxmlformats.org/drawingml/2006/main">
-  <dsp:spTree>
-    <dsp:nvGrpSpPr>
-      <dsp:cNvPr id="0" name=""/>
-      <dsp:cNvGrpSpPr/>
-    </dsp:nvGrpSpPr>
-    <dsp:grpSpPr/>
-    <dsp:sp modelId="{4BF3554C-A7BF-43EA-A113-F8DE71B5AA8C}">
-      <dsp:nvSpPr>
-        <dsp:cNvPr id="0" name=""/>
-        <dsp:cNvSpPr/>
-      </dsp:nvSpPr>
-      <dsp:spPr>
-        <a:xfrm>
-          <a:off x="6144" y="1661148"/>
-          <a:ext cx="1687184" cy="1012310"/>
-        </a:xfrm>
-        <a:prstGeom prst="roundRect">
-          <a:avLst>
-            <a:gd name="adj" fmla="val 10000"/>
-          </a:avLst>
-        </a:prstGeom>
-        <a:solidFill>
-          <a:schemeClr val="accent4">
-            <a:hueOff val="0"/>
-            <a:satOff val="0"/>
-            <a:lumOff val="0"/>
-            <a:alphaOff val="0"/>
-          </a:schemeClr>
-        </a:solidFill>
-        <a:ln w="12700" cap="flat" cmpd="sng" algn="ctr">
-          <a:solidFill>
-            <a:schemeClr val="lt1">
-              <a:hueOff val="0"/>
-              <a:satOff val="0"/>
-              <a:lumOff val="0"/>
-              <a:alphaOff val="0"/>
-            </a:schemeClr>
-          </a:solidFill>
-          <a:prstDash val="solid"/>
-          <a:miter lim="800000"/>
-        </a:ln>
-        <a:effectLst/>
-      </dsp:spPr>
-      <dsp:style>
-        <a:lnRef idx="2">
-          <a:scrgbClr r="0" g="0" b="0"/>
-        </a:lnRef>
-        <a:fillRef idx="1">
-          <a:scrgbClr r="0" g="0" b="0"/>
-        </a:fillRef>
-        <a:effectRef idx="0">
-          <a:scrgbClr r="0" g="0" b="0"/>
-        </a:effectRef>
-        <a:fontRef idx="minor">
-          <a:schemeClr val="lt1"/>
-        </a:fontRef>
-      </dsp:style>
-      <dsp:txBody>
-        <a:bodyPr spcFirstLastPara="0" vert="horz" wrap="square" lIns="95250" tIns="95250" rIns="95250" bIns="95250" numCol="1" spcCol="1270" anchor="ctr" anchorCtr="0">
-          <a:noAutofit/>
-        </a:bodyPr>
-        <a:lstStyle/>
-        <a:p>
-          <a:pPr marL="0" lvl="0" indent="0" algn="ctr" defTabSz="1111250">
-            <a:lnSpc>
-              <a:spcPct val="90000"/>
-            </a:lnSpc>
-            <a:spcBef>
-              <a:spcPct val="0"/>
-            </a:spcBef>
-            <a:spcAft>
-              <a:spcPct val="35000"/>
-            </a:spcAft>
-            <a:buNone/>
-          </a:pPr>
-          <a:r>
-            <a:rPr lang="zh-TW" altLang="en-US" sz="2500" kern="1200" dirty="0"/>
-            <a:t>建立</a:t>
-          </a:r>
-          <a:r>
-            <a:rPr lang="en-US" altLang="zh-TW" sz="2500" kern="1200" dirty="0"/>
-            <a:t>cluster</a:t>
-          </a:r>
-          <a:endParaRPr lang="zh-TW" altLang="en-US" sz="2500" kern="1200" dirty="0"/>
-        </a:p>
-      </dsp:txBody>
-      <dsp:txXfrm>
-        <a:off x="35794" y="1690798"/>
-        <a:ext cx="1627884" cy="953010"/>
-      </dsp:txXfrm>
-    </dsp:sp>
-    <dsp:sp modelId="{F8CCA065-D043-4386-9101-73A7AE86CB2C}">
-      <dsp:nvSpPr>
-        <dsp:cNvPr id="0" name=""/>
-        <dsp:cNvSpPr/>
-      </dsp:nvSpPr>
-      <dsp:spPr>
-        <a:xfrm>
-          <a:off x="1862047" y="1958093"/>
-          <a:ext cx="357683" cy="418421"/>
-        </a:xfrm>
-        <a:prstGeom prst="rightArrow">
-          <a:avLst>
-            <a:gd name="adj1" fmla="val 60000"/>
-            <a:gd name="adj2" fmla="val 50000"/>
-          </a:avLst>
-        </a:prstGeom>
-        <a:solidFill>
-          <a:schemeClr val="accent4">
-            <a:hueOff val="0"/>
-            <a:satOff val="0"/>
-            <a:lumOff val="0"/>
-            <a:alphaOff val="0"/>
-          </a:schemeClr>
-        </a:solidFill>
-        <a:ln>
-          <a:noFill/>
-        </a:ln>
-        <a:effectLst/>
-      </dsp:spPr>
-      <dsp:style>
-        <a:lnRef idx="0">
-          <a:scrgbClr r="0" g="0" b="0"/>
-        </a:lnRef>
-        <a:fillRef idx="1">
-          <a:scrgbClr r="0" g="0" b="0"/>
-        </a:fillRef>
-        <a:effectRef idx="0">
-          <a:scrgbClr r="0" g="0" b="0"/>
-        </a:effectRef>
-        <a:fontRef idx="minor">
-          <a:schemeClr val="lt1"/>
-        </a:fontRef>
-      </dsp:style>
-      <dsp:txBody>
-        <a:bodyPr spcFirstLastPara="0" vert="horz" wrap="square" lIns="0" tIns="0" rIns="0" bIns="0" numCol="1" spcCol="1270" anchor="ctr" anchorCtr="0">
-          <a:noAutofit/>
-        </a:bodyPr>
-        <a:lstStyle/>
-        <a:p>
-          <a:pPr marL="0" lvl="0" indent="0" algn="ctr" defTabSz="755650">
-            <a:lnSpc>
-              <a:spcPct val="90000"/>
-            </a:lnSpc>
-            <a:spcBef>
-              <a:spcPct val="0"/>
-            </a:spcBef>
-            <a:spcAft>
-              <a:spcPct val="35000"/>
-            </a:spcAft>
-            <a:buNone/>
-          </a:pPr>
-          <a:endParaRPr lang="zh-TW" altLang="en-US" sz="1700" kern="1200"/>
-        </a:p>
-      </dsp:txBody>
-      <dsp:txXfrm>
-        <a:off x="1862047" y="2041777"/>
-        <a:ext cx="250378" cy="251053"/>
-      </dsp:txXfrm>
-    </dsp:sp>
-    <dsp:sp modelId="{20387292-86B7-41F4-BCAB-C908D77B5B68}">
-      <dsp:nvSpPr>
-        <dsp:cNvPr id="0" name=""/>
-        <dsp:cNvSpPr/>
-      </dsp:nvSpPr>
-      <dsp:spPr>
-        <a:xfrm>
-          <a:off x="2368203" y="1661148"/>
-          <a:ext cx="1687184" cy="1012310"/>
-        </a:xfrm>
-        <a:prstGeom prst="roundRect">
-          <a:avLst>
-            <a:gd name="adj" fmla="val 10000"/>
-          </a:avLst>
-        </a:prstGeom>
-        <a:solidFill>
-          <a:schemeClr val="accent4">
-            <a:hueOff val="2598923"/>
-            <a:satOff val="-11992"/>
-            <a:lumOff val="441"/>
-            <a:alphaOff val="0"/>
-          </a:schemeClr>
-        </a:solidFill>
-        <a:ln w="12700" cap="flat" cmpd="sng" algn="ctr">
-          <a:solidFill>
-            <a:schemeClr val="lt1">
-              <a:hueOff val="0"/>
-              <a:satOff val="0"/>
-              <a:lumOff val="0"/>
-              <a:alphaOff val="0"/>
-            </a:schemeClr>
-          </a:solidFill>
-          <a:prstDash val="solid"/>
-          <a:miter lim="800000"/>
-        </a:ln>
-        <a:effectLst/>
-      </dsp:spPr>
-      <dsp:style>
-        <a:lnRef idx="2">
-          <a:scrgbClr r="0" g="0" b="0"/>
-        </a:lnRef>
-        <a:fillRef idx="1">
-          <a:scrgbClr r="0" g="0" b="0"/>
-        </a:fillRef>
-        <a:effectRef idx="0">
-          <a:scrgbClr r="0" g="0" b="0"/>
-        </a:effectRef>
-        <a:fontRef idx="minor">
-          <a:schemeClr val="lt1"/>
-        </a:fontRef>
-      </dsp:style>
-      <dsp:txBody>
-        <a:bodyPr spcFirstLastPara="0" vert="horz" wrap="square" lIns="95250" tIns="95250" rIns="95250" bIns="95250" numCol="1" spcCol="1270" anchor="ctr" anchorCtr="0">
-          <a:noAutofit/>
-        </a:bodyPr>
-        <a:lstStyle/>
-        <a:p>
-          <a:pPr marL="0" lvl="0" indent="0" algn="ctr" defTabSz="1111250">
-            <a:lnSpc>
-              <a:spcPct val="90000"/>
-            </a:lnSpc>
-            <a:spcBef>
-              <a:spcPct val="0"/>
-            </a:spcBef>
-            <a:spcAft>
-              <a:spcPct val="35000"/>
-            </a:spcAft>
-            <a:buNone/>
-          </a:pPr>
-          <a:r>
-            <a:rPr lang="zh-TW" altLang="en-US" sz="2500" kern="1200" dirty="0"/>
-            <a:t>部屬</a:t>
-          </a:r>
-          <a:r>
-            <a:rPr lang="en-US" altLang="zh-TW" sz="2500" kern="1200" dirty="0" err="1"/>
-            <a:t>metallb</a:t>
-          </a:r>
-          <a:endParaRPr lang="zh-TW" altLang="en-US" sz="2500" kern="1200" dirty="0"/>
-        </a:p>
-      </dsp:txBody>
-      <dsp:txXfrm>
-        <a:off x="2397853" y="1690798"/>
-        <a:ext cx="1627884" cy="953010"/>
-      </dsp:txXfrm>
-    </dsp:sp>
-    <dsp:sp modelId="{92003EF0-8B5D-49AD-AD18-3EAE3109889E}">
-      <dsp:nvSpPr>
-        <dsp:cNvPr id="0" name=""/>
-        <dsp:cNvSpPr/>
-      </dsp:nvSpPr>
-      <dsp:spPr>
-        <a:xfrm>
-          <a:off x="4224106" y="1958093"/>
-          <a:ext cx="357683" cy="418421"/>
-        </a:xfrm>
-        <a:prstGeom prst="rightArrow">
-          <a:avLst>
-            <a:gd name="adj1" fmla="val 60000"/>
-            <a:gd name="adj2" fmla="val 50000"/>
-          </a:avLst>
-        </a:prstGeom>
-        <a:solidFill>
-          <a:schemeClr val="accent4">
-            <a:hueOff val="3465231"/>
-            <a:satOff val="-15989"/>
-            <a:lumOff val="588"/>
-            <a:alphaOff val="0"/>
-          </a:schemeClr>
-        </a:solidFill>
-        <a:ln>
-          <a:noFill/>
-        </a:ln>
-        <a:effectLst/>
-      </dsp:spPr>
-      <dsp:style>
-        <a:lnRef idx="0">
-          <a:scrgbClr r="0" g="0" b="0"/>
-        </a:lnRef>
-        <a:fillRef idx="1">
-          <a:scrgbClr r="0" g="0" b="0"/>
-        </a:fillRef>
-        <a:effectRef idx="0">
-          <a:scrgbClr r="0" g="0" b="0"/>
-        </a:effectRef>
-        <a:fontRef idx="minor">
-          <a:schemeClr val="lt1"/>
-        </a:fontRef>
-      </dsp:style>
-      <dsp:txBody>
-        <a:bodyPr spcFirstLastPara="0" vert="horz" wrap="square" lIns="0" tIns="0" rIns="0" bIns="0" numCol="1" spcCol="1270" anchor="ctr" anchorCtr="0">
-          <a:noAutofit/>
-        </a:bodyPr>
-        <a:lstStyle/>
-        <a:p>
-          <a:pPr marL="0" lvl="0" indent="0" algn="ctr" defTabSz="755650">
-            <a:lnSpc>
-              <a:spcPct val="90000"/>
-            </a:lnSpc>
-            <a:spcBef>
-              <a:spcPct val="0"/>
-            </a:spcBef>
-            <a:spcAft>
-              <a:spcPct val="35000"/>
-            </a:spcAft>
-            <a:buNone/>
-          </a:pPr>
-          <a:endParaRPr lang="zh-TW" altLang="en-US" sz="1700" kern="1200"/>
-        </a:p>
-      </dsp:txBody>
-      <dsp:txXfrm>
-        <a:off x="4224106" y="2041777"/>
-        <a:ext cx="250378" cy="251053"/>
-      </dsp:txXfrm>
-    </dsp:sp>
-    <dsp:sp modelId="{307B6605-CB29-43A0-8571-F7D9A5E57964}">
-      <dsp:nvSpPr>
-        <dsp:cNvPr id="0" name=""/>
-        <dsp:cNvSpPr/>
-      </dsp:nvSpPr>
-      <dsp:spPr>
-        <a:xfrm>
-          <a:off x="4730262" y="1672845"/>
-          <a:ext cx="2154113" cy="988916"/>
-        </a:xfrm>
-        <a:prstGeom prst="roundRect">
-          <a:avLst>
-            <a:gd name="adj" fmla="val 10000"/>
-          </a:avLst>
-        </a:prstGeom>
-        <a:solidFill>
-          <a:schemeClr val="accent4">
-            <a:hueOff val="5197846"/>
-            <a:satOff val="-23984"/>
-            <a:lumOff val="883"/>
-            <a:alphaOff val="0"/>
-          </a:schemeClr>
-        </a:solidFill>
-        <a:ln w="12700" cap="flat" cmpd="sng" algn="ctr">
-          <a:solidFill>
-            <a:schemeClr val="lt1">
-              <a:hueOff val="0"/>
-              <a:satOff val="0"/>
-              <a:lumOff val="0"/>
-              <a:alphaOff val="0"/>
-            </a:schemeClr>
-          </a:solidFill>
-          <a:prstDash val="solid"/>
-          <a:miter lim="800000"/>
-        </a:ln>
-        <a:effectLst/>
-      </dsp:spPr>
-      <dsp:style>
-        <a:lnRef idx="2">
-          <a:scrgbClr r="0" g="0" b="0"/>
-        </a:lnRef>
-        <a:fillRef idx="1">
-          <a:scrgbClr r="0" g="0" b="0"/>
-        </a:fillRef>
-        <a:effectRef idx="0">
-          <a:scrgbClr r="0" g="0" b="0"/>
-        </a:effectRef>
-        <a:fontRef idx="minor">
-          <a:schemeClr val="lt1"/>
-        </a:fontRef>
-      </dsp:style>
-      <dsp:txBody>
-        <a:bodyPr spcFirstLastPara="0" vert="horz" wrap="square" lIns="95250" tIns="95250" rIns="95250" bIns="95250" numCol="1" spcCol="1270" anchor="ctr" anchorCtr="0">
-          <a:noAutofit/>
-        </a:bodyPr>
-        <a:lstStyle/>
-        <a:p>
-          <a:pPr marL="0" lvl="0" indent="0" algn="ctr" defTabSz="1111250">
-            <a:lnSpc>
-              <a:spcPct val="90000"/>
-            </a:lnSpc>
-            <a:spcBef>
-              <a:spcPct val="0"/>
-            </a:spcBef>
-            <a:spcAft>
-              <a:spcPct val="35000"/>
-            </a:spcAft>
-            <a:buNone/>
-          </a:pPr>
-          <a:r>
-            <a:rPr lang="zh-TW" altLang="en-US" sz="2500" kern="1200" dirty="0"/>
-            <a:t>設定</a:t>
-          </a:r>
-          <a:r>
-            <a:rPr lang="en-US" altLang="zh-TW" sz="2500" kern="1200" dirty="0" err="1"/>
-            <a:t>ip</a:t>
-          </a:r>
-          <a:r>
-            <a:rPr lang="en-US" altLang="zh-TW" sz="2500" kern="1200" dirty="0"/>
-            <a:t> pool</a:t>
-          </a:r>
-          <a:endParaRPr lang="zh-TW" altLang="en-US" sz="2500" kern="1200" dirty="0"/>
-        </a:p>
-      </dsp:txBody>
-      <dsp:txXfrm>
-        <a:off x="4759226" y="1701809"/>
-        <a:ext cx="2096185" cy="930988"/>
-      </dsp:txXfrm>
-    </dsp:sp>
-    <dsp:sp modelId="{B5D489C4-F954-45A1-AB8F-86DC561EEF2E}">
-      <dsp:nvSpPr>
-        <dsp:cNvPr id="0" name=""/>
-        <dsp:cNvSpPr/>
-      </dsp:nvSpPr>
-      <dsp:spPr>
-        <a:xfrm>
-          <a:off x="7053094" y="1958093"/>
-          <a:ext cx="357683" cy="418421"/>
-        </a:xfrm>
-        <a:prstGeom prst="rightArrow">
-          <a:avLst>
-            <a:gd name="adj1" fmla="val 60000"/>
-            <a:gd name="adj2" fmla="val 50000"/>
-          </a:avLst>
-        </a:prstGeom>
-        <a:solidFill>
-          <a:schemeClr val="accent4">
-            <a:hueOff val="6930461"/>
-            <a:satOff val="-31979"/>
-            <a:lumOff val="1177"/>
-            <a:alphaOff val="0"/>
-          </a:schemeClr>
-        </a:solidFill>
-        <a:ln>
-          <a:noFill/>
-        </a:ln>
-        <a:effectLst/>
-      </dsp:spPr>
-      <dsp:style>
-        <a:lnRef idx="0">
-          <a:scrgbClr r="0" g="0" b="0"/>
-        </a:lnRef>
-        <a:fillRef idx="1">
-          <a:scrgbClr r="0" g="0" b="0"/>
-        </a:fillRef>
-        <a:effectRef idx="0">
-          <a:scrgbClr r="0" g="0" b="0"/>
-        </a:effectRef>
-        <a:fontRef idx="minor">
-          <a:schemeClr val="lt1"/>
-        </a:fontRef>
-      </dsp:style>
-      <dsp:txBody>
-        <a:bodyPr spcFirstLastPara="0" vert="horz" wrap="square" lIns="0" tIns="0" rIns="0" bIns="0" numCol="1" spcCol="1270" anchor="ctr" anchorCtr="0">
-          <a:noAutofit/>
-        </a:bodyPr>
-        <a:lstStyle/>
-        <a:p>
-          <a:pPr marL="0" lvl="0" indent="0" algn="ctr" defTabSz="755650">
-            <a:lnSpc>
-              <a:spcPct val="90000"/>
-            </a:lnSpc>
-            <a:spcBef>
-              <a:spcPct val="0"/>
-            </a:spcBef>
-            <a:spcAft>
-              <a:spcPct val="35000"/>
-            </a:spcAft>
-            <a:buNone/>
-          </a:pPr>
-          <a:endParaRPr lang="zh-TW" altLang="en-US" sz="1700" kern="1200"/>
-        </a:p>
-      </dsp:txBody>
-      <dsp:txXfrm>
-        <a:off x="7053094" y="2041777"/>
-        <a:ext cx="250378" cy="251053"/>
-      </dsp:txXfrm>
-    </dsp:sp>
-    <dsp:sp modelId="{5B371013-4665-4E2F-B837-740EECF10ECB}">
-      <dsp:nvSpPr>
-        <dsp:cNvPr id="0" name=""/>
-        <dsp:cNvSpPr/>
-      </dsp:nvSpPr>
-      <dsp:spPr>
-        <a:xfrm>
-          <a:off x="7559249" y="1661148"/>
-          <a:ext cx="1687184" cy="1012310"/>
-        </a:xfrm>
-        <a:prstGeom prst="roundRect">
-          <a:avLst>
-            <a:gd name="adj" fmla="val 10000"/>
-          </a:avLst>
-        </a:prstGeom>
-        <a:solidFill>
-          <a:schemeClr val="accent4">
-            <a:hueOff val="7796769"/>
-            <a:satOff val="-35976"/>
-            <a:lumOff val="1324"/>
-            <a:alphaOff val="0"/>
-          </a:schemeClr>
-        </a:solidFill>
-        <a:ln w="12700" cap="flat" cmpd="sng" algn="ctr">
-          <a:solidFill>
-            <a:schemeClr val="lt1">
-              <a:hueOff val="0"/>
-              <a:satOff val="0"/>
-              <a:lumOff val="0"/>
-              <a:alphaOff val="0"/>
-            </a:schemeClr>
-          </a:solidFill>
-          <a:prstDash val="solid"/>
-          <a:miter lim="800000"/>
-        </a:ln>
-        <a:effectLst/>
-      </dsp:spPr>
-      <dsp:style>
-        <a:lnRef idx="2">
-          <a:scrgbClr r="0" g="0" b="0"/>
-        </a:lnRef>
-        <a:fillRef idx="1">
-          <a:scrgbClr r="0" g="0" b="0"/>
-        </a:fillRef>
-        <a:effectRef idx="0">
-          <a:scrgbClr r="0" g="0" b="0"/>
-        </a:effectRef>
-        <a:fontRef idx="minor">
-          <a:schemeClr val="lt1"/>
-        </a:fontRef>
-      </dsp:style>
-      <dsp:txBody>
-        <a:bodyPr spcFirstLastPara="0" vert="horz" wrap="square" lIns="95250" tIns="95250" rIns="95250" bIns="95250" numCol="1" spcCol="1270" anchor="ctr" anchorCtr="0">
-          <a:noAutofit/>
-        </a:bodyPr>
-        <a:lstStyle/>
-        <a:p>
-          <a:pPr marL="0" lvl="0" indent="0" algn="ctr" defTabSz="1111250">
-            <a:lnSpc>
-              <a:spcPct val="90000"/>
-            </a:lnSpc>
-            <a:spcBef>
-              <a:spcPct val="0"/>
-            </a:spcBef>
-            <a:spcAft>
-              <a:spcPct val="35000"/>
-            </a:spcAft>
-            <a:buNone/>
-          </a:pPr>
-          <a:r>
-            <a:rPr lang="zh-TW" altLang="en-US" sz="2500" kern="1200" dirty="0"/>
-            <a:t>部屬</a:t>
-          </a:r>
-          <a:r>
-            <a:rPr lang="en-US" altLang="zh-TW" sz="2500" kern="1200" dirty="0" err="1"/>
-            <a:t>nginx</a:t>
-          </a:r>
-          <a:endParaRPr lang="zh-TW" altLang="en-US" sz="2500" kern="1200" dirty="0"/>
-        </a:p>
-      </dsp:txBody>
-      <dsp:txXfrm>
-        <a:off x="7588899" y="1690798"/>
-        <a:ext cx="1627884" cy="953010"/>
-      </dsp:txXfrm>
-    </dsp:sp>
-    <dsp:sp modelId="{D4B75943-7AAC-4659-BD42-D428AEACABF7}">
-      <dsp:nvSpPr>
-        <dsp:cNvPr id="0" name=""/>
-        <dsp:cNvSpPr/>
-      </dsp:nvSpPr>
-      <dsp:spPr>
-        <a:xfrm>
-          <a:off x="9415153" y="1958093"/>
-          <a:ext cx="357683" cy="418421"/>
-        </a:xfrm>
-        <a:prstGeom prst="rightArrow">
-          <a:avLst>
-            <a:gd name="adj1" fmla="val 60000"/>
-            <a:gd name="adj2" fmla="val 50000"/>
-          </a:avLst>
-        </a:prstGeom>
-        <a:solidFill>
-          <a:schemeClr val="accent4">
-            <a:hueOff val="10395692"/>
-            <a:satOff val="-47968"/>
-            <a:lumOff val="1765"/>
-            <a:alphaOff val="0"/>
-          </a:schemeClr>
-        </a:solidFill>
-        <a:ln>
-          <a:noFill/>
-        </a:ln>
-        <a:effectLst/>
-      </dsp:spPr>
-      <dsp:style>
-        <a:lnRef idx="0">
-          <a:scrgbClr r="0" g="0" b="0"/>
-        </a:lnRef>
-        <a:fillRef idx="1">
-          <a:scrgbClr r="0" g="0" b="0"/>
-        </a:fillRef>
-        <a:effectRef idx="0">
-          <a:scrgbClr r="0" g="0" b="0"/>
-        </a:effectRef>
-        <a:fontRef idx="minor">
-          <a:schemeClr val="lt1"/>
-        </a:fontRef>
-      </dsp:style>
-      <dsp:txBody>
-        <a:bodyPr spcFirstLastPara="0" vert="horz" wrap="square" lIns="0" tIns="0" rIns="0" bIns="0" numCol="1" spcCol="1270" anchor="ctr" anchorCtr="0">
-          <a:noAutofit/>
-        </a:bodyPr>
-        <a:lstStyle/>
-        <a:p>
-          <a:pPr marL="0" lvl="0" indent="0" algn="ctr" defTabSz="755650">
-            <a:lnSpc>
-              <a:spcPct val="90000"/>
-            </a:lnSpc>
-            <a:spcBef>
-              <a:spcPct val="0"/>
-            </a:spcBef>
-            <a:spcAft>
-              <a:spcPct val="35000"/>
-            </a:spcAft>
-            <a:buNone/>
-          </a:pPr>
-          <a:endParaRPr lang="zh-TW" altLang="en-US" sz="1700" kern="1200"/>
-        </a:p>
-      </dsp:txBody>
-      <dsp:txXfrm>
-        <a:off x="9415153" y="2041777"/>
-        <a:ext cx="250378" cy="251053"/>
-      </dsp:txXfrm>
-    </dsp:sp>
-    <dsp:sp modelId="{03CE0FCF-95FD-48EF-9ED7-50DFCD349C33}">
-      <dsp:nvSpPr>
-        <dsp:cNvPr id="0" name=""/>
-        <dsp:cNvSpPr/>
-      </dsp:nvSpPr>
-      <dsp:spPr>
-        <a:xfrm>
-          <a:off x="9921308" y="1661148"/>
-          <a:ext cx="1687184" cy="1012310"/>
-        </a:xfrm>
-        <a:prstGeom prst="roundRect">
-          <a:avLst>
-            <a:gd name="adj" fmla="val 10000"/>
-          </a:avLst>
-        </a:prstGeom>
-        <a:solidFill>
-          <a:schemeClr val="accent4">
-            <a:hueOff val="10395692"/>
-            <a:satOff val="-47968"/>
-            <a:lumOff val="1765"/>
-            <a:alphaOff val="0"/>
-          </a:schemeClr>
-        </a:solidFill>
-        <a:ln w="12700" cap="flat" cmpd="sng" algn="ctr">
-          <a:solidFill>
-            <a:schemeClr val="lt1">
-              <a:hueOff val="0"/>
-              <a:satOff val="0"/>
-              <a:lumOff val="0"/>
-              <a:alphaOff val="0"/>
-            </a:schemeClr>
-          </a:solidFill>
-          <a:prstDash val="solid"/>
-          <a:miter lim="800000"/>
-        </a:ln>
-        <a:effectLst/>
-      </dsp:spPr>
-      <dsp:style>
-        <a:lnRef idx="2">
-          <a:scrgbClr r="0" g="0" b="0"/>
-        </a:lnRef>
-        <a:fillRef idx="1">
-          <a:scrgbClr r="0" g="0" b="0"/>
-        </a:fillRef>
-        <a:effectRef idx="0">
-          <a:scrgbClr r="0" g="0" b="0"/>
-        </a:effectRef>
-        <a:fontRef idx="minor">
-          <a:schemeClr val="lt1"/>
-        </a:fontRef>
-      </dsp:style>
-      <dsp:txBody>
-        <a:bodyPr spcFirstLastPara="0" vert="horz" wrap="square" lIns="95250" tIns="95250" rIns="95250" bIns="95250" numCol="1" spcCol="1270" anchor="ctr" anchorCtr="0">
-          <a:noAutofit/>
-        </a:bodyPr>
-        <a:lstStyle/>
-        <a:p>
-          <a:pPr marL="0" lvl="0" indent="0" algn="ctr" defTabSz="1111250">
-            <a:lnSpc>
-              <a:spcPct val="90000"/>
-            </a:lnSpc>
-            <a:spcBef>
-              <a:spcPct val="0"/>
-            </a:spcBef>
-            <a:spcAft>
-              <a:spcPct val="35000"/>
-            </a:spcAft>
-            <a:buNone/>
-          </a:pPr>
-          <a:r>
-            <a:rPr lang="zh-TW" altLang="en-US" sz="2500" kern="1200" dirty="0"/>
-            <a:t>確認網站服務</a:t>
-          </a:r>
-        </a:p>
-      </dsp:txBody>
-      <dsp:txXfrm>
-        <a:off x="9950958" y="1690798"/>
-        <a:ext cx="1627884" cy="953010"/>
-      </dsp:txXfrm>
-    </dsp:sp>
-  </dsp:spTree>
-</dsp:drawing>
-</file>
-
-<file path=ppt/diagrams/layout1.xml><?xml version="1.0" encoding="utf-8"?>
-<dgm:layoutDef xmlns:dgm="http://schemas.openxmlformats.org/drawingml/2006/diagram" xmlns:a="http://schemas.openxmlformats.org/drawingml/2006/main" uniqueId="urn:microsoft.com/office/officeart/2005/8/layout/process1">
-  <dgm:title val=""/>
-  <dgm:desc val=""/>
-  <dgm:catLst>
-    <dgm:cat type="process" pri="1000"/>
-    <dgm:cat type="convert" pri="15000"/>
-  </dgm:catLst>
-  <dgm:sampData useDef="1">
-    <dgm:dataModel>
-      <dgm:ptLst/>
-      <dgm:bg/>
-      <dgm:whole/>
-    </dgm:dataModel>
-  </dgm:sampData>
-  <dgm:styleData>
-    <dgm:dataModel>
-      <dgm:ptLst>
-        <dgm:pt modelId="0" type="doc"/>
-        <dgm:pt modelId="1"/>
-        <dgm:pt modelId="2"/>
-      </dgm:ptLst>
-      <dgm:cxnLst>
-        <dgm:cxn modelId="3" srcId="0" destId="1" srcOrd="0" destOrd="0"/>
-        <dgm:cxn modelId="4" srcId="0" destId="2" srcOrd="1" destOrd="0"/>
-      </dgm:cxnLst>
-      <dgm:bg/>
-      <dgm:whole/>
-    </dgm:dataModel>
-  </dgm:styleData>
-  <dgm:clrData>
-    <dgm:dataModel>
-      <dgm:ptLst>
-        <dgm:pt modelId="0" type="doc"/>
-        <dgm:pt modelId="1"/>
-        <dgm:pt modelId="2"/>
-        <dgm:pt modelId="3"/>
-        <dgm:pt modelId="4"/>
-      </dgm:ptLst>
-      <dgm:cxnLst>
-        <dgm:cxn modelId="5" srcId="0" destId="1" srcOrd="0" destOrd="0"/>
-        <dgm:cxn modelId="6" srcId="0" destId="2" srcOrd="1" destOrd="0"/>
-        <dgm:cxn modelId="7" srcId="0" destId="3" srcOrd="2" destOrd="0"/>
-        <dgm:cxn modelId="8" srcId="0" destId="4" srcOrd="3" destOrd="0"/>
-      </dgm:cxnLst>
-      <dgm:bg/>
-      <dgm:whole/>
-    </dgm:dataModel>
-  </dgm:clrData>
-  <dgm:layoutNode name="Name0">
-    <dgm:varLst>
-      <dgm:dir/>
-      <dgm:resizeHandles val="exact"/>
-    </dgm:varLst>
-    <dgm:choose name="Name1">
-      <dgm:if name="Name2" func="var" arg="dir" op="equ" val="norm">
-        <dgm:alg type="lin"/>
-      </dgm:if>
-      <dgm:else name="Name3">
-        <dgm:alg type="lin">
-          <dgm:param type="linDir" val="fromR"/>
-        </dgm:alg>
-      </dgm:else>
-    </dgm:choose>
-    <dgm:shape xmlns:r="http://schemas.openxmlformats.org/officeDocument/2006/relationships" r:blip="">
-      <dgm:adjLst/>
-    </dgm:shape>
-    <dgm:presOf/>
-    <dgm:constrLst>
-      <dgm:constr type="w" for="ch" ptType="node" refType="w"/>
-      <dgm:constr type="h" for="ch" ptType="node" op="equ"/>
-      <dgm:constr type="primFontSz" for="ch" ptType="node" op="equ" val="65"/>
-      <dgm:constr type="w" for="ch" ptType="sibTrans" refType="w" refFor="ch" refPtType="node" op="equ" fact="0.4"/>
-      <dgm:constr type="h" for="ch" ptType="sibTrans" op="equ"/>
-      <dgm:constr type="primFontSz" for="des" forName="connectorText" op="equ" val="55"/>
-      <dgm:constr type="primFontSz" for="des" forName="connectorText" refType="primFontSz" refFor="ch" refPtType="node" op="lte" fact="0.8"/>
-    </dgm:constrLst>
-    <dgm:ruleLst/>
-    <dgm:forEach name="nodesForEach" axis="ch" ptType="node">
-      <dgm:layoutNode name="node">
-        <dgm:varLst>
-          <dgm:bulletEnabled val="1"/>
-        </dgm:varLst>
-        <dgm:alg type="tx"/>
-        <dgm:shape xmlns:r="http://schemas.openxmlformats.org/officeDocument/2006/relationships" type="roundRect" r:blip="">
-          <dgm:adjLst>
-            <dgm:adj idx="1" val="0.1"/>
-          </dgm:adjLst>
-        </dgm:shape>
-        <dgm:presOf axis="desOrSelf" ptType="node"/>
-        <dgm:constrLst>
-          <dgm:constr type="h" refType="w" fact="0.6"/>
-          <dgm:constr type="tMarg" refType="primFontSz" fact="0.3"/>
-          <dgm:constr type="bMarg" refType="primFontSz" fact="0.3"/>
-          <dgm:constr type="lMarg" refType="primFontSz" fact="0.3"/>
-          <dgm:constr type="rMarg" refType="primFontSz" fact="0.3"/>
-        </dgm:constrLst>
-        <dgm:ruleLst>
-          <dgm:rule type="primFontSz" val="18" fact="NaN" max="NaN"/>
-          <dgm:rule type="h" val="NaN" fact="1.5" max="NaN"/>
-          <dgm:rule type="primFontSz" val="5" fact="NaN" max="NaN"/>
-          <dgm:rule type="h" val="INF" fact="NaN" max="NaN"/>
-        </dgm:ruleLst>
-      </dgm:layoutNode>
-      <dgm:forEach name="sibTransForEach" axis="followSib" ptType="sibTrans" cnt="1">
-        <dgm:layoutNode name="sibTrans">
-          <dgm:alg type="conn">
-            <dgm:param type="begPts" val="auto"/>
-            <dgm:param type="endPts" val="auto"/>
-          </dgm:alg>
-          <dgm:shape xmlns:r="http://schemas.openxmlformats.org/officeDocument/2006/relationships" type="conn" r:blip="">
-            <dgm:adjLst/>
-          </dgm:shape>
-          <dgm:presOf axis="self"/>
-          <dgm:constrLst>
-            <dgm:constr type="h" refType="w" fact="0.62"/>
-            <dgm:constr type="connDist"/>
-            <dgm:constr type="begPad" refType="connDist" fact="0.25"/>
-            <dgm:constr type="endPad" refType="connDist" fact="0.22"/>
-          </dgm:constrLst>
-          <dgm:ruleLst/>
-          <dgm:layoutNode name="connectorText">
-            <dgm:alg type="tx">
-              <dgm:param type="autoTxRot" val="grav"/>
-            </dgm:alg>
-            <dgm:shape xmlns:r="http://schemas.openxmlformats.org/officeDocument/2006/relationships" type="conn" r:blip="" hideGeom="1">
-              <dgm:adjLst/>
-            </dgm:shape>
-            <dgm:presOf axis="self"/>
-            <dgm:constrLst>
-              <dgm:constr type="lMarg"/>
-              <dgm:constr type="rMarg"/>
-              <dgm:constr type="tMarg"/>
-              <dgm:constr type="bMarg"/>
-            </dgm:constrLst>
-            <dgm:ruleLst>
-              <dgm:rule type="primFontSz" val="5" fact="NaN" max="NaN"/>
-            </dgm:ruleLst>
-          </dgm:layoutNode>
-        </dgm:layoutNode>
-      </dgm:forEach>
-    </dgm:forEach>
-  </dgm:layoutNode>
-</dgm:layoutDef>
-</file>
-
-<file path=ppt/diagrams/quickStyle1.xml><?xml version="1.0" encoding="utf-8"?>
-<dgm:styleDef xmlns:dgm="http://schemas.openxmlformats.org/drawingml/2006/diagram" xmlns:a="http://schemas.openxmlformats.org/drawingml/2006/main" uniqueId="urn:microsoft.com/office/officeart/2005/8/quickstyle/simple1">
-  <dgm:title val=""/>
-  <dgm:desc val=""/>
-  <dgm:catLst>
-    <dgm:cat type="simple" pri="10100"/>
-  </dgm:catLst>
-  <dgm:scene3d>
-    <a:camera prst="orthographicFront"/>
-    <a:lightRig rig="threePt" dir="t"/>
-  </dgm:scene3d>
-  <dgm:styleLbl name="node0">
-    <dgm:scene3d>
-      <a:camera prst="orthographicFront"/>
-      <a:lightRig rig="threePt" dir="t"/>
-    </dgm:scene3d>
-    <dgm:sp3d/>
-    <dgm:txPr/>
-    <dgm:style>
-      <a:lnRef idx="2">
-        <a:scrgbClr r="0" g="0" b="0"/>
-      </a:lnRef>
-      <a:fillRef idx="1">
-        <a:scrgbClr r="0" g="0" b="0"/>
-      </a:fillRef>
-      <a:effectRef idx="0">
-        <a:scrgbClr r="0" g="0" b="0"/>
-      </a:effectRef>
-      <a:fontRef idx="minor">
-        <a:schemeClr val="lt1"/>
-      </a:fontRef>
-    </dgm:style>
-  </dgm:styleLbl>
-  <dgm:styleLbl name="lnNode1">
-    <dgm:scene3d>
-      <a:camera prst="orthographicFront"/>
-      <a:lightRig rig="threePt" dir="t"/>
-    </dgm:scene3d>
-    <dgm:sp3d/>
-    <dgm:txPr/>
-    <dgm:style>
-      <a:lnRef idx="2">
-        <a:scrgbClr r="0" g="0" b="0"/>
-      </a:lnRef>
-      <a:fillRef idx="1">
-        <a:scrgbClr r="0" g="0" b="0"/>
-      </a:fillRef>
-      <a:effectRef idx="0">
-        <a:scrgbClr r="0" g="0" b="0"/>
-      </a:effectRef>
-      <a:fontRef idx="minor">
-        <a:schemeClr val="lt1"/>
-      </a:fontRef>
-    </dgm:style>
-  </dgm:styleLbl>
-  <dgm:styleLbl name="vennNode1">
-    <dgm:scene3d>
-      <a:camera prst="orthographicFront"/>
-      <a:lightRig rig="threePt" dir="t"/>
-    </dgm:scene3d>
-    <dgm:sp3d/>
-    <dgm:txPr/>
-    <dgm:style>
-      <a:lnRef idx="2">
-        <a:scrgbClr r="0" g="0" b="0"/>
-      </a:lnRef>
-      <a:fillRef idx="1">
-        <a:scrgbClr r="0" g="0" b="0"/>
-      </a:fillRef>
-      <a:effectRef idx="0">
-        <a:scrgbClr r="0" g="0" b="0"/>
-      </a:effectRef>
-      <a:fontRef idx="minor">
-        <a:schemeClr val="tx1"/>
-      </a:fontRef>
-    </dgm:style>
-  </dgm:styleLbl>
-  <dgm:styleLbl name="alignNode1">
-    <dgm:scene3d>
-      <a:camera prst="orthographicFront"/>
-      <a:lightRig rig="threePt" dir="t"/>
-    </dgm:scene3d>
-    <dgm:sp3d/>
-    <dgm:txPr/>
-    <dgm:style>
-      <a:lnRef idx="2">
-        <a:scrgbClr r="0" g="0" b="0"/>
-      </a:lnRef>
-      <a:fillRef idx="1">
-        <a:scrgbClr r="0" g="0" b="0"/>
-      </a:fillRef>
-      <a:effectRef idx="0">
-        <a:scrgbClr r="0" g="0" b="0"/>
-      </a:effectRef>
-      <a:fontRef idx="minor">
-        <a:schemeClr val="lt1"/>
-      </a:fontRef>
-    </dgm:style>
-  </dgm:styleLbl>
-  <dgm:styleLbl name="node1">
-    <dgm:scene3d>
-      <a:camera prst="orthographicFront"/>
-      <a:lightRig rig="threePt" dir="t"/>
-    </dgm:scene3d>
-    <dgm:sp3d/>
-    <dgm:txPr/>
-    <dgm:style>
-      <a:lnRef idx="2">
-        <a:scrgbClr r="0" g="0" b="0"/>
-      </a:lnRef>
-      <a:fillRef idx="1">
-        <a:scrgbClr r="0" g="0" b="0"/>
-      </a:fillRef>
-      <a:effectRef idx="0">
-        <a:scrgbClr r="0" g="0" b="0"/>
-      </a:effectRef>
-      <a:fontRef idx="minor">
-        <a:schemeClr val="lt1"/>
-      </a:fontRef>
-    </dgm:style>
-  </dgm:styleLbl>
-  <dgm:styleLbl name="node2">
-    <dgm:scene3d>
-      <a:camera prst="orthographicFront"/>
-      <a:lightRig rig="threePt" dir="t"/>
-    </dgm:scene3d>
-    <dgm:sp3d/>
-    <dgm:txPr/>
-    <dgm:style>
-      <a:lnRef idx="2">
-        <a:scrgbClr r="0" g="0" b="0"/>
-      </a:lnRef>
-      <a:fillRef idx="1">
-        <a:scrgbClr r="0" g="0" b="0"/>
-      </a:fillRef>
-      <a:effectRef idx="0">
-        <a:scrgbClr r="0" g="0" b="0"/>
-      </a:effectRef>
-      <a:fontRef idx="minor">
-        <a:schemeClr val="lt1"/>
-      </a:fontRef>
-    </dgm:style>
-  </dgm:styleLbl>
-  <dgm:styleLbl name="node3">
-    <dgm:scene3d>
-      <a:camera prst="orthographicFront"/>
-      <a:lightRig rig="threePt" dir="t"/>
-    </dgm:scene3d>
-    <dgm:sp3d/>
-    <dgm:txPr/>
-    <dgm:style>
-      <a:lnRef idx="2">
-        <a:scrgbClr r="0" g="0" b="0"/>
-      </a:lnRef>
-      <a:fillRef idx="1">
-        <a:scrgbClr r="0" g="0" b="0"/>
-      </a:fillRef>
-      <a:effectRef idx="0">
-        <a:scrgbClr r="0" g="0" b="0"/>
-      </a:effectRef>
-      <a:fontRef idx="minor">
-        <a:schemeClr val="lt1"/>
-      </a:fontRef>
-    </dgm:style>
-  </dgm:styleLbl>
-  <dgm:styleLbl name="node4">
-    <dgm:scene3d>
-      <a:camera prst="orthographicFront"/>
-      <a:lightRig rig="threePt" dir="t"/>
-    </dgm:scene3d>
-    <dgm:sp3d/>
-    <dgm:txPr/>
-    <dgm:style>
-      <a:lnRef idx="2">
-        <a:scrgbClr r="0" g="0" b="0"/>
-      </a:lnRef>
-      <a:fillRef idx="1">
-        <a:scrgbClr r="0" g="0" b="0"/>
-      </a:fillRef>
-      <a:effectRef idx="0">
-        <a:scrgbClr r="0" g="0" b="0"/>
-      </a:effectRef>
-      <a:fontRef idx="minor">
-        <a:schemeClr val="lt1"/>
-      </a:fontRef>
-    </dgm:style>
-  </dgm:styleLbl>
-  <dgm:styleLbl name="fgImgPlace1">
-    <dgm:scene3d>
-      <a:camera prst="orthographicFront"/>
-      <a:lightRig rig="threePt" dir="t"/>
-    </dgm:scene3d>
-    <dgm:sp3d/>
-    <dgm:txPr/>
-    <dgm:style>
-      <a:lnRef idx="2">
-        <a:scrgbClr r="0" g="0" b="0"/>
-      </a:lnRef>
-      <a:fillRef idx="1">
-        <a:scrgbClr r="0" g="0" b="0"/>
-      </a:fillRef>
-      <a:effectRef idx="0">
-        <a:scrgbClr r="0" g="0" b="0"/>
-      </a:effectRef>
-      <a:fontRef idx="minor"/>
-    </dgm:style>
-  </dgm:styleLbl>
-  <dgm:styleLbl name="alignImgPlace1">
-    <dgm:scene3d>
-      <a:camera prst="orthographicFront"/>
-      <a:lightRig rig="threePt" dir="t"/>
-    </dgm:scene3d>
-    <dgm:sp3d/>
-    <dgm:txPr/>
-    <dgm:style>
-      <a:lnRef idx="2">
-        <a:scrgbClr r="0" g="0" b="0"/>
-      </a:lnRef>
-      <a:fillRef idx="1">
-        <a:scrgbClr r="0" g="0" b="0"/>
-      </a:fillRef>
-      <a:effectRef idx="0">
-        <a:scrgbClr r="0" g="0" b="0"/>
-      </a:effectRef>
-      <a:fontRef idx="minor"/>
-    </dgm:style>
-  </dgm:styleLbl>
-  <dgm:styleLbl name="bgImgPlace1">
-    <dgm:scene3d>
-      <a:camera prst="orthographicFront"/>
-      <a:lightRig rig="threePt" dir="t"/>
-    </dgm:scene3d>
-    <dgm:sp3d/>
-    <dgm:txPr/>
-    <dgm:style>
-      <a:lnRef idx="2">
-        <a:scrgbClr r="0" g="0" b="0"/>
-      </a:lnRef>
-      <a:fillRef idx="1">
-        <a:scrgbClr r="0" g="0" b="0"/>
-      </a:fillRef>
-      <a:effectRef idx="0">
-        <a:scrgbClr r="0" g="0" b="0"/>
-      </a:effectRef>
-      <a:fontRef idx="minor"/>
-    </dgm:style>
-  </dgm:styleLbl>
-  <dgm:styleLbl name="sibTrans2D1">
-    <dgm:scene3d>
-      <a:camera prst="orthographicFront"/>
-      <a:lightRig rig="threePt" dir="t"/>
-    </dgm:scene3d>
-    <dgm:sp3d/>
-    <dgm:txPr/>
-    <dgm:style>
-      <a:lnRef idx="0">
-        <a:scrgbClr r="0" g="0" b="0"/>
-      </a:lnRef>
-      <a:fillRef idx="1">
-        <a:scrgbClr r="0" g="0" b="0"/>
-      </a:fillRef>
-      <a:effectRef idx="0">
-        <a:scrgbClr r="0" g="0" b="0"/>
-      </a:effectRef>
-      <a:fontRef idx="minor">
-        <a:schemeClr val="lt1"/>
-      </a:fontRef>
-    </dgm:style>
-  </dgm:styleLbl>
-  <dgm:styleLbl name="fgSibTrans2D1">
-    <dgm:scene3d>
-      <a:camera prst="orthographicFront"/>
-      <a:lightRig rig="threePt" dir="t"/>
-    </dgm:scene3d>
-    <dgm:sp3d/>
-    <dgm:txPr/>
-    <dgm:style>
-      <a:lnRef idx="0">
-        <a:scrgbClr r="0" g="0" b="0"/>
-      </a:lnRef>
-      <a:fillRef idx="1">
-        <a:scrgbClr r="0" g="0" b="0"/>
-      </a:fillRef>
-      <a:effectRef idx="0">
-        <a:scrgbClr r="0" g="0" b="0"/>
-      </a:effectRef>
-      <a:fontRef idx="minor">
-        <a:schemeClr val="lt1"/>
-      </a:fontRef>
-    </dgm:style>
-  </dgm:styleLbl>
-  <dgm:styleLbl name="bgSibTrans2D1">
-    <dgm:scene3d>
-      <a:camera prst="orthographicFront"/>
-      <a:lightRig rig="threePt" dir="t"/>
-    </dgm:scene3d>
-    <dgm:sp3d/>
-    <dgm:txPr/>
-    <dgm:style>
-      <a:lnRef idx="0">
-        <a:scrgbClr r="0" g="0" b="0"/>
-      </a:lnRef>
-      <a:fillRef idx="1">
-        <a:scrgbClr r="0" g="0" b="0"/>
-      </a:fillRef>
-      <a:effectRef idx="0">
-        <a:scrgbClr r="0" g="0" b="0"/>
-      </a:effectRef>
-      <a:fontRef idx="minor">
-        <a:schemeClr val="lt1"/>
-      </a:fontRef>
-    </dgm:style>
-  </dgm:styleLbl>
-  <dgm:styleLbl name="sibTrans1D1">
-    <dgm:scene3d>
-      <a:camera prst="orthographicFront"/>
-      <a:lightRig rig="threePt" dir="t"/>
-    </dgm:scene3d>
-    <dgm:sp3d/>
-    <dgm:txPr/>
-    <dgm:style>
-      <a:lnRef idx="1">
-        <a:scrgbClr r="0" g="0" b="0"/>
-      </a:lnRef>
-      <a:fillRef idx="0">
-        <a:scrgbClr r="0" g="0" b="0"/>
-      </a:fillRef>
-      <a:effectRef idx="0">
-        <a:scrgbClr r="0" g="0" b="0"/>
-      </a:effectRef>
-      <a:fontRef idx="minor"/>
-    </dgm:style>
-  </dgm:styleLbl>
-  <dgm:styleLbl name="callout">
-    <dgm:scene3d>
-      <a:camera prst="orthographicFront"/>
-      <a:lightRig rig="threePt" dir="t"/>
-    </dgm:scene3d>
-    <dgm:sp3d/>
-    <dgm:txPr/>
-    <dgm:style>
-      <a:lnRef idx="2">
-        <a:scrgbClr r="0" g="0" b="0"/>
-      </a:lnRef>
-      <a:fillRef idx="1">
-        <a:scrgbClr r="0" g="0" b="0"/>
-      </a:fillRef>
-      <a:effectRef idx="0">
-        <a:scrgbClr r="0" g="0" b="0"/>
-      </a:effectRef>
-      <a:fontRef idx="minor"/>
-    </dgm:style>
-  </dgm:styleLbl>
-  <dgm:styleLbl name="asst0">
-    <dgm:scene3d>
-      <a:camera prst="orthographicFront"/>
-      <a:lightRig rig="threePt" dir="t"/>
-    </dgm:scene3d>
-    <dgm:sp3d/>
-    <dgm:txPr/>
-    <dgm:style>
-      <a:lnRef idx="2">
-        <a:scrgbClr r="0" g="0" b="0"/>
-      </a:lnRef>
-      <a:fillRef idx="1">
-        <a:scrgbClr r="0" g="0" b="0"/>
-      </a:fillRef>
-      <a:effectRef idx="0">
-        <a:scrgbClr r="0" g="0" b="0"/>
-      </a:effectRef>
-      <a:fontRef idx="minor">
-        <a:schemeClr val="lt1"/>
-      </a:fontRef>
-    </dgm:style>
-  </dgm:styleLbl>
-  <dgm:styleLbl name="asst1">
-    <dgm:scene3d>
-      <a:camera prst="orthographicFront"/>
-      <a:lightRig rig="threePt" dir="t"/>
-    </dgm:scene3d>
-    <dgm:sp3d/>
-    <dgm:txPr/>
-    <dgm:style>
-      <a:lnRef idx="2">
-        <a:scrgbClr r="0" g="0" b="0"/>
-      </a:lnRef>
-      <a:fillRef idx="1">
-        <a:scrgbClr r="0" g="0" b="0"/>
-      </a:fillRef>
-      <a:effectRef idx="0">
-        <a:scrgbClr r="0" g="0" b="0"/>
-      </a:effectRef>
-      <a:fontRef idx="minor">
-        <a:schemeClr val="lt1"/>
-      </a:fontRef>
-    </dgm:style>
-  </dgm:styleLbl>
-  <dgm:styleLbl name="asst2">
-    <dgm:scene3d>
-      <a:camera prst="orthographicFront"/>
-      <a:lightRig rig="threePt" dir="t"/>
-    </dgm:scene3d>
-    <dgm:sp3d/>
-    <dgm:txPr/>
-    <dgm:style>
-      <a:lnRef idx="2">
-        <a:scrgbClr r="0" g="0" b="0"/>
-      </a:lnRef>
-      <a:fillRef idx="1">
-        <a:scrgbClr r="0" g="0" b="0"/>
-      </a:fillRef>
-      <a:effectRef idx="0">
-        <a:scrgbClr r="0" g="0" b="0"/>
-      </a:effectRef>
-      <a:fontRef idx="minor">
-        <a:schemeClr val="lt1"/>
-      </a:fontRef>
-    </dgm:style>
-  </dgm:styleLbl>
-  <dgm:styleLbl name="asst3">
-    <dgm:scene3d>
-      <a:camera prst="orthographicFront"/>
-      <a:lightRig rig="threePt" dir="t"/>
-    </dgm:scene3d>
-    <dgm:sp3d/>
-    <dgm:txPr/>
-    <dgm:style>
-      <a:lnRef idx="2">
-        <a:scrgbClr r="0" g="0" b="0"/>
-      </a:lnRef>
-      <a:fillRef idx="1">
-        <a:scrgbClr r="0" g="0" b="0"/>
-      </a:fillRef>
-      <a:effectRef idx="0">
-        <a:scrgbClr r="0" g="0" b="0"/>
-      </a:effectRef>
-      <a:fontRef idx="minor">
-        <a:schemeClr val="lt1"/>
-      </a:fontRef>
-    </dgm:style>
-  </dgm:styleLbl>
-  <dgm:styleLbl name="asst4">
-    <dgm:scene3d>
-      <a:camera prst="orthographicFront"/>
-      <a:lightRig rig="threePt" dir="t"/>
-    </dgm:scene3d>
-    <dgm:sp3d/>
-    <dgm:txPr/>
-    <dgm:style>
-      <a:lnRef idx="2">
-        <a:scrgbClr r="0" g="0" b="0"/>
-      </a:lnRef>
-      <a:fillRef idx="1">
-        <a:scrgbClr r="0" g="0" b="0"/>
-      </a:fillRef>
-      <a:effectRef idx="0">
-        <a:scrgbClr r="0" g="0" b="0"/>
-      </a:effectRef>
-      <a:fontRef idx="minor">
-        <a:schemeClr val="lt1"/>
-      </a:fontRef>
-    </dgm:style>
-  </dgm:styleLbl>
-  <dgm:styleLbl name="parChTrans2D1">
-    <dgm:scene3d>
-      <a:camera prst="orthographicFront"/>
-      <a:lightRig rig="threePt" dir="t"/>
-    </dgm:scene3d>
-    <dgm:sp3d/>
-    <dgm:txPr/>
-    <dgm:style>
-      <a:lnRef idx="2">
-        <a:scrgbClr r="0" g="0" b="0"/>
-      </a:lnRef>
-      <a:fillRef idx="1">
-        <a:scrgbClr r="0" g="0" b="0"/>
-      </a:fillRef>
-      <a:effectRef idx="0">
-        <a:scrgbClr r="0" g="0" b="0"/>
-      </a:effectRef>
-      <a:fontRef idx="minor">
-        <a:schemeClr val="lt1"/>
-      </a:fontRef>
-    </dgm:style>
-  </dgm:styleLbl>
-  <dgm:styleLbl name="parChTrans2D2">
-    <dgm:scene3d>
-      <a:camera prst="orthographicFront"/>
-      <a:lightRig rig="threePt" dir="t"/>
-    </dgm:scene3d>
-    <dgm:sp3d/>
-    <dgm:txPr/>
-    <dgm:style>
-      <a:lnRef idx="2">
-        <a:scrgbClr r="0" g="0" b="0"/>
-      </a:lnRef>
-      <a:fillRef idx="1">
-        <a:scrgbClr r="0" g="0" b="0"/>
-      </a:fillRef>
-      <a:effectRef idx="0">
-        <a:scrgbClr r="0" g="0" b="0"/>
-      </a:effectRef>
-      <a:fontRef idx="minor">
-        <a:schemeClr val="lt1"/>
-      </a:fontRef>
-    </dgm:style>
-  </dgm:styleLbl>
-  <dgm:styleLbl name="parChTrans2D3">
-    <dgm:scene3d>
-      <a:camera prst="orthographicFront"/>
-      <a:lightRig rig="threePt" dir="t"/>
-    </dgm:scene3d>
-    <dgm:sp3d/>
-    <dgm:txPr/>
-    <dgm:style>
-      <a:lnRef idx="2">
-        <a:scrgbClr r="0" g="0" b="0"/>
-      </a:lnRef>
-      <a:fillRef idx="1">
-        <a:scrgbClr r="0" g="0" b="0"/>
-      </a:fillRef>
-      <a:effectRef idx="0">
-        <a:scrgbClr r="0" g="0" b="0"/>
-      </a:effectRef>
-      <a:fontRef idx="minor">
-        <a:schemeClr val="lt1"/>
-      </a:fontRef>
-    </dgm:style>
-  </dgm:styleLbl>
-  <dgm:styleLbl name="parChTrans2D4">
-    <dgm:scene3d>
-      <a:camera prst="orthographicFront"/>
-      <a:lightRig rig="threePt" dir="t"/>
-    </dgm:scene3d>
-    <dgm:sp3d/>
-    <dgm:txPr/>
-    <dgm:style>
-      <a:lnRef idx="2">
-        <a:scrgbClr r="0" g="0" b="0"/>
-      </a:lnRef>
-      <a:fillRef idx="1">
-        <a:scrgbClr r="0" g="0" b="0"/>
-      </a:fillRef>
-      <a:effectRef idx="0">
-        <a:scrgbClr r="0" g="0" b="0"/>
-      </a:effectRef>
-      <a:fontRef idx="minor">
-        <a:schemeClr val="lt1"/>
-      </a:fontRef>
-    </dgm:style>
-  </dgm:styleLbl>
-  <dgm:styleLbl name="parChTrans1D1">
-    <dgm:scene3d>
-      <a:camera prst="orthographicFront"/>
-      <a:lightRig rig="threePt" dir="t"/>
-    </dgm:scene3d>
-    <dgm:sp3d/>
-    <dgm:txPr/>
-    <dgm:style>
-      <a:lnRef idx="2">
-        <a:scrgbClr r="0" g="0" b="0"/>
-      </a:lnRef>
-      <a:fillRef idx="0">
-        <a:scrgbClr r="0" g="0" b="0"/>
-      </a:fillRef>
-      <a:effectRef idx="0">
-        <a:scrgbClr r="0" g="0" b="0"/>
-      </a:effectRef>
-      <a:fontRef idx="minor"/>
-    </dgm:style>
-  </dgm:styleLbl>
-  <dgm:styleLbl name="parChTrans1D2">
-    <dgm:scene3d>
-      <a:camera prst="orthographicFront"/>
-      <a:lightRig rig="threePt" dir="t"/>
-    </dgm:scene3d>
-    <dgm:sp3d/>
-    <dgm:txPr/>
-    <dgm:style>
-      <a:lnRef idx="2">
-        <a:scrgbClr r="0" g="0" b="0"/>
-      </a:lnRef>
-      <a:fillRef idx="0">
-        <a:scrgbClr r="0" g="0" b="0"/>
-      </a:fillRef>
-      <a:effectRef idx="0">
-        <a:scrgbClr r="0" g="0" b="0"/>
-      </a:effectRef>
-      <a:fontRef idx="minor"/>
-    </dgm:style>
-  </dgm:styleLbl>
-  <dgm:styleLbl name="parChTrans1D3">
-    <dgm:scene3d>
-      <a:camera prst="orthographicFront"/>
-      <a:lightRig rig="threePt" dir="t"/>
-    </dgm:scene3d>
-    <dgm:sp3d/>
-    <dgm:txPr/>
-    <dgm:style>
-      <a:lnRef idx="2">
-        <a:scrgbClr r="0" g="0" b="0"/>
-      </a:lnRef>
-      <a:fillRef idx="0">
-        <a:scrgbClr r="0" g="0" b="0"/>
-      </a:fillRef>
-      <a:effectRef idx="0">
-        <a:scrgbClr r="0" g="0" b="0"/>
-      </a:effectRef>
-      <a:fontRef idx="minor"/>
-    </dgm:style>
-  </dgm:styleLbl>
-  <dgm:styleLbl name="parChTrans1D4">
-    <dgm:scene3d>
-      <a:camera prst="orthographicFront"/>
-      <a:lightRig rig="threePt" dir="t"/>
-    </dgm:scene3d>
-    <dgm:sp3d/>
-    <dgm:txPr/>
-    <dgm:style>
-      <a:lnRef idx="2">
-        <a:scrgbClr r="0" g="0" b="0"/>
-      </a:lnRef>
-      <a:fillRef idx="0">
-        <a:scrgbClr r="0" g="0" b="0"/>
-      </a:fillRef>
-      <a:effectRef idx="0">
-        <a:scrgbClr r="0" g="0" b="0"/>
-      </a:effectRef>
-      <a:fontRef idx="minor"/>
-    </dgm:style>
-  </dgm:styleLbl>
-  <dgm:styleLbl name="fgAcc1">
-    <dgm:scene3d>
-      <a:camera prst="orthographicFront"/>
-      <a:lightRig rig="threePt" dir="t"/>
-    </dgm:scene3d>
-    <dgm:sp3d/>
-    <dgm:txPr/>
-    <dgm:style>
-      <a:lnRef idx="2">
-        <a:scrgbClr r="0" g="0" b="0"/>
-      </a:lnRef>
-      <a:fillRef idx="1">
-        <a:scrgbClr r="0" g="0" b="0"/>
-      </a:fillRef>
-      <a:effectRef idx="0">
-        <a:scrgbClr r="0" g="0" b="0"/>
-      </a:effectRef>
-      <a:fontRef idx="minor"/>
-    </dgm:style>
-  </dgm:styleLbl>
-  <dgm:styleLbl name="conFgAcc1">
-    <dgm:scene3d>
-      <a:camera prst="orthographicFront"/>
-      <a:lightRig rig="threePt" dir="t"/>
-    </dgm:scene3d>
-    <dgm:sp3d/>
-    <dgm:txPr/>
-    <dgm:style>
-      <a:lnRef idx="2">
-        <a:scrgbClr r="0" g="0" b="0"/>
-      </a:lnRef>
-      <a:fillRef idx="1">
-        <a:scrgbClr r="0" g="0" b="0"/>
-      </a:fillRef>
-      <a:effectRef idx="0">
-        <a:scrgbClr r="0" g="0" b="0"/>
-      </a:effectRef>
-      <a:fontRef idx="minor"/>
-    </dgm:style>
-  </dgm:styleLbl>
-  <dgm:styleLbl name="alignAcc1">
-    <dgm:scene3d>
-      <a:camera prst="orthographicFront"/>
-      <a:lightRig rig="threePt" dir="t"/>
-    </dgm:scene3d>
-    <dgm:sp3d/>
-    <dgm:txPr/>
-    <dgm:style>
-      <a:lnRef idx="2">
-        <a:scrgbClr r="0" g="0" b="0"/>
-      </a:lnRef>
-      <a:fillRef idx="1">
-        <a:scrgbClr r="0" g="0" b="0"/>
-      </a:fillRef>
-      <a:effectRef idx="0">
-        <a:scrgbClr r="0" g="0" b="0"/>
-      </a:effectRef>
-      <a:fontRef idx="minor"/>
-    </dgm:style>
-  </dgm:styleLbl>
-  <dgm:styleLbl name="trAlignAcc1">
-    <dgm:scene3d>
-      <a:camera prst="orthographicFront"/>
-      <a:lightRig rig="threePt" dir="t"/>
-    </dgm:scene3d>
-    <dgm:sp3d/>
-    <dgm:txPr/>
-    <dgm:style>
-      <a:lnRef idx="1">
-        <a:scrgbClr r="0" g="0" b="0"/>
-      </a:lnRef>
-      <a:fillRef idx="1">
-        <a:scrgbClr r="0" g="0" b="0"/>
-      </a:fillRef>
-      <a:effectRef idx="0">
-        <a:scrgbClr r="0" g="0" b="0"/>
-      </a:effectRef>
-      <a:fontRef idx="minor"/>
-    </dgm:style>
-  </dgm:styleLbl>
-  <dgm:styleLbl name="bgAcc1">
-    <dgm:scene3d>
-      <a:camera prst="orthographicFront"/>
-      <a:lightRig rig="threePt" dir="t"/>
-    </dgm:scene3d>
-    <dgm:sp3d/>
-    <dgm:txPr/>
-    <dgm:style>
-      <a:lnRef idx="2">
-        <a:scrgbClr r="0" g="0" b="0"/>
-      </a:lnRef>
-      <a:fillRef idx="1">
-        <a:scrgbClr r="0" g="0" b="0"/>
-      </a:fillRef>
-      <a:effectRef idx="0">
-        <a:scrgbClr r="0" g="0" b="0"/>
-      </a:effectRef>
-      <a:fontRef idx="minor"/>
-    </dgm:style>
-  </dgm:styleLbl>
-  <dgm:styleLbl name="solidFgAcc1">
-    <dgm:scene3d>
-      <a:camera prst="orthographicFront"/>
-      <a:lightRig rig="threePt" dir="t"/>
-    </dgm:scene3d>
-    <dgm:sp3d/>
-    <dgm:txPr/>
-    <dgm:style>
-      <a:lnRef idx="2">
-        <a:scrgbClr r="0" g="0" b="0"/>
-      </a:lnRef>
-      <a:fillRef idx="1">
-        <a:scrgbClr r="0" g="0" b="0"/>
-      </a:fillRef>
-      <a:effectRef idx="0">
-        <a:scrgbClr r="0" g="0" b="0"/>
-      </a:effectRef>
-      <a:fontRef idx="minor"/>
-    </dgm:style>
-  </dgm:styleLbl>
-  <dgm:styleLbl name="solidAlignAcc1">
-    <dgm:scene3d>
-      <a:camera prst="orthographicFront"/>
-      <a:lightRig rig="threePt" dir="t"/>
-    </dgm:scene3d>
-    <dgm:sp3d/>
-    <dgm:txPr/>
-    <dgm:style>
-      <a:lnRef idx="2">
-        <a:scrgbClr r="0" g="0" b="0"/>
-      </a:lnRef>
-      <a:fillRef idx="1">
-        <a:scrgbClr r="0" g="0" b="0"/>
-      </a:fillRef>
-      <a:effectRef idx="0">
-        <a:scrgbClr r="0" g="0" b="0"/>
-      </a:effectRef>
-      <a:fontRef idx="minor"/>
-    </dgm:style>
-  </dgm:styleLbl>
-  <dgm:styleLbl name="solidBgAcc1">
-    <dgm:scene3d>
-      <a:camera prst="orthographicFront"/>
-      <a:lightRig rig="threePt" dir="t"/>
-    </dgm:scene3d>
-    <dgm:sp3d/>
-    <dgm:txPr/>
-    <dgm:style>
-      <a:lnRef idx="2">
-        <a:scrgbClr r="0" g="0" b="0"/>
-      </a:lnRef>
-      <a:fillRef idx="1">
-        <a:scrgbClr r="0" g="0" b="0"/>
-      </a:fillRef>
-      <a:effectRef idx="0">
-        <a:scrgbClr r="0" g="0" b="0"/>
-      </a:effectRef>
-      <a:fontRef idx="minor"/>
-    </dgm:style>
-  </dgm:styleLbl>
-  <dgm:styleLbl name="fgAccFollowNode1">
-    <dgm:scene3d>
-      <a:camera prst="orthographicFront"/>
-      <a:lightRig rig="threePt" dir="t"/>
-    </dgm:scene3d>
-    <dgm:sp3d/>
-    <dgm:txPr/>
-    <dgm:style>
-      <a:lnRef idx="2">
-        <a:scrgbClr r="0" g="0" b="0"/>
-      </a:lnRef>
-      <a:fillRef idx="1">
-        <a:scrgbClr r="0" g="0" b="0"/>
-      </a:fillRef>
-      <a:effectRef idx="0">
-        <a:scrgbClr r="0" g="0" b="0"/>
-      </a:effectRef>
-      <a:fontRef idx="minor"/>
-    </dgm:style>
-  </dgm:styleLbl>
-  <dgm:styleLbl name="alignAccFollowNode1">
-    <dgm:scene3d>
-      <a:camera prst="orthographicFront"/>
-      <a:lightRig rig="threePt" dir="t"/>
-    </dgm:scene3d>
-    <dgm:sp3d/>
-    <dgm:txPr/>
-    <dgm:style>
-      <a:lnRef idx="2">
-        <a:scrgbClr r="0" g="0" b="0"/>
-      </a:lnRef>
-      <a:fillRef idx="1">
-        <a:scrgbClr r="0" g="0" b="0"/>
-      </a:fillRef>
-      <a:effectRef idx="0">
-        <a:scrgbClr r="0" g="0" b="0"/>
-      </a:effectRef>
-      <a:fontRef idx="minor"/>
-    </dgm:style>
-  </dgm:styleLbl>
-  <dgm:styleLbl name="bgAccFollowNode1">
-    <dgm:scene3d>
-      <a:camera prst="orthographicFront"/>
-      <a:lightRig rig="threePt" dir="t"/>
-    </dgm:scene3d>
-    <dgm:sp3d/>
-    <dgm:txPr/>
-    <dgm:style>
-      <a:lnRef idx="2">
-        <a:scrgbClr r="0" g="0" b="0"/>
-      </a:lnRef>
-      <a:fillRef idx="1">
-        <a:scrgbClr r="0" g="0" b="0"/>
-      </a:fillRef>
-      <a:effectRef idx="0">
-        <a:scrgbClr r="0" g="0" b="0"/>
-      </a:effectRef>
-      <a:fontRef idx="minor"/>
-    </dgm:style>
-  </dgm:styleLbl>
-  <dgm:styleLbl name="fgAcc0">
-    <dgm:scene3d>
-      <a:camera prst="orthographicFront"/>
-      <a:lightRig rig="threePt" dir="t"/>
-    </dgm:scene3d>
-    <dgm:sp3d/>
-    <dgm:txPr/>
-    <dgm:style>
-      <a:lnRef idx="2">
-        <a:scrgbClr r="0" g="0" b="0"/>
-      </a:lnRef>
-      <a:fillRef idx="1">
-        <a:scrgbClr r="0" g="0" b="0"/>
-      </a:fillRef>
-      <a:effectRef idx="0">
-        <a:scrgbClr r="0" g="0" b="0"/>
-      </a:effectRef>
-      <a:fontRef idx="minor"/>
-    </dgm:style>
-  </dgm:styleLbl>
-  <dgm:styleLbl name="fgAcc2">
-    <dgm:scene3d>
-      <a:camera prst="orthographicFront"/>
-      <a:lightRig rig="threePt" dir="t"/>
-    </dgm:scene3d>
-    <dgm:sp3d/>
-    <dgm:txPr/>
-    <dgm:style>
-      <a:lnRef idx="2">
-        <a:scrgbClr r="0" g="0" b="0"/>
-      </a:lnRef>
-      <a:fillRef idx="1">
-        <a:scrgbClr r="0" g="0" b="0"/>
-      </a:fillRef>
-      <a:effectRef idx="0">
-        <a:scrgbClr r="0" g="0" b="0"/>
-      </a:effectRef>
-      <a:fontRef idx="minor"/>
-    </dgm:style>
-  </dgm:styleLbl>
-  <dgm:styleLbl name="fgAcc3">
-    <dgm:scene3d>
-      <a:camera prst="orthographicFront"/>
-      <a:lightRig rig="threePt" dir="t"/>
-    </dgm:scene3d>
-    <dgm:sp3d/>
-    <dgm:txPr/>
-    <dgm:style>
-      <a:lnRef idx="2">
-        <a:scrgbClr r="0" g="0" b="0"/>
-      </a:lnRef>
-      <a:fillRef idx="1">
-        <a:scrgbClr r="0" g="0" b="0"/>
-      </a:fillRef>
-      <a:effectRef idx="0">
-        <a:scrgbClr r="0" g="0" b="0"/>
-      </a:effectRef>
-      <a:fontRef idx="minor"/>
-    </dgm:style>
-  </dgm:styleLbl>
-  <dgm:styleLbl name="fgAcc4">
-    <dgm:scene3d>
-      <a:camera prst="orthographicFront"/>
-      <a:lightRig rig="threePt" dir="t"/>
-    </dgm:scene3d>
-    <dgm:sp3d/>
-    <dgm:txPr/>
-    <dgm:style>
-      <a:lnRef idx="2">
-        <a:scrgbClr r="0" g="0" b="0"/>
-      </a:lnRef>
-      <a:fillRef idx="1">
-        <a:scrgbClr r="0" g="0" b="0"/>
-      </a:fillRef>
-      <a:effectRef idx="0">
-        <a:scrgbClr r="0" g="0" b="0"/>
-      </a:effectRef>
-      <a:fontRef idx="minor"/>
-    </dgm:style>
-  </dgm:styleLbl>
-  <dgm:styleLbl name="bgShp">
-    <dgm:scene3d>
-      <a:camera prst="orthographicFront"/>
-      <a:lightRig rig="threePt" dir="t"/>
-    </dgm:scene3d>
-    <dgm:sp3d/>
-    <dgm:txPr/>
-    <dgm:style>
-      <a:lnRef idx="0">
-        <a:scrgbClr r="0" g="0" b="0"/>
-      </a:lnRef>
-      <a:fillRef idx="1">
-        <a:scrgbClr r="0" g="0" b="0"/>
-      </a:fillRef>
-      <a:effectRef idx="0">
-        <a:scrgbClr r="0" g="0" b="0"/>
-      </a:effectRef>
-      <a:fontRef idx="minor"/>
-    </dgm:style>
-  </dgm:styleLbl>
-  <dgm:styleLbl name="dkBgShp">
-    <dgm:scene3d>
-      <a:camera prst="orthographicFront"/>
-      <a:lightRig rig="threePt" dir="t"/>
-    </dgm:scene3d>
-    <dgm:sp3d/>
-    <dgm:txPr/>
-    <dgm:style>
-      <a:lnRef idx="0">
-        <a:scrgbClr r="0" g="0" b="0"/>
-      </a:lnRef>
-      <a:fillRef idx="1">
-        <a:scrgbClr r="0" g="0" b="0"/>
-      </a:fillRef>
-      <a:effectRef idx="0">
-        <a:scrgbClr r="0" g="0" b="0"/>
-      </a:effectRef>
-      <a:fontRef idx="minor"/>
-    </dgm:style>
-  </dgm:styleLbl>
-  <dgm:styleLbl name="trBgShp">
-    <dgm:scene3d>
-      <a:camera prst="orthographicFront"/>
-      <a:lightRig rig="threePt" dir="t"/>
-    </dgm:scene3d>
-    <dgm:sp3d/>
-    <dgm:txPr/>
-    <dgm:style>
-      <a:lnRef idx="0">
-        <a:scrgbClr r="0" g="0" b="0"/>
-      </a:lnRef>
-      <a:fillRef idx="1">
-        <a:scrgbClr r="0" g="0" b="0"/>
-      </a:fillRef>
-      <a:effectRef idx="0">
-        <a:scrgbClr r="0" g="0" b="0"/>
-      </a:effectRef>
-      <a:fontRef idx="minor"/>
-    </dgm:style>
-  </dgm:styleLbl>
-  <dgm:styleLbl name="fgShp">
-    <dgm:scene3d>
-      <a:camera prst="orthographicFront"/>
-      <a:lightRig rig="threePt" dir="t"/>
-    </dgm:scene3d>
-    <dgm:sp3d/>
-    <dgm:txPr/>
-    <dgm:style>
-      <a:lnRef idx="2">
-        <a:scrgbClr r="0" g="0" b="0"/>
-      </a:lnRef>
-      <a:fillRef idx="1">
-        <a:scrgbClr r="0" g="0" b="0"/>
-      </a:fillRef>
-      <a:effectRef idx="0">
-        <a:scrgbClr r="0" g="0" b="0"/>
-      </a:effectRef>
-      <a:fontRef idx="minor"/>
-    </dgm:style>
-  </dgm:styleLbl>
-  <dgm:styleLbl name="revTx">
-    <dgm:scene3d>
-      <a:camera prst="orthographicFront"/>
-      <a:lightRig rig="threePt" dir="t"/>
-    </dgm:scene3d>
-    <dgm:sp3d/>
-    <dgm:txPr/>
-    <dgm:style>
-      <a:lnRef idx="0">
-        <a:scrgbClr r="0" g="0" b="0"/>
-      </a:lnRef>
-      <a:fillRef idx="0">
-        <a:scrgbClr r="0" g="0" b="0"/>
-      </a:fillRef>
-      <a:effectRef idx="0">
-        <a:scrgbClr r="0" g="0" b="0"/>
-      </a:effectRef>
-      <a:fontRef idx="minor"/>
-    </dgm:style>
-  </dgm:styleLbl>
-</dgm:styleDef>
 </file>
 
 <file path=ppt/slideLayouts/slideLayout1.xml><?xml version="1.0" encoding="utf-8"?>
@@ -6000,9 +2979,16 @@
             <p:ph type="ctrTitle"/>
           </p:nvPr>
         </p:nvSpPr>
-        <p:spPr/>
-        <p:txBody>
-          <a:bodyPr/>
+        <p:spPr>
+          <a:xfrm>
+            <a:off x="529936" y="1122363"/>
+            <a:ext cx="11097491" cy="2387600"/>
+          </a:xfrm>
+        </p:spPr>
+        <p:txBody>
+          <a:bodyPr>
+            <a:normAutofit fontScale="90000"/>
+          </a:bodyPr>
           <a:lstStyle/>
           <a:p>
             <a:r>
@@ -6016,18 +3002,26 @@
               <a:rPr lang="en-US" altLang="zh-TW" dirty="0"/>
             </a:br>
             <a:r>
-              <a:rPr lang="en-US" altLang="zh-TW" dirty="0" err="1">
-                <a:latin typeface="Times New Roman" panose="02020603050405020304" pitchFamily="18" charset="0"/>
-                <a:cs typeface="Times New Roman" panose="02020603050405020304" pitchFamily="18" charset="0"/>
-              </a:rPr>
-              <a:t>nginx</a:t>
-            </a:r>
-            <a:r>
               <a:rPr lang="en-US" altLang="zh-TW" dirty="0">
                 <a:latin typeface="Times New Roman" panose="02020603050405020304" pitchFamily="18" charset="0"/>
                 <a:cs typeface="Times New Roman" panose="02020603050405020304" pitchFamily="18" charset="0"/>
               </a:rPr>
-              <a:t> load-balance in k8s</a:t>
+              <a:t>Kubernetes</a:t>
+            </a:r>
+            <a:r>
+              <a:rPr lang="zh-TW" altLang="en-US" dirty="0">
+                <a:latin typeface="BiauKai" panose="02010601000101010101" pitchFamily="2" charset="-120"/>
+                <a:ea typeface="BiauKai" panose="02010601000101010101" pitchFamily="2" charset="-120"/>
+                <a:cs typeface="Times New Roman" panose="02020603050405020304" pitchFamily="18" charset="0"/>
+              </a:rPr>
+              <a:t>叢集之</a:t>
+            </a:r>
+            <a:r>
+              <a:rPr lang="zh-TW" altLang="en-US" dirty="0">
+                <a:latin typeface="BiauKai" panose="02010601000101010101" pitchFamily="2" charset="-120"/>
+                <a:ea typeface="BiauKai" panose="02010601000101010101" pitchFamily="2" charset="-120"/>
+              </a:rPr>
+              <a:t>負載平衡應用案例</a:t>
             </a:r>
             <a:endParaRPr lang="zh-TW" altLang="en-US" dirty="0">
               <a:latin typeface="Times New Roman" panose="02020603050405020304" pitchFamily="18" charset="0"/>
@@ -6457,20 +3451,12 @@
               <a:buAutoNum type="arabicPeriod"/>
             </a:pPr>
             <a:r>
-              <a:rPr kumimoji="1" lang="en-US" altLang="zh-CN" dirty="0">
-                <a:latin typeface="Times New Roman" panose="02020603050405020304" pitchFamily="18" charset="0"/>
-                <a:ea typeface="BiauKai" panose="02010601000101010101" pitchFamily="2" charset="-120"/>
-                <a:cs typeface="Times New Roman" panose="02020603050405020304" pitchFamily="18" charset="0"/>
-              </a:rPr>
-              <a:t>Nginx</a:t>
-            </a:r>
-            <a:r>
               <a:rPr kumimoji="1" lang="zh-CN" altLang="en-US" dirty="0">
                 <a:latin typeface="Times New Roman" panose="02020603050405020304" pitchFamily="18" charset="0"/>
                 <a:ea typeface="BiauKai" panose="02010601000101010101" pitchFamily="2" charset="-120"/>
                 <a:cs typeface="Times New Roman" panose="02020603050405020304" pitchFamily="18" charset="0"/>
               </a:rPr>
-              <a:t>部署</a:t>
+              <a:t>應用部署</a:t>
             </a:r>
             <a:endParaRPr kumimoji="1" lang="en-US" altLang="zh-CN" dirty="0">
               <a:latin typeface="Times New Roman" panose="02020603050405020304" pitchFamily="18" charset="0"/>
@@ -6489,23 +3475,7 @@
                 <a:ea typeface="BiauKai" panose="02010601000101010101" pitchFamily="2" charset="-120"/>
                 <a:cs typeface="Times New Roman" panose="02020603050405020304" pitchFamily="18" charset="0"/>
               </a:rPr>
-              <a:t>驗證</a:t>
-            </a:r>
-            <a:r>
-              <a:rPr kumimoji="1" lang="en-US" altLang="zh-CN" dirty="0" err="1">
-                <a:latin typeface="Times New Roman" panose="02020603050405020304" pitchFamily="18" charset="0"/>
-                <a:ea typeface="BiauKai" panose="02010601000101010101" pitchFamily="2" charset="-120"/>
-                <a:cs typeface="Times New Roman" panose="02020603050405020304" pitchFamily="18" charset="0"/>
-              </a:rPr>
-              <a:t>Ningx</a:t>
-            </a:r>
-            <a:r>
-              <a:rPr kumimoji="1" lang="zh-CN" altLang="en-US" dirty="0">
-                <a:latin typeface="Times New Roman" panose="02020603050405020304" pitchFamily="18" charset="0"/>
-                <a:ea typeface="BiauKai" panose="02010601000101010101" pitchFamily="2" charset="-120"/>
-                <a:cs typeface="Times New Roman" panose="02020603050405020304" pitchFamily="18" charset="0"/>
-              </a:rPr>
-              <a:t>服務</a:t>
+              <a:t>驗證應用服務</a:t>
             </a:r>
             <a:endParaRPr kumimoji="1" lang="en-US" altLang="zh-CN" dirty="0">
               <a:latin typeface="Times New Roman" panose="02020603050405020304" pitchFamily="18" charset="0"/>
@@ -6738,17 +3708,28 @@
           <a:lstStyle/>
           <a:p>
             <a:r>
-              <a:rPr lang="en-US" altLang="zh-TW" dirty="0" err="1"/>
-              <a:t>Metallb</a:t>
-            </a:r>
-            <a:r>
-              <a:rPr lang="en-US" altLang="zh-TW" dirty="0"/>
+              <a:rPr lang="en-US" altLang="zh-TW" dirty="0" err="1">
+                <a:latin typeface="Times New Roman" panose="02020603050405020304" pitchFamily="18" charset="0"/>
+                <a:cs typeface="Times New Roman" panose="02020603050405020304" pitchFamily="18" charset="0"/>
+              </a:rPr>
+              <a:t>MetalLB</a:t>
+            </a:r>
+            <a:r>
+              <a:rPr lang="zh-TW" altLang="en-US" dirty="0">
+                <a:latin typeface="Times New Roman" panose="02020603050405020304" pitchFamily="18" charset="0"/>
+                <a:cs typeface="Times New Roman" panose="02020603050405020304" pitchFamily="18" charset="0"/>
+              </a:rPr>
               <a:t> </a:t>
             </a:r>
             <a:r>
-              <a:rPr lang="zh-TW" altLang="en-US" dirty="0"/>
+              <a:rPr lang="zh-TW" altLang="en-US" dirty="0">
+                <a:latin typeface="BiauKai" panose="02010601000101010101" pitchFamily="2" charset="-120"/>
+                <a:ea typeface="BiauKai" panose="02010601000101010101" pitchFamily="2" charset="-120"/>
+                <a:cs typeface="Times New Roman" panose="02020603050405020304" pitchFamily="18" charset="0"/>
+              </a:rPr>
               <a:t>介紹</a:t>
             </a:r>
+            <a:endParaRPr lang="zh-TW" altLang="en-US" dirty="0"/>
           </a:p>
         </p:txBody>
       </p:sp>
@@ -6870,186 +3851,6 @@
 </file>
 
 <file path=ppt/slides/slide14.xml><?xml version="1.0" encoding="utf-8"?>
-<p:sld xmlns:a="http://schemas.openxmlformats.org/drawingml/2006/main" xmlns:r="http://schemas.openxmlformats.org/officeDocument/2006/relationships" xmlns:p="http://schemas.openxmlformats.org/presentationml/2006/main">
-  <p:cSld>
-    <p:spTree>
-      <p:nvGrpSpPr>
-        <p:cNvPr id="1" name=""/>
-        <p:cNvGrpSpPr/>
-        <p:nvPr/>
-      </p:nvGrpSpPr>
-      <p:grpSpPr>
-        <a:xfrm>
-          <a:off x="0" y="0"/>
-          <a:ext cx="0" cy="0"/>
-          <a:chOff x="0" y="0"/>
-          <a:chExt cx="0" cy="0"/>
-        </a:xfrm>
-      </p:grpSpPr>
-      <p:sp>
-        <p:nvSpPr>
-          <p:cNvPr id="2" name="標題 1"/>
-          <p:cNvSpPr>
-            <a:spLocks noGrp="1"/>
-          </p:cNvSpPr>
-          <p:nvPr>
-            <p:ph type="title"/>
-          </p:nvPr>
-        </p:nvSpPr>
-        <p:spPr>
-          <a:xfrm>
-            <a:off x="820615" y="285994"/>
-            <a:ext cx="10515600" cy="1325563"/>
-          </a:xfrm>
-        </p:spPr>
-        <p:txBody>
-          <a:bodyPr/>
-          <a:lstStyle/>
-          <a:p>
-            <a:r>
-              <a:rPr lang="en-US" altLang="zh-TW" dirty="0" err="1"/>
-              <a:t>Metallb</a:t>
-            </a:r>
-            <a:r>
-              <a:rPr lang="en-US" altLang="zh-TW" dirty="0"/>
-              <a:t>(CNI</a:t>
-            </a:r>
-            <a:r>
-              <a:rPr lang="zh-TW" altLang="en-US" dirty="0"/>
-              <a:t> </a:t>
-            </a:r>
-            <a:r>
-              <a:rPr lang="en-US" altLang="zh-TW" dirty="0"/>
-              <a:t>support)</a:t>
-            </a:r>
-            <a:endParaRPr lang="zh-TW" altLang="en-US" dirty="0"/>
-          </a:p>
-        </p:txBody>
-      </p:sp>
-      <p:pic>
-        <p:nvPicPr>
-          <p:cNvPr id="4" name="圖片 3"/>
-          <p:cNvPicPr>
-            <a:picLocks noChangeAspect="1"/>
-          </p:cNvPicPr>
-          <p:nvPr/>
-        </p:nvPicPr>
-        <p:blipFill>
-          <a:blip r:embed="rId2"/>
-          <a:stretch>
-            <a:fillRect/>
-          </a:stretch>
-        </p:blipFill>
-        <p:spPr>
-          <a:xfrm>
-            <a:off x="446426" y="1449476"/>
-            <a:ext cx="11065635" cy="5170078"/>
-          </a:xfrm>
-          <a:prstGeom prst="rect">
-            <a:avLst/>
-          </a:prstGeom>
-        </p:spPr>
-      </p:pic>
-    </p:spTree>
-    <p:extLst>
-      <p:ext uri="{BB962C8B-B14F-4D97-AF65-F5344CB8AC3E}">
-        <p14:creationId xmlns:p14="http://schemas.microsoft.com/office/powerpoint/2010/main" val="2392621767"/>
-      </p:ext>
-    </p:extLst>
-  </p:cSld>
-  <p:clrMapOvr>
-    <a:masterClrMapping/>
-  </p:clrMapOvr>
-</p:sld>
-</file>
-
-<file path=ppt/slides/slide15.xml><?xml version="1.0" encoding="utf-8"?>
-<p:sld xmlns:a="http://schemas.openxmlformats.org/drawingml/2006/main" xmlns:r="http://schemas.openxmlformats.org/officeDocument/2006/relationships" xmlns:p="http://schemas.openxmlformats.org/presentationml/2006/main">
-  <p:cSld>
-    <p:spTree>
-      <p:nvGrpSpPr>
-        <p:cNvPr id="1" name=""/>
-        <p:cNvGrpSpPr/>
-        <p:nvPr/>
-      </p:nvGrpSpPr>
-      <p:grpSpPr>
-        <a:xfrm>
-          <a:off x="0" y="0"/>
-          <a:ext cx="0" cy="0"/>
-          <a:chOff x="0" y="0"/>
-          <a:chExt cx="0" cy="0"/>
-        </a:xfrm>
-      </p:grpSpPr>
-      <p:sp>
-        <p:nvSpPr>
-          <p:cNvPr id="2" name="標題 1"/>
-          <p:cNvSpPr>
-            <a:spLocks noGrp="1"/>
-          </p:cNvSpPr>
-          <p:nvPr>
-            <p:ph type="title"/>
-          </p:nvPr>
-        </p:nvSpPr>
-        <p:spPr>
-          <a:xfrm>
-            <a:off x="803031" y="0"/>
-            <a:ext cx="10515600" cy="1325563"/>
-          </a:xfrm>
-        </p:spPr>
-        <p:txBody>
-          <a:bodyPr/>
-          <a:lstStyle/>
-          <a:p>
-            <a:r>
-              <a:rPr lang="en-US" altLang="zh-TW" dirty="0" err="1"/>
-              <a:t>Metallb</a:t>
-            </a:r>
-            <a:r>
-              <a:rPr lang="en-US" altLang="zh-TW" dirty="0"/>
-              <a:t>(Cloud support)</a:t>
-            </a:r>
-            <a:endParaRPr lang="zh-TW" altLang="en-US" dirty="0"/>
-          </a:p>
-        </p:txBody>
-      </p:sp>
-      <p:pic>
-        <p:nvPicPr>
-          <p:cNvPr id="3" name="圖片 2"/>
-          <p:cNvPicPr>
-            <a:picLocks noChangeAspect="1"/>
-          </p:cNvPicPr>
-          <p:nvPr/>
-        </p:nvPicPr>
-        <p:blipFill>
-          <a:blip r:embed="rId2"/>
-          <a:stretch>
-            <a:fillRect/>
-          </a:stretch>
-        </p:blipFill>
-        <p:spPr>
-          <a:xfrm>
-            <a:off x="803031" y="1008473"/>
-            <a:ext cx="8640379" cy="5682473"/>
-          </a:xfrm>
-          <a:prstGeom prst="rect">
-            <a:avLst/>
-          </a:prstGeom>
-        </p:spPr>
-      </p:pic>
-    </p:spTree>
-    <p:extLst>
-      <p:ext uri="{BB962C8B-B14F-4D97-AF65-F5344CB8AC3E}">
-        <p14:creationId xmlns:p14="http://schemas.microsoft.com/office/powerpoint/2010/main" val="1183916833"/>
-      </p:ext>
-    </p:extLst>
-  </p:cSld>
-  <p:clrMapOvr>
-    <a:masterClrMapping/>
-  </p:clrMapOvr>
-</p:sld>
-</file>
-
-<file path=ppt/slides/slide16.xml><?xml version="1.0" encoding="utf-8"?>
 <p:sld xmlns:a="http://schemas.openxmlformats.org/drawingml/2006/main" xmlns:r="http://schemas.openxmlformats.org/officeDocument/2006/relationships" xmlns:p="http://schemas.openxmlformats.org/presentationml/2006/main">
   <p:cSld>
     <p:spTree>
@@ -7721,6 +4522,648 @@
 </p:sld>
 </file>
 
+<file path=ppt/slides/slide15.xml><?xml version="1.0" encoding="utf-8"?>
+<p:sld xmlns:a="http://schemas.openxmlformats.org/drawingml/2006/main" xmlns:r="http://schemas.openxmlformats.org/officeDocument/2006/relationships" xmlns:p="http://schemas.openxmlformats.org/presentationml/2006/main">
+  <p:cSld>
+    <p:spTree>
+      <p:nvGrpSpPr>
+        <p:cNvPr id="1" name=""/>
+        <p:cNvGrpSpPr/>
+        <p:nvPr/>
+      </p:nvGrpSpPr>
+      <p:grpSpPr>
+        <a:xfrm>
+          <a:off x="0" y="0"/>
+          <a:ext cx="0" cy="0"/>
+          <a:chOff x="0" y="0"/>
+          <a:chExt cx="0" cy="0"/>
+        </a:xfrm>
+      </p:grpSpPr>
+      <p:sp>
+        <p:nvSpPr>
+          <p:cNvPr id="4" name="標題 3">
+            <a:extLst>
+              <a:ext uri="{FF2B5EF4-FFF2-40B4-BE49-F238E27FC236}">
+                <a16:creationId xmlns:a16="http://schemas.microsoft.com/office/drawing/2014/main" id="{0E9025FE-9227-484A-B661-1777A9A68DEE}"/>
+              </a:ext>
+            </a:extLst>
+          </p:cNvPr>
+          <p:cNvSpPr>
+            <a:spLocks noGrp="1"/>
+          </p:cNvSpPr>
+          <p:nvPr>
+            <p:ph type="title"/>
+          </p:nvPr>
+        </p:nvSpPr>
+        <p:spPr/>
+        <p:txBody>
+          <a:bodyPr/>
+          <a:lstStyle/>
+          <a:p>
+            <a:r>
+              <a:rPr kumimoji="1" lang="zh-CN" altLang="en-US" dirty="0">
+                <a:latin typeface="BiauKai" panose="02010601000101010101" pitchFamily="2" charset="-120"/>
+                <a:ea typeface="BiauKai" panose="02010601000101010101" pitchFamily="2" charset="-120"/>
+              </a:rPr>
+              <a:t>實作步驟</a:t>
+            </a:r>
+            <a:endParaRPr kumimoji="1" lang="zh-TW" altLang="en-US" dirty="0">
+              <a:latin typeface="BiauKai" panose="02010601000101010101" pitchFamily="2" charset="-120"/>
+              <a:ea typeface="BiauKai" panose="02010601000101010101" pitchFamily="2" charset="-120"/>
+            </a:endParaRPr>
+          </a:p>
+        </p:txBody>
+      </p:sp>
+      <p:sp>
+        <p:nvSpPr>
+          <p:cNvPr id="5" name="內容版面配置區 4">
+            <a:extLst>
+              <a:ext uri="{FF2B5EF4-FFF2-40B4-BE49-F238E27FC236}">
+                <a16:creationId xmlns:a16="http://schemas.microsoft.com/office/drawing/2014/main" id="{3467E8AC-4C05-B94D-9310-73A2784F6A79}"/>
+              </a:ext>
+            </a:extLst>
+          </p:cNvPr>
+          <p:cNvSpPr>
+            <a:spLocks noGrp="1"/>
+          </p:cNvSpPr>
+          <p:nvPr>
+            <p:ph idx="1"/>
+          </p:nvPr>
+        </p:nvSpPr>
+        <p:spPr/>
+        <p:txBody>
+          <a:bodyPr/>
+          <a:lstStyle/>
+          <a:p>
+            <a:pPr marL="514350" indent="-514350">
+              <a:buFont typeface="+mj-lt"/>
+              <a:buAutoNum type="arabicPeriod"/>
+            </a:pPr>
+            <a:r>
+              <a:rPr kumimoji="1" lang="zh-TW" altLang="en-US" dirty="0">
+                <a:latin typeface="BiauKai" panose="02010601000101010101" pitchFamily="2" charset="-120"/>
+                <a:ea typeface="BiauKai" panose="02010601000101010101" pitchFamily="2" charset="-120"/>
+              </a:rPr>
+              <a:t>建立</a:t>
+            </a:r>
+            <a:r>
+              <a:rPr kumimoji="1" lang="en-US" altLang="zh-TW" dirty="0">
+                <a:latin typeface="Times New Roman" panose="02020603050405020304" pitchFamily="18" charset="0"/>
+                <a:ea typeface="BiauKai" panose="02010601000101010101" pitchFamily="2" charset="-120"/>
+                <a:cs typeface="Times New Roman" panose="02020603050405020304" pitchFamily="18" charset="0"/>
+              </a:rPr>
+              <a:t>Kubernetes</a:t>
+            </a:r>
+            <a:r>
+              <a:rPr kumimoji="1" lang="zh-CN" altLang="en-US" dirty="0">
+                <a:latin typeface="BiauKai" panose="02010601000101010101" pitchFamily="2" charset="-120"/>
+                <a:ea typeface="BiauKai" panose="02010601000101010101" pitchFamily="2" charset="-120"/>
+                <a:cs typeface="Times New Roman" panose="02020603050405020304" pitchFamily="18" charset="0"/>
+              </a:rPr>
+              <a:t>叢集</a:t>
+            </a:r>
+            <a:endParaRPr kumimoji="1" lang="en-US" altLang="zh-CN" dirty="0">
+              <a:latin typeface="BiauKai" panose="02010601000101010101" pitchFamily="2" charset="-120"/>
+              <a:ea typeface="BiauKai" panose="02010601000101010101" pitchFamily="2" charset="-120"/>
+            </a:endParaRPr>
+          </a:p>
+          <a:p>
+            <a:pPr marL="514350" indent="-514350">
+              <a:buFont typeface="+mj-lt"/>
+              <a:buAutoNum type="arabicPeriod"/>
+            </a:pPr>
+            <a:r>
+              <a:rPr kumimoji="1" lang="zh-CN" altLang="en-US" dirty="0">
+                <a:latin typeface="BiauKai" panose="02010601000101010101" pitchFamily="2" charset="-120"/>
+                <a:ea typeface="BiauKai" panose="02010601000101010101" pitchFamily="2" charset="-120"/>
+              </a:rPr>
+              <a:t>部署</a:t>
+            </a:r>
+            <a:r>
+              <a:rPr kumimoji="1" lang="en-US" altLang="zh-CN" dirty="0" err="1">
+                <a:latin typeface="Times New Roman" panose="02020603050405020304" pitchFamily="18" charset="0"/>
+                <a:ea typeface="BiauKai" panose="02010601000101010101" pitchFamily="2" charset="-120"/>
+                <a:cs typeface="Times New Roman" panose="02020603050405020304" pitchFamily="18" charset="0"/>
+              </a:rPr>
+              <a:t>MetalLab</a:t>
+            </a:r>
+            <a:endParaRPr kumimoji="1" lang="en-US" altLang="zh-CN" dirty="0">
+              <a:latin typeface="Times New Roman" panose="02020603050405020304" pitchFamily="18" charset="0"/>
+              <a:ea typeface="BiauKai" panose="02010601000101010101" pitchFamily="2" charset="-120"/>
+              <a:cs typeface="Times New Roman" panose="02020603050405020304" pitchFamily="18" charset="0"/>
+            </a:endParaRPr>
+          </a:p>
+          <a:p>
+            <a:pPr marL="514350" indent="-514350">
+              <a:buFont typeface="+mj-lt"/>
+              <a:buAutoNum type="arabicPeriod"/>
+            </a:pPr>
+            <a:r>
+              <a:rPr kumimoji="1" lang="zh-CN" altLang="en-US" dirty="0">
+                <a:solidFill>
+                  <a:srgbClr val="FF0000"/>
+                </a:solidFill>
+                <a:latin typeface="Times New Roman" panose="02020603050405020304" pitchFamily="18" charset="0"/>
+                <a:ea typeface="BiauKai" panose="02010601000101010101" pitchFamily="2" charset="-120"/>
+                <a:cs typeface="Times New Roman" panose="02020603050405020304" pitchFamily="18" charset="0"/>
+              </a:rPr>
+              <a:t>設定</a:t>
+            </a:r>
+            <a:r>
+              <a:rPr kumimoji="1" lang="en-US" altLang="zh-CN" dirty="0">
+                <a:solidFill>
+                  <a:srgbClr val="FF0000"/>
+                </a:solidFill>
+                <a:latin typeface="Times New Roman" panose="02020603050405020304" pitchFamily="18" charset="0"/>
+                <a:ea typeface="BiauKai" panose="02010601000101010101" pitchFamily="2" charset="-120"/>
+                <a:cs typeface="Times New Roman" panose="02020603050405020304" pitchFamily="18" charset="0"/>
+              </a:rPr>
+              <a:t>IP tool</a:t>
+            </a:r>
+          </a:p>
+          <a:p>
+            <a:pPr marL="514350" indent="-514350">
+              <a:buFont typeface="+mj-lt"/>
+              <a:buAutoNum type="arabicPeriod"/>
+            </a:pPr>
+            <a:r>
+              <a:rPr kumimoji="1" lang="zh-CN" altLang="en-US" dirty="0">
+                <a:latin typeface="Times New Roman" panose="02020603050405020304" pitchFamily="18" charset="0"/>
+                <a:ea typeface="BiauKai" panose="02010601000101010101" pitchFamily="2" charset="-120"/>
+                <a:cs typeface="Times New Roman" panose="02020603050405020304" pitchFamily="18" charset="0"/>
+              </a:rPr>
+              <a:t>應用部署</a:t>
+            </a:r>
+            <a:endParaRPr kumimoji="1" lang="en-US" altLang="zh-CN" dirty="0">
+              <a:latin typeface="Times New Roman" panose="02020603050405020304" pitchFamily="18" charset="0"/>
+              <a:ea typeface="BiauKai" panose="02010601000101010101" pitchFamily="2" charset="-120"/>
+              <a:cs typeface="Times New Roman" panose="02020603050405020304" pitchFamily="18" charset="0"/>
+            </a:endParaRPr>
+          </a:p>
+          <a:p>
+            <a:pPr marL="514350" indent="-514350">
+              <a:buFont typeface="+mj-lt"/>
+              <a:buAutoNum type="arabicPeriod"/>
+            </a:pPr>
+            <a:r>
+              <a:rPr kumimoji="1" lang="zh-CN" altLang="en-US" dirty="0">
+                <a:latin typeface="Times New Roman" panose="02020603050405020304" pitchFamily="18" charset="0"/>
+                <a:ea typeface="BiauKai" panose="02010601000101010101" pitchFamily="2" charset="-120"/>
+                <a:cs typeface="Times New Roman" panose="02020603050405020304" pitchFamily="18" charset="0"/>
+              </a:rPr>
+              <a:t>驗證應用服務</a:t>
+            </a:r>
+            <a:endParaRPr kumimoji="1" lang="en-US" altLang="zh-CN" dirty="0">
+              <a:latin typeface="Times New Roman" panose="02020603050405020304" pitchFamily="18" charset="0"/>
+              <a:ea typeface="BiauKai" panose="02010601000101010101" pitchFamily="2" charset="-120"/>
+              <a:cs typeface="Times New Roman" panose="02020603050405020304" pitchFamily="18" charset="0"/>
+            </a:endParaRPr>
+          </a:p>
+          <a:p>
+            <a:pPr marL="514350" indent="-514350">
+              <a:buFont typeface="+mj-lt"/>
+              <a:buAutoNum type="arabicPeriod"/>
+            </a:pPr>
+            <a:endParaRPr kumimoji="1" lang="zh-TW" altLang="en-US" dirty="0">
+              <a:latin typeface="BiauKai" panose="02010601000101010101" pitchFamily="2" charset="-120"/>
+              <a:ea typeface="BiauKai" panose="02010601000101010101" pitchFamily="2" charset="-120"/>
+            </a:endParaRPr>
+          </a:p>
+        </p:txBody>
+      </p:sp>
+    </p:spTree>
+    <p:extLst>
+      <p:ext uri="{BB962C8B-B14F-4D97-AF65-F5344CB8AC3E}">
+        <p14:creationId xmlns:p14="http://schemas.microsoft.com/office/powerpoint/2010/main" val="2989646388"/>
+      </p:ext>
+    </p:extLst>
+  </p:cSld>
+  <p:clrMapOvr>
+    <a:masterClrMapping/>
+  </p:clrMapOvr>
+</p:sld>
+</file>
+
+<file path=ppt/slides/slide16.xml><?xml version="1.0" encoding="utf-8"?>
+<p:sld xmlns:a="http://schemas.openxmlformats.org/drawingml/2006/main" xmlns:r="http://schemas.openxmlformats.org/officeDocument/2006/relationships" xmlns:p="http://schemas.openxmlformats.org/presentationml/2006/main">
+  <p:cSld>
+    <p:spTree>
+      <p:nvGrpSpPr>
+        <p:cNvPr id="1" name=""/>
+        <p:cNvGrpSpPr/>
+        <p:nvPr/>
+      </p:nvGrpSpPr>
+      <p:grpSpPr>
+        <a:xfrm>
+          <a:off x="0" y="0"/>
+          <a:ext cx="0" cy="0"/>
+          <a:chOff x="0" y="0"/>
+          <a:chExt cx="0" cy="0"/>
+        </a:xfrm>
+      </p:grpSpPr>
+      <p:sp>
+        <p:nvSpPr>
+          <p:cNvPr id="2" name="標題 1"/>
+          <p:cNvSpPr>
+            <a:spLocks noGrp="1"/>
+          </p:cNvSpPr>
+          <p:nvPr>
+            <p:ph type="title"/>
+          </p:nvPr>
+        </p:nvSpPr>
+        <p:spPr/>
+        <p:txBody>
+          <a:bodyPr/>
+          <a:lstStyle/>
+          <a:p>
+            <a:r>
+              <a:rPr lang="zh-TW" altLang="en-US" dirty="0">
+                <a:latin typeface="BiauKai" panose="02010601000101010101" pitchFamily="2" charset="-120"/>
+                <a:ea typeface="BiauKai" panose="02010601000101010101" pitchFamily="2" charset="-120"/>
+              </a:rPr>
+              <a:t>驗證</a:t>
+            </a:r>
+            <a:r>
+              <a:rPr lang="en-US" altLang="zh-TW" dirty="0">
+                <a:latin typeface="BiauKai" panose="02010601000101010101" pitchFamily="2" charset="-120"/>
+                <a:ea typeface="BiauKai" panose="02010601000101010101" pitchFamily="2" charset="-120"/>
+              </a:rPr>
+              <a:t>Kubernetes</a:t>
+            </a:r>
+            <a:r>
+              <a:rPr lang="zh-CN" altLang="en-US" dirty="0">
+                <a:latin typeface="BiauKai" panose="02010601000101010101" pitchFamily="2" charset="-120"/>
+                <a:ea typeface="BiauKai" panose="02010601000101010101" pitchFamily="2" charset="-120"/>
+              </a:rPr>
+              <a:t>節點資源</a:t>
+            </a:r>
+            <a:endParaRPr lang="zh-TW" altLang="en-US" dirty="0">
+              <a:latin typeface="BiauKai" panose="02010601000101010101" pitchFamily="2" charset="-120"/>
+              <a:ea typeface="BiauKai" panose="02010601000101010101" pitchFamily="2" charset="-120"/>
+            </a:endParaRPr>
+          </a:p>
+        </p:txBody>
+      </p:sp>
+      <p:sp>
+        <p:nvSpPr>
+          <p:cNvPr id="8" name="文字方塊 7"/>
+          <p:cNvSpPr txBox="1"/>
+          <p:nvPr/>
+        </p:nvSpPr>
+        <p:spPr>
+          <a:xfrm>
+            <a:off x="838200" y="1808679"/>
+            <a:ext cx="10515600" cy="584775"/>
+          </a:xfrm>
+          <a:prstGeom prst="rect">
+            <a:avLst/>
+          </a:prstGeom>
+          <a:noFill/>
+        </p:spPr>
+        <p:txBody>
+          <a:bodyPr wrap="square" rtlCol="0">
+            <a:spAutoFit/>
+          </a:bodyPr>
+          <a:lstStyle/>
+          <a:p>
+            <a:r>
+              <a:rPr lang="en-US" altLang="zh-TW" sz="3200" dirty="0">
+                <a:latin typeface="Times New Roman" panose="02020603050405020304" pitchFamily="18" charset="0"/>
+                <a:cs typeface="Times New Roman" panose="02020603050405020304" pitchFamily="18" charset="0"/>
+              </a:rPr>
+              <a:t>docker network inspect -f '{{.</a:t>
+            </a:r>
+            <a:r>
+              <a:rPr lang="en-US" altLang="zh-TW" sz="3200" dirty="0" err="1">
+                <a:latin typeface="Times New Roman" panose="02020603050405020304" pitchFamily="18" charset="0"/>
+                <a:cs typeface="Times New Roman" panose="02020603050405020304" pitchFamily="18" charset="0"/>
+              </a:rPr>
+              <a:t>IPAM.Config</a:t>
+            </a:r>
+            <a:r>
+              <a:rPr lang="en-US" altLang="zh-TW" sz="3200" dirty="0">
+                <a:latin typeface="Times New Roman" panose="02020603050405020304" pitchFamily="18" charset="0"/>
+                <a:cs typeface="Times New Roman" panose="02020603050405020304" pitchFamily="18" charset="0"/>
+              </a:rPr>
+              <a:t>}}' kind</a:t>
+            </a:r>
+            <a:endParaRPr lang="zh-TW" altLang="en-US" sz="3200" dirty="0">
+              <a:latin typeface="Times New Roman" panose="02020603050405020304" pitchFamily="18" charset="0"/>
+              <a:cs typeface="Times New Roman" panose="02020603050405020304" pitchFamily="18" charset="0"/>
+            </a:endParaRPr>
+          </a:p>
+        </p:txBody>
+      </p:sp>
+      <p:sp>
+        <p:nvSpPr>
+          <p:cNvPr id="5" name="文字方塊 4">
+            <a:extLst>
+              <a:ext uri="{FF2B5EF4-FFF2-40B4-BE49-F238E27FC236}">
+                <a16:creationId xmlns:a16="http://schemas.microsoft.com/office/drawing/2014/main" id="{AFE9E742-5677-3344-8A1A-E482D34668FB}"/>
+              </a:ext>
+            </a:extLst>
+          </p:cNvPr>
+          <p:cNvSpPr txBox="1"/>
+          <p:nvPr/>
+        </p:nvSpPr>
+        <p:spPr>
+          <a:xfrm>
+            <a:off x="1500809" y="2544247"/>
+            <a:ext cx="10418237" cy="523220"/>
+          </a:xfrm>
+          <a:prstGeom prst="rect">
+            <a:avLst/>
+          </a:prstGeom>
+          <a:noFill/>
+        </p:spPr>
+        <p:txBody>
+          <a:bodyPr wrap="none" rtlCol="0">
+            <a:spAutoFit/>
+          </a:bodyPr>
+          <a:lstStyle/>
+          <a:p>
+            <a:r>
+              <a:rPr lang="en-US" altLang="zh-TW" sz="2800" dirty="0">
+                <a:latin typeface="Times New Roman" panose="02020603050405020304" pitchFamily="18" charset="0"/>
+                <a:cs typeface="Times New Roman" panose="02020603050405020304" pitchFamily="18" charset="0"/>
+              </a:rPr>
+              <a:t>[{</a:t>
+            </a:r>
+            <a:r>
+              <a:rPr lang="en-US" altLang="zh-TW" sz="2800" dirty="0">
+                <a:solidFill>
+                  <a:srgbClr val="FF0000"/>
+                </a:solidFill>
+                <a:latin typeface="Times New Roman" panose="02020603050405020304" pitchFamily="18" charset="0"/>
+                <a:cs typeface="Times New Roman" panose="02020603050405020304" pitchFamily="18" charset="0"/>
+              </a:rPr>
+              <a:t>172.18.0.0/16</a:t>
+            </a:r>
+            <a:r>
+              <a:rPr lang="en-US" altLang="zh-TW" sz="2800" dirty="0">
+                <a:latin typeface="Times New Roman" panose="02020603050405020304" pitchFamily="18" charset="0"/>
+                <a:cs typeface="Times New Roman" panose="02020603050405020304" pitchFamily="18" charset="0"/>
+              </a:rPr>
+              <a:t>  172.18.0.1 map[]} {fc00:f853:ccd:e793::/64   map[]}]</a:t>
+            </a:r>
+          </a:p>
+        </p:txBody>
+      </p:sp>
+      <p:sp>
+        <p:nvSpPr>
+          <p:cNvPr id="6" name="文字方塊 5">
+            <a:extLst>
+              <a:ext uri="{FF2B5EF4-FFF2-40B4-BE49-F238E27FC236}">
+                <a16:creationId xmlns:a16="http://schemas.microsoft.com/office/drawing/2014/main" id="{431124C4-A6E9-5741-8D65-AECB065E941C}"/>
+              </a:ext>
+            </a:extLst>
+          </p:cNvPr>
+          <p:cNvSpPr txBox="1"/>
+          <p:nvPr/>
+        </p:nvSpPr>
+        <p:spPr>
+          <a:xfrm>
+            <a:off x="1500809" y="3803375"/>
+            <a:ext cx="3956083" cy="3416320"/>
+          </a:xfrm>
+          <a:prstGeom prst="rect">
+            <a:avLst/>
+          </a:prstGeom>
+          <a:noFill/>
+        </p:spPr>
+        <p:txBody>
+          <a:bodyPr wrap="none" rtlCol="0">
+            <a:spAutoFit/>
+          </a:bodyPr>
+          <a:lstStyle/>
+          <a:p>
+            <a:r>
+              <a:rPr lang="en-US" altLang="zh-TW" sz="2400" dirty="0" err="1">
+                <a:latin typeface="Times New Roman" panose="02020603050405020304" pitchFamily="18" charset="0"/>
+                <a:cs typeface="Times New Roman" panose="02020603050405020304" pitchFamily="18" charset="0"/>
+              </a:rPr>
+              <a:t>apiVersion</a:t>
+            </a:r>
+            <a:r>
+              <a:rPr lang="en-US" altLang="zh-TW" sz="2400" dirty="0">
+                <a:latin typeface="Times New Roman" panose="02020603050405020304" pitchFamily="18" charset="0"/>
+                <a:cs typeface="Times New Roman" panose="02020603050405020304" pitchFamily="18" charset="0"/>
+              </a:rPr>
+              <a:t>: </a:t>
+            </a:r>
+            <a:r>
+              <a:rPr lang="en-US" altLang="zh-TW" sz="2400" dirty="0" err="1">
+                <a:latin typeface="Times New Roman" panose="02020603050405020304" pitchFamily="18" charset="0"/>
+                <a:cs typeface="Times New Roman" panose="02020603050405020304" pitchFamily="18" charset="0"/>
+              </a:rPr>
+              <a:t>metallb.io</a:t>
+            </a:r>
+            <a:r>
+              <a:rPr lang="en-US" altLang="zh-TW" sz="2400" dirty="0">
+                <a:latin typeface="Times New Roman" panose="02020603050405020304" pitchFamily="18" charset="0"/>
+                <a:cs typeface="Times New Roman" panose="02020603050405020304" pitchFamily="18" charset="0"/>
+              </a:rPr>
+              <a:t>/v1beta1</a:t>
+            </a:r>
+          </a:p>
+          <a:p>
+            <a:r>
+              <a:rPr lang="en-US" altLang="zh-TW" sz="2400" dirty="0">
+                <a:latin typeface="Times New Roman" panose="02020603050405020304" pitchFamily="18" charset="0"/>
+                <a:cs typeface="Times New Roman" panose="02020603050405020304" pitchFamily="18" charset="0"/>
+              </a:rPr>
+              <a:t>kind: </a:t>
+            </a:r>
+            <a:r>
+              <a:rPr lang="en-US" altLang="zh-TW" sz="2400" dirty="0" err="1">
+                <a:latin typeface="Times New Roman" panose="02020603050405020304" pitchFamily="18" charset="0"/>
+                <a:cs typeface="Times New Roman" panose="02020603050405020304" pitchFamily="18" charset="0"/>
+              </a:rPr>
+              <a:t>IPAddressPool</a:t>
+            </a:r>
+            <a:endParaRPr lang="en-US" altLang="zh-TW" sz="2400" dirty="0">
+              <a:latin typeface="Times New Roman" panose="02020603050405020304" pitchFamily="18" charset="0"/>
+              <a:cs typeface="Times New Roman" panose="02020603050405020304" pitchFamily="18" charset="0"/>
+            </a:endParaRPr>
+          </a:p>
+          <a:p>
+            <a:r>
+              <a:rPr lang="en-US" altLang="zh-TW" sz="2400" dirty="0">
+                <a:latin typeface="Times New Roman" panose="02020603050405020304" pitchFamily="18" charset="0"/>
+                <a:cs typeface="Times New Roman" panose="02020603050405020304" pitchFamily="18" charset="0"/>
+              </a:rPr>
+              <a:t>metadata:</a:t>
+            </a:r>
+          </a:p>
+          <a:p>
+            <a:r>
+              <a:rPr lang="en-US" altLang="zh-TW" sz="2400" dirty="0">
+                <a:latin typeface="Times New Roman" panose="02020603050405020304" pitchFamily="18" charset="0"/>
+                <a:cs typeface="Times New Roman" panose="02020603050405020304" pitchFamily="18" charset="0"/>
+              </a:rPr>
+              <a:t>  name: </a:t>
+            </a:r>
+            <a:r>
+              <a:rPr lang="en-US" altLang="zh-TW" sz="2400" dirty="0" err="1">
+                <a:latin typeface="Times New Roman" panose="02020603050405020304" pitchFamily="18" charset="0"/>
+                <a:cs typeface="Times New Roman" panose="02020603050405020304" pitchFamily="18" charset="0"/>
+              </a:rPr>
+              <a:t>labip</a:t>
+            </a:r>
+            <a:endParaRPr lang="en-US" altLang="zh-TW" sz="2400" dirty="0">
+              <a:latin typeface="Times New Roman" panose="02020603050405020304" pitchFamily="18" charset="0"/>
+              <a:cs typeface="Times New Roman" panose="02020603050405020304" pitchFamily="18" charset="0"/>
+            </a:endParaRPr>
+          </a:p>
+          <a:p>
+            <a:r>
+              <a:rPr lang="en-US" altLang="zh-TW" sz="2400" dirty="0">
+                <a:latin typeface="Times New Roman" panose="02020603050405020304" pitchFamily="18" charset="0"/>
+                <a:cs typeface="Times New Roman" panose="02020603050405020304" pitchFamily="18" charset="0"/>
+              </a:rPr>
+              <a:t>  namespace: default</a:t>
+            </a:r>
+          </a:p>
+          <a:p>
+            <a:r>
+              <a:rPr lang="en-US" altLang="zh-TW" sz="2400" dirty="0">
+                <a:latin typeface="Times New Roman" panose="02020603050405020304" pitchFamily="18" charset="0"/>
+                <a:cs typeface="Times New Roman" panose="02020603050405020304" pitchFamily="18" charset="0"/>
+              </a:rPr>
+              <a:t>spec:</a:t>
+            </a:r>
+          </a:p>
+          <a:p>
+            <a:r>
+              <a:rPr lang="en-US" altLang="zh-TW" sz="2400" dirty="0">
+                <a:latin typeface="Times New Roman" panose="02020603050405020304" pitchFamily="18" charset="0"/>
+                <a:cs typeface="Times New Roman" panose="02020603050405020304" pitchFamily="18" charset="0"/>
+              </a:rPr>
+              <a:t>  addresses:</a:t>
+            </a:r>
+          </a:p>
+          <a:p>
+            <a:r>
+              <a:rPr lang="en-US" altLang="zh-TW" sz="2400" dirty="0">
+                <a:latin typeface="Times New Roman" panose="02020603050405020304" pitchFamily="18" charset="0"/>
+                <a:cs typeface="Times New Roman" panose="02020603050405020304" pitchFamily="18" charset="0"/>
+              </a:rPr>
+              <a:t>  - </a:t>
+            </a:r>
+            <a:r>
+              <a:rPr lang="en-US" altLang="zh-TW" sz="2400" dirty="0">
+                <a:solidFill>
+                  <a:srgbClr val="FF0000"/>
+                </a:solidFill>
+                <a:latin typeface="Times New Roman" panose="02020603050405020304" pitchFamily="18" charset="0"/>
+                <a:cs typeface="Times New Roman" panose="02020603050405020304" pitchFamily="18" charset="0"/>
+              </a:rPr>
+              <a:t>172.18.0.1-172.18.0.50</a:t>
+            </a:r>
+          </a:p>
+          <a:p>
+            <a:endParaRPr kumimoji="1" lang="zh-TW" altLang="en-US" sz="2400" dirty="0">
+              <a:latin typeface="Times New Roman" panose="02020603050405020304" pitchFamily="18" charset="0"/>
+              <a:cs typeface="Times New Roman" panose="02020603050405020304" pitchFamily="18" charset="0"/>
+            </a:endParaRPr>
+          </a:p>
+        </p:txBody>
+      </p:sp>
+      <p:sp>
+        <p:nvSpPr>
+          <p:cNvPr id="9" name="矩形 8">
+            <a:extLst>
+              <a:ext uri="{FF2B5EF4-FFF2-40B4-BE49-F238E27FC236}">
+                <a16:creationId xmlns:a16="http://schemas.microsoft.com/office/drawing/2014/main" id="{BE130297-3C3A-5A40-A643-2B3AAFAFF251}"/>
+              </a:ext>
+            </a:extLst>
+          </p:cNvPr>
+          <p:cNvSpPr/>
+          <p:nvPr/>
+        </p:nvSpPr>
+        <p:spPr>
+          <a:xfrm>
+            <a:off x="838200" y="3218600"/>
+            <a:ext cx="7631384" cy="584775"/>
+          </a:xfrm>
+          <a:prstGeom prst="rect">
+            <a:avLst/>
+          </a:prstGeom>
+        </p:spPr>
+        <p:txBody>
+          <a:bodyPr wrap="none">
+            <a:spAutoFit/>
+          </a:bodyPr>
+          <a:lstStyle/>
+          <a:p>
+            <a:r>
+              <a:rPr kumimoji="1" lang="zh-CN" altLang="en-US" sz="3200" dirty="0">
+                <a:latin typeface="BiauKai" panose="02010601000101010101" pitchFamily="2" charset="-120"/>
+                <a:ea typeface="BiauKai" panose="02010601000101010101" pitchFamily="2" charset="-120"/>
+                <a:cs typeface="Times New Roman" panose="02020603050405020304" pitchFamily="18" charset="0"/>
+              </a:rPr>
+              <a:t>修改</a:t>
+            </a:r>
+            <a:r>
+              <a:rPr kumimoji="1" lang="en-US" altLang="zh-TW" sz="3200" dirty="0" err="1">
+                <a:latin typeface="Times New Roman" panose="02020603050405020304" pitchFamily="18" charset="0"/>
+                <a:ea typeface="BiauKai" panose="02010601000101010101" pitchFamily="2" charset="-120"/>
+                <a:cs typeface="Times New Roman" panose="02020603050405020304" pitchFamily="18" charset="0"/>
+              </a:rPr>
+              <a:t>IPAddressPool.yaml</a:t>
+            </a:r>
+            <a:r>
+              <a:rPr kumimoji="1" lang="zh-CN" altLang="en-US" sz="3200" dirty="0">
+                <a:latin typeface="BiauKai" panose="02010601000101010101" pitchFamily="2" charset="-120"/>
+                <a:ea typeface="BiauKai" panose="02010601000101010101" pitchFamily="2" charset="-120"/>
+                <a:cs typeface="Times New Roman" panose="02020603050405020304" pitchFamily="18" charset="0"/>
+              </a:rPr>
+              <a:t>，</a:t>
+            </a:r>
+            <a:r>
+              <a:rPr kumimoji="1" lang="en-US" altLang="zh-CN" sz="3200" dirty="0">
+                <a:latin typeface="BiauKai" panose="02010601000101010101" pitchFamily="2" charset="-120"/>
+                <a:ea typeface="BiauKai" panose="02010601000101010101" pitchFamily="2" charset="-120"/>
+                <a:cs typeface="Times New Roman" panose="02020603050405020304" pitchFamily="18" charset="0"/>
+              </a:rPr>
+              <a:t>IP</a:t>
+            </a:r>
+            <a:r>
+              <a:rPr kumimoji="1" lang="zh-CN" altLang="en-US" sz="3200" dirty="0">
+                <a:latin typeface="BiauKai" panose="02010601000101010101" pitchFamily="2" charset="-120"/>
+                <a:ea typeface="BiauKai" panose="02010601000101010101" pitchFamily="2" charset="-120"/>
+                <a:cs typeface="Times New Roman" panose="02020603050405020304" pitchFamily="18" charset="0"/>
+              </a:rPr>
+              <a:t>為</a:t>
+            </a:r>
+            <a:r>
+              <a:rPr kumimoji="1" lang="en-US" altLang="zh-CN" sz="3200" dirty="0">
+                <a:latin typeface="BiauKai" panose="02010601000101010101" pitchFamily="2" charset="-120"/>
+                <a:ea typeface="BiauKai" panose="02010601000101010101" pitchFamily="2" charset="-120"/>
+                <a:cs typeface="Times New Roman" panose="02020603050405020304" pitchFamily="18" charset="0"/>
+              </a:rPr>
+              <a:t>172.18.0.1-50</a:t>
+            </a:r>
+            <a:endParaRPr kumimoji="1" lang="en-US" altLang="zh-CN" sz="3200" dirty="0">
+              <a:latin typeface="BiauKai" panose="02010601000101010101" pitchFamily="2" charset="-120"/>
+              <a:ea typeface="BiauKai" panose="02010601000101010101" pitchFamily="2" charset="-120"/>
+            </a:endParaRPr>
+          </a:p>
+        </p:txBody>
+      </p:sp>
+    </p:spTree>
+    <p:extLst>
+      <p:ext uri="{BB962C8B-B14F-4D97-AF65-F5344CB8AC3E}">
+        <p14:creationId xmlns:p14="http://schemas.microsoft.com/office/powerpoint/2010/main" val="986763057"/>
+      </p:ext>
+    </p:extLst>
+  </p:cSld>
+  <p:clrMapOvr>
+    <a:masterClrMapping/>
+  </p:clrMapOvr>
+</p:sld>
+</file>
+
 <file path=ppt/slides/slide17.xml><?xml version="1.0" encoding="utf-8"?>
 <p:sld xmlns:a="http://schemas.openxmlformats.org/drawingml/2006/main" xmlns:r="http://schemas.openxmlformats.org/officeDocument/2006/relationships" xmlns:p="http://schemas.openxmlformats.org/presentationml/2006/main">
   <p:cSld>
@@ -7740,13 +5183,7 @@
       </p:grpSpPr>
       <p:sp>
         <p:nvSpPr>
-          <p:cNvPr id="4" name="標題 3">
-            <a:extLst>
-              <a:ext uri="{FF2B5EF4-FFF2-40B4-BE49-F238E27FC236}">
-                <a16:creationId xmlns:a16="http://schemas.microsoft.com/office/drawing/2014/main" id="{0E9025FE-9227-484A-B661-1777A9A68DEE}"/>
-              </a:ext>
-            </a:extLst>
-          </p:cNvPr>
+          <p:cNvPr id="2" name="標題 1"/>
           <p:cNvSpPr>
             <a:spLocks noGrp="1"/>
           </p:cNvSpPr>
@@ -7760,13 +5197,62 @@
           <a:lstStyle/>
           <a:p>
             <a:r>
-              <a:rPr kumimoji="1" lang="zh-CN" altLang="en-US" dirty="0">
-                <a:latin typeface="BiauKai" panose="02010601000101010101" pitchFamily="2" charset="-120"/>
-                <a:ea typeface="BiauKai" panose="02010601000101010101" pitchFamily="2" charset="-120"/>
-              </a:rPr>
-              <a:t>實作步驟</a:t>
-            </a:r>
-            <a:endParaRPr kumimoji="1" lang="zh-TW" altLang="en-US" dirty="0">
+              <a:rPr lang="zh-TW" altLang="en-US" dirty="0">
+                <a:latin typeface="BiauKai" panose="02010601000101010101" pitchFamily="2" charset="-120"/>
+                <a:ea typeface="BiauKai" panose="02010601000101010101" pitchFamily="2" charset="-120"/>
+              </a:rPr>
+              <a:t>依</a:t>
+            </a:r>
+            <a:r>
+              <a:rPr lang="en-US" altLang="zh-TW" dirty="0">
+                <a:latin typeface="BiauKai" panose="02010601000101010101" pitchFamily="2" charset="-120"/>
+                <a:ea typeface="BiauKai" panose="02010601000101010101" pitchFamily="2" charset="-120"/>
+              </a:rPr>
+              <a:t>Kind</a:t>
+            </a:r>
+            <a:r>
+              <a:rPr lang="zh-CN" altLang="en-US" dirty="0">
+                <a:latin typeface="BiauKai" panose="02010601000101010101" pitchFamily="2" charset="-120"/>
+                <a:ea typeface="BiauKai" panose="02010601000101010101" pitchFamily="2" charset="-120"/>
+              </a:rPr>
+              <a:t>使用之</a:t>
+            </a:r>
+            <a:r>
+              <a:rPr lang="en-US" altLang="zh-TW" dirty="0">
+                <a:latin typeface="BiauKai" panose="02010601000101010101" pitchFamily="2" charset="-120"/>
+                <a:ea typeface="BiauKai" panose="02010601000101010101" pitchFamily="2" charset="-120"/>
+              </a:rPr>
+              <a:t>Docker</a:t>
+            </a:r>
+            <a:r>
+              <a:rPr lang="zh-CN" altLang="en-US" dirty="0">
+                <a:latin typeface="BiauKai" panose="02010601000101010101" pitchFamily="2" charset="-120"/>
+                <a:ea typeface="BiauKai" panose="02010601000101010101" pitchFamily="2" charset="-120"/>
+              </a:rPr>
+              <a:t>虛擬網域，</a:t>
+            </a:r>
+            <a:r>
+              <a:rPr lang="zh-TW" altLang="en-US" dirty="0">
+                <a:latin typeface="BiauKai" panose="02010601000101010101" pitchFamily="2" charset="-120"/>
+                <a:ea typeface="BiauKai" panose="02010601000101010101" pitchFamily="2" charset="-120"/>
+              </a:rPr>
+              <a:t>更新</a:t>
+            </a:r>
+            <a:r>
+              <a:rPr lang="en-US" altLang="zh-TW" dirty="0">
+                <a:latin typeface="BiauKai" panose="02010601000101010101" pitchFamily="2" charset="-120"/>
+                <a:ea typeface="BiauKai" panose="02010601000101010101" pitchFamily="2" charset="-120"/>
+              </a:rPr>
+              <a:t>IP</a:t>
+            </a:r>
+            <a:r>
+              <a:rPr lang="zh-CN" altLang="en-US" dirty="0">
+                <a:latin typeface="BiauKai" panose="02010601000101010101" pitchFamily="2" charset="-120"/>
+                <a:ea typeface="BiauKai" panose="02010601000101010101" pitchFamily="2" charset="-120"/>
+              </a:rPr>
+              <a:t>池</a:t>
+            </a:r>
+            <a:endParaRPr lang="zh-TW" altLang="en-US" dirty="0">
               <a:latin typeface="BiauKai" panose="02010601000101010101" pitchFamily="2" charset="-120"/>
               <a:ea typeface="BiauKai" panose="02010601000101010101" pitchFamily="2" charset="-120"/>
             </a:endParaRPr>
@@ -7775,189 +5261,355 @@
       </p:sp>
       <p:sp>
         <p:nvSpPr>
-          <p:cNvPr id="5" name="內容版面配置區 4">
+          <p:cNvPr id="8" name="文字方塊 7"/>
+          <p:cNvSpPr txBox="1"/>
+          <p:nvPr/>
+        </p:nvSpPr>
+        <p:spPr>
+          <a:xfrm>
+            <a:off x="838200" y="1808679"/>
+            <a:ext cx="10515600" cy="584775"/>
+          </a:xfrm>
+          <a:prstGeom prst="rect">
+            <a:avLst/>
+          </a:prstGeom>
+          <a:noFill/>
+        </p:spPr>
+        <p:txBody>
+          <a:bodyPr wrap="square" rtlCol="0">
+            <a:spAutoFit/>
+          </a:bodyPr>
+          <a:lstStyle/>
+          <a:p>
+            <a:r>
+              <a:rPr lang="en-US" altLang="zh-TW" sz="3200" dirty="0">
+                <a:latin typeface="Times New Roman" panose="02020603050405020304" pitchFamily="18" charset="0"/>
+                <a:cs typeface="Times New Roman" panose="02020603050405020304" pitchFamily="18" charset="0"/>
+              </a:rPr>
+              <a:t>docker network inspect -f '{{.</a:t>
+            </a:r>
+            <a:r>
+              <a:rPr lang="en-US" altLang="zh-TW" sz="3200" dirty="0" err="1">
+                <a:latin typeface="Times New Roman" panose="02020603050405020304" pitchFamily="18" charset="0"/>
+                <a:cs typeface="Times New Roman" panose="02020603050405020304" pitchFamily="18" charset="0"/>
+              </a:rPr>
+              <a:t>IPAM.Config</a:t>
+            </a:r>
+            <a:r>
+              <a:rPr lang="en-US" altLang="zh-TW" sz="3200" dirty="0">
+                <a:latin typeface="Times New Roman" panose="02020603050405020304" pitchFamily="18" charset="0"/>
+                <a:cs typeface="Times New Roman" panose="02020603050405020304" pitchFamily="18" charset="0"/>
+              </a:rPr>
+              <a:t>}}' kind</a:t>
+            </a:r>
+            <a:endParaRPr lang="zh-TW" altLang="en-US" sz="3200" dirty="0">
+              <a:latin typeface="Times New Roman" panose="02020603050405020304" pitchFamily="18" charset="0"/>
+              <a:cs typeface="Times New Roman" panose="02020603050405020304" pitchFamily="18" charset="0"/>
+            </a:endParaRPr>
+          </a:p>
+        </p:txBody>
+      </p:sp>
+      <p:sp>
+        <p:nvSpPr>
+          <p:cNvPr id="5" name="文字方塊 4">
             <a:extLst>
               <a:ext uri="{FF2B5EF4-FFF2-40B4-BE49-F238E27FC236}">
-                <a16:creationId xmlns:a16="http://schemas.microsoft.com/office/drawing/2014/main" id="{3467E8AC-4C05-B94D-9310-73A2784F6A79}"/>
+                <a16:creationId xmlns:a16="http://schemas.microsoft.com/office/drawing/2014/main" id="{AFE9E742-5677-3344-8A1A-E482D34668FB}"/>
               </a:ext>
             </a:extLst>
           </p:cNvPr>
-          <p:cNvSpPr>
-            <a:spLocks noGrp="1"/>
-          </p:cNvSpPr>
-          <p:nvPr>
-            <p:ph idx="1"/>
-          </p:nvPr>
-        </p:nvSpPr>
-        <p:spPr/>
-        <p:txBody>
-          <a:bodyPr/>
-          <a:lstStyle/>
-          <a:p>
-            <a:pPr marL="514350" indent="-514350">
-              <a:buFont typeface="+mj-lt"/>
-              <a:buAutoNum type="arabicPeriod"/>
-            </a:pPr>
-            <a:r>
-              <a:rPr kumimoji="1" lang="zh-TW" altLang="en-US" dirty="0">
-                <a:latin typeface="BiauKai" panose="02010601000101010101" pitchFamily="2" charset="-120"/>
-                <a:ea typeface="BiauKai" panose="02010601000101010101" pitchFamily="2" charset="-120"/>
-              </a:rPr>
-              <a:t>建立</a:t>
-            </a:r>
-            <a:r>
-              <a:rPr kumimoji="1" lang="en-US" altLang="zh-TW" dirty="0">
-                <a:latin typeface="Times New Roman" panose="02020603050405020304" pitchFamily="18" charset="0"/>
-                <a:ea typeface="BiauKai" panose="02010601000101010101" pitchFamily="2" charset="-120"/>
-                <a:cs typeface="Times New Roman" panose="02020603050405020304" pitchFamily="18" charset="0"/>
-              </a:rPr>
-              <a:t>Kubernetes</a:t>
-            </a:r>
-            <a:r>
-              <a:rPr kumimoji="1" lang="zh-CN" altLang="en-US" dirty="0">
-                <a:latin typeface="BiauKai" panose="02010601000101010101" pitchFamily="2" charset="-120"/>
-                <a:ea typeface="BiauKai" panose="02010601000101010101" pitchFamily="2" charset="-120"/>
-                <a:cs typeface="Times New Roman" panose="02020603050405020304" pitchFamily="18" charset="0"/>
-              </a:rPr>
-              <a:t>叢集</a:t>
-            </a:r>
-            <a:endParaRPr kumimoji="1" lang="en-US" altLang="zh-CN" dirty="0">
+          <p:cNvSpPr txBox="1"/>
+          <p:nvPr/>
+        </p:nvSpPr>
+        <p:spPr>
+          <a:xfrm>
+            <a:off x="1500809" y="2544247"/>
+            <a:ext cx="10418237" cy="523220"/>
+          </a:xfrm>
+          <a:prstGeom prst="rect">
+            <a:avLst/>
+          </a:prstGeom>
+          <a:noFill/>
+        </p:spPr>
+        <p:txBody>
+          <a:bodyPr wrap="none" rtlCol="0">
+            <a:spAutoFit/>
+          </a:bodyPr>
+          <a:lstStyle/>
+          <a:p>
+            <a:r>
+              <a:rPr lang="en-US" altLang="zh-TW" sz="2800" dirty="0">
+                <a:latin typeface="Times New Roman" panose="02020603050405020304" pitchFamily="18" charset="0"/>
+                <a:cs typeface="Times New Roman" panose="02020603050405020304" pitchFamily="18" charset="0"/>
+              </a:rPr>
+              <a:t>[{</a:t>
+            </a:r>
+            <a:r>
+              <a:rPr lang="en-US" altLang="zh-TW" sz="2800" dirty="0">
+                <a:solidFill>
+                  <a:srgbClr val="FF0000"/>
+                </a:solidFill>
+                <a:latin typeface="Times New Roman" panose="02020603050405020304" pitchFamily="18" charset="0"/>
+                <a:cs typeface="Times New Roman" panose="02020603050405020304" pitchFamily="18" charset="0"/>
+              </a:rPr>
+              <a:t>172.18.0.0/16</a:t>
+            </a:r>
+            <a:r>
+              <a:rPr lang="en-US" altLang="zh-TW" sz="2800" dirty="0">
+                <a:latin typeface="Times New Roman" panose="02020603050405020304" pitchFamily="18" charset="0"/>
+                <a:cs typeface="Times New Roman" panose="02020603050405020304" pitchFamily="18" charset="0"/>
+              </a:rPr>
+              <a:t>  172.18.0.1 map[]} {fc00:f853:ccd:e793::/64   map[]}]</a:t>
+            </a:r>
+          </a:p>
+        </p:txBody>
+      </p:sp>
+      <p:sp>
+        <p:nvSpPr>
+          <p:cNvPr id="6" name="文字方塊 5">
+            <a:extLst>
+              <a:ext uri="{FF2B5EF4-FFF2-40B4-BE49-F238E27FC236}">
+                <a16:creationId xmlns:a16="http://schemas.microsoft.com/office/drawing/2014/main" id="{431124C4-A6E9-5741-8D65-AECB065E941C}"/>
+              </a:ext>
+            </a:extLst>
+          </p:cNvPr>
+          <p:cNvSpPr txBox="1"/>
+          <p:nvPr/>
+        </p:nvSpPr>
+        <p:spPr>
+          <a:xfrm>
+            <a:off x="1500809" y="3803375"/>
+            <a:ext cx="3956083" cy="3416320"/>
+          </a:xfrm>
+          <a:prstGeom prst="rect">
+            <a:avLst/>
+          </a:prstGeom>
+          <a:noFill/>
+        </p:spPr>
+        <p:txBody>
+          <a:bodyPr wrap="none" rtlCol="0">
+            <a:spAutoFit/>
+          </a:bodyPr>
+          <a:lstStyle/>
+          <a:p>
+            <a:r>
+              <a:rPr lang="en-US" altLang="zh-TW" sz="2400" dirty="0" err="1">
+                <a:latin typeface="Times New Roman" panose="02020603050405020304" pitchFamily="18" charset="0"/>
+                <a:cs typeface="Times New Roman" panose="02020603050405020304" pitchFamily="18" charset="0"/>
+              </a:rPr>
+              <a:t>apiVersion</a:t>
+            </a:r>
+            <a:r>
+              <a:rPr lang="en-US" altLang="zh-TW" sz="2400" dirty="0">
+                <a:latin typeface="Times New Roman" panose="02020603050405020304" pitchFamily="18" charset="0"/>
+                <a:cs typeface="Times New Roman" panose="02020603050405020304" pitchFamily="18" charset="0"/>
+              </a:rPr>
+              <a:t>: </a:t>
+            </a:r>
+            <a:r>
+              <a:rPr lang="en-US" altLang="zh-TW" sz="2400" dirty="0" err="1">
+                <a:latin typeface="Times New Roman" panose="02020603050405020304" pitchFamily="18" charset="0"/>
+                <a:cs typeface="Times New Roman" panose="02020603050405020304" pitchFamily="18" charset="0"/>
+              </a:rPr>
+              <a:t>metallb.io</a:t>
+            </a:r>
+            <a:r>
+              <a:rPr lang="en-US" altLang="zh-TW" sz="2400" dirty="0">
+                <a:latin typeface="Times New Roman" panose="02020603050405020304" pitchFamily="18" charset="0"/>
+                <a:cs typeface="Times New Roman" panose="02020603050405020304" pitchFamily="18" charset="0"/>
+              </a:rPr>
+              <a:t>/v1beta1</a:t>
+            </a:r>
+          </a:p>
+          <a:p>
+            <a:r>
+              <a:rPr lang="en-US" altLang="zh-TW" sz="2400" dirty="0">
+                <a:latin typeface="Times New Roman" panose="02020603050405020304" pitchFamily="18" charset="0"/>
+                <a:cs typeface="Times New Roman" panose="02020603050405020304" pitchFamily="18" charset="0"/>
+              </a:rPr>
+              <a:t>kind: </a:t>
+            </a:r>
+            <a:r>
+              <a:rPr lang="en-US" altLang="zh-TW" sz="2400" dirty="0" err="1">
+                <a:latin typeface="Times New Roman" panose="02020603050405020304" pitchFamily="18" charset="0"/>
+                <a:cs typeface="Times New Roman" panose="02020603050405020304" pitchFamily="18" charset="0"/>
+              </a:rPr>
+              <a:t>IPAddressPool</a:t>
+            </a:r>
+            <a:endParaRPr lang="en-US" altLang="zh-TW" sz="2400" dirty="0">
+              <a:latin typeface="Times New Roman" panose="02020603050405020304" pitchFamily="18" charset="0"/>
+              <a:cs typeface="Times New Roman" panose="02020603050405020304" pitchFamily="18" charset="0"/>
+            </a:endParaRPr>
+          </a:p>
+          <a:p>
+            <a:r>
+              <a:rPr lang="en-US" altLang="zh-TW" sz="2400" dirty="0">
+                <a:latin typeface="Times New Roman" panose="02020603050405020304" pitchFamily="18" charset="0"/>
+                <a:cs typeface="Times New Roman" panose="02020603050405020304" pitchFamily="18" charset="0"/>
+              </a:rPr>
+              <a:t>metadata:</a:t>
+            </a:r>
+          </a:p>
+          <a:p>
+            <a:r>
+              <a:rPr lang="en-US" altLang="zh-TW" sz="2400" dirty="0">
+                <a:latin typeface="Times New Roman" panose="02020603050405020304" pitchFamily="18" charset="0"/>
+                <a:cs typeface="Times New Roman" panose="02020603050405020304" pitchFamily="18" charset="0"/>
+              </a:rPr>
+              <a:t>  name: </a:t>
+            </a:r>
+            <a:r>
+              <a:rPr lang="en-US" altLang="zh-TW" sz="2400" dirty="0" err="1">
+                <a:latin typeface="Times New Roman" panose="02020603050405020304" pitchFamily="18" charset="0"/>
+                <a:cs typeface="Times New Roman" panose="02020603050405020304" pitchFamily="18" charset="0"/>
+              </a:rPr>
+              <a:t>labip</a:t>
+            </a:r>
+            <a:endParaRPr lang="en-US" altLang="zh-TW" sz="2400" dirty="0">
+              <a:latin typeface="Times New Roman" panose="02020603050405020304" pitchFamily="18" charset="0"/>
+              <a:cs typeface="Times New Roman" panose="02020603050405020304" pitchFamily="18" charset="0"/>
+            </a:endParaRPr>
+          </a:p>
+          <a:p>
+            <a:r>
+              <a:rPr lang="en-US" altLang="zh-TW" sz="2400" dirty="0">
+                <a:latin typeface="Times New Roman" panose="02020603050405020304" pitchFamily="18" charset="0"/>
+                <a:cs typeface="Times New Roman" panose="02020603050405020304" pitchFamily="18" charset="0"/>
+              </a:rPr>
+              <a:t>  namespace: default</a:t>
+            </a:r>
+          </a:p>
+          <a:p>
+            <a:r>
+              <a:rPr lang="en-US" altLang="zh-TW" sz="2400" dirty="0">
+                <a:latin typeface="Times New Roman" panose="02020603050405020304" pitchFamily="18" charset="0"/>
+                <a:cs typeface="Times New Roman" panose="02020603050405020304" pitchFamily="18" charset="0"/>
+              </a:rPr>
+              <a:t>spec:</a:t>
+            </a:r>
+          </a:p>
+          <a:p>
+            <a:r>
+              <a:rPr lang="en-US" altLang="zh-TW" sz="2400" dirty="0">
+                <a:latin typeface="Times New Roman" panose="02020603050405020304" pitchFamily="18" charset="0"/>
+                <a:cs typeface="Times New Roman" panose="02020603050405020304" pitchFamily="18" charset="0"/>
+              </a:rPr>
+              <a:t>  addresses:</a:t>
+            </a:r>
+          </a:p>
+          <a:p>
+            <a:r>
+              <a:rPr lang="en-US" altLang="zh-TW" sz="2400" dirty="0">
+                <a:latin typeface="Times New Roman" panose="02020603050405020304" pitchFamily="18" charset="0"/>
+                <a:cs typeface="Times New Roman" panose="02020603050405020304" pitchFamily="18" charset="0"/>
+              </a:rPr>
+              <a:t>  - </a:t>
+            </a:r>
+            <a:r>
+              <a:rPr lang="en-US" altLang="zh-TW" sz="2400" dirty="0">
+                <a:solidFill>
+                  <a:srgbClr val="FF0000"/>
+                </a:solidFill>
+                <a:latin typeface="Times New Roman" panose="02020603050405020304" pitchFamily="18" charset="0"/>
+                <a:cs typeface="Times New Roman" panose="02020603050405020304" pitchFamily="18" charset="0"/>
+              </a:rPr>
+              <a:t>172.18.0.1-172.18.0.50</a:t>
+            </a:r>
+          </a:p>
+          <a:p>
+            <a:endParaRPr kumimoji="1" lang="zh-TW" altLang="en-US" sz="2400" dirty="0">
+              <a:latin typeface="Times New Roman" panose="02020603050405020304" pitchFamily="18" charset="0"/>
+              <a:cs typeface="Times New Roman" panose="02020603050405020304" pitchFamily="18" charset="0"/>
+            </a:endParaRPr>
+          </a:p>
+        </p:txBody>
+      </p:sp>
+      <p:sp>
+        <p:nvSpPr>
+          <p:cNvPr id="9" name="矩形 8">
+            <a:extLst>
+              <a:ext uri="{FF2B5EF4-FFF2-40B4-BE49-F238E27FC236}">
+                <a16:creationId xmlns:a16="http://schemas.microsoft.com/office/drawing/2014/main" id="{BE130297-3C3A-5A40-A643-2B3AAFAFF251}"/>
+              </a:ext>
+            </a:extLst>
+          </p:cNvPr>
+          <p:cNvSpPr/>
+          <p:nvPr/>
+        </p:nvSpPr>
+        <p:spPr>
+          <a:xfrm>
+            <a:off x="838200" y="3218600"/>
+            <a:ext cx="7631384" cy="584775"/>
+          </a:xfrm>
+          <a:prstGeom prst="rect">
+            <a:avLst/>
+          </a:prstGeom>
+        </p:spPr>
+        <p:txBody>
+          <a:bodyPr wrap="none">
+            <a:spAutoFit/>
+          </a:bodyPr>
+          <a:lstStyle/>
+          <a:p>
+            <a:r>
+              <a:rPr kumimoji="1" lang="zh-CN" altLang="en-US" sz="3200" dirty="0">
+                <a:latin typeface="BiauKai" panose="02010601000101010101" pitchFamily="2" charset="-120"/>
+                <a:ea typeface="BiauKai" panose="02010601000101010101" pitchFamily="2" charset="-120"/>
+                <a:cs typeface="Times New Roman" panose="02020603050405020304" pitchFamily="18" charset="0"/>
+              </a:rPr>
+              <a:t>修改</a:t>
+            </a:r>
+            <a:r>
+              <a:rPr kumimoji="1" lang="en-US" altLang="zh-TW" sz="3200" dirty="0" err="1">
+                <a:latin typeface="Times New Roman" panose="02020603050405020304" pitchFamily="18" charset="0"/>
+                <a:ea typeface="BiauKai" panose="02010601000101010101" pitchFamily="2" charset="-120"/>
+                <a:cs typeface="Times New Roman" panose="02020603050405020304" pitchFamily="18" charset="0"/>
+              </a:rPr>
+              <a:t>IPAddressPool.yaml</a:t>
+            </a:r>
+            <a:r>
+              <a:rPr kumimoji="1" lang="zh-CN" altLang="en-US" sz="3200" dirty="0">
+                <a:latin typeface="BiauKai" panose="02010601000101010101" pitchFamily="2" charset="-120"/>
+                <a:ea typeface="BiauKai" panose="02010601000101010101" pitchFamily="2" charset="-120"/>
+                <a:cs typeface="Times New Roman" panose="02020603050405020304" pitchFamily="18" charset="0"/>
+              </a:rPr>
+              <a:t>，</a:t>
+            </a:r>
+            <a:r>
+              <a:rPr kumimoji="1" lang="en-US" altLang="zh-CN" sz="3200" dirty="0">
+                <a:latin typeface="BiauKai" panose="02010601000101010101" pitchFamily="2" charset="-120"/>
+                <a:ea typeface="BiauKai" panose="02010601000101010101" pitchFamily="2" charset="-120"/>
+                <a:cs typeface="Times New Roman" panose="02020603050405020304" pitchFamily="18" charset="0"/>
+              </a:rPr>
+              <a:t>IP</a:t>
+            </a:r>
+            <a:r>
+              <a:rPr kumimoji="1" lang="zh-CN" altLang="en-US" sz="3200" dirty="0">
+                <a:latin typeface="BiauKai" panose="02010601000101010101" pitchFamily="2" charset="-120"/>
+                <a:ea typeface="BiauKai" panose="02010601000101010101" pitchFamily="2" charset="-120"/>
+                <a:cs typeface="Times New Roman" panose="02020603050405020304" pitchFamily="18" charset="0"/>
+              </a:rPr>
+              <a:t>為</a:t>
+            </a:r>
+            <a:r>
+              <a:rPr kumimoji="1" lang="en-US" altLang="zh-CN" sz="3200" dirty="0">
+                <a:latin typeface="BiauKai" panose="02010601000101010101" pitchFamily="2" charset="-120"/>
+                <a:ea typeface="BiauKai" panose="02010601000101010101" pitchFamily="2" charset="-120"/>
+                <a:cs typeface="Times New Roman" panose="02020603050405020304" pitchFamily="18" charset="0"/>
+              </a:rPr>
+              <a:t>172.18.0.1-50</a:t>
+            </a:r>
+            <a:endParaRPr kumimoji="1" lang="en-US" altLang="zh-CN" sz="3200" dirty="0">
               <a:latin typeface="BiauKai" panose="02010601000101010101" pitchFamily="2" charset="-120"/>
               <a:ea typeface="BiauKai" panose="02010601000101010101" pitchFamily="2" charset="-120"/>
             </a:endParaRPr>
           </a:p>
-          <a:p>
-            <a:pPr marL="514350" indent="-514350">
-              <a:buFont typeface="+mj-lt"/>
-              <a:buAutoNum type="arabicPeriod"/>
-            </a:pPr>
-            <a:r>
-              <a:rPr kumimoji="1" lang="zh-CN" altLang="en-US" dirty="0">
-                <a:latin typeface="BiauKai" panose="02010601000101010101" pitchFamily="2" charset="-120"/>
-                <a:ea typeface="BiauKai" panose="02010601000101010101" pitchFamily="2" charset="-120"/>
-              </a:rPr>
-              <a:t>部署</a:t>
-            </a:r>
-            <a:r>
-              <a:rPr kumimoji="1" lang="en-US" altLang="zh-CN" dirty="0" err="1">
-                <a:latin typeface="Times New Roman" panose="02020603050405020304" pitchFamily="18" charset="0"/>
-                <a:ea typeface="BiauKai" panose="02010601000101010101" pitchFamily="2" charset="-120"/>
-                <a:cs typeface="Times New Roman" panose="02020603050405020304" pitchFamily="18" charset="0"/>
-              </a:rPr>
-              <a:t>MetalLab</a:t>
-            </a:r>
-            <a:endParaRPr kumimoji="1" lang="en-US" altLang="zh-CN" dirty="0">
-              <a:latin typeface="Times New Roman" panose="02020603050405020304" pitchFamily="18" charset="0"/>
-              <a:ea typeface="BiauKai" panose="02010601000101010101" pitchFamily="2" charset="-120"/>
-              <a:cs typeface="Times New Roman" panose="02020603050405020304" pitchFamily="18" charset="0"/>
-            </a:endParaRPr>
-          </a:p>
-          <a:p>
-            <a:pPr marL="514350" indent="-514350">
-              <a:buFont typeface="+mj-lt"/>
-              <a:buAutoNum type="arabicPeriod"/>
-            </a:pPr>
-            <a:r>
-              <a:rPr kumimoji="1" lang="zh-CN" altLang="en-US" dirty="0">
-                <a:solidFill>
-                  <a:srgbClr val="FF0000"/>
-                </a:solidFill>
-                <a:latin typeface="Times New Roman" panose="02020603050405020304" pitchFamily="18" charset="0"/>
-                <a:ea typeface="BiauKai" panose="02010601000101010101" pitchFamily="2" charset="-120"/>
-                <a:cs typeface="Times New Roman" panose="02020603050405020304" pitchFamily="18" charset="0"/>
-              </a:rPr>
-              <a:t>設定</a:t>
-            </a:r>
-            <a:r>
-              <a:rPr kumimoji="1" lang="en-US" altLang="zh-CN" dirty="0">
-                <a:solidFill>
-                  <a:srgbClr val="FF0000"/>
-                </a:solidFill>
-                <a:latin typeface="Times New Roman" panose="02020603050405020304" pitchFamily="18" charset="0"/>
-                <a:ea typeface="BiauKai" panose="02010601000101010101" pitchFamily="2" charset="-120"/>
-                <a:cs typeface="Times New Roman" panose="02020603050405020304" pitchFamily="18" charset="0"/>
-              </a:rPr>
-              <a:t>IP tool</a:t>
-            </a:r>
-          </a:p>
-          <a:p>
-            <a:pPr marL="514350" indent="-514350">
-              <a:buFont typeface="+mj-lt"/>
-              <a:buAutoNum type="arabicPeriod"/>
-            </a:pPr>
-            <a:r>
-              <a:rPr kumimoji="1" lang="en-US" altLang="zh-CN" dirty="0">
-                <a:latin typeface="Times New Roman" panose="02020603050405020304" pitchFamily="18" charset="0"/>
-                <a:ea typeface="BiauKai" panose="02010601000101010101" pitchFamily="2" charset="-120"/>
-                <a:cs typeface="Times New Roman" panose="02020603050405020304" pitchFamily="18" charset="0"/>
-              </a:rPr>
-              <a:t>Nginx</a:t>
-            </a:r>
-            <a:r>
-              <a:rPr kumimoji="1" lang="zh-CN" altLang="en-US" dirty="0">
-                <a:latin typeface="Times New Roman" panose="02020603050405020304" pitchFamily="18" charset="0"/>
-                <a:ea typeface="BiauKai" panose="02010601000101010101" pitchFamily="2" charset="-120"/>
-                <a:cs typeface="Times New Roman" panose="02020603050405020304" pitchFamily="18" charset="0"/>
-              </a:rPr>
-              <a:t>部署</a:t>
-            </a:r>
-            <a:endParaRPr kumimoji="1" lang="en-US" altLang="zh-CN" dirty="0">
-              <a:latin typeface="Times New Roman" panose="02020603050405020304" pitchFamily="18" charset="0"/>
-              <a:ea typeface="BiauKai" panose="02010601000101010101" pitchFamily="2" charset="-120"/>
-              <a:cs typeface="Times New Roman" panose="02020603050405020304" pitchFamily="18" charset="0"/>
-            </a:endParaRPr>
-          </a:p>
-          <a:p>
-            <a:pPr marL="514350" indent="-514350">
-              <a:buFont typeface="+mj-lt"/>
-              <a:buAutoNum type="arabicPeriod"/>
-            </a:pPr>
-            <a:r>
-              <a:rPr kumimoji="1" lang="zh-CN" altLang="en-US" dirty="0">
-                <a:latin typeface="Times New Roman" panose="02020603050405020304" pitchFamily="18" charset="0"/>
-                <a:ea typeface="BiauKai" panose="02010601000101010101" pitchFamily="2" charset="-120"/>
-                <a:cs typeface="Times New Roman" panose="02020603050405020304" pitchFamily="18" charset="0"/>
-              </a:rPr>
-              <a:t>驗證</a:t>
-            </a:r>
-            <a:r>
-              <a:rPr kumimoji="1" lang="en-US" altLang="zh-CN" dirty="0" err="1">
-                <a:latin typeface="Times New Roman" panose="02020603050405020304" pitchFamily="18" charset="0"/>
-                <a:ea typeface="BiauKai" panose="02010601000101010101" pitchFamily="2" charset="-120"/>
-                <a:cs typeface="Times New Roman" panose="02020603050405020304" pitchFamily="18" charset="0"/>
-              </a:rPr>
-              <a:t>Ningx</a:t>
-            </a:r>
-            <a:r>
-              <a:rPr kumimoji="1" lang="zh-CN" altLang="en-US" dirty="0">
-                <a:latin typeface="Times New Roman" panose="02020603050405020304" pitchFamily="18" charset="0"/>
-                <a:ea typeface="BiauKai" panose="02010601000101010101" pitchFamily="2" charset="-120"/>
-                <a:cs typeface="Times New Roman" panose="02020603050405020304" pitchFamily="18" charset="0"/>
-              </a:rPr>
-              <a:t>服務</a:t>
-            </a:r>
-            <a:endParaRPr kumimoji="1" lang="en-US" altLang="zh-CN" dirty="0">
-              <a:latin typeface="Times New Roman" panose="02020603050405020304" pitchFamily="18" charset="0"/>
-              <a:ea typeface="BiauKai" panose="02010601000101010101" pitchFamily="2" charset="-120"/>
-              <a:cs typeface="Times New Roman" panose="02020603050405020304" pitchFamily="18" charset="0"/>
-            </a:endParaRPr>
-          </a:p>
-          <a:p>
-            <a:pPr marL="514350" indent="-514350">
-              <a:buFont typeface="+mj-lt"/>
-              <a:buAutoNum type="arabicPeriod"/>
-            </a:pPr>
-            <a:endParaRPr kumimoji="1" lang="zh-TW" altLang="en-US" dirty="0">
-              <a:latin typeface="BiauKai" panose="02010601000101010101" pitchFamily="2" charset="-120"/>
-              <a:ea typeface="BiauKai" panose="02010601000101010101" pitchFamily="2" charset="-120"/>
-            </a:endParaRPr>
-          </a:p>
         </p:txBody>
       </p:sp>
     </p:spTree>
     <p:extLst>
       <p:ext uri="{BB962C8B-B14F-4D97-AF65-F5344CB8AC3E}">
-        <p14:creationId xmlns:p14="http://schemas.microsoft.com/office/powerpoint/2010/main" val="2989646388"/>
+        <p14:creationId xmlns:p14="http://schemas.microsoft.com/office/powerpoint/2010/main" val="1710859665"/>
       </p:ext>
     </p:extLst>
   </p:cSld>
@@ -7986,7 +5638,13 @@
       </p:grpSpPr>
       <p:sp>
         <p:nvSpPr>
-          <p:cNvPr id="2" name="標題 1"/>
+          <p:cNvPr id="2" name="標題 1">
+            <a:extLst>
+              <a:ext uri="{FF2B5EF4-FFF2-40B4-BE49-F238E27FC236}">
+                <a16:creationId xmlns:a16="http://schemas.microsoft.com/office/drawing/2014/main" id="{5D45ECA4-F9C6-0C42-B24A-66DB29D42975}"/>
+              </a:ext>
+            </a:extLst>
+          </p:cNvPr>
           <p:cNvSpPr>
             <a:spLocks noGrp="1"/>
           </p:cNvSpPr>
@@ -7996,47 +5654,117 @@
         </p:nvSpPr>
         <p:spPr/>
         <p:txBody>
-          <a:bodyPr/>
-          <a:lstStyle/>
-          <a:p>
-            <a:r>
-              <a:rPr lang="zh-TW" altLang="en-US" dirty="0">
-                <a:latin typeface="BiauKai" panose="02010601000101010101" pitchFamily="2" charset="-120"/>
-                <a:ea typeface="BiauKai" panose="02010601000101010101" pitchFamily="2" charset="-120"/>
-              </a:rPr>
-              <a:t>驗證</a:t>
-            </a:r>
-            <a:r>
-              <a:rPr lang="en-US" altLang="zh-TW" dirty="0">
-                <a:latin typeface="BiauKai" panose="02010601000101010101" pitchFamily="2" charset="-120"/>
-                <a:ea typeface="BiauKai" panose="02010601000101010101" pitchFamily="2" charset="-120"/>
-              </a:rPr>
-              <a:t>Kubernetes</a:t>
-            </a:r>
-            <a:r>
-              <a:rPr lang="zh-CN" altLang="en-US" dirty="0">
-                <a:latin typeface="BiauKai" panose="02010601000101010101" pitchFamily="2" charset="-120"/>
-                <a:ea typeface="BiauKai" panose="02010601000101010101" pitchFamily="2" charset="-120"/>
-              </a:rPr>
-              <a:t>節點資源</a:t>
-            </a:r>
-            <a:endParaRPr lang="zh-TW" altLang="en-US" dirty="0">
-              <a:latin typeface="BiauKai" panose="02010601000101010101" pitchFamily="2" charset="-120"/>
-              <a:ea typeface="BiauKai" panose="02010601000101010101" pitchFamily="2" charset="-120"/>
-            </a:endParaRPr>
-          </a:p>
-        </p:txBody>
-      </p:sp>
-      <p:sp>
-        <p:nvSpPr>
-          <p:cNvPr id="8" name="文字方塊 7"/>
+          <a:bodyPr>
+            <a:normAutofit/>
+          </a:bodyPr>
+          <a:lstStyle/>
+          <a:p>
+            <a:r>
+              <a:rPr kumimoji="1" lang="zh-CN" altLang="en-US" dirty="0">
+                <a:latin typeface="BiauKai" panose="02010601000101010101" pitchFamily="2" charset="-120"/>
+                <a:ea typeface="BiauKai" panose="02010601000101010101" pitchFamily="2" charset="-120"/>
+              </a:rPr>
+              <a:t>注</a:t>
+            </a:r>
+            <a:r>
+              <a:rPr kumimoji="1" lang="en-US" altLang="zh-CN" dirty="0">
+                <a:latin typeface="BiauKai" panose="02010601000101010101" pitchFamily="2" charset="-120"/>
+                <a:ea typeface="BiauKai" panose="02010601000101010101" pitchFamily="2" charset="-120"/>
+              </a:rPr>
+              <a:t>:</a:t>
+            </a:r>
+            <a:r>
+              <a:rPr kumimoji="1" lang="zh-CN" altLang="en-US" dirty="0">
+                <a:latin typeface="BiauKai" panose="02010601000101010101" pitchFamily="2" charset="-120"/>
+                <a:ea typeface="BiauKai" panose="02010601000101010101" pitchFamily="2" charset="-120"/>
+              </a:rPr>
+              <a:t>在實際生產環境中，</a:t>
+            </a:r>
+            <a:r>
+              <a:rPr kumimoji="1" lang="en-US" altLang="zh-CN" dirty="0" err="1">
+                <a:latin typeface="BiauKai" panose="02010601000101010101" pitchFamily="2" charset="-120"/>
+                <a:ea typeface="BiauKai" panose="02010601000101010101" pitchFamily="2" charset="-120"/>
+              </a:rPr>
+              <a:t>Kubeadm</a:t>
+            </a:r>
+            <a:r>
+              <a:rPr kumimoji="1" lang="zh-CN" altLang="en-US" dirty="0">
+                <a:latin typeface="BiauKai" panose="02010601000101010101" pitchFamily="2" charset="-120"/>
+                <a:ea typeface="BiauKai" panose="02010601000101010101" pitchFamily="2" charset="-120"/>
+              </a:rPr>
+              <a:t>建立之</a:t>
+            </a:r>
+            <a:r>
+              <a:rPr kumimoji="1" lang="en-US" altLang="zh-CN" dirty="0">
+                <a:latin typeface="BiauKai" panose="02010601000101010101" pitchFamily="2" charset="-120"/>
+                <a:ea typeface="BiauKai" panose="02010601000101010101" pitchFamily="2" charset="-120"/>
+              </a:rPr>
+              <a:t>k8s</a:t>
+            </a:r>
+            <a:r>
+              <a:rPr kumimoji="1" lang="zh-CN" altLang="en-US" dirty="0">
+                <a:latin typeface="BiauKai" panose="02010601000101010101" pitchFamily="2" charset="-120"/>
+                <a:ea typeface="BiauKai" panose="02010601000101010101" pitchFamily="2" charset="-120"/>
+              </a:rPr>
+              <a:t>叢集，依路由器配置更改</a:t>
+            </a:r>
+            <a:r>
+              <a:rPr kumimoji="1" lang="en-US" altLang="zh-CN" dirty="0" err="1">
+                <a:latin typeface="BiauKai" panose="02010601000101010101" pitchFamily="2" charset="-120"/>
+                <a:ea typeface="BiauKai" panose="02010601000101010101" pitchFamily="2" charset="-120"/>
+              </a:rPr>
+              <a:t>IPAddressPool</a:t>
+            </a:r>
+            <a:endParaRPr kumimoji="1" lang="zh-TW" altLang="en-US" dirty="0"/>
+          </a:p>
+        </p:txBody>
+      </p:sp>
+      <p:pic>
+        <p:nvPicPr>
+          <p:cNvPr id="4" name="圖片 3">
+            <a:extLst>
+              <a:ext uri="{FF2B5EF4-FFF2-40B4-BE49-F238E27FC236}">
+                <a16:creationId xmlns:a16="http://schemas.microsoft.com/office/drawing/2014/main" id="{C93F45D8-408A-3841-8EE4-7861BBBF0889}"/>
+              </a:ext>
+            </a:extLst>
+          </p:cNvPr>
+          <p:cNvPicPr>
+            <a:picLocks noChangeAspect="1"/>
+          </p:cNvPicPr>
+          <p:nvPr/>
+        </p:nvPicPr>
+        <p:blipFill>
+          <a:blip r:embed="rId2"/>
+          <a:stretch>
+            <a:fillRect/>
+          </a:stretch>
+        </p:blipFill>
+        <p:spPr>
+          <a:xfrm>
+            <a:off x="434506" y="1690688"/>
+            <a:ext cx="6742430" cy="4840719"/>
+          </a:xfrm>
+          <a:prstGeom prst="rect">
+            <a:avLst/>
+          </a:prstGeom>
+        </p:spPr>
+      </p:pic>
+      <p:sp>
+        <p:nvSpPr>
+          <p:cNvPr id="5" name="文字方塊 4">
+            <a:extLst>
+              <a:ext uri="{FF2B5EF4-FFF2-40B4-BE49-F238E27FC236}">
+                <a16:creationId xmlns:a16="http://schemas.microsoft.com/office/drawing/2014/main" id="{01D25506-5355-444E-8941-C39C82ED0320}"/>
+              </a:ext>
+            </a:extLst>
+          </p:cNvPr>
           <p:cNvSpPr txBox="1"/>
           <p:nvPr/>
         </p:nvSpPr>
         <p:spPr>
           <a:xfrm>
-            <a:off x="838200" y="1808679"/>
-            <a:ext cx="10515600" cy="584775"/>
+            <a:off x="7543800" y="3280591"/>
+            <a:ext cx="4160113" cy="3416320"/>
           </a:xfrm>
           <a:prstGeom prst="rect">
             <a:avLst/>
@@ -8044,117 +5772,6 @@
           <a:noFill/>
         </p:spPr>
         <p:txBody>
-          <a:bodyPr wrap="square" rtlCol="0">
-            <a:spAutoFit/>
-          </a:bodyPr>
-          <a:lstStyle/>
-          <a:p>
-            <a:r>
-              <a:rPr lang="en-US" altLang="zh-TW" sz="3200" dirty="0">
-                <a:latin typeface="Times New Roman" panose="02020603050405020304" pitchFamily="18" charset="0"/>
-                <a:cs typeface="Times New Roman" panose="02020603050405020304" pitchFamily="18" charset="0"/>
-              </a:rPr>
-              <a:t>docker network inspect -f '{{.</a:t>
-            </a:r>
-            <a:r>
-              <a:rPr lang="en-US" altLang="zh-TW" sz="3200" dirty="0" err="1">
-                <a:latin typeface="Times New Roman" panose="02020603050405020304" pitchFamily="18" charset="0"/>
-                <a:cs typeface="Times New Roman" panose="02020603050405020304" pitchFamily="18" charset="0"/>
-              </a:rPr>
-              <a:t>IPAM.Config</a:t>
-            </a:r>
-            <a:r>
-              <a:rPr lang="en-US" altLang="zh-TW" sz="3200" dirty="0">
-                <a:latin typeface="Times New Roman" panose="02020603050405020304" pitchFamily="18" charset="0"/>
-                <a:cs typeface="Times New Roman" panose="02020603050405020304" pitchFamily="18" charset="0"/>
-              </a:rPr>
-              <a:t>}}' kind</a:t>
-            </a:r>
-            <a:endParaRPr lang="zh-TW" altLang="en-US" sz="3200" dirty="0">
-              <a:latin typeface="Times New Roman" panose="02020603050405020304" pitchFamily="18" charset="0"/>
-              <a:cs typeface="Times New Roman" panose="02020603050405020304" pitchFamily="18" charset="0"/>
-            </a:endParaRPr>
-          </a:p>
-        </p:txBody>
-      </p:sp>
-      <p:sp>
-        <p:nvSpPr>
-          <p:cNvPr id="5" name="文字方塊 4">
-            <a:extLst>
-              <a:ext uri="{FF2B5EF4-FFF2-40B4-BE49-F238E27FC236}">
-                <a16:creationId xmlns:a16="http://schemas.microsoft.com/office/drawing/2014/main" id="{AFE9E742-5677-3344-8A1A-E482D34668FB}"/>
-              </a:ext>
-            </a:extLst>
-          </p:cNvPr>
-          <p:cNvSpPr txBox="1"/>
-          <p:nvPr/>
-        </p:nvSpPr>
-        <p:spPr>
-          <a:xfrm>
-            <a:off x="1500809" y="2544247"/>
-            <a:ext cx="10418237" cy="523220"/>
-          </a:xfrm>
-          <a:prstGeom prst="rect">
-            <a:avLst/>
-          </a:prstGeom>
-          <a:noFill/>
-        </p:spPr>
-        <p:txBody>
-          <a:bodyPr wrap="none" rtlCol="0">
-            <a:spAutoFit/>
-          </a:bodyPr>
-          <a:lstStyle/>
-          <a:p>
-            <a:r>
-              <a:rPr lang="en-US" altLang="zh-TW" sz="2800" dirty="0">
-                <a:latin typeface="Times New Roman" panose="02020603050405020304" pitchFamily="18" charset="0"/>
-                <a:cs typeface="Times New Roman" panose="02020603050405020304" pitchFamily="18" charset="0"/>
-              </a:rPr>
-              <a:t>[{</a:t>
-            </a:r>
-            <a:r>
-              <a:rPr lang="en-US" altLang="zh-TW" sz="2800" dirty="0">
-                <a:solidFill>
-                  <a:srgbClr val="FF0000"/>
-                </a:solidFill>
-                <a:latin typeface="Times New Roman" panose="02020603050405020304" pitchFamily="18" charset="0"/>
-                <a:cs typeface="Times New Roman" panose="02020603050405020304" pitchFamily="18" charset="0"/>
-              </a:rPr>
-              <a:t>172.18.0.0/16</a:t>
-            </a:r>
-            <a:r>
-              <a:rPr lang="en-US" altLang="zh-TW" sz="2800" dirty="0">
-                <a:latin typeface="Times New Roman" panose="02020603050405020304" pitchFamily="18" charset="0"/>
-                <a:cs typeface="Times New Roman" panose="02020603050405020304" pitchFamily="18" charset="0"/>
-              </a:rPr>
-              <a:t>  172.18.0.1 map[]} {fc00:f853:ccd:e793::/64   map[]}]</a:t>
-            </a:r>
-          </a:p>
-        </p:txBody>
-      </p:sp>
-      <p:sp>
-        <p:nvSpPr>
-          <p:cNvPr id="6" name="文字方塊 5">
-            <a:extLst>
-              <a:ext uri="{FF2B5EF4-FFF2-40B4-BE49-F238E27FC236}">
-                <a16:creationId xmlns:a16="http://schemas.microsoft.com/office/drawing/2014/main" id="{431124C4-A6E9-5741-8D65-AECB065E941C}"/>
-              </a:ext>
-            </a:extLst>
-          </p:cNvPr>
-          <p:cNvSpPr txBox="1"/>
-          <p:nvPr/>
-        </p:nvSpPr>
-        <p:spPr>
-          <a:xfrm>
-            <a:off x="1500809" y="3803375"/>
-            <a:ext cx="3956083" cy="3416320"/>
-          </a:xfrm>
-          <a:prstGeom prst="rect">
-            <a:avLst/>
-          </a:prstGeom>
-          <a:noFill/>
-        </p:spPr>
-        <p:txBody>
           <a:bodyPr wrap="none" rtlCol="0">
             <a:spAutoFit/>
           </a:bodyPr>
@@ -8281,7 +5898,7 @@
                 <a:latin typeface="Times New Roman" panose="02020603050405020304" pitchFamily="18" charset="0"/>
                 <a:cs typeface="Times New Roman" panose="02020603050405020304" pitchFamily="18" charset="0"/>
               </a:rPr>
-              <a:t>172.18.0.1-172.18.0.50</a:t>
+              <a:t>192.168.0.100-192.168.0.199</a:t>
             </a:r>
           </a:p>
           <a:p>
@@ -8292,92 +5909,10 @@
           </a:p>
         </p:txBody>
       </p:sp>
-      <p:sp>
-        <p:nvSpPr>
-          <p:cNvPr id="9" name="矩形 8">
-            <a:extLst>
-              <a:ext uri="{FF2B5EF4-FFF2-40B4-BE49-F238E27FC236}">
-                <a16:creationId xmlns:a16="http://schemas.microsoft.com/office/drawing/2014/main" id="{BE130297-3C3A-5A40-A643-2B3AAFAFF251}"/>
-              </a:ext>
-            </a:extLst>
-          </p:cNvPr>
-          <p:cNvSpPr/>
-          <p:nvPr/>
-        </p:nvSpPr>
-        <p:spPr>
-          <a:xfrm>
-            <a:off x="838200" y="3218600"/>
-            <a:ext cx="7631384" cy="584775"/>
-          </a:xfrm>
-          <a:prstGeom prst="rect">
-            <a:avLst/>
-          </a:prstGeom>
-        </p:spPr>
-        <p:txBody>
-          <a:bodyPr wrap="none">
-            <a:spAutoFit/>
-          </a:bodyPr>
-          <a:lstStyle/>
-          <a:p>
-            <a:r>
-              <a:rPr kumimoji="1" lang="zh-CN" altLang="en-US" sz="3200" dirty="0">
-                <a:latin typeface="BiauKai" panose="02010601000101010101" pitchFamily="2" charset="-120"/>
-                <a:ea typeface="BiauKai" panose="02010601000101010101" pitchFamily="2" charset="-120"/>
-                <a:cs typeface="Times New Roman" panose="02020603050405020304" pitchFamily="18" charset="0"/>
-              </a:rPr>
-              <a:t>修改</a:t>
-            </a:r>
-            <a:r>
-              <a:rPr kumimoji="1" lang="en-US" altLang="zh-TW" sz="3200" dirty="0" err="1">
-                <a:latin typeface="Times New Roman" panose="02020603050405020304" pitchFamily="18" charset="0"/>
-                <a:ea typeface="BiauKai" panose="02010601000101010101" pitchFamily="2" charset="-120"/>
-                <a:cs typeface="Times New Roman" panose="02020603050405020304" pitchFamily="18" charset="0"/>
-              </a:rPr>
-              <a:t>IPAddressPool.yaml</a:t>
-            </a:r>
-            <a:r>
-              <a:rPr kumimoji="1" lang="zh-CN" altLang="en-US" sz="3200" dirty="0">
-                <a:latin typeface="BiauKai" panose="02010601000101010101" pitchFamily="2" charset="-120"/>
-                <a:ea typeface="BiauKai" panose="02010601000101010101" pitchFamily="2" charset="-120"/>
-                <a:cs typeface="Times New Roman" panose="02020603050405020304" pitchFamily="18" charset="0"/>
-              </a:rPr>
-              <a:t>，</a:t>
-            </a:r>
-            <a:r>
-              <a:rPr kumimoji="1" lang="en-US" altLang="zh-CN" sz="3200" dirty="0">
-                <a:latin typeface="BiauKai" panose="02010601000101010101" pitchFamily="2" charset="-120"/>
-                <a:ea typeface="BiauKai" panose="02010601000101010101" pitchFamily="2" charset="-120"/>
-                <a:cs typeface="Times New Roman" panose="02020603050405020304" pitchFamily="18" charset="0"/>
-              </a:rPr>
-              <a:t>IP</a:t>
-            </a:r>
-            <a:r>
-              <a:rPr kumimoji="1" lang="zh-CN" altLang="en-US" sz="3200" dirty="0">
-                <a:latin typeface="BiauKai" panose="02010601000101010101" pitchFamily="2" charset="-120"/>
-                <a:ea typeface="BiauKai" panose="02010601000101010101" pitchFamily="2" charset="-120"/>
-                <a:cs typeface="Times New Roman" panose="02020603050405020304" pitchFamily="18" charset="0"/>
-              </a:rPr>
-              <a:t>為</a:t>
-            </a:r>
-            <a:r>
-              <a:rPr kumimoji="1" lang="en-US" altLang="zh-CN" sz="3200" dirty="0">
-                <a:latin typeface="BiauKai" panose="02010601000101010101" pitchFamily="2" charset="-120"/>
-                <a:ea typeface="BiauKai" panose="02010601000101010101" pitchFamily="2" charset="-120"/>
-                <a:cs typeface="Times New Roman" panose="02020603050405020304" pitchFamily="18" charset="0"/>
-              </a:rPr>
-              <a:t>172.18.0.1-50</a:t>
-            </a:r>
-            <a:endParaRPr kumimoji="1" lang="en-US" altLang="zh-CN" sz="3200" dirty="0">
-              <a:latin typeface="BiauKai" panose="02010601000101010101" pitchFamily="2" charset="-120"/>
-              <a:ea typeface="BiauKai" panose="02010601000101010101" pitchFamily="2" charset="-120"/>
-            </a:endParaRPr>
-          </a:p>
-        </p:txBody>
-      </p:sp>
     </p:spTree>
     <p:extLst>
       <p:ext uri="{BB962C8B-B14F-4D97-AF65-F5344CB8AC3E}">
-        <p14:creationId xmlns:p14="http://schemas.microsoft.com/office/powerpoint/2010/main" val="986763057"/>
+        <p14:creationId xmlns:p14="http://schemas.microsoft.com/office/powerpoint/2010/main" val="3123667967"/>
       </p:ext>
     </p:extLst>
   </p:cSld>
@@ -8406,7 +5941,13 @@
       </p:grpSpPr>
       <p:sp>
         <p:nvSpPr>
-          <p:cNvPr id="2" name="標題 1"/>
+          <p:cNvPr id="4" name="標題 3">
+            <a:extLst>
+              <a:ext uri="{FF2B5EF4-FFF2-40B4-BE49-F238E27FC236}">
+                <a16:creationId xmlns:a16="http://schemas.microsoft.com/office/drawing/2014/main" id="{0E9025FE-9227-484A-B661-1777A9A68DEE}"/>
+              </a:ext>
+            </a:extLst>
+          </p:cNvPr>
           <p:cNvSpPr>
             <a:spLocks noGrp="1"/>
           </p:cNvSpPr>
@@ -8420,62 +5961,13 @@
           <a:lstStyle/>
           <a:p>
             <a:r>
-              <a:rPr lang="zh-TW" altLang="en-US" dirty="0">
-                <a:latin typeface="BiauKai" panose="02010601000101010101" pitchFamily="2" charset="-120"/>
-                <a:ea typeface="BiauKai" panose="02010601000101010101" pitchFamily="2" charset="-120"/>
-              </a:rPr>
-              <a:t>依</a:t>
-            </a:r>
-            <a:r>
-              <a:rPr lang="en-US" altLang="zh-TW" dirty="0">
-                <a:latin typeface="BiauKai" panose="02010601000101010101" pitchFamily="2" charset="-120"/>
-                <a:ea typeface="BiauKai" panose="02010601000101010101" pitchFamily="2" charset="-120"/>
-              </a:rPr>
-              <a:t>Kind</a:t>
-            </a:r>
-            <a:r>
-              <a:rPr lang="zh-CN" altLang="en-US" dirty="0">
-                <a:latin typeface="BiauKai" panose="02010601000101010101" pitchFamily="2" charset="-120"/>
-                <a:ea typeface="BiauKai" panose="02010601000101010101" pitchFamily="2" charset="-120"/>
-              </a:rPr>
-              <a:t>使用之</a:t>
-            </a:r>
-            <a:r>
-              <a:rPr lang="en-US" altLang="zh-TW" dirty="0">
-                <a:latin typeface="BiauKai" panose="02010601000101010101" pitchFamily="2" charset="-120"/>
-                <a:ea typeface="BiauKai" panose="02010601000101010101" pitchFamily="2" charset="-120"/>
-              </a:rPr>
-              <a:t>Docker</a:t>
-            </a:r>
-            <a:r>
-              <a:rPr lang="zh-CN" altLang="en-US" dirty="0">
-                <a:latin typeface="BiauKai" panose="02010601000101010101" pitchFamily="2" charset="-120"/>
-                <a:ea typeface="BiauKai" panose="02010601000101010101" pitchFamily="2" charset="-120"/>
-              </a:rPr>
-              <a:t>虛擬網域，</a:t>
-            </a:r>
-            <a:r>
-              <a:rPr lang="zh-TW" altLang="en-US" dirty="0">
-                <a:latin typeface="BiauKai" panose="02010601000101010101" pitchFamily="2" charset="-120"/>
-                <a:ea typeface="BiauKai" panose="02010601000101010101" pitchFamily="2" charset="-120"/>
-              </a:rPr>
-              <a:t>更新</a:t>
-            </a:r>
-            <a:r>
-              <a:rPr lang="en-US" altLang="zh-TW" dirty="0">
-                <a:latin typeface="BiauKai" panose="02010601000101010101" pitchFamily="2" charset="-120"/>
-                <a:ea typeface="BiauKai" panose="02010601000101010101" pitchFamily="2" charset="-120"/>
-              </a:rPr>
-              <a:t>IP</a:t>
-            </a:r>
-            <a:r>
-              <a:rPr lang="zh-CN" altLang="en-US" dirty="0">
-                <a:latin typeface="BiauKai" panose="02010601000101010101" pitchFamily="2" charset="-120"/>
-                <a:ea typeface="BiauKai" panose="02010601000101010101" pitchFamily="2" charset="-120"/>
-              </a:rPr>
-              <a:t>池</a:t>
-            </a:r>
-            <a:endParaRPr lang="zh-TW" altLang="en-US" dirty="0">
+              <a:rPr kumimoji="1" lang="zh-CN" altLang="en-US" dirty="0">
+                <a:latin typeface="BiauKai" panose="02010601000101010101" pitchFamily="2" charset="-120"/>
+                <a:ea typeface="BiauKai" panose="02010601000101010101" pitchFamily="2" charset="-120"/>
+              </a:rPr>
+              <a:t>實作步驟</a:t>
+            </a:r>
+            <a:endParaRPr kumimoji="1" lang="zh-TW" altLang="en-US" dirty="0">
               <a:latin typeface="BiauKai" panose="02010601000101010101" pitchFamily="2" charset="-120"/>
               <a:ea typeface="BiauKai" panose="02010601000101010101" pitchFamily="2" charset="-120"/>
             </a:endParaRPr>
@@ -8484,345 +5976,155 @@
       </p:sp>
       <p:sp>
         <p:nvSpPr>
-          <p:cNvPr id="8" name="文字方塊 7"/>
-          <p:cNvSpPr txBox="1"/>
-          <p:nvPr/>
-        </p:nvSpPr>
-        <p:spPr>
-          <a:xfrm>
-            <a:off x="838200" y="1808679"/>
-            <a:ext cx="10515600" cy="584775"/>
-          </a:xfrm>
-          <a:prstGeom prst="rect">
-            <a:avLst/>
-          </a:prstGeom>
-          <a:noFill/>
-        </p:spPr>
-        <p:txBody>
-          <a:bodyPr wrap="square" rtlCol="0">
-            <a:spAutoFit/>
-          </a:bodyPr>
-          <a:lstStyle/>
-          <a:p>
-            <a:r>
-              <a:rPr lang="en-US" altLang="zh-TW" sz="3200" dirty="0">
-                <a:latin typeface="Times New Roman" panose="02020603050405020304" pitchFamily="18" charset="0"/>
-                <a:cs typeface="Times New Roman" panose="02020603050405020304" pitchFamily="18" charset="0"/>
-              </a:rPr>
-              <a:t>docker network inspect -f '{{.</a:t>
-            </a:r>
-            <a:r>
-              <a:rPr lang="en-US" altLang="zh-TW" sz="3200" dirty="0" err="1">
-                <a:latin typeface="Times New Roman" panose="02020603050405020304" pitchFamily="18" charset="0"/>
-                <a:cs typeface="Times New Roman" panose="02020603050405020304" pitchFamily="18" charset="0"/>
-              </a:rPr>
-              <a:t>IPAM.Config</a:t>
-            </a:r>
-            <a:r>
-              <a:rPr lang="en-US" altLang="zh-TW" sz="3200" dirty="0">
-                <a:latin typeface="Times New Roman" panose="02020603050405020304" pitchFamily="18" charset="0"/>
-                <a:cs typeface="Times New Roman" panose="02020603050405020304" pitchFamily="18" charset="0"/>
-              </a:rPr>
-              <a:t>}}' kind</a:t>
-            </a:r>
-            <a:endParaRPr lang="zh-TW" altLang="en-US" sz="3200" dirty="0">
-              <a:latin typeface="Times New Roman" panose="02020603050405020304" pitchFamily="18" charset="0"/>
-              <a:cs typeface="Times New Roman" panose="02020603050405020304" pitchFamily="18" charset="0"/>
-            </a:endParaRPr>
-          </a:p>
-        </p:txBody>
-      </p:sp>
-      <p:sp>
-        <p:nvSpPr>
-          <p:cNvPr id="5" name="文字方塊 4">
+          <p:cNvPr id="5" name="內容版面配置區 4">
             <a:extLst>
               <a:ext uri="{FF2B5EF4-FFF2-40B4-BE49-F238E27FC236}">
-                <a16:creationId xmlns:a16="http://schemas.microsoft.com/office/drawing/2014/main" id="{AFE9E742-5677-3344-8A1A-E482D34668FB}"/>
+                <a16:creationId xmlns:a16="http://schemas.microsoft.com/office/drawing/2014/main" id="{3467E8AC-4C05-B94D-9310-73A2784F6A79}"/>
               </a:ext>
             </a:extLst>
           </p:cNvPr>
-          <p:cNvSpPr txBox="1"/>
-          <p:nvPr/>
-        </p:nvSpPr>
-        <p:spPr>
-          <a:xfrm>
-            <a:off x="1500809" y="2544247"/>
-            <a:ext cx="10418237" cy="523220"/>
-          </a:xfrm>
-          <a:prstGeom prst="rect">
-            <a:avLst/>
-          </a:prstGeom>
-          <a:noFill/>
-        </p:spPr>
-        <p:txBody>
-          <a:bodyPr wrap="none" rtlCol="0">
-            <a:spAutoFit/>
-          </a:bodyPr>
-          <a:lstStyle/>
-          <a:p>
-            <a:r>
-              <a:rPr lang="en-US" altLang="zh-TW" sz="2800" dirty="0">
-                <a:latin typeface="Times New Roman" panose="02020603050405020304" pitchFamily="18" charset="0"/>
-                <a:cs typeface="Times New Roman" panose="02020603050405020304" pitchFamily="18" charset="0"/>
-              </a:rPr>
-              <a:t>[{</a:t>
-            </a:r>
-            <a:r>
-              <a:rPr lang="en-US" altLang="zh-TW" sz="2800" dirty="0">
+          <p:cNvSpPr>
+            <a:spLocks noGrp="1"/>
+          </p:cNvSpPr>
+          <p:nvPr>
+            <p:ph idx="1"/>
+          </p:nvPr>
+        </p:nvSpPr>
+        <p:spPr/>
+        <p:txBody>
+          <a:bodyPr/>
+          <a:lstStyle/>
+          <a:p>
+            <a:pPr marL="514350" indent="-514350">
+              <a:buFont typeface="+mj-lt"/>
+              <a:buAutoNum type="arabicPeriod"/>
+            </a:pPr>
+            <a:r>
+              <a:rPr kumimoji="1" lang="zh-TW" altLang="en-US" dirty="0">
+                <a:latin typeface="BiauKai" panose="02010601000101010101" pitchFamily="2" charset="-120"/>
+                <a:ea typeface="BiauKai" panose="02010601000101010101" pitchFamily="2" charset="-120"/>
+              </a:rPr>
+              <a:t>建立</a:t>
+            </a:r>
+            <a:r>
+              <a:rPr kumimoji="1" lang="en-US" altLang="zh-TW" dirty="0">
+                <a:latin typeface="Times New Roman" panose="02020603050405020304" pitchFamily="18" charset="0"/>
+                <a:ea typeface="BiauKai" panose="02010601000101010101" pitchFamily="2" charset="-120"/>
+                <a:cs typeface="Times New Roman" panose="02020603050405020304" pitchFamily="18" charset="0"/>
+              </a:rPr>
+              <a:t>Kubernetes</a:t>
+            </a:r>
+            <a:r>
+              <a:rPr kumimoji="1" lang="zh-CN" altLang="en-US" dirty="0">
+                <a:latin typeface="BiauKai" panose="02010601000101010101" pitchFamily="2" charset="-120"/>
+                <a:ea typeface="BiauKai" panose="02010601000101010101" pitchFamily="2" charset="-120"/>
+                <a:cs typeface="Times New Roman" panose="02020603050405020304" pitchFamily="18" charset="0"/>
+              </a:rPr>
+              <a:t>叢集</a:t>
+            </a:r>
+            <a:endParaRPr kumimoji="1" lang="en-US" altLang="zh-CN" dirty="0">
+              <a:latin typeface="BiauKai" panose="02010601000101010101" pitchFamily="2" charset="-120"/>
+              <a:ea typeface="BiauKai" panose="02010601000101010101" pitchFamily="2" charset="-120"/>
+            </a:endParaRPr>
+          </a:p>
+          <a:p>
+            <a:pPr marL="514350" indent="-514350">
+              <a:buFont typeface="+mj-lt"/>
+              <a:buAutoNum type="arabicPeriod"/>
+            </a:pPr>
+            <a:r>
+              <a:rPr kumimoji="1" lang="zh-CN" altLang="en-US" dirty="0">
+                <a:latin typeface="BiauKai" panose="02010601000101010101" pitchFamily="2" charset="-120"/>
+                <a:ea typeface="BiauKai" panose="02010601000101010101" pitchFamily="2" charset="-120"/>
+              </a:rPr>
+              <a:t>部署</a:t>
+            </a:r>
+            <a:r>
+              <a:rPr kumimoji="1" lang="en-US" altLang="zh-CN" dirty="0" err="1">
+                <a:latin typeface="Times New Roman" panose="02020603050405020304" pitchFamily="18" charset="0"/>
+                <a:ea typeface="BiauKai" panose="02010601000101010101" pitchFamily="2" charset="-120"/>
+                <a:cs typeface="Times New Roman" panose="02020603050405020304" pitchFamily="18" charset="0"/>
+              </a:rPr>
+              <a:t>MetalLab</a:t>
+            </a:r>
+            <a:endParaRPr kumimoji="1" lang="en-US" altLang="zh-CN" dirty="0">
+              <a:latin typeface="Times New Roman" panose="02020603050405020304" pitchFamily="18" charset="0"/>
+              <a:ea typeface="BiauKai" panose="02010601000101010101" pitchFamily="2" charset="-120"/>
+              <a:cs typeface="Times New Roman" panose="02020603050405020304" pitchFamily="18" charset="0"/>
+            </a:endParaRPr>
+          </a:p>
+          <a:p>
+            <a:pPr marL="514350" indent="-514350">
+              <a:buFont typeface="+mj-lt"/>
+              <a:buAutoNum type="arabicPeriod"/>
+            </a:pPr>
+            <a:r>
+              <a:rPr kumimoji="1" lang="zh-CN" altLang="en-US" dirty="0">
+                <a:latin typeface="Times New Roman" panose="02020603050405020304" pitchFamily="18" charset="0"/>
+                <a:ea typeface="BiauKai" panose="02010601000101010101" pitchFamily="2" charset="-120"/>
+                <a:cs typeface="Times New Roman" panose="02020603050405020304" pitchFamily="18" charset="0"/>
+              </a:rPr>
+              <a:t>設定</a:t>
+            </a:r>
+            <a:r>
+              <a:rPr kumimoji="1" lang="en-US" altLang="zh-CN" dirty="0">
+                <a:latin typeface="Times New Roman" panose="02020603050405020304" pitchFamily="18" charset="0"/>
+                <a:ea typeface="BiauKai" panose="02010601000101010101" pitchFamily="2" charset="-120"/>
+                <a:cs typeface="Times New Roman" panose="02020603050405020304" pitchFamily="18" charset="0"/>
+              </a:rPr>
+              <a:t>IP tool</a:t>
+            </a:r>
+          </a:p>
+          <a:p>
+            <a:pPr marL="514350" indent="-514350">
+              <a:buFont typeface="+mj-lt"/>
+              <a:buAutoNum type="arabicPeriod"/>
+            </a:pPr>
+            <a:r>
+              <a:rPr kumimoji="1" lang="zh-CN" altLang="en-US" dirty="0">
                 <a:solidFill>
                   <a:srgbClr val="FF0000"/>
                 </a:solidFill>
                 <a:latin typeface="Times New Roman" panose="02020603050405020304" pitchFamily="18" charset="0"/>
-                <a:cs typeface="Times New Roman" panose="02020603050405020304" pitchFamily="18" charset="0"/>
-              </a:rPr>
-              <a:t>172.18.0.0/16</a:t>
-            </a:r>
-            <a:r>
-              <a:rPr lang="en-US" altLang="zh-TW" sz="2800" dirty="0">
-                <a:latin typeface="Times New Roman" panose="02020603050405020304" pitchFamily="18" charset="0"/>
-                <a:cs typeface="Times New Roman" panose="02020603050405020304" pitchFamily="18" charset="0"/>
-              </a:rPr>
-              <a:t>  172.18.0.1 map[]} {fc00:f853:ccd:e793::/64   map[]}]</a:t>
-            </a:r>
-          </a:p>
-        </p:txBody>
-      </p:sp>
-      <p:sp>
-        <p:nvSpPr>
-          <p:cNvPr id="6" name="文字方塊 5">
-            <a:extLst>
-              <a:ext uri="{FF2B5EF4-FFF2-40B4-BE49-F238E27FC236}">
-                <a16:creationId xmlns:a16="http://schemas.microsoft.com/office/drawing/2014/main" id="{431124C4-A6E9-5741-8D65-AECB065E941C}"/>
-              </a:ext>
-            </a:extLst>
-          </p:cNvPr>
-          <p:cNvSpPr txBox="1"/>
-          <p:nvPr/>
-        </p:nvSpPr>
-        <p:spPr>
-          <a:xfrm>
-            <a:off x="1500809" y="3803375"/>
-            <a:ext cx="3956083" cy="3416320"/>
-          </a:xfrm>
-          <a:prstGeom prst="rect">
-            <a:avLst/>
-          </a:prstGeom>
-          <a:noFill/>
-        </p:spPr>
-        <p:txBody>
-          <a:bodyPr wrap="none" rtlCol="0">
-            <a:spAutoFit/>
-          </a:bodyPr>
-          <a:lstStyle/>
-          <a:p>
-            <a:r>
-              <a:rPr lang="en-US" altLang="zh-TW" sz="2400" dirty="0" err="1">
-                <a:latin typeface="Times New Roman" panose="02020603050405020304" pitchFamily="18" charset="0"/>
-                <a:cs typeface="Times New Roman" panose="02020603050405020304" pitchFamily="18" charset="0"/>
-              </a:rPr>
-              <a:t>apiVersion</a:t>
-            </a:r>
-            <a:r>
-              <a:rPr lang="en-US" altLang="zh-TW" sz="2400" dirty="0">
-                <a:latin typeface="Times New Roman" panose="02020603050405020304" pitchFamily="18" charset="0"/>
-                <a:cs typeface="Times New Roman" panose="02020603050405020304" pitchFamily="18" charset="0"/>
-              </a:rPr>
-              <a:t>: </a:t>
-            </a:r>
-            <a:r>
-              <a:rPr lang="en-US" altLang="zh-TW" sz="2400" dirty="0" err="1">
-                <a:latin typeface="Times New Roman" panose="02020603050405020304" pitchFamily="18" charset="0"/>
-                <a:cs typeface="Times New Roman" panose="02020603050405020304" pitchFamily="18" charset="0"/>
-              </a:rPr>
-              <a:t>metallb.io</a:t>
-            </a:r>
-            <a:r>
-              <a:rPr lang="en-US" altLang="zh-TW" sz="2400" dirty="0">
-                <a:latin typeface="Times New Roman" panose="02020603050405020304" pitchFamily="18" charset="0"/>
-                <a:cs typeface="Times New Roman" panose="02020603050405020304" pitchFamily="18" charset="0"/>
-              </a:rPr>
-              <a:t>/v1beta1</a:t>
-            </a:r>
-          </a:p>
-          <a:p>
-            <a:r>
-              <a:rPr lang="en-US" altLang="zh-TW" sz="2400" dirty="0">
-                <a:latin typeface="Times New Roman" panose="02020603050405020304" pitchFamily="18" charset="0"/>
-                <a:cs typeface="Times New Roman" panose="02020603050405020304" pitchFamily="18" charset="0"/>
-              </a:rPr>
-              <a:t>kind: </a:t>
-            </a:r>
-            <a:r>
-              <a:rPr lang="en-US" altLang="zh-TW" sz="2400" dirty="0" err="1">
-                <a:latin typeface="Times New Roman" panose="02020603050405020304" pitchFamily="18" charset="0"/>
-                <a:cs typeface="Times New Roman" panose="02020603050405020304" pitchFamily="18" charset="0"/>
-              </a:rPr>
-              <a:t>IPAddressPool</a:t>
-            </a:r>
-            <a:endParaRPr lang="en-US" altLang="zh-TW" sz="2400" dirty="0">
+                <a:ea typeface="BiauKai" panose="02010601000101010101" pitchFamily="2" charset="-120"/>
+                <a:cs typeface="Times New Roman" panose="02020603050405020304" pitchFamily="18" charset="0"/>
+              </a:rPr>
+              <a:t>應用部署</a:t>
+            </a:r>
+            <a:endParaRPr kumimoji="1" lang="en-US" altLang="zh-CN" dirty="0">
+              <a:solidFill>
+                <a:srgbClr val="FF0000"/>
+              </a:solidFill>
               <a:latin typeface="Times New Roman" panose="02020603050405020304" pitchFamily="18" charset="0"/>
+              <a:ea typeface="BiauKai" panose="02010601000101010101" pitchFamily="2" charset="-120"/>
               <a:cs typeface="Times New Roman" panose="02020603050405020304" pitchFamily="18" charset="0"/>
             </a:endParaRPr>
           </a:p>
           <a:p>
-            <a:r>
-              <a:rPr lang="en-US" altLang="zh-TW" sz="2400" dirty="0">
-                <a:latin typeface="Times New Roman" panose="02020603050405020304" pitchFamily="18" charset="0"/>
-                <a:cs typeface="Times New Roman" panose="02020603050405020304" pitchFamily="18" charset="0"/>
-              </a:rPr>
-              <a:t>metadata:</a:t>
-            </a:r>
-          </a:p>
-          <a:p>
-            <a:r>
-              <a:rPr lang="en-US" altLang="zh-TW" sz="2400" dirty="0">
-                <a:latin typeface="Times New Roman" panose="02020603050405020304" pitchFamily="18" charset="0"/>
-                <a:cs typeface="Times New Roman" panose="02020603050405020304" pitchFamily="18" charset="0"/>
-              </a:rPr>
-              <a:t>  name: </a:t>
-            </a:r>
-            <a:r>
-              <a:rPr lang="en-US" altLang="zh-TW" sz="2400" dirty="0" err="1">
-                <a:latin typeface="Times New Roman" panose="02020603050405020304" pitchFamily="18" charset="0"/>
-                <a:cs typeface="Times New Roman" panose="02020603050405020304" pitchFamily="18" charset="0"/>
-              </a:rPr>
-              <a:t>labip</a:t>
-            </a:r>
-            <a:endParaRPr lang="en-US" altLang="zh-TW" sz="2400" dirty="0">
+            <a:pPr marL="514350" indent="-514350">
+              <a:buFont typeface="+mj-lt"/>
+              <a:buAutoNum type="arabicPeriod"/>
+            </a:pPr>
+            <a:r>
+              <a:rPr kumimoji="1" lang="zh-CN" altLang="en-US" dirty="0">
+                <a:latin typeface="Times New Roman" panose="02020603050405020304" pitchFamily="18" charset="0"/>
+                <a:ea typeface="BiauKai" panose="02010601000101010101" pitchFamily="2" charset="-120"/>
+                <a:cs typeface="Times New Roman" panose="02020603050405020304" pitchFamily="18" charset="0"/>
+              </a:rPr>
+              <a:t>驗證應用服務</a:t>
+            </a:r>
+            <a:endParaRPr kumimoji="1" lang="en-US" altLang="zh-CN" dirty="0">
               <a:latin typeface="Times New Roman" panose="02020603050405020304" pitchFamily="18" charset="0"/>
+              <a:ea typeface="BiauKai" panose="02010601000101010101" pitchFamily="2" charset="-120"/>
               <a:cs typeface="Times New Roman" panose="02020603050405020304" pitchFamily="18" charset="0"/>
             </a:endParaRPr>
           </a:p>
           <a:p>
-            <a:r>
-              <a:rPr lang="en-US" altLang="zh-TW" sz="2400" dirty="0">
-                <a:latin typeface="Times New Roman" panose="02020603050405020304" pitchFamily="18" charset="0"/>
-                <a:cs typeface="Times New Roman" panose="02020603050405020304" pitchFamily="18" charset="0"/>
-              </a:rPr>
-              <a:t>  namespace: default</a:t>
-            </a:r>
-          </a:p>
-          <a:p>
-            <a:r>
-              <a:rPr lang="en-US" altLang="zh-TW" sz="2400" dirty="0">
-                <a:latin typeface="Times New Roman" panose="02020603050405020304" pitchFamily="18" charset="0"/>
-                <a:cs typeface="Times New Roman" panose="02020603050405020304" pitchFamily="18" charset="0"/>
-              </a:rPr>
-              <a:t>spec:</a:t>
-            </a:r>
-          </a:p>
-          <a:p>
-            <a:r>
-              <a:rPr lang="en-US" altLang="zh-TW" sz="2400" dirty="0">
-                <a:latin typeface="Times New Roman" panose="02020603050405020304" pitchFamily="18" charset="0"/>
-                <a:cs typeface="Times New Roman" panose="02020603050405020304" pitchFamily="18" charset="0"/>
-              </a:rPr>
-              <a:t>  addresses:</a:t>
-            </a:r>
-          </a:p>
-          <a:p>
-            <a:r>
-              <a:rPr lang="en-US" altLang="zh-TW" sz="2400" dirty="0">
-                <a:latin typeface="Times New Roman" panose="02020603050405020304" pitchFamily="18" charset="0"/>
-                <a:cs typeface="Times New Roman" panose="02020603050405020304" pitchFamily="18" charset="0"/>
-              </a:rPr>
-              <a:t>  - </a:t>
-            </a:r>
-            <a:r>
-              <a:rPr lang="en-US" altLang="zh-TW" sz="2400" dirty="0">
-                <a:solidFill>
-                  <a:srgbClr val="FF0000"/>
-                </a:solidFill>
-                <a:latin typeface="Times New Roman" panose="02020603050405020304" pitchFamily="18" charset="0"/>
-                <a:cs typeface="Times New Roman" panose="02020603050405020304" pitchFamily="18" charset="0"/>
-              </a:rPr>
-              <a:t>172.18.0.1-172.18.0.50</a:t>
-            </a:r>
-          </a:p>
-          <a:p>
-            <a:endParaRPr kumimoji="1" lang="zh-TW" altLang="en-US" sz="2400" dirty="0">
-              <a:latin typeface="Times New Roman" panose="02020603050405020304" pitchFamily="18" charset="0"/>
-              <a:cs typeface="Times New Roman" panose="02020603050405020304" pitchFamily="18" charset="0"/>
-            </a:endParaRPr>
-          </a:p>
-        </p:txBody>
-      </p:sp>
-      <p:sp>
-        <p:nvSpPr>
-          <p:cNvPr id="9" name="矩形 8">
-            <a:extLst>
-              <a:ext uri="{FF2B5EF4-FFF2-40B4-BE49-F238E27FC236}">
-                <a16:creationId xmlns:a16="http://schemas.microsoft.com/office/drawing/2014/main" id="{BE130297-3C3A-5A40-A643-2B3AAFAFF251}"/>
-              </a:ext>
-            </a:extLst>
-          </p:cNvPr>
-          <p:cNvSpPr/>
-          <p:nvPr/>
-        </p:nvSpPr>
-        <p:spPr>
-          <a:xfrm>
-            <a:off x="838200" y="3218600"/>
-            <a:ext cx="7631384" cy="584775"/>
-          </a:xfrm>
-          <a:prstGeom prst="rect">
-            <a:avLst/>
-          </a:prstGeom>
-        </p:spPr>
-        <p:txBody>
-          <a:bodyPr wrap="none">
-            <a:spAutoFit/>
-          </a:bodyPr>
-          <a:lstStyle/>
-          <a:p>
-            <a:r>
-              <a:rPr kumimoji="1" lang="zh-CN" altLang="en-US" sz="3200" dirty="0">
-                <a:latin typeface="BiauKai" panose="02010601000101010101" pitchFamily="2" charset="-120"/>
-                <a:ea typeface="BiauKai" panose="02010601000101010101" pitchFamily="2" charset="-120"/>
-                <a:cs typeface="Times New Roman" panose="02020603050405020304" pitchFamily="18" charset="0"/>
-              </a:rPr>
-              <a:t>修改</a:t>
-            </a:r>
-            <a:r>
-              <a:rPr kumimoji="1" lang="en-US" altLang="zh-TW" sz="3200" dirty="0" err="1">
-                <a:latin typeface="Times New Roman" panose="02020603050405020304" pitchFamily="18" charset="0"/>
-                <a:ea typeface="BiauKai" panose="02010601000101010101" pitchFamily="2" charset="-120"/>
-                <a:cs typeface="Times New Roman" panose="02020603050405020304" pitchFamily="18" charset="0"/>
-              </a:rPr>
-              <a:t>IPAddressPool.yaml</a:t>
-            </a:r>
-            <a:r>
-              <a:rPr kumimoji="1" lang="zh-CN" altLang="en-US" sz="3200" dirty="0">
-                <a:latin typeface="BiauKai" panose="02010601000101010101" pitchFamily="2" charset="-120"/>
-                <a:ea typeface="BiauKai" panose="02010601000101010101" pitchFamily="2" charset="-120"/>
-                <a:cs typeface="Times New Roman" panose="02020603050405020304" pitchFamily="18" charset="0"/>
-              </a:rPr>
-              <a:t>，</a:t>
-            </a:r>
-            <a:r>
-              <a:rPr kumimoji="1" lang="en-US" altLang="zh-CN" sz="3200" dirty="0">
-                <a:latin typeface="BiauKai" panose="02010601000101010101" pitchFamily="2" charset="-120"/>
-                <a:ea typeface="BiauKai" panose="02010601000101010101" pitchFamily="2" charset="-120"/>
-                <a:cs typeface="Times New Roman" panose="02020603050405020304" pitchFamily="18" charset="0"/>
-              </a:rPr>
-              <a:t>IP</a:t>
-            </a:r>
-            <a:r>
-              <a:rPr kumimoji="1" lang="zh-CN" altLang="en-US" sz="3200" dirty="0">
-                <a:latin typeface="BiauKai" panose="02010601000101010101" pitchFamily="2" charset="-120"/>
-                <a:ea typeface="BiauKai" panose="02010601000101010101" pitchFamily="2" charset="-120"/>
-                <a:cs typeface="Times New Roman" panose="02020603050405020304" pitchFamily="18" charset="0"/>
-              </a:rPr>
-              <a:t>為</a:t>
-            </a:r>
-            <a:r>
-              <a:rPr kumimoji="1" lang="en-US" altLang="zh-CN" sz="3200" dirty="0">
-                <a:latin typeface="BiauKai" panose="02010601000101010101" pitchFamily="2" charset="-120"/>
-                <a:ea typeface="BiauKai" panose="02010601000101010101" pitchFamily="2" charset="-120"/>
-                <a:cs typeface="Times New Roman" panose="02020603050405020304" pitchFamily="18" charset="0"/>
-              </a:rPr>
-              <a:t>172.18.0.1-50</a:t>
-            </a:r>
-            <a:endParaRPr kumimoji="1" lang="en-US" altLang="zh-CN" sz="3200" dirty="0">
+            <a:pPr marL="514350" indent="-514350">
+              <a:buFont typeface="+mj-lt"/>
+              <a:buAutoNum type="arabicPeriod"/>
+            </a:pPr>
+            <a:endParaRPr kumimoji="1" lang="zh-TW" altLang="en-US" dirty="0">
               <a:latin typeface="BiauKai" panose="02010601000101010101" pitchFamily="2" charset="-120"/>
               <a:ea typeface="BiauKai" panose="02010601000101010101" pitchFamily="2" charset="-120"/>
             </a:endParaRPr>
@@ -8832,7 +6134,7 @@
     </p:spTree>
     <p:extLst>
       <p:ext uri="{BB962C8B-B14F-4D97-AF65-F5344CB8AC3E}">
-        <p14:creationId xmlns:p14="http://schemas.microsoft.com/office/powerpoint/2010/main" val="1710859665"/>
+        <p14:creationId xmlns:p14="http://schemas.microsoft.com/office/powerpoint/2010/main" val="3107115989"/>
       </p:ext>
     </p:extLst>
   </p:cSld>
@@ -8888,6 +6190,43 @@
               </a:rPr>
               <a:t>前置作業</a:t>
             </a:r>
+            <a:r>
+              <a:rPr kumimoji="1" lang="en-US" altLang="zh-TW" dirty="0">
+                <a:latin typeface="BiauKai" panose="02010601000101010101" pitchFamily="2" charset="-120"/>
+                <a:ea typeface="BiauKai" panose="02010601000101010101" pitchFamily="2" charset="-120"/>
+                <a:cs typeface="Times New Roman" panose="02020603050405020304" pitchFamily="18" charset="0"/>
+              </a:rPr>
+              <a:t>(</a:t>
+            </a:r>
+            <a:r>
+              <a:rPr kumimoji="1" lang="en-US" altLang="zh-TW" dirty="0" err="1">
+                <a:latin typeface="BiauKai" panose="02010601000101010101" pitchFamily="2" charset="-120"/>
+                <a:ea typeface="BiauKai" panose="02010601000101010101" pitchFamily="2" charset="-120"/>
+                <a:cs typeface="Times New Roman" panose="02020603050405020304" pitchFamily="18" charset="0"/>
+              </a:rPr>
+              <a:t>linux</a:t>
+            </a:r>
+            <a:r>
+              <a:rPr kumimoji="1" lang="zh-CN" altLang="en-US" dirty="0">
+                <a:latin typeface="BiauKai" panose="02010601000101010101" pitchFamily="2" charset="-120"/>
+                <a:ea typeface="BiauKai" panose="02010601000101010101" pitchFamily="2" charset="-120"/>
+                <a:cs typeface="Times New Roman" panose="02020603050405020304" pitchFamily="18" charset="0"/>
+              </a:rPr>
+              <a:t>環境</a:t>
+            </a:r>
+            <a:r>
+              <a:rPr kumimoji="1" lang="en-US" altLang="zh-TW" dirty="0">
+                <a:latin typeface="BiauKai" panose="02010601000101010101" pitchFamily="2" charset="-120"/>
+                <a:ea typeface="BiauKai" panose="02010601000101010101" pitchFamily="2" charset="-120"/>
+                <a:cs typeface="Times New Roman" panose="02020603050405020304" pitchFamily="18" charset="0"/>
+              </a:rPr>
+              <a:t>)</a:t>
+            </a:r>
+            <a:endParaRPr kumimoji="1" lang="zh-TW" altLang="en-US" dirty="0">
+              <a:latin typeface="BiauKai" panose="02010601000101010101" pitchFamily="2" charset="-120"/>
+              <a:ea typeface="BiauKai" panose="02010601000101010101" pitchFamily="2" charset="-120"/>
+              <a:cs typeface="Times New Roman" panose="02020603050405020304" pitchFamily="18" charset="0"/>
+            </a:endParaRPr>
           </a:p>
         </p:txBody>
       </p:sp>
@@ -9162,7 +6501,7 @@
           <p:cNvPr id="2" name="標題 1">
             <a:extLst>
               <a:ext uri="{FF2B5EF4-FFF2-40B4-BE49-F238E27FC236}">
-                <a16:creationId xmlns:a16="http://schemas.microsoft.com/office/drawing/2014/main" id="{5D45ECA4-F9C6-0C42-B24A-66DB29D42975}"/>
+                <a16:creationId xmlns:a16="http://schemas.microsoft.com/office/drawing/2014/main" id="{DE7791CA-43B0-0947-BC3F-082B0D01C188}"/>
               </a:ext>
             </a:extLst>
           </p:cNvPr>
@@ -9183,52 +6522,427 @@
                 <a:latin typeface="BiauKai" panose="02010601000101010101" pitchFamily="2" charset="-120"/>
                 <a:ea typeface="BiauKai" panose="02010601000101010101" pitchFamily="2" charset="-120"/>
               </a:rPr>
-              <a:t>注</a:t>
-            </a:r>
-            <a:r>
-              <a:rPr kumimoji="1" lang="en-US" altLang="zh-CN" dirty="0">
-                <a:latin typeface="BiauKai" panose="02010601000101010101" pitchFamily="2" charset="-120"/>
-                <a:ea typeface="BiauKai" panose="02010601000101010101" pitchFamily="2" charset="-120"/>
-              </a:rPr>
-              <a:t>:</a:t>
-            </a:r>
-            <a:r>
-              <a:rPr kumimoji="1" lang="zh-CN" altLang="en-US" dirty="0">
-                <a:latin typeface="BiauKai" panose="02010601000101010101" pitchFamily="2" charset="-120"/>
-                <a:ea typeface="BiauKai" panose="02010601000101010101" pitchFamily="2" charset="-120"/>
-              </a:rPr>
-              <a:t>在實際生產環境中</a:t>
-            </a:r>
-            <a:br>
-              <a:rPr kumimoji="1" lang="en-US" altLang="zh-CN" dirty="0">
-                <a:latin typeface="BiauKai" panose="02010601000101010101" pitchFamily="2" charset="-120"/>
-                <a:ea typeface="BiauKai" panose="02010601000101010101" pitchFamily="2" charset="-120"/>
-              </a:rPr>
-            </a:br>
-            <a:r>
-              <a:rPr kumimoji="1" lang="zh-CN" altLang="en-US" dirty="0">
-                <a:latin typeface="BiauKai" panose="02010601000101010101" pitchFamily="2" charset="-120"/>
-                <a:ea typeface="BiauKai" panose="02010601000101010101" pitchFamily="2" charset="-120"/>
-              </a:rPr>
-              <a:t>依路由器配置更改</a:t>
-            </a:r>
-            <a:r>
-              <a:rPr kumimoji="1" lang="en-US" altLang="zh-CN" dirty="0" err="1">
-                <a:latin typeface="BiauKai" panose="02010601000101010101" pitchFamily="2" charset="-120"/>
-                <a:ea typeface="BiauKai" panose="02010601000101010101" pitchFamily="2" charset="-120"/>
-              </a:rPr>
-              <a:t>IPAddressPool</a:t>
+              <a:t>服務之負載平衡</a:t>
             </a:r>
             <a:endParaRPr kumimoji="1" lang="zh-TW" altLang="en-US" dirty="0"/>
           </a:p>
         </p:txBody>
       </p:sp>
+      <p:sp>
+        <p:nvSpPr>
+          <p:cNvPr id="3" name="內容版面配置區 2">
+            <a:extLst>
+              <a:ext uri="{FF2B5EF4-FFF2-40B4-BE49-F238E27FC236}">
+                <a16:creationId xmlns:a16="http://schemas.microsoft.com/office/drawing/2014/main" id="{10271EC6-2EFD-B842-B288-5D9DB38708E0}"/>
+              </a:ext>
+            </a:extLst>
+          </p:cNvPr>
+          <p:cNvSpPr>
+            <a:spLocks noGrp="1"/>
+          </p:cNvSpPr>
+          <p:nvPr>
+            <p:ph idx="1"/>
+          </p:nvPr>
+        </p:nvSpPr>
+        <p:spPr>
+          <a:xfrm>
+            <a:off x="838200" y="3082925"/>
+            <a:ext cx="10515600" cy="1052657"/>
+          </a:xfrm>
+        </p:spPr>
+        <p:txBody>
+          <a:bodyPr/>
+          <a:lstStyle/>
+          <a:p>
+            <a:pPr marL="0" indent="0" algn="just">
+              <a:buNone/>
+            </a:pPr>
+            <a:r>
+              <a:rPr kumimoji="1" lang="en-US" altLang="zh-TW" dirty="0" err="1">
+                <a:latin typeface="Times New Roman" panose="02020603050405020304" pitchFamily="18" charset="0"/>
+                <a:cs typeface="Times New Roman" panose="02020603050405020304" pitchFamily="18" charset="0"/>
+              </a:rPr>
+              <a:t>kubectl</a:t>
+            </a:r>
+            <a:r>
+              <a:rPr kumimoji="1" lang="en-US" altLang="zh-TW" dirty="0">
+                <a:latin typeface="Times New Roman" panose="02020603050405020304" pitchFamily="18" charset="0"/>
+                <a:cs typeface="Times New Roman" panose="02020603050405020304" pitchFamily="18" charset="0"/>
+              </a:rPr>
+              <a:t> apply -f https://kind.sigs.k8s.io/examples/</a:t>
+            </a:r>
+            <a:r>
+              <a:rPr kumimoji="1" lang="en-US" altLang="zh-TW" dirty="0" err="1">
+                <a:latin typeface="Times New Roman" panose="02020603050405020304" pitchFamily="18" charset="0"/>
+                <a:cs typeface="Times New Roman" panose="02020603050405020304" pitchFamily="18" charset="0"/>
+              </a:rPr>
+              <a:t>loadbalancer</a:t>
+            </a:r>
+            <a:r>
+              <a:rPr kumimoji="1" lang="en-US" altLang="zh-TW" dirty="0">
+                <a:latin typeface="Times New Roman" panose="02020603050405020304" pitchFamily="18" charset="0"/>
+                <a:cs typeface="Times New Roman" panose="02020603050405020304" pitchFamily="18" charset="0"/>
+              </a:rPr>
+              <a:t>/</a:t>
+            </a:r>
+            <a:r>
+              <a:rPr kumimoji="1" lang="en-US" altLang="zh-TW" dirty="0" err="1">
+                <a:latin typeface="Times New Roman" panose="02020603050405020304" pitchFamily="18" charset="0"/>
+                <a:cs typeface="Times New Roman" panose="02020603050405020304" pitchFamily="18" charset="0"/>
+              </a:rPr>
+              <a:t>usage.yaml</a:t>
+            </a:r>
+            <a:endParaRPr kumimoji="1" lang="zh-TW" altLang="en-US" dirty="0">
+              <a:latin typeface="Times New Roman" panose="02020603050405020304" pitchFamily="18" charset="0"/>
+              <a:cs typeface="Times New Roman" panose="02020603050405020304" pitchFamily="18" charset="0"/>
+            </a:endParaRPr>
+          </a:p>
+        </p:txBody>
+      </p:sp>
+      <p:sp>
+        <p:nvSpPr>
+          <p:cNvPr id="5" name="文字方塊 4">
+            <a:extLst>
+              <a:ext uri="{FF2B5EF4-FFF2-40B4-BE49-F238E27FC236}">
+                <a16:creationId xmlns:a16="http://schemas.microsoft.com/office/drawing/2014/main" id="{3806E20D-C3E9-C047-9094-EA1BA7B90722}"/>
+              </a:ext>
+            </a:extLst>
+          </p:cNvPr>
+          <p:cNvSpPr txBox="1"/>
+          <p:nvPr/>
+        </p:nvSpPr>
+        <p:spPr>
+          <a:xfrm>
+            <a:off x="838200" y="1423554"/>
+            <a:ext cx="9161482" cy="1384995"/>
+          </a:xfrm>
+          <a:prstGeom prst="rect">
+            <a:avLst/>
+          </a:prstGeom>
+          <a:noFill/>
+        </p:spPr>
+        <p:txBody>
+          <a:bodyPr wrap="none" rtlCol="0">
+            <a:spAutoFit/>
+          </a:bodyPr>
+          <a:lstStyle/>
+          <a:p>
+            <a:r>
+              <a:rPr kumimoji="1" lang="zh-CN" altLang="en-US" sz="2800" dirty="0">
+                <a:latin typeface="BiauKai" panose="02010601000101010101" pitchFamily="2" charset="-120"/>
+                <a:ea typeface="BiauKai" panose="02010601000101010101" pitchFamily="2" charset="-120"/>
+              </a:rPr>
+              <a:t>負載負載平衡機制下</a:t>
+            </a:r>
+            <a:endParaRPr kumimoji="1" lang="en-US" altLang="zh-CN" sz="2800" dirty="0">
+              <a:latin typeface="BiauKai" panose="02010601000101010101" pitchFamily="2" charset="-120"/>
+              <a:ea typeface="BiauKai" panose="02010601000101010101" pitchFamily="2" charset="-120"/>
+            </a:endParaRPr>
+          </a:p>
+          <a:p>
+            <a:r>
+              <a:rPr kumimoji="1" lang="zh-CN" altLang="en-US" sz="2800" dirty="0">
+                <a:latin typeface="BiauKai" panose="02010601000101010101" pitchFamily="2" charset="-120"/>
+                <a:ea typeface="BiauKai" panose="02010601000101010101" pitchFamily="2" charset="-120"/>
+              </a:rPr>
+              <a:t>使用同一路徑之使用者每次存取之服務結果不一定相同，</a:t>
+            </a:r>
+            <a:endParaRPr kumimoji="1" lang="en-US" altLang="zh-CN" sz="2800" dirty="0">
+              <a:latin typeface="BiauKai" panose="02010601000101010101" pitchFamily="2" charset="-120"/>
+              <a:ea typeface="BiauKai" panose="02010601000101010101" pitchFamily="2" charset="-120"/>
+            </a:endParaRPr>
+          </a:p>
+          <a:p>
+            <a:r>
+              <a:rPr kumimoji="1" lang="zh-CN" altLang="en-US" sz="2800" dirty="0">
+                <a:latin typeface="BiauKai" panose="02010601000101010101" pitchFamily="2" charset="-120"/>
+                <a:ea typeface="BiauKai" panose="02010601000101010101" pitchFamily="2" charset="-120"/>
+              </a:rPr>
+              <a:t>一個</a:t>
+            </a:r>
+            <a:r>
+              <a:rPr kumimoji="1" lang="en-US" altLang="zh-CN" sz="2800" dirty="0">
+                <a:latin typeface="BiauKai" panose="02010601000101010101" pitchFamily="2" charset="-120"/>
+                <a:ea typeface="BiauKai" panose="02010601000101010101" pitchFamily="2" charset="-120"/>
+              </a:rPr>
+              <a:t>Pod</a:t>
+            </a:r>
+            <a:r>
+              <a:rPr kumimoji="1" lang="zh-CN" altLang="en-US" sz="2800" dirty="0">
+                <a:latin typeface="BiauKai" panose="02010601000101010101" pitchFamily="2" charset="-120"/>
+                <a:ea typeface="BiauKai" panose="02010601000101010101" pitchFamily="2" charset="-120"/>
+              </a:rPr>
+              <a:t>回傳</a:t>
+            </a:r>
+            <a:r>
+              <a:rPr kumimoji="1" lang="en-US" altLang="zh-CN" sz="2800" dirty="0">
+                <a:latin typeface="BiauKai" panose="02010601000101010101" pitchFamily="2" charset="-120"/>
+                <a:ea typeface="BiauKai" panose="02010601000101010101" pitchFamily="2" charset="-120"/>
+              </a:rPr>
+              <a:t>bar</a:t>
+            </a:r>
+            <a:r>
+              <a:rPr kumimoji="1" lang="zh-CN" altLang="en-US" sz="2800" dirty="0">
+                <a:latin typeface="BiauKai" panose="02010601000101010101" pitchFamily="2" charset="-120"/>
+                <a:ea typeface="BiauKai" panose="02010601000101010101" pitchFamily="2" charset="-120"/>
+              </a:rPr>
+              <a:t>，另一個回傳</a:t>
+            </a:r>
+            <a:r>
+              <a:rPr kumimoji="1" lang="en-US" altLang="zh-CN" sz="2800" dirty="0">
+                <a:latin typeface="BiauKai" panose="02010601000101010101" pitchFamily="2" charset="-120"/>
+                <a:ea typeface="BiauKai" panose="02010601000101010101" pitchFamily="2" charset="-120"/>
+              </a:rPr>
+              <a:t>boo</a:t>
+            </a:r>
+            <a:r>
+              <a:rPr kumimoji="1" lang="zh-CN" altLang="en-US" sz="2800" dirty="0">
+                <a:latin typeface="BiauKai" panose="02010601000101010101" pitchFamily="2" charset="-120"/>
+                <a:ea typeface="BiauKai" panose="02010601000101010101" pitchFamily="2" charset="-120"/>
+              </a:rPr>
+              <a:t>。</a:t>
+            </a:r>
+            <a:endParaRPr kumimoji="1" lang="en-US" altLang="zh-CN" sz="2800" dirty="0">
+              <a:latin typeface="BiauKai" panose="02010601000101010101" pitchFamily="2" charset="-120"/>
+              <a:ea typeface="BiauKai" panose="02010601000101010101" pitchFamily="2" charset="-120"/>
+            </a:endParaRPr>
+          </a:p>
+        </p:txBody>
+      </p:sp>
+      <p:sp>
+        <p:nvSpPr>
+          <p:cNvPr id="6" name="矩形 5">
+            <a:extLst>
+              <a:ext uri="{FF2B5EF4-FFF2-40B4-BE49-F238E27FC236}">
+                <a16:creationId xmlns:a16="http://schemas.microsoft.com/office/drawing/2014/main" id="{C73A3D93-6E7D-B84A-A3F6-C41E4D7AF8EB}"/>
+              </a:ext>
+            </a:extLst>
+          </p:cNvPr>
+          <p:cNvSpPr/>
+          <p:nvPr/>
+        </p:nvSpPr>
+        <p:spPr>
+          <a:xfrm>
+            <a:off x="1984664" y="4200786"/>
+            <a:ext cx="1444336" cy="1007918"/>
+          </a:xfrm>
+          <a:prstGeom prst="rect">
+            <a:avLst/>
+          </a:prstGeom>
+        </p:spPr>
+        <p:style>
+          <a:lnRef idx="2">
+            <a:schemeClr val="accent1">
+              <a:shade val="50000"/>
+            </a:schemeClr>
+          </a:lnRef>
+          <a:fillRef idx="1">
+            <a:schemeClr val="accent1"/>
+          </a:fillRef>
+          <a:effectRef idx="0">
+            <a:schemeClr val="accent1"/>
+          </a:effectRef>
+          <a:fontRef idx="minor">
+            <a:schemeClr val="lt1"/>
+          </a:fontRef>
+        </p:style>
+        <p:txBody>
+          <a:bodyPr rtlCol="0" anchor="ctr"/>
+          <a:lstStyle/>
+          <a:p>
+            <a:pPr algn="ctr"/>
+            <a:r>
+              <a:rPr kumimoji="1" lang="en-US" altLang="zh-TW" dirty="0"/>
+              <a:t>Foo-app</a:t>
+            </a:r>
+            <a:endParaRPr kumimoji="1" lang="zh-TW" altLang="en-US" dirty="0"/>
+          </a:p>
+        </p:txBody>
+      </p:sp>
+      <p:sp>
+        <p:nvSpPr>
+          <p:cNvPr id="7" name="矩形 6">
+            <a:extLst>
+              <a:ext uri="{FF2B5EF4-FFF2-40B4-BE49-F238E27FC236}">
+                <a16:creationId xmlns:a16="http://schemas.microsoft.com/office/drawing/2014/main" id="{D2CDFA0E-8595-6B43-AE36-FB621F17A214}"/>
+              </a:ext>
+            </a:extLst>
+          </p:cNvPr>
+          <p:cNvSpPr/>
+          <p:nvPr/>
+        </p:nvSpPr>
+        <p:spPr>
+          <a:xfrm>
+            <a:off x="1984664" y="5402668"/>
+            <a:ext cx="1444336" cy="1007918"/>
+          </a:xfrm>
+          <a:prstGeom prst="rect">
+            <a:avLst/>
+          </a:prstGeom>
+        </p:spPr>
+        <p:style>
+          <a:lnRef idx="2">
+            <a:schemeClr val="accent1">
+              <a:shade val="50000"/>
+            </a:schemeClr>
+          </a:lnRef>
+          <a:fillRef idx="1">
+            <a:schemeClr val="accent1"/>
+          </a:fillRef>
+          <a:effectRef idx="0">
+            <a:schemeClr val="accent1"/>
+          </a:effectRef>
+          <a:fontRef idx="minor">
+            <a:schemeClr val="lt1"/>
+          </a:fontRef>
+        </p:style>
+        <p:txBody>
+          <a:bodyPr rtlCol="0" anchor="ctr"/>
+          <a:lstStyle/>
+          <a:p>
+            <a:pPr algn="ctr"/>
+            <a:r>
+              <a:rPr kumimoji="1" lang="en-US" altLang="zh-TW" dirty="0"/>
+              <a:t>bar-app</a:t>
+            </a:r>
+            <a:endParaRPr kumimoji="1" lang="zh-TW" altLang="en-US" dirty="0"/>
+          </a:p>
+        </p:txBody>
+      </p:sp>
+      <p:sp>
+        <p:nvSpPr>
+          <p:cNvPr id="8" name="橢圓 7">
+            <a:extLst>
+              <a:ext uri="{FF2B5EF4-FFF2-40B4-BE49-F238E27FC236}">
+                <a16:creationId xmlns:a16="http://schemas.microsoft.com/office/drawing/2014/main" id="{0624DA3D-29C6-5947-BDE6-4B798FD14A61}"/>
+              </a:ext>
+            </a:extLst>
+          </p:cNvPr>
+          <p:cNvSpPr/>
+          <p:nvPr/>
+        </p:nvSpPr>
+        <p:spPr>
+          <a:xfrm>
+            <a:off x="3906981" y="4572000"/>
+            <a:ext cx="1953491" cy="1485900"/>
+          </a:xfrm>
+          <a:prstGeom prst="ellipse">
+            <a:avLst/>
+          </a:prstGeom>
+        </p:spPr>
+        <p:style>
+          <a:lnRef idx="2">
+            <a:schemeClr val="accent4">
+              <a:shade val="50000"/>
+            </a:schemeClr>
+          </a:lnRef>
+          <a:fillRef idx="1">
+            <a:schemeClr val="accent4"/>
+          </a:fillRef>
+          <a:effectRef idx="0">
+            <a:schemeClr val="accent4"/>
+          </a:effectRef>
+          <a:fontRef idx="minor">
+            <a:schemeClr val="lt1"/>
+          </a:fontRef>
+        </p:style>
+        <p:txBody>
+          <a:bodyPr rtlCol="0" anchor="ctr"/>
+          <a:lstStyle/>
+          <a:p>
+            <a:pPr algn="ctr"/>
+            <a:r>
+              <a:rPr kumimoji="1" lang="en-US" altLang="zh-TW" dirty="0"/>
+              <a:t>Foo-service</a:t>
+            </a:r>
+            <a:endParaRPr kumimoji="1" lang="zh-TW" altLang="en-US" dirty="0"/>
+          </a:p>
+        </p:txBody>
+      </p:sp>
+      <p:cxnSp>
+        <p:nvCxnSpPr>
+          <p:cNvPr id="10" name="直線接點 9">
+            <a:extLst>
+              <a:ext uri="{FF2B5EF4-FFF2-40B4-BE49-F238E27FC236}">
+                <a16:creationId xmlns:a16="http://schemas.microsoft.com/office/drawing/2014/main" id="{176E78B5-FCFC-2E48-BB94-D2EFEED1ADD2}"/>
+              </a:ext>
+            </a:extLst>
+          </p:cNvPr>
+          <p:cNvCxnSpPr>
+            <a:stCxn id="6" idx="3"/>
+            <a:endCxn id="8" idx="1"/>
+          </p:cNvCxnSpPr>
+          <p:nvPr/>
+        </p:nvCxnSpPr>
+        <p:spPr>
+          <a:xfrm>
+            <a:off x="3429000" y="4704745"/>
+            <a:ext cx="764063" cy="84860"/>
+          </a:xfrm>
+          <a:prstGeom prst="line">
+            <a:avLst/>
+          </a:prstGeom>
+        </p:spPr>
+        <p:style>
+          <a:lnRef idx="1">
+            <a:schemeClr val="accent1"/>
+          </a:lnRef>
+          <a:fillRef idx="0">
+            <a:schemeClr val="accent1"/>
+          </a:fillRef>
+          <a:effectRef idx="0">
+            <a:schemeClr val="accent1"/>
+          </a:effectRef>
+          <a:fontRef idx="minor">
+            <a:schemeClr val="tx1"/>
+          </a:fontRef>
+        </p:style>
+      </p:cxnSp>
+      <p:cxnSp>
+        <p:nvCxnSpPr>
+          <p:cNvPr id="12" name="直線接點 11">
+            <a:extLst>
+              <a:ext uri="{FF2B5EF4-FFF2-40B4-BE49-F238E27FC236}">
+                <a16:creationId xmlns:a16="http://schemas.microsoft.com/office/drawing/2014/main" id="{E73EFF97-ED4C-5144-B8E0-F2629DD333AB}"/>
+              </a:ext>
+            </a:extLst>
+          </p:cNvPr>
+          <p:cNvCxnSpPr>
+            <a:stCxn id="7" idx="3"/>
+            <a:endCxn id="8" idx="3"/>
+          </p:cNvCxnSpPr>
+          <p:nvPr/>
+        </p:nvCxnSpPr>
+        <p:spPr>
+          <a:xfrm flipV="1">
+            <a:off x="3429000" y="5840295"/>
+            <a:ext cx="764063" cy="66332"/>
+          </a:xfrm>
+          <a:prstGeom prst="line">
+            <a:avLst/>
+          </a:prstGeom>
+        </p:spPr>
+        <p:style>
+          <a:lnRef idx="1">
+            <a:schemeClr val="accent1"/>
+          </a:lnRef>
+          <a:fillRef idx="0">
+            <a:schemeClr val="accent1"/>
+          </a:fillRef>
+          <a:effectRef idx="0">
+            <a:schemeClr val="accent1"/>
+          </a:effectRef>
+          <a:fontRef idx="minor">
+            <a:schemeClr val="tx1"/>
+          </a:fontRef>
+        </p:style>
+      </p:cxnSp>
       <p:pic>
         <p:nvPicPr>
-          <p:cNvPr id="4" name="圖片 3">
+          <p:cNvPr id="13" name="圖片 12">
             <a:extLst>
               <a:ext uri="{FF2B5EF4-FFF2-40B4-BE49-F238E27FC236}">
-                <a16:creationId xmlns:a16="http://schemas.microsoft.com/office/drawing/2014/main" id="{C93F45D8-408A-3841-8EE4-7861BBBF0889}"/>
+                <a16:creationId xmlns:a16="http://schemas.microsoft.com/office/drawing/2014/main" id="{9DB89AC4-1DC4-394D-AF22-0A4384943F4A}"/>
               </a:ext>
             </a:extLst>
           </p:cNvPr>
@@ -9245,178 +6959,57 @@
         </p:blipFill>
         <p:spPr>
           <a:xfrm>
-            <a:off x="434506" y="1690688"/>
-            <a:ext cx="6742430" cy="4840719"/>
+            <a:off x="7018646" y="4517241"/>
+            <a:ext cx="1595418" cy="1595418"/>
           </a:xfrm>
           <a:prstGeom prst="rect">
             <a:avLst/>
           </a:prstGeom>
         </p:spPr>
       </p:pic>
-      <p:sp>
-        <p:nvSpPr>
-          <p:cNvPr id="5" name="文字方塊 4">
+      <p:cxnSp>
+        <p:nvCxnSpPr>
+          <p:cNvPr id="15" name="直線接點 14">
             <a:extLst>
               <a:ext uri="{FF2B5EF4-FFF2-40B4-BE49-F238E27FC236}">
-                <a16:creationId xmlns:a16="http://schemas.microsoft.com/office/drawing/2014/main" id="{01D25506-5355-444E-8941-C39C82ED0320}"/>
+                <a16:creationId xmlns:a16="http://schemas.microsoft.com/office/drawing/2014/main" id="{EC1E7B8D-1AC0-9845-A8FF-BA8056505AC9}"/>
               </a:ext>
             </a:extLst>
           </p:cNvPr>
-          <p:cNvSpPr txBox="1"/>
+          <p:cNvCxnSpPr>
+            <a:stCxn id="8" idx="6"/>
+            <a:endCxn id="13" idx="1"/>
+          </p:cNvCxnSpPr>
           <p:nvPr/>
-        </p:nvSpPr>
+        </p:nvCxnSpPr>
         <p:spPr>
           <a:xfrm>
-            <a:off x="7543800" y="3280591"/>
-            <a:ext cx="4160113" cy="3416320"/>
+            <a:off x="5860472" y="5314950"/>
+            <a:ext cx="1158174" cy="0"/>
           </a:xfrm>
-          <a:prstGeom prst="rect">
+          <a:prstGeom prst="line">
             <a:avLst/>
           </a:prstGeom>
-          <a:noFill/>
         </p:spPr>
-        <p:txBody>
-          <a:bodyPr wrap="none" rtlCol="0">
-            <a:spAutoFit/>
-          </a:bodyPr>
-          <a:lstStyle/>
-          <a:p>
-            <a:r>
-              <a:rPr lang="en-US" altLang="zh-TW" sz="2400" dirty="0" err="1">
-                <a:latin typeface="Times New Roman" panose="02020603050405020304" pitchFamily="18" charset="0"/>
-                <a:cs typeface="Times New Roman" panose="02020603050405020304" pitchFamily="18" charset="0"/>
-              </a:rPr>
-              <a:t>apiVersion</a:t>
-            </a:r>
-            <a:r>
-              <a:rPr lang="en-US" altLang="zh-TW" sz="2400" dirty="0">
-                <a:latin typeface="Times New Roman" panose="02020603050405020304" pitchFamily="18" charset="0"/>
-                <a:cs typeface="Times New Roman" panose="02020603050405020304" pitchFamily="18" charset="0"/>
-              </a:rPr>
-              <a:t>: </a:t>
-            </a:r>
-            <a:r>
-              <a:rPr lang="en-US" altLang="zh-TW" sz="2400" dirty="0" err="1">
-                <a:latin typeface="Times New Roman" panose="02020603050405020304" pitchFamily="18" charset="0"/>
-                <a:cs typeface="Times New Roman" panose="02020603050405020304" pitchFamily="18" charset="0"/>
-              </a:rPr>
-              <a:t>metallb.io</a:t>
-            </a:r>
-            <a:r>
-              <a:rPr lang="en-US" altLang="zh-TW" sz="2400" dirty="0">
-                <a:latin typeface="Times New Roman" panose="02020603050405020304" pitchFamily="18" charset="0"/>
-                <a:cs typeface="Times New Roman" panose="02020603050405020304" pitchFamily="18" charset="0"/>
-              </a:rPr>
-              <a:t>/v1beta1</a:t>
-            </a:r>
-          </a:p>
-          <a:p>
-            <a:r>
-              <a:rPr lang="en-US" altLang="zh-TW" sz="2400" dirty="0">
-                <a:latin typeface="Times New Roman" panose="02020603050405020304" pitchFamily="18" charset="0"/>
-                <a:cs typeface="Times New Roman" panose="02020603050405020304" pitchFamily="18" charset="0"/>
-              </a:rPr>
-              <a:t>kind: </a:t>
-            </a:r>
-            <a:r>
-              <a:rPr lang="en-US" altLang="zh-TW" sz="2400" dirty="0" err="1">
-                <a:latin typeface="Times New Roman" panose="02020603050405020304" pitchFamily="18" charset="0"/>
-                <a:cs typeface="Times New Roman" panose="02020603050405020304" pitchFamily="18" charset="0"/>
-              </a:rPr>
-              <a:t>IPAddressPool</a:t>
-            </a:r>
-            <a:endParaRPr lang="en-US" altLang="zh-TW" sz="2400" dirty="0">
-              <a:latin typeface="Times New Roman" panose="02020603050405020304" pitchFamily="18" charset="0"/>
-              <a:cs typeface="Times New Roman" panose="02020603050405020304" pitchFamily="18" charset="0"/>
-            </a:endParaRPr>
-          </a:p>
-          <a:p>
-            <a:r>
-              <a:rPr lang="en-US" altLang="zh-TW" sz="2400" dirty="0">
-                <a:latin typeface="Times New Roman" panose="02020603050405020304" pitchFamily="18" charset="0"/>
-                <a:cs typeface="Times New Roman" panose="02020603050405020304" pitchFamily="18" charset="0"/>
-              </a:rPr>
-              <a:t>metadata:</a:t>
-            </a:r>
-          </a:p>
-          <a:p>
-            <a:r>
-              <a:rPr lang="en-US" altLang="zh-TW" sz="2400" dirty="0">
-                <a:latin typeface="Times New Roman" panose="02020603050405020304" pitchFamily="18" charset="0"/>
-                <a:cs typeface="Times New Roman" panose="02020603050405020304" pitchFamily="18" charset="0"/>
-              </a:rPr>
-              <a:t>  name: </a:t>
-            </a:r>
-            <a:r>
-              <a:rPr lang="en-US" altLang="zh-TW" sz="2400" dirty="0" err="1">
-                <a:latin typeface="Times New Roman" panose="02020603050405020304" pitchFamily="18" charset="0"/>
-                <a:cs typeface="Times New Roman" panose="02020603050405020304" pitchFamily="18" charset="0"/>
-              </a:rPr>
-              <a:t>labip</a:t>
-            </a:r>
-            <a:endParaRPr lang="en-US" altLang="zh-TW" sz="2400" dirty="0">
-              <a:latin typeface="Times New Roman" panose="02020603050405020304" pitchFamily="18" charset="0"/>
-              <a:cs typeface="Times New Roman" panose="02020603050405020304" pitchFamily="18" charset="0"/>
-            </a:endParaRPr>
-          </a:p>
-          <a:p>
-            <a:r>
-              <a:rPr lang="en-US" altLang="zh-TW" sz="2400" dirty="0">
-                <a:latin typeface="Times New Roman" panose="02020603050405020304" pitchFamily="18" charset="0"/>
-                <a:cs typeface="Times New Roman" panose="02020603050405020304" pitchFamily="18" charset="0"/>
-              </a:rPr>
-              <a:t>  namespace: default</a:t>
-            </a:r>
-          </a:p>
-          <a:p>
-            <a:r>
-              <a:rPr lang="en-US" altLang="zh-TW" sz="2400" dirty="0">
-                <a:latin typeface="Times New Roman" panose="02020603050405020304" pitchFamily="18" charset="0"/>
-                <a:cs typeface="Times New Roman" panose="02020603050405020304" pitchFamily="18" charset="0"/>
-              </a:rPr>
-              <a:t>spec:</a:t>
-            </a:r>
-          </a:p>
-          <a:p>
-            <a:r>
-              <a:rPr lang="en-US" altLang="zh-TW" sz="2400" dirty="0">
-                <a:latin typeface="Times New Roman" panose="02020603050405020304" pitchFamily="18" charset="0"/>
-                <a:cs typeface="Times New Roman" panose="02020603050405020304" pitchFamily="18" charset="0"/>
-              </a:rPr>
-              <a:t>  addresses:</a:t>
-            </a:r>
-          </a:p>
-          <a:p>
-            <a:r>
-              <a:rPr lang="en-US" altLang="zh-TW" sz="2400" dirty="0">
-                <a:latin typeface="Times New Roman" panose="02020603050405020304" pitchFamily="18" charset="0"/>
-                <a:cs typeface="Times New Roman" panose="02020603050405020304" pitchFamily="18" charset="0"/>
-              </a:rPr>
-              <a:t>  - </a:t>
-            </a:r>
-            <a:r>
-              <a:rPr lang="en-US" altLang="zh-TW" sz="2400" dirty="0">
-                <a:solidFill>
-                  <a:srgbClr val="FF0000"/>
-                </a:solidFill>
-                <a:latin typeface="Times New Roman" panose="02020603050405020304" pitchFamily="18" charset="0"/>
-                <a:cs typeface="Times New Roman" panose="02020603050405020304" pitchFamily="18" charset="0"/>
-              </a:rPr>
-              <a:t>192.168.0.100-192.168.0.199</a:t>
-            </a:r>
-          </a:p>
-          <a:p>
-            <a:endParaRPr kumimoji="1" lang="zh-TW" altLang="en-US" sz="2400" dirty="0">
-              <a:latin typeface="Times New Roman" panose="02020603050405020304" pitchFamily="18" charset="0"/>
-              <a:cs typeface="Times New Roman" panose="02020603050405020304" pitchFamily="18" charset="0"/>
-            </a:endParaRPr>
-          </a:p>
-        </p:txBody>
-      </p:sp>
+        <p:style>
+          <a:lnRef idx="1">
+            <a:schemeClr val="accent1"/>
+          </a:lnRef>
+          <a:fillRef idx="0">
+            <a:schemeClr val="accent1"/>
+          </a:fillRef>
+          <a:effectRef idx="0">
+            <a:schemeClr val="accent1"/>
+          </a:effectRef>
+          <a:fontRef idx="minor">
+            <a:schemeClr val="tx1"/>
+          </a:fontRef>
+        </p:style>
+      </p:cxnSp>
     </p:spTree>
     <p:extLst>
       <p:ext uri="{BB962C8B-B14F-4D97-AF65-F5344CB8AC3E}">
-        <p14:creationId xmlns:p14="http://schemas.microsoft.com/office/powerpoint/2010/main" val="3123667967"/>
+        <p14:creationId xmlns:p14="http://schemas.microsoft.com/office/powerpoint/2010/main" val="3578750567"/>
       </p:ext>
     </p:extLst>
   </p:cSld>
@@ -9585,16 +7178,24 @@
               <a:buAutoNum type="arabicPeriod"/>
             </a:pPr>
             <a:r>
-              <a:rPr kumimoji="1" lang="en-US" altLang="zh-CN" dirty="0">
-                <a:solidFill>
-                  <a:srgbClr val="FF0000"/>
-                </a:solidFill>
-                <a:latin typeface="Times New Roman" panose="02020603050405020304" pitchFamily="18" charset="0"/>
-                <a:ea typeface="BiauKai" panose="02010601000101010101" pitchFamily="2" charset="-120"/>
-                <a:cs typeface="Times New Roman" panose="02020603050405020304" pitchFamily="18" charset="0"/>
-              </a:rPr>
-              <a:t>Nginx</a:t>
-            </a:r>
+              <a:rPr kumimoji="1" lang="zh-CN" altLang="en-US" dirty="0">
+                <a:latin typeface="Times New Roman" panose="02020603050405020304" pitchFamily="18" charset="0"/>
+                <a:ea typeface="BiauKai" panose="02010601000101010101" pitchFamily="2" charset="-120"/>
+                <a:cs typeface="Times New Roman" panose="02020603050405020304" pitchFamily="18" charset="0"/>
+              </a:rPr>
+              <a:t>應用部署</a:t>
+            </a:r>
+            <a:endParaRPr kumimoji="1" lang="en-US" altLang="zh-CN" dirty="0">
+              <a:latin typeface="Times New Roman" panose="02020603050405020304" pitchFamily="18" charset="0"/>
+              <a:ea typeface="BiauKai" panose="02010601000101010101" pitchFamily="2" charset="-120"/>
+              <a:cs typeface="Times New Roman" panose="02020603050405020304" pitchFamily="18" charset="0"/>
+            </a:endParaRPr>
+          </a:p>
+          <a:p>
+            <a:pPr marL="514350" indent="-514350">
+              <a:buFont typeface="+mj-lt"/>
+              <a:buAutoNum type="arabicPeriod"/>
+            </a:pPr>
             <a:r>
               <a:rPr kumimoji="1" lang="zh-CN" altLang="en-US" dirty="0">
                 <a:solidFill>
@@ -9604,7 +7205,7 @@
                 <a:ea typeface="BiauKai" panose="02010601000101010101" pitchFamily="2" charset="-120"/>
                 <a:cs typeface="Times New Roman" panose="02020603050405020304" pitchFamily="18" charset="0"/>
               </a:rPr>
-              <a:t>部署</a:t>
+              <a:t>驗證應用服務</a:t>
             </a:r>
             <a:endParaRPr kumimoji="1" lang="en-US" altLang="zh-CN" dirty="0">
               <a:solidFill>
@@ -9620,41 +7221,6 @@
               <a:buFont typeface="+mj-lt"/>
               <a:buAutoNum type="arabicPeriod"/>
             </a:pPr>
-            <a:r>
-              <a:rPr kumimoji="1" lang="zh-CN" altLang="en-US" dirty="0">
-                <a:latin typeface="Times New Roman" panose="02020603050405020304" pitchFamily="18" charset="0"/>
-                <a:ea typeface="BiauKai" panose="02010601000101010101" pitchFamily="2" charset="-120"/>
-                <a:cs typeface="Times New Roman" panose="02020603050405020304" pitchFamily="18" charset="0"/>
-              </a:rPr>
-              <a:t>驗證</a:t>
-            </a:r>
-            <a:r>
-              <a:rPr kumimoji="1" lang="en-US" altLang="zh-CN" dirty="0" err="1">
-                <a:latin typeface="Times New Roman" panose="02020603050405020304" pitchFamily="18" charset="0"/>
-                <a:ea typeface="BiauKai" panose="02010601000101010101" pitchFamily="2" charset="-120"/>
-                <a:cs typeface="Times New Roman" panose="02020603050405020304" pitchFamily="18" charset="0"/>
-              </a:rPr>
-              <a:t>Ningx</a:t>
-            </a:r>
-            <a:r>
-              <a:rPr kumimoji="1" lang="zh-CN" altLang="en-US" dirty="0">
-                <a:latin typeface="Times New Roman" panose="02020603050405020304" pitchFamily="18" charset="0"/>
-                <a:ea typeface="BiauKai" panose="02010601000101010101" pitchFamily="2" charset="-120"/>
-                <a:cs typeface="Times New Roman" panose="02020603050405020304" pitchFamily="18" charset="0"/>
-              </a:rPr>
-              <a:t>服務</a:t>
-            </a:r>
-            <a:endParaRPr kumimoji="1" lang="en-US" altLang="zh-CN" dirty="0">
-              <a:latin typeface="Times New Roman" panose="02020603050405020304" pitchFamily="18" charset="0"/>
-              <a:ea typeface="BiauKai" panose="02010601000101010101" pitchFamily="2" charset="-120"/>
-              <a:cs typeface="Times New Roman" panose="02020603050405020304" pitchFamily="18" charset="0"/>
-            </a:endParaRPr>
-          </a:p>
-          <a:p>
-            <a:pPr marL="514350" indent="-514350">
-              <a:buFont typeface="+mj-lt"/>
-              <a:buAutoNum type="arabicPeriod"/>
-            </a:pPr>
             <a:endParaRPr kumimoji="1" lang="zh-TW" altLang="en-US" dirty="0">
               <a:latin typeface="BiauKai" panose="02010601000101010101" pitchFamily="2" charset="-120"/>
               <a:ea typeface="BiauKai" panose="02010601000101010101" pitchFamily="2" charset="-120"/>
@@ -9665,7 +7231,7 @@
     </p:spTree>
     <p:extLst>
       <p:ext uri="{BB962C8B-B14F-4D97-AF65-F5344CB8AC3E}">
-        <p14:creationId xmlns:p14="http://schemas.microsoft.com/office/powerpoint/2010/main" val="3107115989"/>
+        <p14:creationId xmlns:p14="http://schemas.microsoft.com/office/powerpoint/2010/main" val="2304934133"/>
       </p:ext>
     </p:extLst>
   </p:cSld>
@@ -9694,447 +7260,6 @@
       </p:grpSpPr>
       <p:sp>
         <p:nvSpPr>
-          <p:cNvPr id="4" name="標題 3">
-            <a:extLst>
-              <a:ext uri="{FF2B5EF4-FFF2-40B4-BE49-F238E27FC236}">
-                <a16:creationId xmlns:a16="http://schemas.microsoft.com/office/drawing/2014/main" id="{0E9025FE-9227-484A-B661-1777A9A68DEE}"/>
-              </a:ext>
-            </a:extLst>
-          </p:cNvPr>
-          <p:cNvSpPr>
-            <a:spLocks noGrp="1"/>
-          </p:cNvSpPr>
-          <p:nvPr>
-            <p:ph type="title"/>
-          </p:nvPr>
-        </p:nvSpPr>
-        <p:spPr/>
-        <p:txBody>
-          <a:bodyPr/>
-          <a:lstStyle/>
-          <a:p>
-            <a:r>
-              <a:rPr kumimoji="1" lang="zh-CN" altLang="en-US" dirty="0">
-                <a:latin typeface="BiauKai" panose="02010601000101010101" pitchFamily="2" charset="-120"/>
-                <a:ea typeface="BiauKai" panose="02010601000101010101" pitchFamily="2" charset="-120"/>
-              </a:rPr>
-              <a:t>實作步驟</a:t>
-            </a:r>
-            <a:endParaRPr kumimoji="1" lang="zh-TW" altLang="en-US" dirty="0">
-              <a:latin typeface="BiauKai" panose="02010601000101010101" pitchFamily="2" charset="-120"/>
-              <a:ea typeface="BiauKai" panose="02010601000101010101" pitchFamily="2" charset="-120"/>
-            </a:endParaRPr>
-          </a:p>
-        </p:txBody>
-      </p:sp>
-      <p:sp>
-        <p:nvSpPr>
-          <p:cNvPr id="5" name="內容版面配置區 4">
-            <a:extLst>
-              <a:ext uri="{FF2B5EF4-FFF2-40B4-BE49-F238E27FC236}">
-                <a16:creationId xmlns:a16="http://schemas.microsoft.com/office/drawing/2014/main" id="{3467E8AC-4C05-B94D-9310-73A2784F6A79}"/>
-              </a:ext>
-            </a:extLst>
-          </p:cNvPr>
-          <p:cNvSpPr>
-            <a:spLocks noGrp="1"/>
-          </p:cNvSpPr>
-          <p:nvPr>
-            <p:ph idx="1"/>
-          </p:nvPr>
-        </p:nvSpPr>
-        <p:spPr/>
-        <p:txBody>
-          <a:bodyPr/>
-          <a:lstStyle/>
-          <a:p>
-            <a:pPr marL="514350" indent="-514350">
-              <a:buFont typeface="+mj-lt"/>
-              <a:buAutoNum type="arabicPeriod"/>
-            </a:pPr>
-            <a:r>
-              <a:rPr kumimoji="1" lang="zh-TW" altLang="en-US" dirty="0">
-                <a:latin typeface="BiauKai" panose="02010601000101010101" pitchFamily="2" charset="-120"/>
-                <a:ea typeface="BiauKai" panose="02010601000101010101" pitchFamily="2" charset="-120"/>
-              </a:rPr>
-              <a:t>建立</a:t>
-            </a:r>
-            <a:r>
-              <a:rPr kumimoji="1" lang="en-US" altLang="zh-TW" dirty="0">
-                <a:latin typeface="Times New Roman" panose="02020603050405020304" pitchFamily="18" charset="0"/>
-                <a:ea typeface="BiauKai" panose="02010601000101010101" pitchFamily="2" charset="-120"/>
-                <a:cs typeface="Times New Roman" panose="02020603050405020304" pitchFamily="18" charset="0"/>
-              </a:rPr>
-              <a:t>Kubernetes</a:t>
-            </a:r>
-            <a:r>
-              <a:rPr kumimoji="1" lang="zh-CN" altLang="en-US" dirty="0">
-                <a:latin typeface="BiauKai" panose="02010601000101010101" pitchFamily="2" charset="-120"/>
-                <a:ea typeface="BiauKai" panose="02010601000101010101" pitchFamily="2" charset="-120"/>
-                <a:cs typeface="Times New Roman" panose="02020603050405020304" pitchFamily="18" charset="0"/>
-              </a:rPr>
-              <a:t>叢集</a:t>
-            </a:r>
-            <a:endParaRPr kumimoji="1" lang="en-US" altLang="zh-CN" dirty="0">
-              <a:latin typeface="BiauKai" panose="02010601000101010101" pitchFamily="2" charset="-120"/>
-              <a:ea typeface="BiauKai" panose="02010601000101010101" pitchFamily="2" charset="-120"/>
-            </a:endParaRPr>
-          </a:p>
-          <a:p>
-            <a:pPr marL="514350" indent="-514350">
-              <a:buFont typeface="+mj-lt"/>
-              <a:buAutoNum type="arabicPeriod"/>
-            </a:pPr>
-            <a:r>
-              <a:rPr kumimoji="1" lang="zh-CN" altLang="en-US" dirty="0">
-                <a:latin typeface="BiauKai" panose="02010601000101010101" pitchFamily="2" charset="-120"/>
-                <a:ea typeface="BiauKai" panose="02010601000101010101" pitchFamily="2" charset="-120"/>
-              </a:rPr>
-              <a:t>部署</a:t>
-            </a:r>
-            <a:r>
-              <a:rPr kumimoji="1" lang="en-US" altLang="zh-CN" dirty="0" err="1">
-                <a:latin typeface="Times New Roman" panose="02020603050405020304" pitchFamily="18" charset="0"/>
-                <a:ea typeface="BiauKai" panose="02010601000101010101" pitchFamily="2" charset="-120"/>
-                <a:cs typeface="Times New Roman" panose="02020603050405020304" pitchFamily="18" charset="0"/>
-              </a:rPr>
-              <a:t>MetalLab</a:t>
-            </a:r>
-            <a:endParaRPr kumimoji="1" lang="en-US" altLang="zh-CN" dirty="0">
-              <a:latin typeface="Times New Roman" panose="02020603050405020304" pitchFamily="18" charset="0"/>
-              <a:ea typeface="BiauKai" panose="02010601000101010101" pitchFamily="2" charset="-120"/>
-              <a:cs typeface="Times New Roman" panose="02020603050405020304" pitchFamily="18" charset="0"/>
-            </a:endParaRPr>
-          </a:p>
-          <a:p>
-            <a:pPr marL="514350" indent="-514350">
-              <a:buFont typeface="+mj-lt"/>
-              <a:buAutoNum type="arabicPeriod"/>
-            </a:pPr>
-            <a:r>
-              <a:rPr kumimoji="1" lang="zh-CN" altLang="en-US" dirty="0">
-                <a:latin typeface="Times New Roman" panose="02020603050405020304" pitchFamily="18" charset="0"/>
-                <a:ea typeface="BiauKai" panose="02010601000101010101" pitchFamily="2" charset="-120"/>
-                <a:cs typeface="Times New Roman" panose="02020603050405020304" pitchFamily="18" charset="0"/>
-              </a:rPr>
-              <a:t>設定</a:t>
-            </a:r>
-            <a:r>
-              <a:rPr kumimoji="1" lang="en-US" altLang="zh-CN" dirty="0">
-                <a:latin typeface="Times New Roman" panose="02020603050405020304" pitchFamily="18" charset="0"/>
-                <a:ea typeface="BiauKai" panose="02010601000101010101" pitchFamily="2" charset="-120"/>
-                <a:cs typeface="Times New Roman" panose="02020603050405020304" pitchFamily="18" charset="0"/>
-              </a:rPr>
-              <a:t>IP tool</a:t>
-            </a:r>
-          </a:p>
-          <a:p>
-            <a:pPr marL="514350" indent="-514350">
-              <a:buFont typeface="+mj-lt"/>
-              <a:buAutoNum type="arabicPeriod"/>
-            </a:pPr>
-            <a:r>
-              <a:rPr kumimoji="1" lang="en-US" altLang="zh-CN" dirty="0">
-                <a:latin typeface="Times New Roman" panose="02020603050405020304" pitchFamily="18" charset="0"/>
-                <a:ea typeface="BiauKai" panose="02010601000101010101" pitchFamily="2" charset="-120"/>
-                <a:cs typeface="Times New Roman" panose="02020603050405020304" pitchFamily="18" charset="0"/>
-              </a:rPr>
-              <a:t>Nginx</a:t>
-            </a:r>
-            <a:r>
-              <a:rPr kumimoji="1" lang="zh-CN" altLang="en-US" dirty="0">
-                <a:latin typeface="Times New Roman" panose="02020603050405020304" pitchFamily="18" charset="0"/>
-                <a:ea typeface="BiauKai" panose="02010601000101010101" pitchFamily="2" charset="-120"/>
-                <a:cs typeface="Times New Roman" panose="02020603050405020304" pitchFamily="18" charset="0"/>
-              </a:rPr>
-              <a:t>部署</a:t>
-            </a:r>
-            <a:endParaRPr kumimoji="1" lang="en-US" altLang="zh-CN" dirty="0">
-              <a:latin typeface="Times New Roman" panose="02020603050405020304" pitchFamily="18" charset="0"/>
-              <a:ea typeface="BiauKai" panose="02010601000101010101" pitchFamily="2" charset="-120"/>
-              <a:cs typeface="Times New Roman" panose="02020603050405020304" pitchFamily="18" charset="0"/>
-            </a:endParaRPr>
-          </a:p>
-          <a:p>
-            <a:pPr marL="514350" indent="-514350">
-              <a:buFont typeface="+mj-lt"/>
-              <a:buAutoNum type="arabicPeriod"/>
-            </a:pPr>
-            <a:r>
-              <a:rPr kumimoji="1" lang="zh-CN" altLang="en-US" dirty="0">
-                <a:solidFill>
-                  <a:srgbClr val="FF0000"/>
-                </a:solidFill>
-                <a:latin typeface="Times New Roman" panose="02020603050405020304" pitchFamily="18" charset="0"/>
-                <a:ea typeface="BiauKai" panose="02010601000101010101" pitchFamily="2" charset="-120"/>
-                <a:cs typeface="Times New Roman" panose="02020603050405020304" pitchFamily="18" charset="0"/>
-              </a:rPr>
-              <a:t>驗證</a:t>
-            </a:r>
-            <a:r>
-              <a:rPr kumimoji="1" lang="en-US" altLang="zh-CN" dirty="0" err="1">
-                <a:solidFill>
-                  <a:srgbClr val="FF0000"/>
-                </a:solidFill>
-                <a:latin typeface="Times New Roman" panose="02020603050405020304" pitchFamily="18" charset="0"/>
-                <a:ea typeface="BiauKai" panose="02010601000101010101" pitchFamily="2" charset="-120"/>
-                <a:cs typeface="Times New Roman" panose="02020603050405020304" pitchFamily="18" charset="0"/>
-              </a:rPr>
-              <a:t>Ningx</a:t>
-            </a:r>
-            <a:r>
-              <a:rPr kumimoji="1" lang="zh-CN" altLang="en-US" dirty="0">
-                <a:solidFill>
-                  <a:srgbClr val="FF0000"/>
-                </a:solidFill>
-                <a:latin typeface="Times New Roman" panose="02020603050405020304" pitchFamily="18" charset="0"/>
-                <a:ea typeface="BiauKai" panose="02010601000101010101" pitchFamily="2" charset="-120"/>
-                <a:cs typeface="Times New Roman" panose="02020603050405020304" pitchFamily="18" charset="0"/>
-              </a:rPr>
-              <a:t>服務</a:t>
-            </a:r>
-            <a:endParaRPr kumimoji="1" lang="en-US" altLang="zh-CN" dirty="0">
-              <a:solidFill>
-                <a:srgbClr val="FF0000"/>
-              </a:solidFill>
-              <a:latin typeface="Times New Roman" panose="02020603050405020304" pitchFamily="18" charset="0"/>
-              <a:ea typeface="BiauKai" panose="02010601000101010101" pitchFamily="2" charset="-120"/>
-              <a:cs typeface="Times New Roman" panose="02020603050405020304" pitchFamily="18" charset="0"/>
-            </a:endParaRPr>
-          </a:p>
-          <a:p>
-            <a:pPr marL="514350" indent="-514350">
-              <a:buFont typeface="+mj-lt"/>
-              <a:buAutoNum type="arabicPeriod"/>
-            </a:pPr>
-            <a:endParaRPr kumimoji="1" lang="zh-TW" altLang="en-US" dirty="0">
-              <a:latin typeface="BiauKai" panose="02010601000101010101" pitchFamily="2" charset="-120"/>
-              <a:ea typeface="BiauKai" panose="02010601000101010101" pitchFamily="2" charset="-120"/>
-            </a:endParaRPr>
-          </a:p>
-        </p:txBody>
-      </p:sp>
-    </p:spTree>
-    <p:extLst>
-      <p:ext uri="{BB962C8B-B14F-4D97-AF65-F5344CB8AC3E}">
-        <p14:creationId xmlns:p14="http://schemas.microsoft.com/office/powerpoint/2010/main" val="2304934133"/>
-      </p:ext>
-    </p:extLst>
-  </p:cSld>
-  <p:clrMapOvr>
-    <a:masterClrMapping/>
-  </p:clrMapOvr>
-</p:sld>
-</file>
-
-<file path=ppt/slides/slide23.xml><?xml version="1.0" encoding="utf-8"?>
-<p:sld xmlns:a="http://schemas.openxmlformats.org/drawingml/2006/main" xmlns:r="http://schemas.openxmlformats.org/officeDocument/2006/relationships" xmlns:p="http://schemas.openxmlformats.org/presentationml/2006/main">
-  <p:cSld>
-    <p:spTree>
-      <p:nvGrpSpPr>
-        <p:cNvPr id="1" name=""/>
-        <p:cNvGrpSpPr/>
-        <p:nvPr/>
-      </p:nvGrpSpPr>
-      <p:grpSpPr>
-        <a:xfrm>
-          <a:off x="0" y="0"/>
-          <a:ext cx="0" cy="0"/>
-          <a:chOff x="0" y="0"/>
-          <a:chExt cx="0" cy="0"/>
-        </a:xfrm>
-      </p:grpSpPr>
-      <p:pic>
-        <p:nvPicPr>
-          <p:cNvPr id="4" name="內容版面配置區 3"/>
-          <p:cNvPicPr>
-            <a:picLocks noGrp="1" noChangeAspect="1"/>
-          </p:cNvPicPr>
-          <p:nvPr>
-            <p:ph idx="1"/>
-          </p:nvPr>
-        </p:nvPicPr>
-        <p:blipFill>
-          <a:blip r:embed="rId2">
-            <a:extLst>
-              <a:ext uri="{28A0092B-C50C-407E-A947-70E740481C1C}">
-                <a14:useLocalDpi xmlns:a14="http://schemas.microsoft.com/office/drawing/2010/main" val="0"/>
-              </a:ext>
-            </a:extLst>
-          </a:blip>
-          <a:stretch>
-            <a:fillRect/>
-          </a:stretch>
-        </p:blipFill>
-        <p:spPr>
-          <a:xfrm>
-            <a:off x="1230622" y="2179405"/>
-            <a:ext cx="9337162" cy="3816950"/>
-          </a:xfrm>
-        </p:spPr>
-      </p:pic>
-      <p:sp>
-        <p:nvSpPr>
-          <p:cNvPr id="8" name="文字方塊 7"/>
-          <p:cNvSpPr txBox="1"/>
-          <p:nvPr/>
-        </p:nvSpPr>
-        <p:spPr>
-          <a:xfrm>
-            <a:off x="905608" y="1522364"/>
-            <a:ext cx="6954715" cy="369332"/>
-          </a:xfrm>
-          <a:prstGeom prst="rect">
-            <a:avLst/>
-          </a:prstGeom>
-          <a:noFill/>
-        </p:spPr>
-        <p:txBody>
-          <a:bodyPr wrap="square" rtlCol="0">
-            <a:spAutoFit/>
-          </a:bodyPr>
-          <a:lstStyle/>
-          <a:p>
-            <a:r>
-              <a:rPr lang="en-US" altLang="zh-TW" dirty="0"/>
-              <a:t>Docker </a:t>
-            </a:r>
-            <a:r>
-              <a:rPr lang="zh-TW" altLang="en-US" dirty="0"/>
-              <a:t>內部網段 </a:t>
-            </a:r>
-            <a:r>
-              <a:rPr lang="en-US" altLang="zh-TW" dirty="0"/>
-              <a:t>+ </a:t>
-            </a:r>
-            <a:r>
-              <a:rPr lang="zh-TW" altLang="en-US" dirty="0"/>
-              <a:t>學號末三碼 </a:t>
-            </a:r>
-            <a:r>
-              <a:rPr lang="en-US" altLang="zh-TW" dirty="0"/>
-              <a:t>+ 0</a:t>
-            </a:r>
-            <a:r>
-              <a:rPr lang="zh-TW" altLang="en-US" dirty="0"/>
-              <a:t>到</a:t>
-            </a:r>
-            <a:r>
-              <a:rPr lang="en-US" altLang="zh-TW" dirty="0"/>
-              <a:t>50</a:t>
-            </a:r>
-            <a:endParaRPr lang="zh-TW" altLang="en-US" dirty="0"/>
-          </a:p>
-        </p:txBody>
-      </p:sp>
-      <p:sp>
-        <p:nvSpPr>
-          <p:cNvPr id="9" name="標題 8">
-            <a:extLst>
-              <a:ext uri="{FF2B5EF4-FFF2-40B4-BE49-F238E27FC236}">
-                <a16:creationId xmlns:a16="http://schemas.microsoft.com/office/drawing/2014/main" id="{D18A1AB5-D2A0-AF4F-8A52-9FF079A67581}"/>
-              </a:ext>
-            </a:extLst>
-          </p:cNvPr>
-          <p:cNvSpPr>
-            <a:spLocks noGrp="1"/>
-          </p:cNvSpPr>
-          <p:nvPr>
-            <p:ph type="title"/>
-          </p:nvPr>
-        </p:nvSpPr>
-        <p:spPr/>
-        <p:txBody>
-          <a:bodyPr/>
-          <a:lstStyle/>
-          <a:p>
-            <a:r>
-              <a:rPr kumimoji="1" lang="zh-CN" altLang="en-US" dirty="0">
-                <a:latin typeface="BiauKai" panose="02010601000101010101" pitchFamily="2" charset="-120"/>
-                <a:ea typeface="BiauKai" panose="02010601000101010101" pitchFamily="2" charset="-120"/>
-              </a:rPr>
-              <a:t>自動</a:t>
-            </a:r>
-            <a:r>
-              <a:rPr kumimoji="1" lang="en-US" altLang="zh-CN" dirty="0">
-                <a:latin typeface="Times New Roman" panose="02020603050405020304" pitchFamily="18" charset="0"/>
-                <a:ea typeface="BiauKai" panose="02010601000101010101" pitchFamily="2" charset="-120"/>
-                <a:cs typeface="Times New Roman" panose="02020603050405020304" pitchFamily="18" charset="0"/>
-              </a:rPr>
-              <a:t>IP</a:t>
-            </a:r>
-            <a:r>
-              <a:rPr kumimoji="1" lang="zh-CN" altLang="en-US" dirty="0">
-                <a:latin typeface="BiauKai" panose="02010601000101010101" pitchFamily="2" charset="-120"/>
-                <a:ea typeface="BiauKai" panose="02010601000101010101" pitchFamily="2" charset="-120"/>
-              </a:rPr>
-              <a:t>配置</a:t>
-            </a:r>
-            <a:r>
-              <a:rPr kumimoji="1" lang="en-US" altLang="zh-CN" dirty="0">
-                <a:latin typeface="BiauKai" panose="02010601000101010101" pitchFamily="2" charset="-120"/>
-                <a:ea typeface="BiauKai" panose="02010601000101010101" pitchFamily="2" charset="-120"/>
-              </a:rPr>
-              <a:t>-</a:t>
-            </a:r>
-            <a:r>
-              <a:rPr kumimoji="1" lang="zh-CN" altLang="en-US" dirty="0">
-                <a:latin typeface="BiauKai" panose="02010601000101010101" pitchFamily="2" charset="-120"/>
-                <a:ea typeface="BiauKai" panose="02010601000101010101" pitchFamily="2" charset="-120"/>
-              </a:rPr>
-              <a:t>設定</a:t>
-            </a:r>
-            <a:r>
-              <a:rPr kumimoji="1" lang="en-US" altLang="zh-CN" dirty="0">
-                <a:latin typeface="Times New Roman" panose="02020603050405020304" pitchFamily="18" charset="0"/>
-                <a:ea typeface="BiauKai" panose="02010601000101010101" pitchFamily="2" charset="-120"/>
-                <a:cs typeface="Times New Roman" panose="02020603050405020304" pitchFamily="18" charset="0"/>
-              </a:rPr>
-              <a:t>IP</a:t>
-            </a:r>
-            <a:r>
-              <a:rPr kumimoji="1" lang="zh-CN" altLang="en-US" dirty="0">
-                <a:latin typeface="BiauKai" panose="02010601000101010101" pitchFamily="2" charset="-120"/>
-                <a:ea typeface="BiauKai" panose="02010601000101010101" pitchFamily="2" charset="-120"/>
-              </a:rPr>
-              <a:t>池</a:t>
-            </a:r>
-            <a:endParaRPr lang="zh-TW" altLang="en-US" dirty="0"/>
-          </a:p>
-        </p:txBody>
-      </p:sp>
-    </p:spTree>
-    <p:extLst>
-      <p:ext uri="{BB962C8B-B14F-4D97-AF65-F5344CB8AC3E}">
-        <p14:creationId xmlns:p14="http://schemas.microsoft.com/office/powerpoint/2010/main" val="3656016604"/>
-      </p:ext>
-    </p:extLst>
-  </p:cSld>
-  <p:clrMapOvr>
-    <a:masterClrMapping/>
-  </p:clrMapOvr>
-</p:sld>
-</file>
-
-<file path=ppt/slides/slide24.xml><?xml version="1.0" encoding="utf-8"?>
-<p:sld xmlns:a="http://schemas.openxmlformats.org/drawingml/2006/main" xmlns:r="http://schemas.openxmlformats.org/officeDocument/2006/relationships" xmlns:p="http://schemas.openxmlformats.org/presentationml/2006/main">
-  <p:cSld>
-    <p:spTree>
-      <p:nvGrpSpPr>
-        <p:cNvPr id="1" name=""/>
-        <p:cNvGrpSpPr/>
-        <p:nvPr/>
-      </p:nvGrpSpPr>
-      <p:grpSpPr>
-        <a:xfrm>
-          <a:off x="0" y="0"/>
-          <a:ext cx="0" cy="0"/>
-          <a:chOff x="0" y="0"/>
-          <a:chExt cx="0" cy="0"/>
-        </a:xfrm>
-      </p:grpSpPr>
-      <p:sp>
-        <p:nvSpPr>
           <p:cNvPr id="2" name="標題 1"/>
           <p:cNvSpPr>
             <a:spLocks noGrp="1"/>
@@ -10143,70 +7268,73 @@
             <p:ph type="title"/>
           </p:nvPr>
         </p:nvSpPr>
-        <p:spPr>
-          <a:xfrm>
-            <a:off x="838200" y="365125"/>
-            <a:ext cx="10354408" cy="1325563"/>
-          </a:xfrm>
-        </p:spPr>
+        <p:spPr/>
         <p:txBody>
           <a:bodyPr/>
           <a:lstStyle/>
           <a:p>
             <a:r>
-              <a:rPr lang="zh-TW" altLang="en-US" dirty="0"/>
-              <a:t>部屬</a:t>
-            </a:r>
-            <a:r>
-              <a:rPr lang="en-US" altLang="zh-TW" dirty="0" err="1"/>
-              <a:t>nginx</a:t>
-            </a:r>
-            <a:r>
-              <a:rPr lang="en-US" altLang="zh-TW" dirty="0"/>
-              <a:t> deployment and service</a:t>
-            </a:r>
-            <a:endParaRPr lang="zh-TW" altLang="en-US" dirty="0"/>
+              <a:rPr kumimoji="1" lang="zh-CN" altLang="en-US" dirty="0">
+                <a:latin typeface="Times New Roman" panose="02020603050405020304" pitchFamily="18" charset="0"/>
+                <a:ea typeface="BiauKai" panose="02010601000101010101" pitchFamily="2" charset="-120"/>
+                <a:cs typeface="Times New Roman" panose="02020603050405020304" pitchFamily="18" charset="0"/>
+              </a:rPr>
+              <a:t>應用服務</a:t>
+            </a:r>
+            <a:endParaRPr kumimoji="1" lang="en-US" altLang="zh-CN" dirty="0">
+              <a:latin typeface="Times New Roman" panose="02020603050405020304" pitchFamily="18" charset="0"/>
+              <a:ea typeface="BiauKai" panose="02010601000101010101" pitchFamily="2" charset="-120"/>
+              <a:cs typeface="Times New Roman" panose="02020603050405020304" pitchFamily="18" charset="0"/>
+            </a:endParaRPr>
           </a:p>
         </p:txBody>
       </p:sp>
       <p:pic>
         <p:nvPicPr>
-          <p:cNvPr id="4" name="內容版面配置區 3"/>
-          <p:cNvPicPr>
-            <a:picLocks noGrp="1" noChangeAspect="1"/>
-          </p:cNvPicPr>
-          <p:nvPr>
-            <p:ph idx="1"/>
-          </p:nvPr>
-        </p:nvPicPr>
-        <p:blipFill rotWithShape="1">
-          <a:blip r:embed="rId2">
+          <p:cNvPr id="9" name="圖片 8">
             <a:extLst>
-              <a:ext uri="{28A0092B-C50C-407E-A947-70E740481C1C}">
-                <a14:useLocalDpi xmlns:a14="http://schemas.microsoft.com/office/drawing/2010/main" val="0"/>
+              <a:ext uri="{FF2B5EF4-FFF2-40B4-BE49-F238E27FC236}">
+                <a16:creationId xmlns:a16="http://schemas.microsoft.com/office/drawing/2014/main" id="{C1E02B72-AFA5-EA4F-898F-F9DD9D0EAC67}"/>
               </a:ext>
             </a:extLst>
-          </a:blip>
-          <a:srcRect l="291" t="90292" r="1400" b="-348"/>
-          <a:stretch/>
+          </p:cNvPr>
+          <p:cNvPicPr>
+            <a:picLocks noChangeAspect="1"/>
+          </p:cNvPicPr>
+          <p:nvPr/>
+        </p:nvPicPr>
+        <p:blipFill>
+          <a:blip r:embed="rId2"/>
+          <a:stretch>
+            <a:fillRect/>
+          </a:stretch>
         </p:blipFill>
         <p:spPr>
           <a:xfrm>
-            <a:off x="978876" y="2458733"/>
-            <a:ext cx="8160743" cy="1506598"/>
+            <a:off x="838200" y="3087273"/>
+            <a:ext cx="11132003" cy="1251527"/>
           </a:xfrm>
+          <a:prstGeom prst="rect">
+            <a:avLst/>
+          </a:prstGeom>
         </p:spPr>
       </p:pic>
       <p:sp>
         <p:nvSpPr>
-          <p:cNvPr id="14" name="文字方塊 13"/>
+          <p:cNvPr id="11" name="文字方塊 10">
+            <a:extLst>
+              <a:ext uri="{FF2B5EF4-FFF2-40B4-BE49-F238E27FC236}">
+                <a16:creationId xmlns:a16="http://schemas.microsoft.com/office/drawing/2014/main" id="{7F9224A8-C3A6-A941-A413-C9895CC14A13}"/>
+              </a:ext>
+            </a:extLst>
+          </p:cNvPr>
           <p:cNvSpPr txBox="1"/>
           <p:nvPr/>
         </p:nvSpPr>
         <p:spPr>
           <a:xfrm>
-            <a:off x="838200" y="1566171"/>
-            <a:ext cx="7831015" cy="523220"/>
+            <a:off x="838200" y="1911927"/>
+            <a:ext cx="8460971" cy="954107"/>
           </a:xfrm>
           <a:prstGeom prst="rect">
             <a:avLst/>
@@ -10214,832 +7342,132 @@
           <a:noFill/>
         </p:spPr>
         <p:txBody>
-          <a:bodyPr wrap="square" rtlCol="0">
+          <a:bodyPr wrap="none" rtlCol="0">
             <a:spAutoFit/>
           </a:bodyPr>
           <a:lstStyle/>
           <a:p>
             <a:r>
-              <a:rPr lang="en-US" altLang="zh-TW" sz="2800" dirty="0" err="1"/>
+              <a:rPr kumimoji="1" lang="zh-CN" altLang="en-US" sz="2800" dirty="0">
+                <a:latin typeface="Times New Roman" panose="02020603050405020304" pitchFamily="18" charset="0"/>
+                <a:ea typeface="BiauKai" panose="02010601000101010101" pitchFamily="2" charset="-120"/>
+                <a:cs typeface="Times New Roman" panose="02020603050405020304" pitchFamily="18" charset="0"/>
+              </a:rPr>
+              <a:t>透過</a:t>
+            </a:r>
+            <a:r>
+              <a:rPr kumimoji="1" lang="en-US" altLang="zh-CN" sz="2800" dirty="0" err="1">
+                <a:latin typeface="Times New Roman" panose="02020603050405020304" pitchFamily="18" charset="0"/>
+                <a:ea typeface="BiauKai" panose="02010601000101010101" pitchFamily="2" charset="-120"/>
+                <a:cs typeface="Times New Roman" panose="02020603050405020304" pitchFamily="18" charset="0"/>
+              </a:rPr>
               <a:t>kubectl</a:t>
             </a:r>
             <a:r>
-              <a:rPr lang="en-US" altLang="zh-TW" sz="2800" dirty="0"/>
-              <a:t> apply –f </a:t>
-            </a:r>
-            <a:r>
-              <a:rPr lang="en-US" altLang="zh-TW" sz="2800" dirty="0" err="1"/>
-              <a:t>nginx.yaml</a:t>
-            </a:r>
-            <a:endParaRPr lang="zh-TW" altLang="en-US" sz="2800" dirty="0"/>
-          </a:p>
-        </p:txBody>
-      </p:sp>
-    </p:spTree>
-    <p:extLst>
-      <p:ext uri="{BB962C8B-B14F-4D97-AF65-F5344CB8AC3E}">
-        <p14:creationId xmlns:p14="http://schemas.microsoft.com/office/powerpoint/2010/main" val="3292860669"/>
-      </p:ext>
-    </p:extLst>
-  </p:cSld>
-  <p:clrMapOvr>
-    <a:masterClrMapping/>
-  </p:clrMapOvr>
-</p:sld>
-</file>
-
-<file path=ppt/slides/slide25.xml><?xml version="1.0" encoding="utf-8"?>
-<p:sld xmlns:a="http://schemas.openxmlformats.org/drawingml/2006/main" xmlns:r="http://schemas.openxmlformats.org/officeDocument/2006/relationships" xmlns:p="http://schemas.openxmlformats.org/presentationml/2006/main">
-  <p:cSld>
-    <p:spTree>
-      <p:nvGrpSpPr>
-        <p:cNvPr id="1" name=""/>
-        <p:cNvGrpSpPr/>
-        <p:nvPr/>
-      </p:nvGrpSpPr>
-      <p:grpSpPr>
-        <a:xfrm>
-          <a:off x="0" y="0"/>
-          <a:ext cx="0" cy="0"/>
-          <a:chOff x="0" y="0"/>
-          <a:chExt cx="0" cy="0"/>
-        </a:xfrm>
-      </p:grpSpPr>
-      <p:sp>
-        <p:nvSpPr>
-          <p:cNvPr id="2" name="標題 1"/>
-          <p:cNvSpPr>
-            <a:spLocks noGrp="1"/>
-          </p:cNvSpPr>
-          <p:nvPr>
-            <p:ph type="title"/>
-          </p:nvPr>
-        </p:nvSpPr>
-        <p:spPr>
-          <a:xfrm>
-            <a:off x="838200" y="365125"/>
-            <a:ext cx="6098931" cy="1325563"/>
-          </a:xfrm>
-        </p:spPr>
-        <p:txBody>
-          <a:bodyPr/>
-          <a:lstStyle/>
-          <a:p>
-            <a:r>
-              <a:rPr lang="en-US" altLang="zh-TW" dirty="0"/>
-              <a:t>Nginx deployment</a:t>
-            </a:r>
-            <a:endParaRPr lang="zh-TW" altLang="en-US" dirty="0"/>
-          </a:p>
-        </p:txBody>
-      </p:sp>
-      <p:pic>
-        <p:nvPicPr>
-          <p:cNvPr id="4" name="內容版面配置區 3"/>
-          <p:cNvPicPr>
-            <a:picLocks noGrp="1" noChangeAspect="1"/>
-          </p:cNvPicPr>
-          <p:nvPr>
-            <p:ph idx="1"/>
-          </p:nvPr>
-        </p:nvPicPr>
-        <p:blipFill rotWithShape="1">
-          <a:blip r:embed="rId2">
-            <a:extLst>
-              <a:ext uri="{28A0092B-C50C-407E-A947-70E740481C1C}">
-                <a14:useLocalDpi xmlns:a14="http://schemas.microsoft.com/office/drawing/2010/main" val="0"/>
-              </a:ext>
-            </a:extLst>
-          </a:blip>
-          <a:srcRect r="24821" b="44349"/>
-          <a:stretch/>
-        </p:blipFill>
-        <p:spPr>
-          <a:xfrm>
-            <a:off x="5901608" y="198071"/>
-            <a:ext cx="4807423" cy="6422640"/>
-          </a:xfrm>
-        </p:spPr>
-      </p:pic>
-      <p:sp>
-        <p:nvSpPr>
-          <p:cNvPr id="5" name="矩形 4"/>
-          <p:cNvSpPr/>
-          <p:nvPr/>
-        </p:nvSpPr>
-        <p:spPr>
-          <a:xfrm>
-            <a:off x="5901608" y="3349869"/>
-            <a:ext cx="4361031" cy="3112477"/>
-          </a:xfrm>
-          <a:prstGeom prst="rect">
-            <a:avLst/>
-          </a:prstGeom>
-          <a:noFill/>
-          <a:ln w="28575">
-            <a:solidFill>
-              <a:srgbClr val="FF0000"/>
-            </a:solidFill>
-          </a:ln>
-        </p:spPr>
-        <p:style>
-          <a:lnRef idx="2">
-            <a:schemeClr val="accent1">
-              <a:shade val="50000"/>
-            </a:schemeClr>
-          </a:lnRef>
-          <a:fillRef idx="1">
-            <a:schemeClr val="accent1"/>
-          </a:fillRef>
-          <a:effectRef idx="0">
-            <a:schemeClr val="accent1"/>
-          </a:effectRef>
-          <a:fontRef idx="minor">
-            <a:schemeClr val="lt1"/>
-          </a:fontRef>
-        </p:style>
-        <p:txBody>
-          <a:bodyPr rtlCol="0" anchor="ctr"/>
-          <a:lstStyle/>
-          <a:p>
-            <a:pPr algn="ctr"/>
-            <a:endParaRPr lang="zh-TW" altLang="en-US"/>
-          </a:p>
-        </p:txBody>
-      </p:sp>
-      <p:sp>
-        <p:nvSpPr>
-          <p:cNvPr id="14" name="文字方塊 13"/>
-          <p:cNvSpPr txBox="1"/>
-          <p:nvPr/>
-        </p:nvSpPr>
-        <p:spPr>
-          <a:xfrm>
-            <a:off x="838199" y="1566171"/>
-            <a:ext cx="4287715" cy="954107"/>
-          </a:xfrm>
-          <a:prstGeom prst="rect">
-            <a:avLst/>
-          </a:prstGeom>
-          <a:noFill/>
-        </p:spPr>
-        <p:txBody>
-          <a:bodyPr wrap="square" rtlCol="0">
-            <a:spAutoFit/>
-          </a:bodyPr>
-          <a:lstStyle/>
-          <a:p>
-            <a:r>
-              <a:rPr lang="en-US" altLang="zh-TW" sz="2800" dirty="0"/>
-              <a:t>Nginx container port</a:t>
-            </a:r>
-            <a:r>
-              <a:rPr lang="zh-TW" altLang="en-US" sz="2800" dirty="0"/>
+              <a:rPr kumimoji="1" lang="en-US" altLang="zh-CN" sz="2800" dirty="0">
+                <a:latin typeface="Times New Roman" panose="02020603050405020304" pitchFamily="18" charset="0"/>
+                <a:ea typeface="BiauKai" panose="02010601000101010101" pitchFamily="2" charset="-120"/>
+                <a:cs typeface="Times New Roman" panose="02020603050405020304" pitchFamily="18" charset="0"/>
+              </a:rPr>
+              <a:t> get svc</a:t>
+            </a:r>
+            <a:r>
+              <a:rPr kumimoji="1" lang="zh-CN" altLang="en-US" sz="2800" dirty="0">
+                <a:latin typeface="Times New Roman" panose="02020603050405020304" pitchFamily="18" charset="0"/>
+                <a:ea typeface="BiauKai" panose="02010601000101010101" pitchFamily="2" charset="-120"/>
+                <a:cs typeface="Times New Roman" panose="02020603050405020304" pitchFamily="18" charset="0"/>
+              </a:rPr>
+              <a:t>可知應用</a:t>
+            </a:r>
+            <a:r>
+              <a:rPr kumimoji="1" lang="en-US" altLang="zh-CN" sz="2800" dirty="0" err="1">
+                <a:latin typeface="Times New Roman" panose="02020603050405020304" pitchFamily="18" charset="0"/>
+                <a:ea typeface="BiauKai" panose="02010601000101010101" pitchFamily="2" charset="-120"/>
+                <a:cs typeface="Times New Roman" panose="02020603050405020304" pitchFamily="18" charset="0"/>
+              </a:rPr>
+              <a:t>externalIP</a:t>
+            </a:r>
+            <a:r>
+              <a:rPr kumimoji="1" lang="zh-CN" altLang="en-US" sz="2800" dirty="0">
+                <a:latin typeface="Times New Roman" panose="02020603050405020304" pitchFamily="18" charset="0"/>
+                <a:ea typeface="BiauKai" panose="02010601000101010101" pitchFamily="2" charset="-120"/>
+                <a:cs typeface="Times New Roman" panose="02020603050405020304" pitchFamily="18" charset="0"/>
+              </a:rPr>
               <a:t>為</a:t>
             </a:r>
             <a:r>
-              <a:rPr lang="en-US" altLang="zh-TW" sz="2800" dirty="0"/>
-              <a:t>80</a:t>
-            </a:r>
-            <a:br>
-              <a:rPr lang="en-US" altLang="zh-TW" sz="2800" dirty="0"/>
-            </a:br>
-            <a:r>
-              <a:rPr lang="en-US" altLang="zh-TW" sz="2800" dirty="0" err="1"/>
-              <a:t>nginx</a:t>
-            </a:r>
-            <a:r>
-              <a:rPr lang="zh-TW" altLang="en-US" sz="2800" dirty="0"/>
-              <a:t> </a:t>
-            </a:r>
-            <a:r>
-              <a:rPr lang="en-US" altLang="zh-TW" sz="2800" dirty="0"/>
-              <a:t>instances</a:t>
-            </a:r>
-            <a:r>
-              <a:rPr lang="zh-TW" altLang="en-US" sz="2800" dirty="0"/>
-              <a:t>為</a:t>
-            </a:r>
-            <a:r>
-              <a:rPr lang="en-US" altLang="zh-TW" sz="2800" dirty="0"/>
-              <a:t>5</a:t>
-            </a:r>
-            <a:endParaRPr lang="zh-TW" altLang="en-US" sz="2800" dirty="0"/>
-          </a:p>
-        </p:txBody>
-      </p:sp>
-    </p:spTree>
-    <p:extLst>
-      <p:ext uri="{BB962C8B-B14F-4D97-AF65-F5344CB8AC3E}">
-        <p14:creationId xmlns:p14="http://schemas.microsoft.com/office/powerpoint/2010/main" val="122954335"/>
-      </p:ext>
-    </p:extLst>
-  </p:cSld>
-  <p:clrMapOvr>
-    <a:masterClrMapping/>
-  </p:clrMapOvr>
-</p:sld>
-</file>
-
-<file path=ppt/slides/slide26.xml><?xml version="1.0" encoding="utf-8"?>
-<p:sld xmlns:a="http://schemas.openxmlformats.org/drawingml/2006/main" xmlns:r="http://schemas.openxmlformats.org/officeDocument/2006/relationships" xmlns:p="http://schemas.openxmlformats.org/presentationml/2006/main">
-  <p:cSld>
-    <p:spTree>
-      <p:nvGrpSpPr>
-        <p:cNvPr id="1" name=""/>
-        <p:cNvGrpSpPr/>
-        <p:nvPr/>
-      </p:nvGrpSpPr>
-      <p:grpSpPr>
-        <a:xfrm>
-          <a:off x="0" y="0"/>
-          <a:ext cx="0" cy="0"/>
-          <a:chOff x="0" y="0"/>
-          <a:chExt cx="0" cy="0"/>
-        </a:xfrm>
-      </p:grpSpPr>
-      <p:sp>
-        <p:nvSpPr>
-          <p:cNvPr id="2" name="標題 1"/>
-          <p:cNvSpPr>
-            <a:spLocks noGrp="1"/>
-          </p:cNvSpPr>
-          <p:nvPr>
-            <p:ph type="title"/>
-          </p:nvPr>
-        </p:nvSpPr>
-        <p:spPr>
-          <a:xfrm>
-            <a:off x="838200" y="365125"/>
-            <a:ext cx="6098931" cy="1325563"/>
-          </a:xfrm>
-        </p:spPr>
-        <p:txBody>
-          <a:bodyPr/>
-          <a:lstStyle/>
-          <a:p>
-            <a:r>
-              <a:rPr lang="en-US" altLang="zh-TW" dirty="0"/>
-              <a:t>Nginx services</a:t>
-            </a:r>
-            <a:endParaRPr lang="zh-TW" altLang="en-US" dirty="0"/>
-          </a:p>
-        </p:txBody>
-      </p:sp>
-      <p:pic>
-        <p:nvPicPr>
-          <p:cNvPr id="4" name="內容版面配置區 3"/>
-          <p:cNvPicPr>
-            <a:picLocks noGrp="1" noChangeAspect="1"/>
-          </p:cNvPicPr>
-          <p:nvPr>
-            <p:ph idx="1"/>
-          </p:nvPr>
-        </p:nvPicPr>
-        <p:blipFill rotWithShape="1">
-          <a:blip r:embed="rId2">
-            <a:extLst>
-              <a:ext uri="{28A0092B-C50C-407E-A947-70E740481C1C}">
-                <a14:useLocalDpi xmlns:a14="http://schemas.microsoft.com/office/drawing/2010/main" val="0"/>
-              </a:ext>
-            </a:extLst>
-          </a:blip>
-          <a:srcRect l="291" t="56161" r="1400" b="-348"/>
-          <a:stretch/>
-        </p:blipFill>
-        <p:spPr>
-          <a:xfrm>
-            <a:off x="5905500" y="940777"/>
-            <a:ext cx="6286500" cy="5099538"/>
-          </a:xfrm>
-        </p:spPr>
-      </p:pic>
-      <p:sp>
-        <p:nvSpPr>
-          <p:cNvPr id="5" name="矩形 4"/>
-          <p:cNvSpPr/>
-          <p:nvPr/>
-        </p:nvSpPr>
-        <p:spPr>
-          <a:xfrm>
-            <a:off x="5905500" y="940778"/>
-            <a:ext cx="4361031" cy="3862388"/>
-          </a:xfrm>
-          <a:prstGeom prst="rect">
-            <a:avLst/>
-          </a:prstGeom>
-          <a:noFill/>
-          <a:ln w="28575">
-            <a:solidFill>
-              <a:srgbClr val="FF0000"/>
-            </a:solidFill>
-          </a:ln>
-        </p:spPr>
-        <p:style>
-          <a:lnRef idx="2">
-            <a:schemeClr val="accent1">
-              <a:shade val="50000"/>
-            </a:schemeClr>
-          </a:lnRef>
-          <a:fillRef idx="1">
-            <a:schemeClr val="accent1"/>
-          </a:fillRef>
-          <a:effectRef idx="0">
-            <a:schemeClr val="accent1"/>
-          </a:effectRef>
-          <a:fontRef idx="minor">
-            <a:schemeClr val="lt1"/>
-          </a:fontRef>
-        </p:style>
-        <p:txBody>
-          <a:bodyPr rtlCol="0" anchor="ctr"/>
-          <a:lstStyle/>
-          <a:p>
-            <a:pPr algn="ctr"/>
-            <a:endParaRPr lang="zh-TW" altLang="en-US"/>
-          </a:p>
-        </p:txBody>
-      </p:sp>
-      <p:sp>
-        <p:nvSpPr>
-          <p:cNvPr id="14" name="文字方塊 13"/>
-          <p:cNvSpPr txBox="1"/>
-          <p:nvPr/>
-        </p:nvSpPr>
-        <p:spPr>
-          <a:xfrm>
-            <a:off x="131884" y="1690688"/>
-            <a:ext cx="5987561" cy="523220"/>
-          </a:xfrm>
-          <a:prstGeom prst="rect">
-            <a:avLst/>
-          </a:prstGeom>
-          <a:noFill/>
-        </p:spPr>
-        <p:txBody>
-          <a:bodyPr wrap="square" rtlCol="0">
-            <a:spAutoFit/>
-          </a:bodyPr>
-          <a:lstStyle/>
-          <a:p>
-            <a:r>
-              <a:rPr lang="zh-TW" altLang="en-US" sz="2800" dirty="0"/>
-              <a:t>將</a:t>
-            </a:r>
-            <a:r>
-              <a:rPr lang="en-US" altLang="zh-TW" sz="2800" dirty="0"/>
-              <a:t>container port 80</a:t>
-            </a:r>
-            <a:r>
-              <a:rPr lang="zh-TW" altLang="en-US" sz="2800" dirty="0"/>
-              <a:t>轉接到主機</a:t>
-            </a:r>
-            <a:r>
-              <a:rPr lang="en-US" altLang="zh-TW" sz="2800" dirty="0"/>
-              <a:t>32002</a:t>
-            </a:r>
-            <a:endParaRPr lang="zh-TW" altLang="en-US" sz="2800" dirty="0"/>
-          </a:p>
-        </p:txBody>
-      </p:sp>
-    </p:spTree>
-    <p:extLst>
-      <p:ext uri="{BB962C8B-B14F-4D97-AF65-F5344CB8AC3E}">
-        <p14:creationId xmlns:p14="http://schemas.microsoft.com/office/powerpoint/2010/main" val="1896597939"/>
-      </p:ext>
-    </p:extLst>
-  </p:cSld>
-  <p:clrMapOvr>
-    <a:masterClrMapping/>
-  </p:clrMapOvr>
-</p:sld>
-</file>
-
-<file path=ppt/slides/slide27.xml><?xml version="1.0" encoding="utf-8"?>
-<p:sld xmlns:a="http://schemas.openxmlformats.org/drawingml/2006/main" xmlns:r="http://schemas.openxmlformats.org/officeDocument/2006/relationships" xmlns:p="http://schemas.openxmlformats.org/presentationml/2006/main">
-  <p:cSld>
-    <p:spTree>
-      <p:nvGrpSpPr>
-        <p:cNvPr id="1" name=""/>
-        <p:cNvGrpSpPr/>
-        <p:nvPr/>
-      </p:nvGrpSpPr>
-      <p:grpSpPr>
-        <a:xfrm>
-          <a:off x="0" y="0"/>
-          <a:ext cx="0" cy="0"/>
-          <a:chOff x="0" y="0"/>
-          <a:chExt cx="0" cy="0"/>
-        </a:xfrm>
-      </p:grpSpPr>
-      <p:sp>
-        <p:nvSpPr>
-          <p:cNvPr id="2" name="標題 1"/>
-          <p:cNvSpPr>
-            <a:spLocks noGrp="1"/>
-          </p:cNvSpPr>
-          <p:nvPr>
-            <p:ph type="title"/>
-          </p:nvPr>
-        </p:nvSpPr>
-        <p:spPr/>
-        <p:txBody>
-          <a:bodyPr/>
-          <a:lstStyle/>
-          <a:p>
-            <a:r>
-              <a:rPr lang="en-US" altLang="zh-TW" dirty="0"/>
-              <a:t>Nginx</a:t>
-            </a:r>
-            <a:r>
-              <a:rPr lang="zh-TW" altLang="en-US" dirty="0"/>
-              <a:t>已轉接到</a:t>
-            </a:r>
-            <a:r>
-              <a:rPr lang="en-US" altLang="zh-TW" dirty="0" err="1"/>
-              <a:t>externalIP:port</a:t>
-            </a:r>
-            <a:endParaRPr lang="zh-TW" altLang="en-US" dirty="0"/>
-          </a:p>
-        </p:txBody>
-      </p:sp>
-      <p:pic>
-        <p:nvPicPr>
-          <p:cNvPr id="4" name="內容版面配置區 3"/>
-          <p:cNvPicPr>
-            <a:picLocks noGrp="1" noChangeAspect="1"/>
-          </p:cNvPicPr>
-          <p:nvPr>
-            <p:ph idx="1"/>
-          </p:nvPr>
-        </p:nvPicPr>
-        <p:blipFill>
-          <a:blip r:embed="rId2">
-            <a:extLst>
-              <a:ext uri="{28A0092B-C50C-407E-A947-70E740481C1C}">
-                <a14:useLocalDpi xmlns:a14="http://schemas.microsoft.com/office/drawing/2010/main" val="0"/>
-              </a:ext>
-            </a:extLst>
-          </a:blip>
-          <a:stretch>
-            <a:fillRect/>
-          </a:stretch>
-        </p:blipFill>
-        <p:spPr>
-          <a:xfrm>
-            <a:off x="1656227" y="2541347"/>
-            <a:ext cx="8454093" cy="3835742"/>
-          </a:xfrm>
-        </p:spPr>
-      </p:pic>
-      <p:grpSp>
-        <p:nvGrpSpPr>
-          <p:cNvPr id="5" name="群組 4"/>
-          <p:cNvGrpSpPr/>
-          <p:nvPr/>
-        </p:nvGrpSpPr>
-        <p:grpSpPr>
-          <a:xfrm>
-            <a:off x="10080670" y="474460"/>
-            <a:ext cx="1687184" cy="1012310"/>
-            <a:chOff x="7559249" y="1661148"/>
-            <a:chExt cx="1687184" cy="1012310"/>
-          </a:xfrm>
-        </p:grpSpPr>
-        <p:sp>
-          <p:nvSpPr>
-            <p:cNvPr id="6" name="圓角矩形 5"/>
-            <p:cNvSpPr/>
-            <p:nvPr/>
-          </p:nvSpPr>
-          <p:spPr>
-            <a:xfrm>
-              <a:off x="7559249" y="1661148"/>
-              <a:ext cx="1687184" cy="1012310"/>
-            </a:xfrm>
-            <a:prstGeom prst="roundRect">
-              <a:avLst>
-                <a:gd name="adj" fmla="val 10000"/>
-              </a:avLst>
-            </a:prstGeom>
-          </p:spPr>
-          <p:style>
-            <a:lnRef idx="2">
-              <a:schemeClr val="lt1">
-                <a:hueOff val="0"/>
-                <a:satOff val="0"/>
-                <a:lumOff val="0"/>
-                <a:alphaOff val="0"/>
-              </a:schemeClr>
-            </a:lnRef>
-            <a:fillRef idx="1">
-              <a:schemeClr val="accent4">
-                <a:hueOff val="7796769"/>
-                <a:satOff val="-35976"/>
-                <a:lumOff val="1324"/>
-                <a:alphaOff val="0"/>
-              </a:schemeClr>
-            </a:fillRef>
-            <a:effectRef idx="0">
-              <a:schemeClr val="accent4">
-                <a:hueOff val="7796769"/>
-                <a:satOff val="-35976"/>
-                <a:lumOff val="1324"/>
-                <a:alphaOff val="0"/>
-              </a:schemeClr>
-            </a:effectRef>
-            <a:fontRef idx="minor">
-              <a:schemeClr val="lt1"/>
-            </a:fontRef>
-          </p:style>
-        </p:sp>
-        <p:sp>
-          <p:nvSpPr>
-            <p:cNvPr id="7" name="圓角矩形 4"/>
-            <p:cNvSpPr txBox="1"/>
-            <p:nvPr/>
-          </p:nvSpPr>
-          <p:spPr>
-            <a:xfrm>
-              <a:off x="7588899" y="1690798"/>
-              <a:ext cx="1627884" cy="953010"/>
-            </a:xfrm>
-            <a:prstGeom prst="rect">
-              <a:avLst/>
-            </a:prstGeom>
-          </p:spPr>
-          <p:style>
-            <a:lnRef idx="0">
-              <a:scrgbClr r="0" g="0" b="0"/>
-            </a:lnRef>
-            <a:fillRef idx="0">
-              <a:scrgbClr r="0" g="0" b="0"/>
-            </a:fillRef>
-            <a:effectRef idx="0">
-              <a:scrgbClr r="0" g="0" b="0"/>
-            </a:effectRef>
-            <a:fontRef idx="minor">
-              <a:schemeClr val="lt1"/>
-            </a:fontRef>
-          </p:style>
-          <p:txBody>
-            <a:bodyPr spcFirstLastPara="0" vert="horz" wrap="square" lIns="95250" tIns="95250" rIns="95250" bIns="95250" numCol="1" spcCol="1270" anchor="ctr" anchorCtr="0">
-              <a:noAutofit/>
-            </a:bodyPr>
-            <a:lstStyle/>
-            <a:p>
-              <a:pPr lvl="0" algn="ctr" defTabSz="1111250">
-                <a:lnSpc>
-                  <a:spcPct val="90000"/>
-                </a:lnSpc>
-                <a:spcBef>
-                  <a:spcPct val="0"/>
-                </a:spcBef>
-                <a:spcAft>
-                  <a:spcPct val="35000"/>
-                </a:spcAft>
-              </a:pPr>
-              <a:r>
-                <a:rPr lang="zh-TW" altLang="en-US" sz="2500" kern="1200" dirty="0"/>
-                <a:t>部屬</a:t>
-              </a:r>
-              <a:r>
-                <a:rPr lang="en-US" altLang="zh-TW" sz="2500" kern="1200" dirty="0" err="1"/>
-                <a:t>nginx</a:t>
-              </a:r>
-              <a:endParaRPr lang="zh-TW" altLang="en-US" sz="2500" kern="1200" dirty="0"/>
-            </a:p>
-          </p:txBody>
-        </p:sp>
-      </p:grpSp>
+              <a:rPr kumimoji="1" lang="en-US" altLang="zh-CN" sz="2800" dirty="0">
+                <a:latin typeface="Times New Roman" panose="02020603050405020304" pitchFamily="18" charset="0"/>
+                <a:ea typeface="BiauKai" panose="02010601000101010101" pitchFamily="2" charset="-120"/>
+                <a:cs typeface="Times New Roman" panose="02020603050405020304" pitchFamily="18" charset="0"/>
+              </a:rPr>
+              <a:t>172.18.0.1</a:t>
+            </a:r>
+          </a:p>
+          <a:p>
+            <a:r>
+              <a:rPr kumimoji="1" lang="zh-CN" altLang="en-US" sz="2800" dirty="0">
+                <a:latin typeface="Times New Roman" panose="02020603050405020304" pitchFamily="18" charset="0"/>
+                <a:ea typeface="BiauKai" panose="02010601000101010101" pitchFamily="2" charset="-120"/>
+                <a:cs typeface="Times New Roman" panose="02020603050405020304" pitchFamily="18" charset="0"/>
+              </a:rPr>
+              <a:t>使用</a:t>
+            </a:r>
+            <a:r>
+              <a:rPr kumimoji="1" lang="en-US" altLang="zh-CN" sz="2800" dirty="0">
+                <a:latin typeface="Times New Roman" panose="02020603050405020304" pitchFamily="18" charset="0"/>
+                <a:ea typeface="BiauKai" panose="02010601000101010101" pitchFamily="2" charset="-120"/>
+                <a:cs typeface="Times New Roman" panose="02020603050405020304" pitchFamily="18" charset="0"/>
+              </a:rPr>
+              <a:t>./</a:t>
+            </a:r>
+            <a:r>
+              <a:rPr kumimoji="1" lang="en-US" altLang="zh-CN" sz="2800" dirty="0" err="1">
+                <a:latin typeface="Times New Roman" panose="02020603050405020304" pitchFamily="18" charset="0"/>
+                <a:ea typeface="BiauKai" panose="02010601000101010101" pitchFamily="2" charset="-120"/>
+                <a:cs typeface="Times New Roman" panose="02020603050405020304" pitchFamily="18" charset="0"/>
+              </a:rPr>
+              <a:t>test.sh</a:t>
+            </a:r>
+            <a:r>
+              <a:rPr kumimoji="1" lang="zh-CN" altLang="en-US" sz="2800" dirty="0">
+                <a:latin typeface="Times New Roman" panose="02020603050405020304" pitchFamily="18" charset="0"/>
+                <a:ea typeface="BiauKai" panose="02010601000101010101" pitchFamily="2" charset="-120"/>
+                <a:cs typeface="Times New Roman" panose="02020603050405020304" pitchFamily="18" charset="0"/>
+              </a:rPr>
+              <a:t>，測試輸出結果</a:t>
+            </a:r>
+            <a:r>
+              <a:rPr kumimoji="1" lang="en-US" altLang="zh-CN" sz="2800" dirty="0">
+                <a:latin typeface="Times New Roman" panose="02020603050405020304" pitchFamily="18" charset="0"/>
+                <a:ea typeface="BiauKai" panose="02010601000101010101" pitchFamily="2" charset="-120"/>
+                <a:cs typeface="Times New Roman" panose="02020603050405020304" pitchFamily="18" charset="0"/>
+              </a:rPr>
+              <a:t>(</a:t>
+            </a:r>
+            <a:r>
+              <a:rPr kumimoji="1" lang="zh-CN" altLang="en-US" sz="2800" dirty="0">
+                <a:latin typeface="Times New Roman" panose="02020603050405020304" pitchFamily="18" charset="0"/>
+                <a:ea typeface="BiauKai" panose="02010601000101010101" pitchFamily="2" charset="-120"/>
+                <a:cs typeface="Times New Roman" panose="02020603050405020304" pitchFamily="18" charset="0"/>
+              </a:rPr>
+              <a:t>預設</a:t>
+            </a:r>
+            <a:r>
+              <a:rPr kumimoji="1" lang="en-US" altLang="zh-CN" sz="2800" dirty="0">
+                <a:latin typeface="Times New Roman" panose="02020603050405020304" pitchFamily="18" charset="0"/>
+                <a:ea typeface="BiauKai" panose="02010601000101010101" pitchFamily="2" charset="-120"/>
+                <a:cs typeface="Times New Roman" panose="02020603050405020304" pitchFamily="18" charset="0"/>
+              </a:rPr>
+              <a:t>curl 172.18.0.1:5678)</a:t>
+            </a:r>
+          </a:p>
+        </p:txBody>
+      </p:sp>
     </p:spTree>
     <p:extLst>
       <p:ext uri="{BB962C8B-B14F-4D97-AF65-F5344CB8AC3E}">
         <p14:creationId xmlns:p14="http://schemas.microsoft.com/office/powerpoint/2010/main" val="2795850765"/>
-      </p:ext>
-    </p:extLst>
-  </p:cSld>
-  <p:clrMapOvr>
-    <a:masterClrMapping/>
-  </p:clrMapOvr>
-</p:sld>
-</file>
-
-<file path=ppt/slides/slide28.xml><?xml version="1.0" encoding="utf-8"?>
-<p:sld xmlns:a="http://schemas.openxmlformats.org/drawingml/2006/main" xmlns:r="http://schemas.openxmlformats.org/officeDocument/2006/relationships" xmlns:p="http://schemas.openxmlformats.org/presentationml/2006/main">
-  <p:cSld>
-    <p:spTree>
-      <p:nvGrpSpPr>
-        <p:cNvPr id="1" name=""/>
-        <p:cNvGrpSpPr/>
-        <p:nvPr/>
-      </p:nvGrpSpPr>
-      <p:grpSpPr>
-        <a:xfrm>
-          <a:off x="0" y="0"/>
-          <a:ext cx="0" cy="0"/>
-          <a:chOff x="0" y="0"/>
-          <a:chExt cx="0" cy="0"/>
-        </a:xfrm>
-      </p:grpSpPr>
-      <p:sp>
-        <p:nvSpPr>
-          <p:cNvPr id="2" name="標題 1"/>
-          <p:cNvSpPr>
-            <a:spLocks noGrp="1"/>
-          </p:cNvSpPr>
-          <p:nvPr>
-            <p:ph type="title"/>
-          </p:nvPr>
-        </p:nvSpPr>
-        <p:spPr>
-          <a:xfrm>
-            <a:off x="457200" y="365125"/>
-            <a:ext cx="10896600" cy="1325563"/>
-          </a:xfrm>
-        </p:spPr>
-        <p:txBody>
-          <a:bodyPr/>
-          <a:lstStyle/>
-          <a:p>
-            <a:r>
-              <a:rPr lang="zh-TW" altLang="en-US" dirty="0"/>
-              <a:t>測試</a:t>
-            </a:r>
-            <a:r>
-              <a:rPr lang="en-US" altLang="zh-TW" dirty="0" err="1"/>
-              <a:t>nginx</a:t>
-            </a:r>
-            <a:r>
-              <a:rPr lang="zh-TW" altLang="en-US" dirty="0"/>
-              <a:t>網頁</a:t>
-            </a:r>
-          </a:p>
-        </p:txBody>
-      </p:sp>
-      <p:graphicFrame>
-        <p:nvGraphicFramePr>
-          <p:cNvPr id="4" name="資料庫圖表 3"/>
-          <p:cNvGraphicFramePr/>
-          <p:nvPr/>
-        </p:nvGraphicFramePr>
-        <p:xfrm>
-          <a:off x="184639" y="2303584"/>
-          <a:ext cx="11614638" cy="4334608"/>
-        </p:xfrm>
-        <a:graphic>
-          <a:graphicData uri="http://schemas.openxmlformats.org/drawingml/2006/diagram">
-            <dgm:relIds xmlns:dgm="http://schemas.openxmlformats.org/drawingml/2006/diagram" xmlns:r="http://schemas.openxmlformats.org/officeDocument/2006/relationships" r:dm="rId2" r:lo="rId3" r:qs="rId4" r:cs="rId5"/>
-          </a:graphicData>
-        </a:graphic>
-      </p:graphicFrame>
-      <p:sp>
-        <p:nvSpPr>
-          <p:cNvPr id="3" name="圓角矩形 2"/>
-          <p:cNvSpPr/>
-          <p:nvPr/>
-        </p:nvSpPr>
-        <p:spPr>
-          <a:xfrm>
-            <a:off x="9869366" y="3323492"/>
-            <a:ext cx="2233246" cy="2294792"/>
-          </a:xfrm>
-          <a:prstGeom prst="roundRect">
-            <a:avLst/>
-          </a:prstGeom>
-          <a:noFill/>
-          <a:ln w="28575">
-            <a:solidFill>
-              <a:srgbClr val="FF0000"/>
-            </a:solidFill>
-          </a:ln>
-        </p:spPr>
-        <p:style>
-          <a:lnRef idx="2">
-            <a:schemeClr val="accent1">
-              <a:shade val="50000"/>
-            </a:schemeClr>
-          </a:lnRef>
-          <a:fillRef idx="1">
-            <a:schemeClr val="accent1"/>
-          </a:fillRef>
-          <a:effectRef idx="0">
-            <a:schemeClr val="accent1"/>
-          </a:effectRef>
-          <a:fontRef idx="minor">
-            <a:schemeClr val="lt1"/>
-          </a:fontRef>
-        </p:style>
-        <p:txBody>
-          <a:bodyPr rtlCol="0" anchor="ctr"/>
-          <a:lstStyle/>
-          <a:p>
-            <a:pPr algn="ctr"/>
-            <a:endParaRPr lang="zh-TW" altLang="en-US"/>
-          </a:p>
-        </p:txBody>
-      </p:sp>
-      <p:sp>
-        <p:nvSpPr>
-          <p:cNvPr id="6" name="文字方塊 5"/>
-          <p:cNvSpPr txBox="1"/>
-          <p:nvPr/>
-        </p:nvSpPr>
-        <p:spPr>
-          <a:xfrm>
-            <a:off x="457200" y="1866534"/>
-            <a:ext cx="7798777" cy="523220"/>
-          </a:xfrm>
-          <a:prstGeom prst="rect">
-            <a:avLst/>
-          </a:prstGeom>
-          <a:noFill/>
-        </p:spPr>
-        <p:txBody>
-          <a:bodyPr wrap="square" rtlCol="0">
-            <a:spAutoFit/>
-          </a:bodyPr>
-          <a:lstStyle/>
-          <a:p>
-            <a:r>
-              <a:rPr lang="en-US" altLang="zh-TW" sz="2800" dirty="0"/>
-              <a:t>curl –v </a:t>
-            </a:r>
-            <a:r>
-              <a:rPr lang="en-US" altLang="zh-TW" sz="2800" dirty="0" err="1"/>
-              <a:t>externalIP:port</a:t>
-            </a:r>
-            <a:r>
-              <a:rPr lang="en-US" altLang="zh-TW" sz="2800" dirty="0"/>
-              <a:t> </a:t>
-            </a:r>
-            <a:endParaRPr lang="zh-TW" altLang="en-US" sz="2800" dirty="0"/>
-          </a:p>
-        </p:txBody>
-      </p:sp>
-    </p:spTree>
-    <p:extLst>
-      <p:ext uri="{BB962C8B-B14F-4D97-AF65-F5344CB8AC3E}">
-        <p14:creationId xmlns:p14="http://schemas.microsoft.com/office/powerpoint/2010/main" val="1532242437"/>
-      </p:ext>
-    </p:extLst>
-  </p:cSld>
-  <p:clrMapOvr>
-    <a:masterClrMapping/>
-  </p:clrMapOvr>
-</p:sld>
-</file>
-
-<file path=ppt/slides/slide29.xml><?xml version="1.0" encoding="utf-8"?>
-<p:sld xmlns:a="http://schemas.openxmlformats.org/drawingml/2006/main" xmlns:r="http://schemas.openxmlformats.org/officeDocument/2006/relationships" xmlns:p="http://schemas.openxmlformats.org/presentationml/2006/main">
-  <p:cSld>
-    <p:spTree>
-      <p:nvGrpSpPr>
-        <p:cNvPr id="1" name=""/>
-        <p:cNvGrpSpPr/>
-        <p:nvPr/>
-      </p:nvGrpSpPr>
-      <p:grpSpPr>
-        <a:xfrm>
-          <a:off x="0" y="0"/>
-          <a:ext cx="0" cy="0"/>
-          <a:chOff x="0" y="0"/>
-          <a:chExt cx="0" cy="0"/>
-        </a:xfrm>
-      </p:grpSpPr>
-      <p:pic>
-        <p:nvPicPr>
-          <p:cNvPr id="4" name="內容版面配置區 3"/>
-          <p:cNvPicPr>
-            <a:picLocks noGrp="1" noChangeAspect="1"/>
-          </p:cNvPicPr>
-          <p:nvPr>
-            <p:ph idx="1"/>
-          </p:nvPr>
-        </p:nvPicPr>
-        <p:blipFill>
-          <a:blip r:embed="rId2">
-            <a:extLst>
-              <a:ext uri="{28A0092B-C50C-407E-A947-70E740481C1C}">
-                <a14:useLocalDpi xmlns:a14="http://schemas.microsoft.com/office/drawing/2010/main" val="0"/>
-              </a:ext>
-            </a:extLst>
-          </a:blip>
-          <a:stretch>
-            <a:fillRect/>
-          </a:stretch>
-        </p:blipFill>
-        <p:spPr>
-          <a:xfrm>
-            <a:off x="2321170" y="231326"/>
-            <a:ext cx="7649307" cy="6552307"/>
-          </a:xfrm>
-        </p:spPr>
-      </p:pic>
-    </p:spTree>
-    <p:extLst>
-      <p:ext uri="{BB962C8B-B14F-4D97-AF65-F5344CB8AC3E}">
-        <p14:creationId xmlns:p14="http://schemas.microsoft.com/office/powerpoint/2010/main" val="380552590"/>
       </p:ext>
     </p:extLst>
   </p:cSld>
@@ -11716,656 +8144,6 @@
     <p:extLst>
       <p:ext uri="{BB962C8B-B14F-4D97-AF65-F5344CB8AC3E}">
         <p14:creationId xmlns:p14="http://schemas.microsoft.com/office/powerpoint/2010/main" val="2262038218"/>
-      </p:ext>
-    </p:extLst>
-  </p:cSld>
-  <p:clrMapOvr>
-    <a:masterClrMapping/>
-  </p:clrMapOvr>
-</p:sld>
-</file>
-
-<file path=ppt/slides/slide30.xml><?xml version="1.0" encoding="utf-8"?>
-<p:sld xmlns:a="http://schemas.openxmlformats.org/drawingml/2006/main" xmlns:r="http://schemas.openxmlformats.org/officeDocument/2006/relationships" xmlns:p="http://schemas.openxmlformats.org/presentationml/2006/main">
-  <p:cSld>
-    <p:spTree>
-      <p:nvGrpSpPr>
-        <p:cNvPr id="1" name=""/>
-        <p:cNvGrpSpPr/>
-        <p:nvPr/>
-      </p:nvGrpSpPr>
-      <p:grpSpPr>
-        <a:xfrm>
-          <a:off x="0" y="0"/>
-          <a:ext cx="0" cy="0"/>
-          <a:chOff x="0" y="0"/>
-          <a:chExt cx="0" cy="0"/>
-        </a:xfrm>
-      </p:grpSpPr>
-      <p:sp>
-        <p:nvSpPr>
-          <p:cNvPr id="2" name="標題 1"/>
-          <p:cNvSpPr>
-            <a:spLocks noGrp="1"/>
-          </p:cNvSpPr>
-          <p:nvPr>
-            <p:ph type="title"/>
-          </p:nvPr>
-        </p:nvSpPr>
-        <p:spPr/>
-        <p:txBody>
-          <a:bodyPr/>
-          <a:lstStyle/>
-          <a:p>
-            <a:r>
-              <a:rPr lang="en-US" altLang="zh-TW" dirty="0"/>
-              <a:t>Other things(CNN, SVR model saving)</a:t>
-            </a:r>
-            <a:endParaRPr lang="zh-TW" altLang="en-US" dirty="0"/>
-          </a:p>
-        </p:txBody>
-      </p:sp>
-      <p:pic>
-        <p:nvPicPr>
-          <p:cNvPr id="6" name="內容版面配置區 5"/>
-          <p:cNvPicPr>
-            <a:picLocks noGrp="1" noChangeAspect="1"/>
-          </p:cNvPicPr>
-          <p:nvPr>
-            <p:ph idx="1"/>
-          </p:nvPr>
-        </p:nvPicPr>
-        <p:blipFill>
-          <a:blip r:embed="rId2">
-            <a:extLst>
-              <a:ext uri="{28A0092B-C50C-407E-A947-70E740481C1C}">
-                <a14:useLocalDpi xmlns:a14="http://schemas.microsoft.com/office/drawing/2010/main" val="0"/>
-              </a:ext>
-            </a:extLst>
-          </a:blip>
-          <a:stretch>
-            <a:fillRect/>
-          </a:stretch>
-        </p:blipFill>
-        <p:spPr>
-          <a:xfrm>
-            <a:off x="838200" y="3717914"/>
-            <a:ext cx="10515600" cy="2085009"/>
-          </a:xfrm>
-        </p:spPr>
-      </p:pic>
-      <p:pic>
-        <p:nvPicPr>
-          <p:cNvPr id="9" name="圖片 8"/>
-          <p:cNvPicPr>
-            <a:picLocks noChangeAspect="1"/>
-          </p:cNvPicPr>
-          <p:nvPr/>
-        </p:nvPicPr>
-        <p:blipFill rotWithShape="1">
-          <a:blip r:embed="rId3">
-            <a:extLst>
-              <a:ext uri="{28A0092B-C50C-407E-A947-70E740481C1C}">
-                <a14:useLocalDpi xmlns:a14="http://schemas.microsoft.com/office/drawing/2010/main" val="0"/>
-              </a:ext>
-            </a:extLst>
-          </a:blip>
-          <a:srcRect l="1383" t="9279"/>
-          <a:stretch/>
-        </p:blipFill>
-        <p:spPr>
-          <a:xfrm>
-            <a:off x="940777" y="1690688"/>
-            <a:ext cx="5535658" cy="1131643"/>
-          </a:xfrm>
-          <a:prstGeom prst="rect">
-            <a:avLst/>
-          </a:prstGeom>
-        </p:spPr>
-      </p:pic>
-      <p:sp>
-        <p:nvSpPr>
-          <p:cNvPr id="3" name="矩形 2"/>
-          <p:cNvSpPr/>
-          <p:nvPr/>
-        </p:nvSpPr>
-        <p:spPr>
-          <a:xfrm>
-            <a:off x="838200" y="5319346"/>
-            <a:ext cx="3083169" cy="483577"/>
-          </a:xfrm>
-          <a:prstGeom prst="rect">
-            <a:avLst/>
-          </a:prstGeom>
-          <a:noFill/>
-          <a:ln w="28575">
-            <a:solidFill>
-              <a:srgbClr val="FF0000"/>
-            </a:solidFill>
-          </a:ln>
-        </p:spPr>
-        <p:style>
-          <a:lnRef idx="2">
-            <a:schemeClr val="accent1">
-              <a:shade val="50000"/>
-            </a:schemeClr>
-          </a:lnRef>
-          <a:fillRef idx="1">
-            <a:schemeClr val="accent1"/>
-          </a:fillRef>
-          <a:effectRef idx="0">
-            <a:schemeClr val="accent1"/>
-          </a:effectRef>
-          <a:fontRef idx="minor">
-            <a:schemeClr val="lt1"/>
-          </a:fontRef>
-        </p:style>
-        <p:txBody>
-          <a:bodyPr rtlCol="0" anchor="ctr"/>
-          <a:lstStyle/>
-          <a:p>
-            <a:pPr algn="ctr"/>
-            <a:endParaRPr lang="zh-TW" altLang="en-US"/>
-          </a:p>
-        </p:txBody>
-      </p:sp>
-    </p:spTree>
-    <p:extLst>
-      <p:ext uri="{BB962C8B-B14F-4D97-AF65-F5344CB8AC3E}">
-        <p14:creationId xmlns:p14="http://schemas.microsoft.com/office/powerpoint/2010/main" val="349369774"/>
-      </p:ext>
-    </p:extLst>
-  </p:cSld>
-  <p:clrMapOvr>
-    <a:masterClrMapping/>
-  </p:clrMapOvr>
-</p:sld>
-</file>
-
-<file path=ppt/slides/slide31.xml><?xml version="1.0" encoding="utf-8"?>
-<p:sld xmlns:a="http://schemas.openxmlformats.org/drawingml/2006/main" xmlns:r="http://schemas.openxmlformats.org/officeDocument/2006/relationships" xmlns:p="http://schemas.openxmlformats.org/presentationml/2006/main">
-  <p:cSld>
-    <p:spTree>
-      <p:nvGrpSpPr>
-        <p:cNvPr id="1" name=""/>
-        <p:cNvGrpSpPr/>
-        <p:nvPr/>
-      </p:nvGrpSpPr>
-      <p:grpSpPr>
-        <a:xfrm>
-          <a:off x="0" y="0"/>
-          <a:ext cx="0" cy="0"/>
-          <a:chOff x="0" y="0"/>
-          <a:chExt cx="0" cy="0"/>
-        </a:xfrm>
-      </p:grpSpPr>
-      <p:sp>
-        <p:nvSpPr>
-          <p:cNvPr id="2" name="標題 1"/>
-          <p:cNvSpPr>
-            <a:spLocks noGrp="1"/>
-          </p:cNvSpPr>
-          <p:nvPr>
-            <p:ph type="title"/>
-          </p:nvPr>
-        </p:nvSpPr>
-        <p:spPr/>
-        <p:txBody>
-          <a:bodyPr/>
-          <a:lstStyle/>
-          <a:p>
-            <a:r>
-              <a:rPr lang="en-US" altLang="zh-TW" dirty="0"/>
-              <a:t>Other things(CNN, SVR log)</a:t>
-            </a:r>
-            <a:endParaRPr lang="zh-TW" altLang="en-US" dirty="0"/>
-          </a:p>
-        </p:txBody>
-      </p:sp>
-      <p:pic>
-        <p:nvPicPr>
-          <p:cNvPr id="8" name="圖片 7"/>
-          <p:cNvPicPr>
-            <a:picLocks noChangeAspect="1"/>
-          </p:cNvPicPr>
-          <p:nvPr/>
-        </p:nvPicPr>
-        <p:blipFill rotWithShape="1">
-          <a:blip r:embed="rId2">
-            <a:extLst>
-              <a:ext uri="{28A0092B-C50C-407E-A947-70E740481C1C}">
-                <a14:useLocalDpi xmlns:a14="http://schemas.microsoft.com/office/drawing/2010/main" val="0"/>
-              </a:ext>
-            </a:extLst>
-          </a:blip>
-          <a:srcRect l="612" t="2483" r="1835" b="23231"/>
-          <a:stretch/>
-        </p:blipFill>
-        <p:spPr>
-          <a:xfrm>
-            <a:off x="189262" y="1629142"/>
-            <a:ext cx="11164538" cy="4551850"/>
-          </a:xfrm>
-          <a:prstGeom prst="rect">
-            <a:avLst/>
-          </a:prstGeom>
-        </p:spPr>
-      </p:pic>
-    </p:spTree>
-    <p:extLst>
-      <p:ext uri="{BB962C8B-B14F-4D97-AF65-F5344CB8AC3E}">
-        <p14:creationId xmlns:p14="http://schemas.microsoft.com/office/powerpoint/2010/main" val="1873136539"/>
-      </p:ext>
-    </p:extLst>
-  </p:cSld>
-  <p:clrMapOvr>
-    <a:masterClrMapping/>
-  </p:clrMapOvr>
-</p:sld>
-</file>
-
-<file path=ppt/slides/slide32.xml><?xml version="1.0" encoding="utf-8"?>
-<p:sld xmlns:a="http://schemas.openxmlformats.org/drawingml/2006/main" xmlns:r="http://schemas.openxmlformats.org/officeDocument/2006/relationships" xmlns:p="http://schemas.openxmlformats.org/presentationml/2006/main">
-  <p:cSld>
-    <p:spTree>
-      <p:nvGrpSpPr>
-        <p:cNvPr id="1" name=""/>
-        <p:cNvGrpSpPr/>
-        <p:nvPr/>
-      </p:nvGrpSpPr>
-      <p:grpSpPr>
-        <a:xfrm>
-          <a:off x="0" y="0"/>
-          <a:ext cx="0" cy="0"/>
-          <a:chOff x="0" y="0"/>
-          <a:chExt cx="0" cy="0"/>
-        </a:xfrm>
-      </p:grpSpPr>
-      <p:sp>
-        <p:nvSpPr>
-          <p:cNvPr id="2" name="標題 1">
-            <a:extLst>
-              <a:ext uri="{FF2B5EF4-FFF2-40B4-BE49-F238E27FC236}">
-                <a16:creationId xmlns:a16="http://schemas.microsoft.com/office/drawing/2014/main" id="{9D65FACB-6C9A-C54B-912D-00D7B8C7ED91}"/>
-              </a:ext>
-            </a:extLst>
-          </p:cNvPr>
-          <p:cNvSpPr>
-            <a:spLocks noGrp="1"/>
-          </p:cNvSpPr>
-          <p:nvPr>
-            <p:ph type="title"/>
-          </p:nvPr>
-        </p:nvSpPr>
-        <p:spPr/>
-        <p:txBody>
-          <a:bodyPr/>
-          <a:lstStyle/>
-          <a:p>
-            <a:r>
-              <a:rPr kumimoji="1" lang="en-US" altLang="zh-TW" dirty="0" err="1">
-                <a:latin typeface="Times New Roman" panose="02020603050405020304" pitchFamily="18" charset="0"/>
-                <a:cs typeface="Times New Roman" panose="02020603050405020304" pitchFamily="18" charset="0"/>
-              </a:rPr>
-              <a:t>TroubleShooting</a:t>
-            </a:r>
-            <a:r>
-              <a:rPr kumimoji="1" lang="en-US" altLang="zh-TW" dirty="0">
-                <a:latin typeface="Times New Roman" panose="02020603050405020304" pitchFamily="18" charset="0"/>
-                <a:cs typeface="Times New Roman" panose="02020603050405020304" pitchFamily="18" charset="0"/>
-              </a:rPr>
-              <a:t>-Docker Desktop</a:t>
-            </a:r>
-            <a:r>
-              <a:rPr kumimoji="1" lang="zh-TW" altLang="en-US" dirty="0">
-                <a:latin typeface="BiauKai" panose="02010601000101010101" pitchFamily="2" charset="-120"/>
-                <a:ea typeface="BiauKai" panose="02010601000101010101" pitchFamily="2" charset="-120"/>
-              </a:rPr>
-              <a:t>沒開</a:t>
-            </a:r>
-          </a:p>
-        </p:txBody>
-      </p:sp>
-      <p:sp>
-        <p:nvSpPr>
-          <p:cNvPr id="3" name="內容版面配置區 2">
-            <a:extLst>
-              <a:ext uri="{FF2B5EF4-FFF2-40B4-BE49-F238E27FC236}">
-                <a16:creationId xmlns:a16="http://schemas.microsoft.com/office/drawing/2014/main" id="{7F175E01-99E1-BF41-8FFF-19CE1EE069D3}"/>
-              </a:ext>
-            </a:extLst>
-          </p:cNvPr>
-          <p:cNvSpPr>
-            <a:spLocks noGrp="1"/>
-          </p:cNvSpPr>
-          <p:nvPr>
-            <p:ph idx="1"/>
-          </p:nvPr>
-        </p:nvSpPr>
-        <p:spPr>
-          <a:xfrm>
-            <a:off x="838200" y="3047999"/>
-            <a:ext cx="10515600" cy="3128963"/>
-          </a:xfrm>
-        </p:spPr>
-        <p:txBody>
-          <a:bodyPr/>
-          <a:lstStyle/>
-          <a:p>
-            <a:pPr marL="0" indent="0">
-              <a:buNone/>
-            </a:pPr>
-            <a:r>
-              <a:rPr lang="en-US" altLang="zh-TW" dirty="0">
-                <a:latin typeface="Times New Roman" panose="02020603050405020304" pitchFamily="18" charset="0"/>
-                <a:cs typeface="Times New Roman" panose="02020603050405020304" pitchFamily="18" charset="0"/>
-              </a:rPr>
-              <a:t>(base) </a:t>
-            </a:r>
-            <a:r>
-              <a:rPr lang="en-US" altLang="zh-TW" dirty="0" err="1">
-                <a:latin typeface="Times New Roman" panose="02020603050405020304" pitchFamily="18" charset="0"/>
-                <a:cs typeface="Times New Roman" panose="02020603050405020304" pitchFamily="18" charset="0"/>
-              </a:rPr>
-              <a:t>yuteng@yutengdeMacBook-Pro</a:t>
-            </a:r>
-            <a:r>
-              <a:rPr lang="en-US" altLang="zh-TW" dirty="0">
-                <a:latin typeface="Times New Roman" panose="02020603050405020304" pitchFamily="18" charset="0"/>
-                <a:cs typeface="Times New Roman" panose="02020603050405020304" pitchFamily="18" charset="0"/>
-              </a:rPr>
-              <a:t> k8sInkind % kind create cluster --config </a:t>
-            </a:r>
-            <a:r>
-              <a:rPr lang="en-US" altLang="zh-TW" dirty="0" err="1">
-                <a:latin typeface="Times New Roman" panose="02020603050405020304" pitchFamily="18" charset="0"/>
-                <a:cs typeface="Times New Roman" panose="02020603050405020304" pitchFamily="18" charset="0"/>
-              </a:rPr>
-              <a:t>cluster.yaml</a:t>
-            </a:r>
-            <a:r>
-              <a:rPr lang="en-US" altLang="zh-TW" dirty="0">
-                <a:latin typeface="Times New Roman" panose="02020603050405020304" pitchFamily="18" charset="0"/>
-                <a:cs typeface="Times New Roman" panose="02020603050405020304" pitchFamily="18" charset="0"/>
-              </a:rPr>
-              <a:t> </a:t>
-            </a:r>
-          </a:p>
-          <a:p>
-            <a:pPr marL="0" indent="0">
-              <a:buNone/>
-            </a:pPr>
-            <a:r>
-              <a:rPr lang="en-US" altLang="zh-TW" dirty="0">
-                <a:latin typeface="Times New Roman" panose="02020603050405020304" pitchFamily="18" charset="0"/>
-                <a:cs typeface="Times New Roman" panose="02020603050405020304" pitchFamily="18" charset="0"/>
-              </a:rPr>
-              <a:t>ERROR: failed to create cluster: failed to list nodes: command "docker </a:t>
-            </a:r>
-            <a:r>
-              <a:rPr lang="en-US" altLang="zh-TW" dirty="0" err="1">
-                <a:latin typeface="Times New Roman" panose="02020603050405020304" pitchFamily="18" charset="0"/>
-                <a:cs typeface="Times New Roman" panose="02020603050405020304" pitchFamily="18" charset="0"/>
-              </a:rPr>
-              <a:t>ps</a:t>
-            </a:r>
-            <a:r>
-              <a:rPr lang="en-US" altLang="zh-TW" dirty="0">
-                <a:latin typeface="Times New Roman" panose="02020603050405020304" pitchFamily="18" charset="0"/>
-                <a:cs typeface="Times New Roman" panose="02020603050405020304" pitchFamily="18" charset="0"/>
-              </a:rPr>
-              <a:t> -a --filter label=io.x-k8s.kind.cluster=bcs110108 --format '{{.Names}}'" failed with error: exit status 1</a:t>
-            </a:r>
-          </a:p>
-          <a:p>
-            <a:pPr marL="0" indent="0">
-              <a:buNone/>
-            </a:pPr>
-            <a:r>
-              <a:rPr lang="en-US" altLang="zh-TW" dirty="0">
-                <a:latin typeface="Times New Roman" panose="02020603050405020304" pitchFamily="18" charset="0"/>
-                <a:cs typeface="Times New Roman" panose="02020603050405020304" pitchFamily="18" charset="0"/>
-              </a:rPr>
-              <a:t>Command Output: Cannot connect to the Docker daemon at </a:t>
-            </a:r>
-            <a:r>
-              <a:rPr lang="en-US" altLang="zh-TW" dirty="0" err="1">
-                <a:latin typeface="Times New Roman" panose="02020603050405020304" pitchFamily="18" charset="0"/>
-                <a:cs typeface="Times New Roman" panose="02020603050405020304" pitchFamily="18" charset="0"/>
-              </a:rPr>
-              <a:t>unix</a:t>
-            </a:r>
-            <a:r>
-              <a:rPr lang="en-US" altLang="zh-TW" dirty="0">
-                <a:latin typeface="Times New Roman" panose="02020603050405020304" pitchFamily="18" charset="0"/>
-                <a:cs typeface="Times New Roman" panose="02020603050405020304" pitchFamily="18" charset="0"/>
-              </a:rPr>
-              <a:t>:///</a:t>
-            </a:r>
-            <a:r>
-              <a:rPr lang="en-US" altLang="zh-TW" dirty="0" err="1">
-                <a:latin typeface="Times New Roman" panose="02020603050405020304" pitchFamily="18" charset="0"/>
-                <a:cs typeface="Times New Roman" panose="02020603050405020304" pitchFamily="18" charset="0"/>
-              </a:rPr>
-              <a:t>var</a:t>
-            </a:r>
-            <a:r>
-              <a:rPr lang="en-US" altLang="zh-TW" dirty="0">
-                <a:latin typeface="Times New Roman" panose="02020603050405020304" pitchFamily="18" charset="0"/>
-                <a:cs typeface="Times New Roman" panose="02020603050405020304" pitchFamily="18" charset="0"/>
-              </a:rPr>
-              <a:t>/run/</a:t>
-            </a:r>
-            <a:r>
-              <a:rPr lang="en-US" altLang="zh-TW" dirty="0" err="1">
-                <a:latin typeface="Times New Roman" panose="02020603050405020304" pitchFamily="18" charset="0"/>
-                <a:cs typeface="Times New Roman" panose="02020603050405020304" pitchFamily="18" charset="0"/>
-              </a:rPr>
-              <a:t>docker.sock</a:t>
-            </a:r>
-            <a:r>
-              <a:rPr lang="en-US" altLang="zh-TW" dirty="0">
-                <a:latin typeface="Times New Roman" panose="02020603050405020304" pitchFamily="18" charset="0"/>
-                <a:cs typeface="Times New Roman" panose="02020603050405020304" pitchFamily="18" charset="0"/>
-              </a:rPr>
-              <a:t>. </a:t>
-            </a:r>
-            <a:r>
-              <a:rPr lang="en-US" altLang="zh-TW" dirty="0">
-                <a:solidFill>
-                  <a:srgbClr val="FF0000"/>
-                </a:solidFill>
-                <a:latin typeface="Times New Roman" panose="02020603050405020304" pitchFamily="18" charset="0"/>
-                <a:cs typeface="Times New Roman" panose="02020603050405020304" pitchFamily="18" charset="0"/>
-              </a:rPr>
-              <a:t>Is the docker daemon running?</a:t>
-            </a:r>
-          </a:p>
-          <a:p>
-            <a:pPr marL="0" indent="0">
-              <a:buNone/>
-            </a:pPr>
-            <a:endParaRPr kumimoji="1" lang="zh-TW" altLang="en-US" dirty="0"/>
-          </a:p>
-        </p:txBody>
-      </p:sp>
-      <p:sp>
-        <p:nvSpPr>
-          <p:cNvPr id="5" name="文字方塊 4">
-            <a:extLst>
-              <a:ext uri="{FF2B5EF4-FFF2-40B4-BE49-F238E27FC236}">
-                <a16:creationId xmlns:a16="http://schemas.microsoft.com/office/drawing/2014/main" id="{C0B20729-F903-6946-86BF-9EB43F89DD71}"/>
-              </a:ext>
-            </a:extLst>
-          </p:cNvPr>
-          <p:cNvSpPr txBox="1"/>
-          <p:nvPr/>
-        </p:nvSpPr>
-        <p:spPr>
-          <a:xfrm>
-            <a:off x="838200" y="1503680"/>
-            <a:ext cx="8167621" cy="1569660"/>
-          </a:xfrm>
-          <a:prstGeom prst="rect">
-            <a:avLst/>
-          </a:prstGeom>
-          <a:noFill/>
-        </p:spPr>
-        <p:txBody>
-          <a:bodyPr wrap="none" rtlCol="0">
-            <a:spAutoFit/>
-          </a:bodyPr>
-          <a:lstStyle/>
-          <a:p>
-            <a:r>
-              <a:rPr kumimoji="1" lang="en-US" altLang="zh-CN" sz="3200" dirty="0">
-                <a:latin typeface="BiauKai" panose="02010601000101010101" pitchFamily="2" charset="-120"/>
-                <a:ea typeface="BiauKai" panose="02010601000101010101" pitchFamily="2" charset="-120"/>
-                <a:cs typeface="Times New Roman" panose="02020603050405020304" pitchFamily="18" charset="0"/>
-              </a:rPr>
-              <a:t>1.</a:t>
-            </a:r>
-            <a:r>
-              <a:rPr kumimoji="1" lang="zh-CN" altLang="en-US" sz="3200" dirty="0">
-                <a:latin typeface="BiauKai" panose="02010601000101010101" pitchFamily="2" charset="-120"/>
-                <a:ea typeface="BiauKai" panose="02010601000101010101" pitchFamily="2" charset="-120"/>
-                <a:cs typeface="Times New Roman" panose="02020603050405020304" pitchFamily="18" charset="0"/>
-              </a:rPr>
-              <a:t>在</a:t>
-            </a:r>
-            <a:r>
-              <a:rPr kumimoji="1" lang="en-US" altLang="zh-CN" sz="3200" dirty="0">
-                <a:latin typeface="Times New Roman" panose="02020603050405020304" pitchFamily="18" charset="0"/>
-                <a:ea typeface="BiauKai" panose="02010601000101010101" pitchFamily="2" charset="-120"/>
-                <a:cs typeface="Times New Roman" panose="02020603050405020304" pitchFamily="18" charset="0"/>
-              </a:rPr>
-              <a:t>Window</a:t>
-            </a:r>
-            <a:r>
-              <a:rPr kumimoji="1" lang="zh-CN" altLang="en-US" sz="3200" dirty="0">
-                <a:latin typeface="BiauKai" panose="02010601000101010101" pitchFamily="2" charset="-120"/>
-                <a:ea typeface="BiauKai" panose="02010601000101010101" pitchFamily="2" charset="-120"/>
-                <a:cs typeface="Times New Roman" panose="02020603050405020304" pitchFamily="18" charset="0"/>
-              </a:rPr>
-              <a:t>與</a:t>
-            </a:r>
-            <a:r>
-              <a:rPr kumimoji="1" lang="en-US" altLang="zh-CN" sz="3200" dirty="0">
-                <a:latin typeface="Times New Roman" panose="02020603050405020304" pitchFamily="18" charset="0"/>
-                <a:ea typeface="BiauKai" panose="02010601000101010101" pitchFamily="2" charset="-120"/>
-                <a:cs typeface="Times New Roman" panose="02020603050405020304" pitchFamily="18" charset="0"/>
-              </a:rPr>
-              <a:t>Mac</a:t>
-            </a:r>
-            <a:r>
-              <a:rPr kumimoji="1" lang="zh-CN" altLang="en-US" sz="3200" dirty="0">
-                <a:latin typeface="BiauKai" panose="02010601000101010101" pitchFamily="2" charset="-120"/>
-                <a:ea typeface="BiauKai" panose="02010601000101010101" pitchFamily="2" charset="-120"/>
-                <a:cs typeface="Times New Roman" panose="02020603050405020304" pitchFamily="18" charset="0"/>
-              </a:rPr>
-              <a:t>下</a:t>
-            </a:r>
-            <a:endParaRPr kumimoji="1" lang="en-US" altLang="zh-TW" sz="3200" dirty="0">
-              <a:latin typeface="BiauKai" panose="02010601000101010101" pitchFamily="2" charset="-120"/>
-              <a:ea typeface="BiauKai" panose="02010601000101010101" pitchFamily="2" charset="-120"/>
-              <a:cs typeface="Times New Roman" panose="02020603050405020304" pitchFamily="18" charset="0"/>
-            </a:endParaRPr>
-          </a:p>
-          <a:p>
-            <a:r>
-              <a:rPr kumimoji="1" lang="en-US" altLang="zh-TW" sz="3200" dirty="0">
-                <a:latin typeface="BiauKai" panose="02010601000101010101" pitchFamily="2" charset="-120"/>
-                <a:ea typeface="BiauKai" panose="02010601000101010101" pitchFamily="2" charset="-120"/>
-                <a:cs typeface="Times New Roman" panose="02020603050405020304" pitchFamily="18" charset="0"/>
-              </a:rPr>
-              <a:t>2.</a:t>
-            </a:r>
-            <a:r>
-              <a:rPr kumimoji="1" lang="zh-TW" altLang="en-US" sz="3200" dirty="0">
-                <a:latin typeface="BiauKai" panose="02010601000101010101" pitchFamily="2" charset="-120"/>
-                <a:ea typeface="BiauKai" panose="02010601000101010101" pitchFamily="2" charset="-120"/>
-                <a:cs typeface="Times New Roman" panose="02020603050405020304" pitchFamily="18" charset="0"/>
-              </a:rPr>
-              <a:t>透過</a:t>
-            </a:r>
-            <a:r>
-              <a:rPr kumimoji="1" lang="en-US" altLang="zh-TW" sz="3200" dirty="0">
-                <a:latin typeface="Times New Roman" panose="02020603050405020304" pitchFamily="18" charset="0"/>
-                <a:ea typeface="BiauKai" panose="02010601000101010101" pitchFamily="2" charset="-120"/>
-                <a:cs typeface="Times New Roman" panose="02020603050405020304" pitchFamily="18" charset="0"/>
-              </a:rPr>
-              <a:t>Docker desktop</a:t>
-            </a:r>
-            <a:r>
-              <a:rPr kumimoji="1" lang="zh-CN" altLang="en-US" sz="3200" dirty="0">
-                <a:latin typeface="BiauKai" panose="02010601000101010101" pitchFamily="2" charset="-120"/>
-                <a:ea typeface="BiauKai" panose="02010601000101010101" pitchFamily="2" charset="-120"/>
-                <a:cs typeface="Times New Roman" panose="02020603050405020304" pitchFamily="18" charset="0"/>
-              </a:rPr>
-              <a:t>安裝</a:t>
-            </a:r>
-            <a:r>
-              <a:rPr kumimoji="1" lang="en-US" altLang="zh-CN" sz="3200" dirty="0">
-                <a:latin typeface="Times New Roman" panose="02020603050405020304" pitchFamily="18" charset="0"/>
-                <a:ea typeface="BiauKai" panose="02010601000101010101" pitchFamily="2" charset="-120"/>
-                <a:cs typeface="Times New Roman" panose="02020603050405020304" pitchFamily="18" charset="0"/>
-              </a:rPr>
-              <a:t>Docker runtime</a:t>
-            </a:r>
-            <a:r>
-              <a:rPr kumimoji="1" lang="zh-CN" altLang="en-US" sz="3200" dirty="0">
-                <a:latin typeface="Times New Roman" panose="02020603050405020304" pitchFamily="18" charset="0"/>
-                <a:ea typeface="BiauKai" panose="02010601000101010101" pitchFamily="2" charset="-120"/>
-                <a:cs typeface="Times New Roman" panose="02020603050405020304" pitchFamily="18" charset="0"/>
-              </a:rPr>
-              <a:t>。</a:t>
-            </a:r>
-            <a:r>
-              <a:rPr kumimoji="1" lang="en-US" altLang="zh-CN" sz="3200" dirty="0">
-                <a:latin typeface="Times New Roman" panose="02020603050405020304" pitchFamily="18" charset="0"/>
-                <a:ea typeface="BiauKai" panose="02010601000101010101" pitchFamily="2" charset="-120"/>
-                <a:cs typeface="Times New Roman" panose="02020603050405020304" pitchFamily="18" charset="0"/>
-              </a:rPr>
-              <a:t>()</a:t>
-            </a:r>
-          </a:p>
-          <a:p>
-            <a:r>
-              <a:rPr kumimoji="1" lang="en-US" altLang="zh-TW" sz="3200" dirty="0">
-                <a:latin typeface="Times New Roman" panose="02020603050405020304" pitchFamily="18" charset="0"/>
-                <a:ea typeface="BiauKai" panose="02010601000101010101" pitchFamily="2" charset="-120"/>
-                <a:cs typeface="Times New Roman" panose="02020603050405020304" pitchFamily="18" charset="0"/>
-              </a:rPr>
-              <a:t>=&gt; </a:t>
-            </a:r>
-            <a:r>
-              <a:rPr kumimoji="1" lang="zh-CN" altLang="en-US" sz="3200" dirty="0">
-                <a:latin typeface="Times New Roman" panose="02020603050405020304" pitchFamily="18" charset="0"/>
-                <a:ea typeface="BiauKai" panose="02010601000101010101" pitchFamily="2" charset="-120"/>
-                <a:cs typeface="Times New Roman" panose="02020603050405020304" pitchFamily="18" charset="0"/>
-              </a:rPr>
-              <a:t>啟動你的</a:t>
-            </a:r>
-            <a:r>
-              <a:rPr kumimoji="1" lang="en-US" altLang="zh-CN" sz="3200" dirty="0">
-                <a:latin typeface="Times New Roman" panose="02020603050405020304" pitchFamily="18" charset="0"/>
-                <a:ea typeface="BiauKai" panose="02010601000101010101" pitchFamily="2" charset="-120"/>
-                <a:cs typeface="Times New Roman" panose="02020603050405020304" pitchFamily="18" charset="0"/>
-              </a:rPr>
-              <a:t>Docker Desktop</a:t>
-            </a:r>
-            <a:endParaRPr kumimoji="1" lang="zh-TW" altLang="en-US" sz="3200" dirty="0">
-              <a:latin typeface="Times New Roman" panose="02020603050405020304" pitchFamily="18" charset="0"/>
-              <a:ea typeface="BiauKai" panose="02010601000101010101" pitchFamily="2" charset="-120"/>
-              <a:cs typeface="Times New Roman" panose="02020603050405020304" pitchFamily="18" charset="0"/>
-            </a:endParaRPr>
-          </a:p>
-        </p:txBody>
-      </p:sp>
-    </p:spTree>
-    <p:extLst>
-      <p:ext uri="{BB962C8B-B14F-4D97-AF65-F5344CB8AC3E}">
-        <p14:creationId xmlns:p14="http://schemas.microsoft.com/office/powerpoint/2010/main" val="2746280969"/>
       </p:ext>
     </p:extLst>
   </p:cSld>
